--- a/套版 墨竹.pptx
+++ b/套版 墨竹.pptx
@@ -5,7 +5,7 @@
     <p:sldMasterId id="2147483648" r:id="rId1"/>
   </p:sldMasterIdLst>
   <p:notesMasterIdLst>
-    <p:notesMasterId r:id="rId15"/>
+    <p:notesMasterId r:id="rId21"/>
   </p:notesMasterIdLst>
   <p:sldIdLst>
     <p:sldId id="256" r:id="rId2"/>
@@ -17,10 +17,16 @@
     <p:sldId id="272" r:id="rId8"/>
     <p:sldId id="277" r:id="rId9"/>
     <p:sldId id="280" r:id="rId10"/>
-    <p:sldId id="276" r:id="rId11"/>
-    <p:sldId id="278" r:id="rId12"/>
-    <p:sldId id="279" r:id="rId13"/>
-    <p:sldId id="263" r:id="rId14"/>
+    <p:sldId id="283" r:id="rId11"/>
+    <p:sldId id="281" r:id="rId12"/>
+    <p:sldId id="285" r:id="rId13"/>
+    <p:sldId id="282" r:id="rId14"/>
+    <p:sldId id="284" r:id="rId15"/>
+    <p:sldId id="286" r:id="rId16"/>
+    <p:sldId id="276" r:id="rId17"/>
+    <p:sldId id="278" r:id="rId18"/>
+    <p:sldId id="279" r:id="rId19"/>
+    <p:sldId id="263" r:id="rId20"/>
   </p:sldIdLst>
   <p:sldSz cx="9144000" cy="5143500" type="screen16x9"/>
   <p:notesSz cx="6858000" cy="9144000"/>
@@ -726,7 +732,7 @@
             <a:fld id="{740EEF4B-1F10-410F-986B-F2B71121153F}" type="slidenum">
               <a:rPr lang="zh-CN" altLang="en-US" smtClean="0"/>
               <a:pPr/>
-              <a:t>13</a:t>
+              <a:t>19</a:t>
             </a:fld>
             <a:endParaRPr lang="zh-CN" altLang="en-US"/>
           </a:p>
@@ -4277,62 +4283,897 @@
           <a:chExt cx="0" cy="0"/>
         </a:xfrm>
       </p:grpSpPr>
+      <p:grpSp>
+        <p:nvGrpSpPr>
+          <p:cNvPr id="16" name="群組 15"/>
+          <p:cNvGrpSpPr/>
+          <p:nvPr/>
+        </p:nvGrpSpPr>
+        <p:grpSpPr>
+          <a:xfrm>
+            <a:off x="539552" y="555526"/>
+            <a:ext cx="8226660" cy="705664"/>
+            <a:chOff x="539552" y="555526"/>
+            <a:chExt cx="8226660" cy="705664"/>
+          </a:xfrm>
+        </p:grpSpPr>
+        <p:pic>
+          <p:nvPicPr>
+            <p:cNvPr id="11" name="图片 3"/>
+            <p:cNvPicPr>
+              <a:picLocks noChangeAspect="1"/>
+            </p:cNvPicPr>
+            <p:nvPr/>
+          </p:nvPicPr>
+          <p:blipFill>
+            <a:blip r:embed="rId2" cstate="email">
+              <a:extLst>
+                <a:ext uri="{28A0092B-C50C-407E-A947-70E740481C1C}">
+                  <a14:useLocalDpi xmlns:a14="http://schemas.microsoft.com/office/drawing/2010/main" val="0"/>
+                </a:ext>
+              </a:extLst>
+            </a:blip>
+            <a:stretch>
+              <a:fillRect/>
+            </a:stretch>
+          </p:blipFill>
+          <p:spPr>
+            <a:xfrm>
+              <a:off x="539552" y="555526"/>
+              <a:ext cx="684076" cy="705664"/>
+            </a:xfrm>
+            <a:prstGeom prst="rect">
+              <a:avLst/>
+            </a:prstGeom>
+          </p:spPr>
+        </p:pic>
+        <p:sp>
+          <p:nvSpPr>
+            <p:cNvPr id="12" name="TextBox 5"/>
+            <p:cNvSpPr txBox="1"/>
+            <p:nvPr/>
+          </p:nvSpPr>
+          <p:spPr>
+            <a:xfrm>
+              <a:off x="603602" y="627533"/>
+              <a:ext cx="576064" cy="461665"/>
+            </a:xfrm>
+            <a:prstGeom prst="rect">
+              <a:avLst/>
+            </a:prstGeom>
+            <a:noFill/>
+          </p:spPr>
+          <p:txBody>
+            <a:bodyPr wrap="square" rtlCol="0">
+              <a:spAutoFit/>
+            </a:bodyPr>
+            <a:lstStyle/>
+            <a:p>
+              <a:pPr algn="ctr"/>
+              <a:r>
+                <a:rPr lang="zh-TW" altLang="en-US" sz="2400" dirty="0">
+                  <a:solidFill>
+                    <a:schemeClr val="bg1"/>
+                  </a:solidFill>
+                  <a:latin typeface="华文隶书" pitchFamily="2" charset="-122"/>
+                  <a:ea typeface="华文隶书" pitchFamily="2" charset="-122"/>
+                </a:rPr>
+                <a:t>四</a:t>
+              </a:r>
+              <a:endParaRPr lang="zh-CN" altLang="en-US" sz="2400" dirty="0">
+                <a:solidFill>
+                  <a:schemeClr val="bg1"/>
+                </a:solidFill>
+                <a:latin typeface="华文隶书" pitchFamily="2" charset="-122"/>
+                <a:ea typeface="华文隶书" pitchFamily="2" charset="-122"/>
+              </a:endParaRPr>
+            </a:p>
+          </p:txBody>
+        </p:sp>
+        <p:sp>
+          <p:nvSpPr>
+            <p:cNvPr id="10" name="TextBox 6"/>
+            <p:cNvSpPr txBox="1"/>
+            <p:nvPr/>
+          </p:nvSpPr>
+          <p:spPr>
+            <a:xfrm>
+              <a:off x="1187624" y="627533"/>
+              <a:ext cx="7578588" cy="523220"/>
+            </a:xfrm>
+            <a:prstGeom prst="rect">
+              <a:avLst/>
+            </a:prstGeom>
+            <a:noFill/>
+          </p:spPr>
+          <p:txBody>
+            <a:bodyPr wrap="square" rtlCol="0">
+              <a:spAutoFit/>
+            </a:bodyPr>
+            <a:lstStyle/>
+            <a:p>
+              <a:r>
+                <a:rPr lang="zh-TW" altLang="en-US" sz="2800" b="1" dirty="0" smtClean="0">
+                  <a:latin typeface="Adobe 楷体 Std R" pitchFamily="18" charset="-128"/>
+                  <a:ea typeface="Adobe 楷体 Std R" pitchFamily="18" charset="-128"/>
+                </a:rPr>
+                <a:t>使用者透過</a:t>
+              </a:r>
+              <a:r>
+                <a:rPr lang="en-US" altLang="zh-TW" sz="2800" b="1" dirty="0" smtClean="0">
+                  <a:solidFill>
+                    <a:srgbClr val="0000CC"/>
+                  </a:solidFill>
+                  <a:latin typeface="Adobe 楷体 Std R" pitchFamily="18" charset="-128"/>
+                  <a:ea typeface="Adobe 楷体 Std R" pitchFamily="18" charset="-128"/>
+                </a:rPr>
+                <a:t>Firebase</a:t>
+              </a:r>
+              <a:r>
+                <a:rPr lang="zh-TW" altLang="en-US" sz="2800" b="1" dirty="0" smtClean="0">
+                  <a:latin typeface="Adobe 楷体 Std R" pitchFamily="18" charset="-128"/>
+                  <a:ea typeface="Adobe 楷体 Std R" pitchFamily="18" charset="-128"/>
+                </a:rPr>
+                <a:t>註冊及信箱驗證</a:t>
+              </a:r>
+              <a:r>
+                <a:rPr lang="en-US" altLang="zh-TW" sz="2800" b="1" dirty="0" smtClean="0">
+                  <a:latin typeface="Adobe 楷体 Std R" pitchFamily="18" charset="-128"/>
+                  <a:ea typeface="Adobe 楷体 Std R" pitchFamily="18" charset="-128"/>
+                </a:rPr>
+                <a:t>:</a:t>
+              </a:r>
+            </a:p>
+          </p:txBody>
+        </p:sp>
+      </p:grpSp>
+      <p:grpSp>
+        <p:nvGrpSpPr>
+          <p:cNvPr id="20" name="群組 19"/>
+          <p:cNvGrpSpPr/>
+          <p:nvPr/>
+        </p:nvGrpSpPr>
+        <p:grpSpPr>
+          <a:xfrm>
+            <a:off x="603602" y="1261102"/>
+            <a:ext cx="1606162" cy="467688"/>
+            <a:chOff x="603602" y="1261102"/>
+            <a:chExt cx="1606162" cy="467688"/>
+          </a:xfrm>
+        </p:grpSpPr>
+        <p:grpSp>
+          <p:nvGrpSpPr>
+            <p:cNvPr id="18" name="群組 17"/>
+            <p:cNvGrpSpPr/>
+            <p:nvPr/>
+          </p:nvGrpSpPr>
+          <p:grpSpPr>
+            <a:xfrm>
+              <a:off x="603602" y="1300222"/>
+              <a:ext cx="411480" cy="428568"/>
+              <a:chOff x="603602" y="1300222"/>
+              <a:chExt cx="411480" cy="428568"/>
+            </a:xfrm>
+          </p:grpSpPr>
+          <p:pic>
+            <p:nvPicPr>
+              <p:cNvPr id="15" name="图片 3"/>
+              <p:cNvPicPr>
+                <a:picLocks noChangeAspect="1"/>
+              </p:cNvPicPr>
+              <p:nvPr/>
+            </p:nvPicPr>
+            <p:blipFill>
+              <a:blip r:embed="rId2" cstate="email">
+                <a:extLst>
+                  <a:ext uri="{28A0092B-C50C-407E-A947-70E740481C1C}">
+                    <a14:useLocalDpi xmlns:a14="http://schemas.microsoft.com/office/drawing/2010/main" val="0"/>
+                  </a:ext>
+                </a:extLst>
+              </a:blip>
+              <a:stretch>
+                <a:fillRect/>
+              </a:stretch>
+            </p:blipFill>
+            <p:spPr>
+              <a:xfrm>
+                <a:off x="603602" y="1305880"/>
+                <a:ext cx="411480" cy="422910"/>
+              </a:xfrm>
+              <a:prstGeom prst="rect">
+                <a:avLst/>
+              </a:prstGeom>
+            </p:spPr>
+          </p:pic>
+          <p:sp>
+            <p:nvSpPr>
+              <p:cNvPr id="17" name="文字方塊 16"/>
+              <p:cNvSpPr txBox="1"/>
+              <p:nvPr/>
+            </p:nvSpPr>
+            <p:spPr>
+              <a:xfrm>
+                <a:off x="671514" y="1300222"/>
+                <a:ext cx="301686" cy="369332"/>
+              </a:xfrm>
+              <a:prstGeom prst="rect">
+                <a:avLst/>
+              </a:prstGeom>
+              <a:noFill/>
+            </p:spPr>
+            <p:txBody>
+              <a:bodyPr wrap="none" rtlCol="0">
+                <a:spAutoFit/>
+              </a:bodyPr>
+              <a:lstStyle/>
+              <a:p>
+                <a:r>
+                  <a:rPr lang="en-US" altLang="zh-TW" dirty="0" smtClean="0">
+                    <a:solidFill>
+                      <a:schemeClr val="bg1"/>
+                    </a:solidFill>
+                  </a:rPr>
+                  <a:t>1</a:t>
+                </a:r>
+                <a:endParaRPr lang="zh-TW" altLang="en-US" dirty="0">
+                  <a:solidFill>
+                    <a:schemeClr val="bg1"/>
+                  </a:solidFill>
+                </a:endParaRPr>
+              </a:p>
+            </p:txBody>
+          </p:sp>
+        </p:grpSp>
+        <p:sp>
+          <p:nvSpPr>
+            <p:cNvPr id="19" name="文字方塊 18"/>
+            <p:cNvSpPr txBox="1"/>
+            <p:nvPr/>
+          </p:nvSpPr>
+          <p:spPr>
+            <a:xfrm>
+              <a:off x="1002382" y="1261102"/>
+              <a:ext cx="1207382" cy="461665"/>
+            </a:xfrm>
+            <a:prstGeom prst="rect">
+              <a:avLst/>
+            </a:prstGeom>
+            <a:noFill/>
+          </p:spPr>
+          <p:txBody>
+            <a:bodyPr wrap="none" rtlCol="0">
+              <a:spAutoFit/>
+            </a:bodyPr>
+            <a:lstStyle/>
+            <a:p>
+              <a:r>
+                <a:rPr lang="zh-TW" altLang="en-US" sz="2400" b="1" dirty="0" smtClean="0">
+                  <a:latin typeface="Adobe 楷体 Std R" pitchFamily="18" charset="-128"/>
+                  <a:ea typeface="Adobe 楷体 Std R" pitchFamily="18" charset="-128"/>
+                </a:rPr>
+                <a:t>程式碼</a:t>
+              </a:r>
+              <a:r>
+                <a:rPr lang="en-US" altLang="zh-TW" sz="2400" b="1" dirty="0" smtClean="0">
+                  <a:latin typeface="Adobe 楷体 Std R" pitchFamily="18" charset="-128"/>
+                  <a:ea typeface="Adobe 楷体 Std R" pitchFamily="18" charset="-128"/>
+                </a:rPr>
+                <a:t>:</a:t>
+              </a:r>
+              <a:endParaRPr lang="zh-TW" altLang="en-US" sz="2400" b="1" dirty="0">
+                <a:latin typeface="Adobe 楷体 Std R" pitchFamily="18" charset="-128"/>
+                <a:ea typeface="Adobe 楷体 Std R" pitchFamily="18" charset="-128"/>
+              </a:endParaRPr>
+            </a:p>
+          </p:txBody>
+        </p:sp>
+      </p:grpSp>
+      <p:grpSp>
+        <p:nvGrpSpPr>
+          <p:cNvPr id="24" name="群組 23"/>
+          <p:cNvGrpSpPr/>
+          <p:nvPr/>
+        </p:nvGrpSpPr>
+        <p:grpSpPr>
+          <a:xfrm>
+            <a:off x="2987824" y="1258091"/>
+            <a:ext cx="2237745" cy="467688"/>
+            <a:chOff x="603602" y="1261102"/>
+            <a:chExt cx="2237745" cy="467688"/>
+          </a:xfrm>
+        </p:grpSpPr>
+        <p:grpSp>
+          <p:nvGrpSpPr>
+            <p:cNvPr id="25" name="群組 24"/>
+            <p:cNvGrpSpPr/>
+            <p:nvPr/>
+          </p:nvGrpSpPr>
+          <p:grpSpPr>
+            <a:xfrm>
+              <a:off x="603602" y="1300222"/>
+              <a:ext cx="411480" cy="428568"/>
+              <a:chOff x="603602" y="1300222"/>
+              <a:chExt cx="411480" cy="428568"/>
+            </a:xfrm>
+          </p:grpSpPr>
+          <p:pic>
+            <p:nvPicPr>
+              <p:cNvPr id="27" name="图片 3"/>
+              <p:cNvPicPr>
+                <a:picLocks noChangeAspect="1"/>
+              </p:cNvPicPr>
+              <p:nvPr/>
+            </p:nvPicPr>
+            <p:blipFill>
+              <a:blip r:embed="rId2" cstate="email">
+                <a:extLst>
+                  <a:ext uri="{28A0092B-C50C-407E-A947-70E740481C1C}">
+                    <a14:useLocalDpi xmlns:a14="http://schemas.microsoft.com/office/drawing/2010/main" val="0"/>
+                  </a:ext>
+                </a:extLst>
+              </a:blip>
+              <a:stretch>
+                <a:fillRect/>
+              </a:stretch>
+            </p:blipFill>
+            <p:spPr>
+              <a:xfrm>
+                <a:off x="603602" y="1305880"/>
+                <a:ext cx="411480" cy="422910"/>
+              </a:xfrm>
+              <a:prstGeom prst="rect">
+                <a:avLst/>
+              </a:prstGeom>
+            </p:spPr>
+          </p:pic>
+          <p:sp>
+            <p:nvSpPr>
+              <p:cNvPr id="28" name="文字方塊 27"/>
+              <p:cNvSpPr txBox="1"/>
+              <p:nvPr/>
+            </p:nvSpPr>
+            <p:spPr>
+              <a:xfrm>
+                <a:off x="671514" y="1300222"/>
+                <a:ext cx="301686" cy="369332"/>
+              </a:xfrm>
+              <a:prstGeom prst="rect">
+                <a:avLst/>
+              </a:prstGeom>
+              <a:noFill/>
+            </p:spPr>
+            <p:txBody>
+              <a:bodyPr wrap="none" rtlCol="0">
+                <a:spAutoFit/>
+              </a:bodyPr>
+              <a:lstStyle/>
+              <a:p>
+                <a:r>
+                  <a:rPr lang="en-US" altLang="zh-TW" dirty="0" smtClean="0">
+                    <a:solidFill>
+                      <a:schemeClr val="bg1"/>
+                    </a:solidFill>
+                  </a:rPr>
+                  <a:t>2</a:t>
+                </a:r>
+                <a:endParaRPr lang="zh-TW" altLang="en-US" dirty="0">
+                  <a:solidFill>
+                    <a:schemeClr val="bg1"/>
+                  </a:solidFill>
+                </a:endParaRPr>
+              </a:p>
+            </p:txBody>
+          </p:sp>
+        </p:grpSp>
+        <p:sp>
+          <p:nvSpPr>
+            <p:cNvPr id="26" name="文字方塊 25"/>
+            <p:cNvSpPr txBox="1"/>
+            <p:nvPr/>
+          </p:nvSpPr>
+          <p:spPr>
+            <a:xfrm>
+              <a:off x="1002382" y="1261102"/>
+              <a:ext cx="1838965" cy="461665"/>
+            </a:xfrm>
+            <a:prstGeom prst="rect">
+              <a:avLst/>
+            </a:prstGeom>
+            <a:noFill/>
+          </p:spPr>
+          <p:txBody>
+            <a:bodyPr wrap="none" rtlCol="0">
+              <a:spAutoFit/>
+            </a:bodyPr>
+            <a:lstStyle/>
+            <a:p>
+              <a:r>
+                <a:rPr lang="zh-TW" altLang="en-US" sz="2400" b="1" dirty="0" smtClean="0">
+                  <a:latin typeface="Adobe 楷体 Std R" pitchFamily="18" charset="-128"/>
+                  <a:ea typeface="Adobe 楷体 Std R" pitchFamily="18" charset="-128"/>
+                </a:rPr>
+                <a:t>比對及渲染</a:t>
+              </a:r>
+              <a:r>
+                <a:rPr lang="en-US" altLang="zh-TW" sz="2400" b="1" dirty="0" smtClean="0">
+                  <a:latin typeface="Adobe 楷体 Std R" pitchFamily="18" charset="-128"/>
+                  <a:ea typeface="Adobe 楷体 Std R" pitchFamily="18" charset="-128"/>
+                </a:rPr>
+                <a:t>:</a:t>
+              </a:r>
+              <a:endParaRPr lang="zh-TW" altLang="en-US" sz="2400" b="1" dirty="0">
+                <a:latin typeface="Adobe 楷体 Std R" pitchFamily="18" charset="-128"/>
+                <a:ea typeface="Adobe 楷体 Std R" pitchFamily="18" charset="-128"/>
+              </a:endParaRPr>
+            </a:p>
+          </p:txBody>
+        </p:sp>
+      </p:grpSp>
       <p:sp>
         <p:nvSpPr>
-          <p:cNvPr id="2" name="标题 1"/>
-          <p:cNvSpPr txBox="1">
-            <a:spLocks/>
-          </p:cNvSpPr>
+          <p:cNvPr id="21" name="文字方塊 20"/>
+          <p:cNvSpPr txBox="1"/>
           <p:nvPr/>
         </p:nvSpPr>
         <p:spPr>
           <a:xfrm>
-            <a:off x="457200" y="123478"/>
-            <a:ext cx="8229600" cy="439297"/>
+            <a:off x="3059832" y="1635646"/>
+            <a:ext cx="3278462" cy="584775"/>
           </a:xfrm>
           <a:prstGeom prst="rect">
             <a:avLst/>
           </a:prstGeom>
+          <a:noFill/>
         </p:spPr>
         <p:txBody>
-          <a:bodyPr vert="horz" lIns="91440" tIns="45720" rIns="91440" bIns="45720" rtlCol="0" anchor="ctr">
-            <a:noAutofit/>
+          <a:bodyPr wrap="none" rtlCol="0">
+            <a:spAutoFit/>
           </a:bodyPr>
-          <a:lstStyle>
-            <a:lvl1pPr algn="ctr" defTabSz="914400" rtl="0" eaLnBrk="1" latinLnBrk="0" hangingPunct="1">
-              <a:spcBef>
-                <a:spcPct val="0"/>
-              </a:spcBef>
-              <a:buNone/>
-              <a:defRPr sz="4400" kern="1200">
-                <a:solidFill>
-                  <a:schemeClr val="tx1"/>
-                </a:solidFill>
-                <a:latin typeface="+mj-lt"/>
-                <a:ea typeface="+mj-ea"/>
-                <a:cs typeface="+mj-cs"/>
-              </a:defRPr>
-            </a:lvl1pPr>
-          </a:lstStyle>
-          <a:p>
-            <a:r>
-              <a:rPr lang="zh-TW" altLang="en-US" sz="4000" b="1" dirty="0">
-                <a:latin typeface="Adobe 楷体 Std R" pitchFamily="18" charset="-128"/>
-                <a:ea typeface="Adobe 楷体 Std R" pitchFamily="18" charset="-128"/>
-              </a:rPr>
-              <a:t>實際操作頁面</a:t>
-            </a:r>
-            <a:endParaRPr lang="zh-CN" altLang="en-US" sz="4000" b="1" dirty="0">
+          <a:lstStyle/>
+          <a:p>
+            <a:pPr marL="342900" indent="-342900">
+              <a:buFontTx/>
+              <a:buAutoNum type="alphaLcPeriod"/>
+            </a:pPr>
+            <a:r>
+              <a:rPr lang="zh-TW" altLang="en-US" sz="1600" dirty="0" smtClean="0">
+                <a:latin typeface="Adobe 楷体 Std R" pitchFamily="18" charset="-128"/>
+                <a:ea typeface="Adobe 楷体 Std R" pitchFamily="18" charset="-128"/>
+              </a:rPr>
+              <a:t>使用者註冊</a:t>
+            </a:r>
+            <a:r>
+              <a:rPr lang="en-US" altLang="zh-TW" sz="1600" dirty="0" smtClean="0">
+                <a:latin typeface="Adobe 楷体 Std R" pitchFamily="18" charset="-128"/>
+                <a:ea typeface="Adobe 楷体 Std R" pitchFamily="18" charset="-128"/>
+              </a:rPr>
+              <a:t>:</a:t>
+            </a:r>
+            <a:r>
+              <a:rPr lang="zh-TW" altLang="en-US" sz="1600" dirty="0" smtClean="0">
+                <a:latin typeface="Adobe 楷体 Std R" pitchFamily="18" charset="-128"/>
+                <a:ea typeface="Adobe 楷体 Std R" pitchFamily="18" charset="-128"/>
+              </a:rPr>
+              <a:t> 姓名、信箱</a:t>
+            </a:r>
+            <a:r>
+              <a:rPr lang="en-US" altLang="zh-TW" sz="1600" dirty="0" smtClean="0">
+                <a:latin typeface="Adobe 楷体 Std R" pitchFamily="18" charset="-128"/>
+                <a:ea typeface="Adobe 楷体 Std R" pitchFamily="18" charset="-128"/>
+              </a:rPr>
+              <a:t>...</a:t>
+            </a:r>
+            <a:r>
+              <a:rPr lang="zh-TW" altLang="en-US" sz="1600" dirty="0" smtClean="0">
+                <a:latin typeface="Adobe 楷体 Std R" pitchFamily="18" charset="-128"/>
+                <a:ea typeface="Adobe 楷体 Std R" pitchFamily="18" charset="-128"/>
+              </a:rPr>
+              <a:t>等。</a:t>
+            </a:r>
+            <a:endParaRPr lang="en-US" altLang="zh-TW" sz="1600" dirty="0" smtClean="0">
               <a:latin typeface="Adobe 楷体 Std R" pitchFamily="18" charset="-128"/>
               <a:ea typeface="Adobe 楷体 Std R" pitchFamily="18" charset="-128"/>
             </a:endParaRPr>
+          </a:p>
+          <a:p>
+            <a:pPr marL="342900" indent="-342900">
+              <a:buFontTx/>
+              <a:buAutoNum type="alphaLcPeriod"/>
+            </a:pPr>
+            <a:r>
+              <a:rPr lang="zh-TW" altLang="en-US" sz="1600" dirty="0">
+                <a:latin typeface="Adobe 楷体 Std R" pitchFamily="18" charset="-128"/>
+                <a:ea typeface="Adobe 楷体 Std R" pitchFamily="18" charset="-128"/>
+              </a:rPr>
+              <a:t>信箱驗證</a:t>
+            </a:r>
+            <a:r>
+              <a:rPr lang="en-US" altLang="zh-TW" sz="1600" dirty="0" smtClean="0">
+                <a:latin typeface="Adobe 楷体 Std R" pitchFamily="18" charset="-128"/>
+                <a:ea typeface="Adobe 楷体 Std R" pitchFamily="18" charset="-128"/>
+              </a:rPr>
+              <a:t>:</a:t>
+            </a:r>
+            <a:r>
+              <a:rPr lang="zh-TW" altLang="en-US" sz="1600" dirty="0" smtClean="0">
+                <a:latin typeface="Adobe 楷体 Std R" pitchFamily="18" charset="-128"/>
+                <a:ea typeface="Adobe 楷体 Std R" pitchFamily="18" charset="-128"/>
+              </a:rPr>
+              <a:t> 驗證信寄送。</a:t>
+            </a:r>
+            <a:endParaRPr lang="en-US" altLang="zh-TW" sz="1600" dirty="0" smtClean="0">
+              <a:latin typeface="Adobe 楷体 Std R" pitchFamily="18" charset="-128"/>
+              <a:ea typeface="Adobe 楷体 Std R" pitchFamily="18" charset="-128"/>
+            </a:endParaRPr>
+          </a:p>
+        </p:txBody>
+      </p:sp>
+      <p:sp>
+        <p:nvSpPr>
+          <p:cNvPr id="46" name="文字方塊 45"/>
+          <p:cNvSpPr txBox="1"/>
+          <p:nvPr/>
+        </p:nvSpPr>
+        <p:spPr>
+          <a:xfrm>
+            <a:off x="7757156" y="3341503"/>
+            <a:ext cx="271228" cy="276999"/>
+          </a:xfrm>
+          <a:prstGeom prst="rect">
+            <a:avLst/>
+          </a:prstGeom>
+          <a:noFill/>
+        </p:spPr>
+        <p:txBody>
+          <a:bodyPr wrap="none" rtlCol="0">
+            <a:spAutoFit/>
+          </a:bodyPr>
+          <a:lstStyle/>
+          <a:p>
+            <a:r>
+              <a:rPr lang="en-US" altLang="zh-TW" sz="1200" dirty="0" smtClean="0">
+                <a:solidFill>
+                  <a:srgbClr val="FF0000"/>
+                </a:solidFill>
+                <a:latin typeface="Adobe 楷体 Std R" pitchFamily="18" charset="-128"/>
+                <a:ea typeface="Adobe 楷体 Std R" pitchFamily="18" charset="-128"/>
+              </a:rPr>
+              <a:t>b</a:t>
+            </a:r>
+            <a:endParaRPr lang="zh-TW" altLang="en-US" sz="1200" dirty="0">
+              <a:solidFill>
+                <a:srgbClr val="FF0000"/>
+              </a:solidFill>
+              <a:latin typeface="Adobe 楷体 Std R" pitchFamily="18" charset="-128"/>
+              <a:ea typeface="Adobe 楷体 Std R" pitchFamily="18" charset="-128"/>
+            </a:endParaRPr>
+          </a:p>
+        </p:txBody>
+      </p:sp>
+      <p:sp>
+        <p:nvSpPr>
+          <p:cNvPr id="31" name="文字方塊 30"/>
+          <p:cNvSpPr txBox="1"/>
+          <p:nvPr/>
+        </p:nvSpPr>
+        <p:spPr>
+          <a:xfrm>
+            <a:off x="689470" y="1717102"/>
+            <a:ext cx="2331087" cy="830997"/>
+          </a:xfrm>
+          <a:prstGeom prst="rect">
+            <a:avLst/>
+          </a:prstGeom>
+          <a:noFill/>
+        </p:spPr>
+        <p:txBody>
+          <a:bodyPr wrap="square" rtlCol="0">
+            <a:spAutoFit/>
+          </a:bodyPr>
+          <a:lstStyle/>
+          <a:p>
+            <a:pPr algn="just"/>
+            <a:r>
+              <a:rPr lang="zh-TW" altLang="en-US" sz="1600" dirty="0" smtClean="0">
+                <a:latin typeface="Adobe 楷体 Std R" pitchFamily="18" charset="-128"/>
+                <a:ea typeface="Adobe 楷体 Std R" pitchFamily="18" charset="-128"/>
+              </a:rPr>
+              <a:t>依</a:t>
+            </a:r>
+            <a:r>
+              <a:rPr lang="en-US" altLang="zh-TW" sz="1600" dirty="0">
+                <a:solidFill>
+                  <a:srgbClr val="0000CC"/>
+                </a:solidFill>
+                <a:latin typeface="Adobe 楷体 Std R" pitchFamily="18" charset="-128"/>
+                <a:ea typeface="Adobe 楷体 Std R" pitchFamily="18" charset="-128"/>
+              </a:rPr>
+              <a:t>Firebase</a:t>
+            </a:r>
+            <a:r>
+              <a:rPr lang="en-US" altLang="zh-TW" sz="1600" dirty="0">
+                <a:latin typeface="Adobe 楷体 Std R" pitchFamily="18" charset="-128"/>
+                <a:ea typeface="Adobe 楷体 Std R" pitchFamily="18" charset="-128"/>
+              </a:rPr>
+              <a:t> </a:t>
+            </a:r>
+            <a:r>
+              <a:rPr lang="en-US" altLang="zh-TW" sz="1600" dirty="0" smtClean="0">
+                <a:latin typeface="Adobe 楷体 Std R" pitchFamily="18" charset="-128"/>
+                <a:ea typeface="Adobe 楷体 Std R" pitchFamily="18" charset="-128"/>
+              </a:rPr>
+              <a:t>API</a:t>
+            </a:r>
+            <a:r>
+              <a:rPr lang="zh-TW" altLang="en-US" sz="1600" dirty="0" smtClean="0">
+                <a:latin typeface="Adobe 楷体 Std R" pitchFamily="18" charset="-128"/>
+                <a:ea typeface="Adobe 楷体 Std R" pitchFamily="18" charset="-128"/>
+              </a:rPr>
+              <a:t>設計</a:t>
+            </a:r>
+            <a:r>
+              <a:rPr lang="en-US" altLang="zh-TW" sz="1600" dirty="0" smtClean="0">
+                <a:latin typeface="Adobe 楷体 Std R" pitchFamily="18" charset="-128"/>
+                <a:ea typeface="Adobe 楷体 Std R" pitchFamily="18" charset="-128"/>
+              </a:rPr>
+              <a:t>,</a:t>
+            </a:r>
+            <a:r>
+              <a:rPr lang="zh-TW" altLang="en-US" sz="1600" dirty="0" smtClean="0">
+                <a:latin typeface="Adobe 楷体 Std R" pitchFamily="18" charset="-128"/>
+                <a:ea typeface="Adobe 楷体 Std R" pitchFamily="18" charset="-128"/>
+              </a:rPr>
+              <a:t>讓使用者執行註冊及信箱驗證等動作。</a:t>
+            </a:r>
+            <a:endParaRPr lang="en-US" altLang="zh-TW" sz="1600" dirty="0">
+              <a:latin typeface="Adobe 楷体 Std R" pitchFamily="18" charset="-128"/>
+              <a:ea typeface="Adobe 楷体 Std R" pitchFamily="18" charset="-128"/>
+            </a:endParaRPr>
+          </a:p>
+        </p:txBody>
+      </p:sp>
+      <p:sp>
+        <p:nvSpPr>
+          <p:cNvPr id="37" name="矩形 36"/>
+          <p:cNvSpPr/>
+          <p:nvPr/>
+        </p:nvSpPr>
+        <p:spPr>
+          <a:xfrm>
+            <a:off x="3429132" y="3554240"/>
+            <a:ext cx="2655036" cy="457670"/>
+          </a:xfrm>
+          <a:prstGeom prst="rect">
+            <a:avLst/>
+          </a:prstGeom>
+          <a:noFill/>
+          <a:ln>
+            <a:solidFill>
+              <a:srgbClr val="FF0000"/>
+            </a:solidFill>
+          </a:ln>
+        </p:spPr>
+        <p:style>
+          <a:lnRef idx="2">
+            <a:schemeClr val="accent1">
+              <a:shade val="50000"/>
+            </a:schemeClr>
+          </a:lnRef>
+          <a:fillRef idx="1">
+            <a:schemeClr val="accent1"/>
+          </a:fillRef>
+          <a:effectRef idx="0">
+            <a:schemeClr val="accent1"/>
+          </a:effectRef>
+          <a:fontRef idx="minor">
+            <a:schemeClr val="lt1"/>
+          </a:fontRef>
+        </p:style>
+        <p:txBody>
+          <a:bodyPr rtlCol="0" anchor="ctr"/>
+          <a:lstStyle/>
+          <a:p>
+            <a:pPr algn="ctr"/>
+            <a:endParaRPr lang="zh-TW" altLang="en-US"/>
+          </a:p>
+        </p:txBody>
+      </p:sp>
+      <p:sp>
+        <p:nvSpPr>
+          <p:cNvPr id="38" name="文字方塊 37"/>
+          <p:cNvSpPr txBox="1"/>
+          <p:nvPr/>
+        </p:nvSpPr>
+        <p:spPr>
+          <a:xfrm>
+            <a:off x="4644008" y="3341504"/>
+            <a:ext cx="263214" cy="276999"/>
+          </a:xfrm>
+          <a:prstGeom prst="rect">
+            <a:avLst/>
+          </a:prstGeom>
+          <a:noFill/>
+        </p:spPr>
+        <p:txBody>
+          <a:bodyPr wrap="none" rtlCol="0">
+            <a:spAutoFit/>
+          </a:bodyPr>
+          <a:lstStyle/>
+          <a:p>
+            <a:r>
+              <a:rPr lang="en-US" altLang="zh-TW" sz="1200" dirty="0" smtClean="0">
+                <a:solidFill>
+                  <a:srgbClr val="FF0000"/>
+                </a:solidFill>
+                <a:latin typeface="Adobe 楷体 Std R" pitchFamily="18" charset="-128"/>
+                <a:ea typeface="Adobe 楷体 Std R" pitchFamily="18" charset="-128"/>
+              </a:rPr>
+              <a:t>a</a:t>
+            </a:r>
+            <a:endParaRPr lang="zh-TW" altLang="en-US" sz="1200" dirty="0">
+              <a:solidFill>
+                <a:srgbClr val="FF0000"/>
+              </a:solidFill>
+              <a:latin typeface="Adobe 楷体 Std R" pitchFamily="18" charset="-128"/>
+              <a:ea typeface="Adobe 楷体 Std R" pitchFamily="18" charset="-128"/>
+            </a:endParaRPr>
+          </a:p>
+        </p:txBody>
+      </p:sp>
+      <p:sp>
+        <p:nvSpPr>
+          <p:cNvPr id="41" name="文字方塊 40"/>
+          <p:cNvSpPr txBox="1"/>
+          <p:nvPr/>
+        </p:nvSpPr>
+        <p:spPr>
+          <a:xfrm>
+            <a:off x="411883" y="2715766"/>
+            <a:ext cx="526106" cy="276999"/>
+          </a:xfrm>
+          <a:prstGeom prst="rect">
+            <a:avLst/>
+          </a:prstGeom>
+          <a:noFill/>
+        </p:spPr>
+        <p:txBody>
+          <a:bodyPr wrap="none" rtlCol="0">
+            <a:spAutoFit/>
+          </a:bodyPr>
+          <a:lstStyle/>
+          <a:p>
+            <a:r>
+              <a:rPr lang="zh-TW" altLang="en-US" sz="1200" dirty="0" smtClean="0">
+                <a:solidFill>
+                  <a:srgbClr val="0000CC"/>
+                </a:solidFill>
+                <a:latin typeface="Adobe 楷体 Std R" pitchFamily="18" charset="-128"/>
+                <a:ea typeface="Adobe 楷体 Std R" pitchFamily="18" charset="-128"/>
+              </a:rPr>
+              <a:t>註冊</a:t>
+            </a:r>
+            <a:r>
+              <a:rPr lang="en-US" altLang="zh-TW" sz="1200" dirty="0" smtClean="0">
+                <a:solidFill>
+                  <a:srgbClr val="0000CC"/>
+                </a:solidFill>
+                <a:latin typeface="Adobe 楷体 Std R" pitchFamily="18" charset="-128"/>
+                <a:ea typeface="Adobe 楷体 Std R" pitchFamily="18" charset="-128"/>
+              </a:rPr>
+              <a:t>:</a:t>
+            </a:r>
+            <a:endParaRPr lang="zh-TW" altLang="en-US" sz="1200" dirty="0">
+              <a:solidFill>
+                <a:srgbClr val="0000CC"/>
+              </a:solidFill>
+              <a:latin typeface="Adobe 楷体 Std R" pitchFamily="18" charset="-128"/>
+              <a:ea typeface="Adobe 楷体 Std R" pitchFamily="18" charset="-128"/>
+            </a:endParaRPr>
+          </a:p>
+        </p:txBody>
+      </p:sp>
+      <p:sp>
+        <p:nvSpPr>
+          <p:cNvPr id="43" name="文字方塊 42"/>
+          <p:cNvSpPr txBox="1"/>
+          <p:nvPr/>
+        </p:nvSpPr>
+        <p:spPr>
+          <a:xfrm>
+            <a:off x="2023304" y="2725879"/>
+            <a:ext cx="833883" cy="276999"/>
+          </a:xfrm>
+          <a:prstGeom prst="rect">
+            <a:avLst/>
+          </a:prstGeom>
+          <a:noFill/>
+        </p:spPr>
+        <p:txBody>
+          <a:bodyPr wrap="none" rtlCol="0">
+            <a:spAutoFit/>
+          </a:bodyPr>
+          <a:lstStyle/>
+          <a:p>
+            <a:r>
+              <a:rPr lang="zh-TW" altLang="en-US" sz="1200" dirty="0" smtClean="0">
+                <a:solidFill>
+                  <a:srgbClr val="0000CC"/>
+                </a:solidFill>
+                <a:latin typeface="Adobe 楷体 Std R" pitchFamily="18" charset="-128"/>
+                <a:ea typeface="Adobe 楷体 Std R" pitchFamily="18" charset="-128"/>
+              </a:rPr>
+              <a:t>信箱驗證</a:t>
+            </a:r>
+            <a:r>
+              <a:rPr lang="en-US" altLang="zh-TW" sz="1200" dirty="0" smtClean="0">
+                <a:solidFill>
+                  <a:srgbClr val="0000CC"/>
+                </a:solidFill>
+                <a:latin typeface="Adobe 楷体 Std R" pitchFamily="18" charset="-128"/>
+                <a:ea typeface="Adobe 楷体 Std R" pitchFamily="18" charset="-128"/>
+              </a:rPr>
+              <a:t>:</a:t>
+            </a:r>
+            <a:endParaRPr lang="zh-TW" altLang="en-US" sz="1200" dirty="0">
+              <a:solidFill>
+                <a:srgbClr val="0000CC"/>
+              </a:solidFill>
+              <a:latin typeface="Adobe 楷体 Std R" pitchFamily="18" charset="-128"/>
+              <a:ea typeface="Adobe 楷体 Std R" pitchFamily="18" charset="-128"/>
+            </a:endParaRPr>
+          </a:p>
+        </p:txBody>
+      </p:sp>
+      <p:sp>
+        <p:nvSpPr>
+          <p:cNvPr id="35" name="矩形 34"/>
+          <p:cNvSpPr/>
+          <p:nvPr/>
+        </p:nvSpPr>
+        <p:spPr>
+          <a:xfrm>
+            <a:off x="6355396" y="3556606"/>
+            <a:ext cx="2655036" cy="455304"/>
+          </a:xfrm>
+          <a:prstGeom prst="rect">
+            <a:avLst/>
+          </a:prstGeom>
+          <a:noFill/>
+          <a:ln>
+            <a:solidFill>
+              <a:srgbClr val="FF0000"/>
+            </a:solidFill>
+          </a:ln>
+        </p:spPr>
+        <p:style>
+          <a:lnRef idx="2">
+            <a:schemeClr val="accent1">
+              <a:shade val="50000"/>
+            </a:schemeClr>
+          </a:lnRef>
+          <a:fillRef idx="1">
+            <a:schemeClr val="accent1"/>
+          </a:fillRef>
+          <a:effectRef idx="0">
+            <a:schemeClr val="accent1"/>
+          </a:effectRef>
+          <a:fontRef idx="minor">
+            <a:schemeClr val="lt1"/>
+          </a:fontRef>
+        </p:style>
+        <p:txBody>
+          <a:bodyPr rtlCol="0" anchor="ctr"/>
+          <a:lstStyle/>
+          <a:p>
+            <a:pPr algn="ctr"/>
+            <a:endParaRPr lang="zh-TW" altLang="en-US"/>
           </a:p>
         </p:txBody>
       </p:sp>
     </p:spTree>
     <p:extLst>
       <p:ext uri="{BB962C8B-B14F-4D97-AF65-F5344CB8AC3E}">
-        <p14:creationId xmlns:p14="http://schemas.microsoft.com/office/powerpoint/2010/main" val="3731568806"/>
+        <p14:creationId xmlns:p14="http://schemas.microsoft.com/office/powerpoint/2010/main" val="573742908"/>
       </p:ext>
     </p:extLst>
   </p:cSld>
@@ -4366,72 +5207,6369 @@
           <a:chExt cx="0" cy="0"/>
         </a:xfrm>
       </p:grpSpPr>
+      <p:grpSp>
+        <p:nvGrpSpPr>
+          <p:cNvPr id="16" name="群組 15"/>
+          <p:cNvGrpSpPr/>
+          <p:nvPr/>
+        </p:nvGrpSpPr>
+        <p:grpSpPr>
+          <a:xfrm>
+            <a:off x="539552" y="555526"/>
+            <a:ext cx="8226660" cy="705664"/>
+            <a:chOff x="539552" y="555526"/>
+            <a:chExt cx="8226660" cy="705664"/>
+          </a:xfrm>
+        </p:grpSpPr>
+        <p:pic>
+          <p:nvPicPr>
+            <p:cNvPr id="11" name="图片 3"/>
+            <p:cNvPicPr>
+              <a:picLocks noChangeAspect="1"/>
+            </p:cNvPicPr>
+            <p:nvPr/>
+          </p:nvPicPr>
+          <p:blipFill>
+            <a:blip r:embed="rId2" cstate="email">
+              <a:extLst>
+                <a:ext uri="{28A0092B-C50C-407E-A947-70E740481C1C}">
+                  <a14:useLocalDpi xmlns:a14="http://schemas.microsoft.com/office/drawing/2010/main" val="0"/>
+                </a:ext>
+              </a:extLst>
+            </a:blip>
+            <a:stretch>
+              <a:fillRect/>
+            </a:stretch>
+          </p:blipFill>
+          <p:spPr>
+            <a:xfrm>
+              <a:off x="539552" y="555526"/>
+              <a:ext cx="684076" cy="705664"/>
+            </a:xfrm>
+            <a:prstGeom prst="rect">
+              <a:avLst/>
+            </a:prstGeom>
+          </p:spPr>
+        </p:pic>
+        <p:sp>
+          <p:nvSpPr>
+            <p:cNvPr id="12" name="TextBox 5"/>
+            <p:cNvSpPr txBox="1"/>
+            <p:nvPr/>
+          </p:nvSpPr>
+          <p:spPr>
+            <a:xfrm>
+              <a:off x="603602" y="627533"/>
+              <a:ext cx="576064" cy="461665"/>
+            </a:xfrm>
+            <a:prstGeom prst="rect">
+              <a:avLst/>
+            </a:prstGeom>
+            <a:noFill/>
+          </p:spPr>
+          <p:txBody>
+            <a:bodyPr wrap="square" rtlCol="0">
+              <a:spAutoFit/>
+            </a:bodyPr>
+            <a:lstStyle/>
+            <a:p>
+              <a:pPr algn="ctr"/>
+              <a:r>
+                <a:rPr lang="zh-TW" altLang="en-US" sz="2400" dirty="0">
+                  <a:solidFill>
+                    <a:schemeClr val="bg1"/>
+                  </a:solidFill>
+                  <a:latin typeface="华文隶书" pitchFamily="2" charset="-122"/>
+                  <a:ea typeface="华文隶书" pitchFamily="2" charset="-122"/>
+                </a:rPr>
+                <a:t>五</a:t>
+              </a:r>
+              <a:endParaRPr lang="zh-CN" altLang="en-US" sz="2400" dirty="0">
+                <a:solidFill>
+                  <a:schemeClr val="bg1"/>
+                </a:solidFill>
+                <a:latin typeface="华文隶书" pitchFamily="2" charset="-122"/>
+                <a:ea typeface="华文隶书" pitchFamily="2" charset="-122"/>
+              </a:endParaRPr>
+            </a:p>
+          </p:txBody>
+        </p:sp>
+        <p:sp>
+          <p:nvSpPr>
+            <p:cNvPr id="10" name="TextBox 6"/>
+            <p:cNvSpPr txBox="1"/>
+            <p:nvPr/>
+          </p:nvSpPr>
+          <p:spPr>
+            <a:xfrm>
+              <a:off x="1187624" y="627533"/>
+              <a:ext cx="7578588" cy="523220"/>
+            </a:xfrm>
+            <a:prstGeom prst="rect">
+              <a:avLst/>
+            </a:prstGeom>
+            <a:noFill/>
+          </p:spPr>
+          <p:txBody>
+            <a:bodyPr wrap="square" rtlCol="0">
+              <a:spAutoFit/>
+            </a:bodyPr>
+            <a:lstStyle/>
+            <a:p>
+              <a:r>
+                <a:rPr lang="zh-TW" altLang="en-US" sz="2800" b="1" dirty="0" smtClean="0">
+                  <a:latin typeface="Adobe 楷体 Std R" pitchFamily="18" charset="-128"/>
+                  <a:ea typeface="Adobe 楷体 Std R" pitchFamily="18" charset="-128"/>
+                </a:rPr>
+                <a:t>擷取</a:t>
+              </a:r>
+              <a:r>
+                <a:rPr lang="zh-TW" altLang="en-US" sz="2800" b="1" dirty="0" smtClean="0">
+                  <a:solidFill>
+                    <a:srgbClr val="0000CC"/>
+                  </a:solidFill>
+                  <a:latin typeface="Adobe 楷体 Std R" pitchFamily="18" charset="-128"/>
+                  <a:ea typeface="Adobe 楷体 Std R" pitchFamily="18" charset="-128"/>
+                </a:rPr>
+                <a:t>劍靈命理網</a:t>
+              </a:r>
+              <a:r>
+                <a:rPr lang="zh-TW" altLang="en-US" sz="2800" b="1" dirty="0" smtClean="0">
+                  <a:latin typeface="Adobe 楷体 Std R" pitchFamily="18" charset="-128"/>
+                  <a:ea typeface="Adobe 楷体 Std R" pitchFamily="18" charset="-128"/>
+                </a:rPr>
+                <a:t>的喜用神上傳</a:t>
+              </a:r>
+              <a:r>
+                <a:rPr lang="en-US" altLang="zh-TW" sz="2800" b="1" dirty="0">
+                  <a:solidFill>
+                    <a:srgbClr val="0000CC"/>
+                  </a:solidFill>
+                  <a:latin typeface="Adobe 楷体 Std R" pitchFamily="18" charset="-128"/>
+                  <a:ea typeface="Adobe 楷体 Std R" pitchFamily="18" charset="-128"/>
+                </a:rPr>
+                <a:t>F</a:t>
+              </a:r>
+              <a:r>
+                <a:rPr lang="en-US" altLang="zh-TW" sz="2800" b="1" dirty="0" smtClean="0">
+                  <a:solidFill>
+                    <a:srgbClr val="0000CC"/>
+                  </a:solidFill>
+                  <a:latin typeface="Adobe 楷体 Std R" pitchFamily="18" charset="-128"/>
+                  <a:ea typeface="Adobe 楷体 Std R" pitchFamily="18" charset="-128"/>
+                </a:rPr>
+                <a:t>irebase</a:t>
+              </a:r>
+              <a:r>
+                <a:rPr lang="en-US" altLang="zh-TW" sz="2800" b="1" dirty="0" smtClean="0">
+                  <a:latin typeface="Adobe 楷体 Std R" pitchFamily="18" charset="-128"/>
+                  <a:ea typeface="Adobe 楷体 Std R" pitchFamily="18" charset="-128"/>
+                </a:rPr>
+                <a:t>:</a:t>
+              </a:r>
+            </a:p>
+          </p:txBody>
+        </p:sp>
+      </p:grpSp>
+      <p:grpSp>
+        <p:nvGrpSpPr>
+          <p:cNvPr id="20" name="群組 19"/>
+          <p:cNvGrpSpPr/>
+          <p:nvPr/>
+        </p:nvGrpSpPr>
+        <p:grpSpPr>
+          <a:xfrm>
+            <a:off x="603602" y="1261102"/>
+            <a:ext cx="1606162" cy="467688"/>
+            <a:chOff x="603602" y="1261102"/>
+            <a:chExt cx="1606162" cy="467688"/>
+          </a:xfrm>
+        </p:grpSpPr>
+        <p:grpSp>
+          <p:nvGrpSpPr>
+            <p:cNvPr id="18" name="群組 17"/>
+            <p:cNvGrpSpPr/>
+            <p:nvPr/>
+          </p:nvGrpSpPr>
+          <p:grpSpPr>
+            <a:xfrm>
+              <a:off x="603602" y="1300222"/>
+              <a:ext cx="411480" cy="428568"/>
+              <a:chOff x="603602" y="1300222"/>
+              <a:chExt cx="411480" cy="428568"/>
+            </a:xfrm>
+          </p:grpSpPr>
+          <p:pic>
+            <p:nvPicPr>
+              <p:cNvPr id="15" name="图片 3"/>
+              <p:cNvPicPr>
+                <a:picLocks noChangeAspect="1"/>
+              </p:cNvPicPr>
+              <p:nvPr/>
+            </p:nvPicPr>
+            <p:blipFill>
+              <a:blip r:embed="rId2" cstate="email">
+                <a:extLst>
+                  <a:ext uri="{28A0092B-C50C-407E-A947-70E740481C1C}">
+                    <a14:useLocalDpi xmlns:a14="http://schemas.microsoft.com/office/drawing/2010/main" val="0"/>
+                  </a:ext>
+                </a:extLst>
+              </a:blip>
+              <a:stretch>
+                <a:fillRect/>
+              </a:stretch>
+            </p:blipFill>
+            <p:spPr>
+              <a:xfrm>
+                <a:off x="603602" y="1305880"/>
+                <a:ext cx="411480" cy="422910"/>
+              </a:xfrm>
+              <a:prstGeom prst="rect">
+                <a:avLst/>
+              </a:prstGeom>
+            </p:spPr>
+          </p:pic>
+          <p:sp>
+            <p:nvSpPr>
+              <p:cNvPr id="17" name="文字方塊 16"/>
+              <p:cNvSpPr txBox="1"/>
+              <p:nvPr/>
+            </p:nvSpPr>
+            <p:spPr>
+              <a:xfrm>
+                <a:off x="671514" y="1300222"/>
+                <a:ext cx="301686" cy="369332"/>
+              </a:xfrm>
+              <a:prstGeom prst="rect">
+                <a:avLst/>
+              </a:prstGeom>
+              <a:noFill/>
+            </p:spPr>
+            <p:txBody>
+              <a:bodyPr wrap="none" rtlCol="0">
+                <a:spAutoFit/>
+              </a:bodyPr>
+              <a:lstStyle/>
+              <a:p>
+                <a:r>
+                  <a:rPr lang="en-US" altLang="zh-TW" dirty="0" smtClean="0">
+                    <a:solidFill>
+                      <a:schemeClr val="bg1"/>
+                    </a:solidFill>
+                  </a:rPr>
+                  <a:t>1</a:t>
+                </a:r>
+                <a:endParaRPr lang="zh-TW" altLang="en-US" dirty="0">
+                  <a:solidFill>
+                    <a:schemeClr val="bg1"/>
+                  </a:solidFill>
+                </a:endParaRPr>
+              </a:p>
+            </p:txBody>
+          </p:sp>
+        </p:grpSp>
+        <p:sp>
+          <p:nvSpPr>
+            <p:cNvPr id="19" name="文字方塊 18"/>
+            <p:cNvSpPr txBox="1"/>
+            <p:nvPr/>
+          </p:nvSpPr>
+          <p:spPr>
+            <a:xfrm>
+              <a:off x="1002382" y="1261102"/>
+              <a:ext cx="1207382" cy="461665"/>
+            </a:xfrm>
+            <a:prstGeom prst="rect">
+              <a:avLst/>
+            </a:prstGeom>
+            <a:noFill/>
+          </p:spPr>
+          <p:txBody>
+            <a:bodyPr wrap="none" rtlCol="0">
+              <a:spAutoFit/>
+            </a:bodyPr>
+            <a:lstStyle/>
+            <a:p>
+              <a:r>
+                <a:rPr lang="zh-TW" altLang="en-US" sz="2400" b="1" dirty="0" smtClean="0">
+                  <a:latin typeface="Adobe 楷体 Std R" pitchFamily="18" charset="-128"/>
+                  <a:ea typeface="Adobe 楷体 Std R" pitchFamily="18" charset="-128"/>
+                </a:rPr>
+                <a:t>程式碼</a:t>
+              </a:r>
+              <a:r>
+                <a:rPr lang="en-US" altLang="zh-TW" sz="2400" b="1" dirty="0" smtClean="0">
+                  <a:latin typeface="Adobe 楷体 Std R" pitchFamily="18" charset="-128"/>
+                  <a:ea typeface="Adobe 楷体 Std R" pitchFamily="18" charset="-128"/>
+                </a:rPr>
+                <a:t>:</a:t>
+              </a:r>
+              <a:endParaRPr lang="zh-TW" altLang="en-US" sz="2400" b="1" dirty="0">
+                <a:latin typeface="Adobe 楷体 Std R" pitchFamily="18" charset="-128"/>
+                <a:ea typeface="Adobe 楷体 Std R" pitchFamily="18" charset="-128"/>
+              </a:endParaRPr>
+            </a:p>
+          </p:txBody>
+        </p:sp>
+      </p:grpSp>
+      <p:grpSp>
+        <p:nvGrpSpPr>
+          <p:cNvPr id="24" name="群組 23"/>
+          <p:cNvGrpSpPr/>
+          <p:nvPr/>
+        </p:nvGrpSpPr>
+        <p:grpSpPr>
+          <a:xfrm>
+            <a:off x="2987824" y="1258091"/>
+            <a:ext cx="3185120" cy="467688"/>
+            <a:chOff x="603602" y="1261102"/>
+            <a:chExt cx="3185120" cy="467688"/>
+          </a:xfrm>
+        </p:grpSpPr>
+        <p:grpSp>
+          <p:nvGrpSpPr>
+            <p:cNvPr id="25" name="群組 24"/>
+            <p:cNvGrpSpPr/>
+            <p:nvPr/>
+          </p:nvGrpSpPr>
+          <p:grpSpPr>
+            <a:xfrm>
+              <a:off x="603602" y="1300222"/>
+              <a:ext cx="411480" cy="428568"/>
+              <a:chOff x="603602" y="1300222"/>
+              <a:chExt cx="411480" cy="428568"/>
+            </a:xfrm>
+          </p:grpSpPr>
+          <p:pic>
+            <p:nvPicPr>
+              <p:cNvPr id="27" name="图片 3"/>
+              <p:cNvPicPr>
+                <a:picLocks noChangeAspect="1"/>
+              </p:cNvPicPr>
+              <p:nvPr/>
+            </p:nvPicPr>
+            <p:blipFill>
+              <a:blip r:embed="rId2" cstate="email">
+                <a:extLst>
+                  <a:ext uri="{28A0092B-C50C-407E-A947-70E740481C1C}">
+                    <a14:useLocalDpi xmlns:a14="http://schemas.microsoft.com/office/drawing/2010/main" val="0"/>
+                  </a:ext>
+                </a:extLst>
+              </a:blip>
+              <a:stretch>
+                <a:fillRect/>
+              </a:stretch>
+            </p:blipFill>
+            <p:spPr>
+              <a:xfrm>
+                <a:off x="603602" y="1305880"/>
+                <a:ext cx="411480" cy="422910"/>
+              </a:xfrm>
+              <a:prstGeom prst="rect">
+                <a:avLst/>
+              </a:prstGeom>
+            </p:spPr>
+          </p:pic>
+          <p:sp>
+            <p:nvSpPr>
+              <p:cNvPr id="28" name="文字方塊 27"/>
+              <p:cNvSpPr txBox="1"/>
+              <p:nvPr/>
+            </p:nvSpPr>
+            <p:spPr>
+              <a:xfrm>
+                <a:off x="671514" y="1300222"/>
+                <a:ext cx="301686" cy="369332"/>
+              </a:xfrm>
+              <a:prstGeom prst="rect">
+                <a:avLst/>
+              </a:prstGeom>
+              <a:noFill/>
+            </p:spPr>
+            <p:txBody>
+              <a:bodyPr wrap="none" rtlCol="0">
+                <a:spAutoFit/>
+              </a:bodyPr>
+              <a:lstStyle/>
+              <a:p>
+                <a:r>
+                  <a:rPr lang="en-US" altLang="zh-TW" dirty="0" smtClean="0">
+                    <a:solidFill>
+                      <a:schemeClr val="bg1"/>
+                    </a:solidFill>
+                  </a:rPr>
+                  <a:t>2</a:t>
+                </a:r>
+                <a:endParaRPr lang="zh-TW" altLang="en-US" dirty="0">
+                  <a:solidFill>
+                    <a:schemeClr val="bg1"/>
+                  </a:solidFill>
+                </a:endParaRPr>
+              </a:p>
+            </p:txBody>
+          </p:sp>
+        </p:grpSp>
+        <p:sp>
+          <p:nvSpPr>
+            <p:cNvPr id="26" name="文字方塊 25"/>
+            <p:cNvSpPr txBox="1"/>
+            <p:nvPr/>
+          </p:nvSpPr>
+          <p:spPr>
+            <a:xfrm>
+              <a:off x="1002382" y="1261102"/>
+              <a:ext cx="2786340" cy="461665"/>
+            </a:xfrm>
+            <a:prstGeom prst="rect">
+              <a:avLst/>
+            </a:prstGeom>
+            <a:noFill/>
+          </p:spPr>
+          <p:txBody>
+            <a:bodyPr wrap="none" rtlCol="0">
+              <a:spAutoFit/>
+            </a:bodyPr>
+            <a:lstStyle/>
+            <a:p>
+              <a:r>
+                <a:rPr lang="zh-TW" altLang="en-US" sz="2400" b="1" dirty="0">
+                  <a:latin typeface="Adobe 楷体 Std R" pitchFamily="18" charset="-128"/>
+                  <a:ea typeface="Adobe 楷体 Std R" pitchFamily="18" charset="-128"/>
+                </a:rPr>
+                <a:t>喜用神</a:t>
+              </a:r>
+              <a:r>
+                <a:rPr lang="zh-TW" altLang="en-US" sz="2400" b="1" dirty="0" smtClean="0">
+                  <a:latin typeface="Adobe 楷体 Std R" pitchFamily="18" charset="-128"/>
+                  <a:ea typeface="Adobe 楷体 Std R" pitchFamily="18" charset="-128"/>
+                </a:rPr>
+                <a:t>擷取及上傳</a:t>
+              </a:r>
+              <a:r>
+                <a:rPr lang="en-US" altLang="zh-TW" sz="2400" b="1" dirty="0" smtClean="0">
+                  <a:latin typeface="Adobe 楷体 Std R" pitchFamily="18" charset="-128"/>
+                  <a:ea typeface="Adobe 楷体 Std R" pitchFamily="18" charset="-128"/>
+                </a:rPr>
+                <a:t>:</a:t>
+              </a:r>
+              <a:endParaRPr lang="zh-TW" altLang="en-US" sz="2400" b="1" dirty="0">
+                <a:latin typeface="Adobe 楷体 Std R" pitchFamily="18" charset="-128"/>
+                <a:ea typeface="Adobe 楷体 Std R" pitchFamily="18" charset="-128"/>
+              </a:endParaRPr>
+            </a:p>
+          </p:txBody>
+        </p:sp>
+      </p:grpSp>
       <p:sp>
         <p:nvSpPr>
-          <p:cNvPr id="2" name="标题 1"/>
-          <p:cNvSpPr txBox="1">
-            <a:spLocks/>
-          </p:cNvSpPr>
+          <p:cNvPr id="21" name="文字方塊 20"/>
+          <p:cNvSpPr txBox="1"/>
           <p:nvPr/>
         </p:nvSpPr>
         <p:spPr>
           <a:xfrm>
-            <a:off x="457200" y="123478"/>
-            <a:ext cx="8229600" cy="439297"/>
+            <a:off x="3059832" y="1635646"/>
+            <a:ext cx="3916457" cy="1323439"/>
           </a:xfrm>
           <a:prstGeom prst="rect">
             <a:avLst/>
           </a:prstGeom>
+          <a:noFill/>
         </p:spPr>
         <p:txBody>
-          <a:bodyPr vert="horz" lIns="91440" tIns="45720" rIns="91440" bIns="45720" rtlCol="0" anchor="ctr">
-            <a:noAutofit/>
+          <a:bodyPr wrap="none" rtlCol="0">
+            <a:spAutoFit/>
           </a:bodyPr>
-          <a:lstStyle>
-            <a:lvl1pPr algn="ctr" defTabSz="914400" rtl="0" eaLnBrk="1" latinLnBrk="0" hangingPunct="1">
-              <a:spcBef>
-                <a:spcPct val="0"/>
-              </a:spcBef>
-              <a:buNone/>
-              <a:defRPr sz="4400" kern="1200">
-                <a:solidFill>
-                  <a:schemeClr val="tx1"/>
-                </a:solidFill>
-                <a:latin typeface="+mj-lt"/>
-                <a:ea typeface="+mj-ea"/>
-                <a:cs typeface="+mj-cs"/>
-              </a:defRPr>
-            </a:lvl1pPr>
-          </a:lstStyle>
-          <a:p>
-            <a:r>
-              <a:rPr lang="zh-TW" altLang="en-US" sz="4000" b="1" dirty="0">
-                <a:latin typeface="Adobe 楷体 Std R" pitchFamily="18" charset="-128"/>
-                <a:ea typeface="Adobe 楷体 Std R" pitchFamily="18" charset="-128"/>
-              </a:rPr>
-              <a:t>問題解決</a:t>
-            </a:r>
-            <a:endParaRPr lang="zh-CN" altLang="en-US" sz="4000" b="1" dirty="0">
+          <a:lstStyle/>
+          <a:p>
+            <a:pPr marL="342900" indent="-342900">
+              <a:buFontTx/>
+              <a:buAutoNum type="alphaLcPeriod"/>
+            </a:pPr>
+            <a:r>
+              <a:rPr lang="zh-TW" altLang="en-US" sz="1600" dirty="0">
+                <a:latin typeface="Adobe 楷体 Std R" pitchFamily="18" charset="-128"/>
+                <a:ea typeface="Adobe 楷体 Std R" pitchFamily="18" charset="-128"/>
+              </a:rPr>
+              <a:t>生辰</a:t>
+            </a:r>
+            <a:r>
+              <a:rPr lang="en-US" altLang="zh-TW" sz="1600" dirty="0" smtClean="0">
+                <a:latin typeface="Adobe 楷体 Std R" pitchFamily="18" charset="-128"/>
+                <a:ea typeface="Adobe 楷体 Std R" pitchFamily="18" charset="-128"/>
+              </a:rPr>
+              <a:t>:</a:t>
+            </a:r>
+            <a:r>
+              <a:rPr lang="zh-TW" altLang="en-US" sz="1600" dirty="0" smtClean="0">
+                <a:latin typeface="Adobe 楷体 Std R" pitchFamily="18" charset="-128"/>
+                <a:ea typeface="Adobe 楷体 Std R" pitchFamily="18" charset="-128"/>
+              </a:rPr>
+              <a:t> </a:t>
+            </a:r>
+            <a:r>
+              <a:rPr lang="en-US" altLang="zh-TW" sz="1600" dirty="0" smtClean="0">
+                <a:latin typeface="Adobe 楷体 Std R" pitchFamily="18" charset="-128"/>
+                <a:ea typeface="Adobe 楷体 Std R" pitchFamily="18" charset="-128"/>
+              </a:rPr>
+              <a:t>1969/3/3/11/M...</a:t>
+            </a:r>
+            <a:r>
+              <a:rPr lang="zh-TW" altLang="en-US" sz="1600" dirty="0">
+                <a:latin typeface="Adobe 楷体 Std R" pitchFamily="18" charset="-128"/>
+                <a:ea typeface="Adobe 楷体 Std R" pitchFamily="18" charset="-128"/>
+              </a:rPr>
+              <a:t>等。</a:t>
+            </a:r>
+            <a:endParaRPr lang="en-US" altLang="zh-TW" sz="1600" dirty="0" smtClean="0">
               <a:latin typeface="Adobe 楷体 Std R" pitchFamily="18" charset="-128"/>
               <a:ea typeface="Adobe 楷体 Std R" pitchFamily="18" charset="-128"/>
             </a:endParaRPr>
           </a:p>
+          <a:p>
+            <a:pPr marL="342900" indent="-342900">
+              <a:buFontTx/>
+              <a:buAutoNum type="alphaLcPeriod"/>
+            </a:pPr>
+            <a:r>
+              <a:rPr lang="zh-TW" altLang="en-US" sz="1600" dirty="0">
+                <a:latin typeface="Adobe 楷体 Std R" pitchFamily="18" charset="-128"/>
+                <a:ea typeface="Adobe 楷体 Std R" pitchFamily="18" charset="-128"/>
+              </a:rPr>
+              <a:t>喜用神</a:t>
+            </a:r>
+            <a:r>
+              <a:rPr lang="en-US" altLang="zh-TW" sz="1600" dirty="0">
+                <a:latin typeface="Adobe 楷体 Std R" pitchFamily="18" charset="-128"/>
+                <a:ea typeface="Adobe 楷体 Std R" pitchFamily="18" charset="-128"/>
+              </a:rPr>
+              <a:t>:</a:t>
+            </a:r>
+            <a:r>
+              <a:rPr lang="zh-TW" altLang="en-US" sz="1600" dirty="0">
+                <a:latin typeface="Adobe 楷体 Std R" pitchFamily="18" charset="-128"/>
+                <a:ea typeface="Adobe 楷体 Std R" pitchFamily="18" charset="-128"/>
+              </a:rPr>
+              <a:t> </a:t>
+            </a:r>
+            <a:r>
+              <a:rPr lang="en-US" altLang="zh-TW" sz="1600" dirty="0">
+                <a:latin typeface="Adobe 楷体 Std R" pitchFamily="18" charset="-128"/>
+                <a:ea typeface="Adobe 楷体 Std R" pitchFamily="18" charset="-128"/>
+              </a:rPr>
+              <a:t>[“</a:t>
+            </a:r>
+            <a:r>
+              <a:rPr lang="zh-TW" altLang="en-US" sz="1600" dirty="0">
+                <a:latin typeface="Adobe 楷体 Std R" pitchFamily="18" charset="-128"/>
+                <a:ea typeface="Adobe 楷体 Std R" pitchFamily="18" charset="-128"/>
+              </a:rPr>
+              <a:t>水</a:t>
+            </a:r>
+            <a:r>
+              <a:rPr lang="en-US" altLang="zh-TW" sz="1600" dirty="0">
+                <a:latin typeface="Adobe 楷体 Std R" pitchFamily="18" charset="-128"/>
+                <a:ea typeface="Adobe 楷体 Std R" pitchFamily="18" charset="-128"/>
+              </a:rPr>
+              <a:t>”,”</a:t>
+            </a:r>
+            <a:r>
+              <a:rPr lang="zh-TW" altLang="en-US" sz="1600" dirty="0">
+                <a:latin typeface="Adobe 楷体 Std R" pitchFamily="18" charset="-128"/>
+                <a:ea typeface="Adobe 楷体 Std R" pitchFamily="18" charset="-128"/>
+              </a:rPr>
+              <a:t>金</a:t>
+            </a:r>
+            <a:r>
+              <a:rPr lang="en-US" altLang="zh-TW" sz="1600" dirty="0">
+                <a:latin typeface="Adobe 楷体 Std R" pitchFamily="18" charset="-128"/>
+                <a:ea typeface="Adobe 楷体 Std R" pitchFamily="18" charset="-128"/>
+              </a:rPr>
+              <a:t>”, “</a:t>
+            </a:r>
+            <a:r>
+              <a:rPr lang="zh-TW" altLang="en-US" sz="1600" dirty="0">
+                <a:latin typeface="Adobe 楷体 Std R" pitchFamily="18" charset="-128"/>
+                <a:ea typeface="Adobe 楷体 Std R" pitchFamily="18" charset="-128"/>
+              </a:rPr>
+              <a:t>土</a:t>
+            </a:r>
+            <a:r>
+              <a:rPr lang="en-US" altLang="zh-TW" sz="1600" dirty="0">
+                <a:latin typeface="Adobe 楷体 Std R" pitchFamily="18" charset="-128"/>
+                <a:ea typeface="Adobe 楷体 Std R" pitchFamily="18" charset="-128"/>
+              </a:rPr>
+              <a:t>”]...</a:t>
+            </a:r>
+            <a:r>
+              <a:rPr lang="zh-TW" altLang="en-US" sz="1600" dirty="0" smtClean="0">
+                <a:latin typeface="Adobe 楷体 Std R" pitchFamily="18" charset="-128"/>
+                <a:ea typeface="Adobe 楷体 Std R" pitchFamily="18" charset="-128"/>
+              </a:rPr>
+              <a:t>等</a:t>
+            </a:r>
+            <a:r>
+              <a:rPr lang="zh-TW" altLang="en-US" sz="1600" dirty="0">
+                <a:latin typeface="Adobe 楷体 Std R" pitchFamily="18" charset="-128"/>
+                <a:ea typeface="Adobe 楷体 Std R" pitchFamily="18" charset="-128"/>
+              </a:rPr>
+              <a:t>。</a:t>
+            </a:r>
+            <a:endParaRPr lang="en-US" altLang="zh-TW" sz="1600" dirty="0" smtClean="0">
+              <a:latin typeface="Adobe 楷体 Std R" pitchFamily="18" charset="-128"/>
+              <a:ea typeface="Adobe 楷体 Std R" pitchFamily="18" charset="-128"/>
+            </a:endParaRPr>
+          </a:p>
+          <a:p>
+            <a:pPr marL="342900" indent="-342900">
+              <a:buFontTx/>
+              <a:buAutoNum type="alphaLcPeriod"/>
+            </a:pPr>
+            <a:r>
+              <a:rPr lang="zh-TW" altLang="en-US" sz="1600" dirty="0" smtClean="0">
+                <a:latin typeface="Adobe 楷体 Std R" pitchFamily="18" charset="-128"/>
+                <a:ea typeface="Adobe 楷体 Std R" pitchFamily="18" charset="-128"/>
+              </a:rPr>
+              <a:t>資料</a:t>
+            </a:r>
+            <a:r>
+              <a:rPr lang="zh-TW" altLang="en-US" sz="1600" dirty="0">
+                <a:latin typeface="Adobe 楷体 Std R" pitchFamily="18" charset="-128"/>
+                <a:ea typeface="Adobe 楷体 Std R" pitchFamily="18" charset="-128"/>
+              </a:rPr>
+              <a:t>格式</a:t>
+            </a:r>
+            <a:r>
+              <a:rPr lang="en-US" altLang="zh-TW" sz="1600" dirty="0">
+                <a:latin typeface="Adobe 楷体 Std R" pitchFamily="18" charset="-128"/>
+                <a:ea typeface="Adobe 楷体 Std R" pitchFamily="18" charset="-128"/>
+              </a:rPr>
+              <a:t>: </a:t>
+            </a:r>
+            <a:r>
+              <a:rPr lang="zh-TW" altLang="en-US" sz="1600" dirty="0">
+                <a:latin typeface="Adobe 楷体 Std R" pitchFamily="18" charset="-128"/>
+                <a:ea typeface="Adobe 楷体 Std R" pitchFamily="18" charset="-128"/>
+              </a:rPr>
+              <a:t> </a:t>
+            </a:r>
+            <a:r>
+              <a:rPr lang="zh-TW" altLang="en-US" sz="1600" dirty="0" smtClean="0">
+                <a:latin typeface="Adobe 楷体 Std R" pitchFamily="18" charset="-128"/>
+                <a:ea typeface="Adobe 楷体 Std R" pitchFamily="18" charset="-128"/>
+              </a:rPr>
+              <a:t>年、月、日、時</a:t>
+            </a:r>
+            <a:r>
+              <a:rPr lang="zh-TW" altLang="en-US" sz="1600" dirty="0">
+                <a:latin typeface="Adobe 楷体 Std R" pitchFamily="18" charset="-128"/>
+                <a:ea typeface="Adobe 楷体 Std R" pitchFamily="18" charset="-128"/>
+              </a:rPr>
+              <a:t>、 </a:t>
+            </a:r>
+            <a:endParaRPr lang="en-US" altLang="zh-TW" sz="1600" dirty="0" smtClean="0">
+              <a:latin typeface="Adobe 楷体 Std R" pitchFamily="18" charset="-128"/>
+              <a:ea typeface="Adobe 楷体 Std R" pitchFamily="18" charset="-128"/>
+            </a:endParaRPr>
+          </a:p>
+          <a:p>
+            <a:r>
+              <a:rPr lang="zh-TW" altLang="en-US" sz="1600" dirty="0">
+                <a:latin typeface="Adobe 楷体 Std R" pitchFamily="18" charset="-128"/>
+                <a:ea typeface="Adobe 楷体 Std R" pitchFamily="18" charset="-128"/>
+              </a:rPr>
+              <a:t> </a:t>
+            </a:r>
+            <a:r>
+              <a:rPr lang="zh-TW" altLang="en-US" sz="1600" dirty="0" smtClean="0">
+                <a:latin typeface="Adobe 楷体 Std R" pitchFamily="18" charset="-128"/>
+                <a:ea typeface="Adobe 楷体 Std R" pitchFamily="18" charset="-128"/>
+              </a:rPr>
+              <a:t>                      性別</a:t>
+            </a:r>
+            <a:r>
+              <a:rPr lang="zh-TW" altLang="en-US" sz="1600" dirty="0">
+                <a:latin typeface="Adobe 楷体 Std R" pitchFamily="18" charset="-128"/>
+                <a:ea typeface="Adobe 楷体 Std R" pitchFamily="18" charset="-128"/>
+              </a:rPr>
+              <a:t>、 </a:t>
+            </a:r>
+            <a:r>
+              <a:rPr lang="zh-TW" altLang="en-US" sz="1600" dirty="0" smtClean="0">
+                <a:latin typeface="Adobe 楷体 Std R" pitchFamily="18" charset="-128"/>
+                <a:ea typeface="Adobe 楷体 Std R" pitchFamily="18" charset="-128"/>
+              </a:rPr>
+              <a:t>喜用神。</a:t>
+            </a:r>
+            <a:endParaRPr lang="en-US" altLang="zh-TW" sz="1600" dirty="0">
+              <a:latin typeface="Adobe 楷体 Std R" pitchFamily="18" charset="-128"/>
+              <a:ea typeface="Adobe 楷体 Std R" pitchFamily="18" charset="-128"/>
+            </a:endParaRPr>
+          </a:p>
+          <a:p>
+            <a:pPr marL="342900" indent="-342900">
+              <a:buFontTx/>
+              <a:buAutoNum type="alphaLcPeriod"/>
+            </a:pPr>
+            <a:endParaRPr lang="en-US" altLang="zh-TW" sz="1600" dirty="0">
+              <a:latin typeface="Adobe 楷体 Std R" pitchFamily="18" charset="-128"/>
+              <a:ea typeface="Adobe 楷体 Std R" pitchFamily="18" charset="-128"/>
+            </a:endParaRPr>
+          </a:p>
         </p:txBody>
       </p:sp>
+      <p:sp>
+        <p:nvSpPr>
+          <p:cNvPr id="23" name="矩形 22"/>
+          <p:cNvSpPr/>
+          <p:nvPr/>
+        </p:nvSpPr>
+        <p:spPr>
+          <a:xfrm>
+            <a:off x="4986221" y="3638096"/>
+            <a:ext cx="431873" cy="85782"/>
+          </a:xfrm>
+          <a:prstGeom prst="rect">
+            <a:avLst/>
+          </a:prstGeom>
+          <a:noFill/>
+          <a:ln>
+            <a:solidFill>
+              <a:srgbClr val="FF0000"/>
+            </a:solidFill>
+          </a:ln>
+        </p:spPr>
+        <p:style>
+          <a:lnRef idx="2">
+            <a:schemeClr val="accent1">
+              <a:shade val="50000"/>
+            </a:schemeClr>
+          </a:lnRef>
+          <a:fillRef idx="1">
+            <a:schemeClr val="accent1"/>
+          </a:fillRef>
+          <a:effectRef idx="0">
+            <a:schemeClr val="accent1"/>
+          </a:effectRef>
+          <a:fontRef idx="minor">
+            <a:schemeClr val="lt1"/>
+          </a:fontRef>
+        </p:style>
+        <p:txBody>
+          <a:bodyPr rtlCol="0" anchor="ctr"/>
+          <a:lstStyle/>
+          <a:p>
+            <a:pPr algn="ctr"/>
+            <a:endParaRPr lang="zh-TW" altLang="en-US"/>
+          </a:p>
+        </p:txBody>
+      </p:sp>
+      <p:sp>
+        <p:nvSpPr>
+          <p:cNvPr id="29" name="文字方塊 28"/>
+          <p:cNvSpPr txBox="1"/>
+          <p:nvPr/>
+        </p:nvSpPr>
+        <p:spPr>
+          <a:xfrm>
+            <a:off x="4328355" y="3417062"/>
+            <a:ext cx="963725" cy="276999"/>
+          </a:xfrm>
+          <a:prstGeom prst="rect">
+            <a:avLst/>
+          </a:prstGeom>
+          <a:noFill/>
+        </p:spPr>
+        <p:txBody>
+          <a:bodyPr wrap="none" rtlCol="0">
+            <a:spAutoFit/>
+          </a:bodyPr>
+          <a:lstStyle/>
+          <a:p>
+            <a:r>
+              <a:rPr lang="en-US" altLang="zh-TW" sz="1200" dirty="0" smtClean="0">
+                <a:solidFill>
+                  <a:srgbClr val="FF0000"/>
+                </a:solidFill>
+                <a:latin typeface="Adobe 楷体 Std R" pitchFamily="18" charset="-128"/>
+                <a:ea typeface="Adobe 楷体 Std R" pitchFamily="18" charset="-128"/>
+              </a:rPr>
+              <a:t>a:</a:t>
+            </a:r>
+            <a:r>
+              <a:rPr lang="zh-TW" altLang="en-US" sz="1200" dirty="0" smtClean="0">
+                <a:solidFill>
+                  <a:srgbClr val="FF0000"/>
+                </a:solidFill>
+                <a:latin typeface="Adobe 楷体 Std R" pitchFamily="18" charset="-128"/>
+                <a:ea typeface="Adobe 楷体 Std R" pitchFamily="18" charset="-128"/>
+              </a:rPr>
+              <a:t> </a:t>
+            </a:r>
+            <a:r>
+              <a:rPr lang="en-US" altLang="zh-TW" sz="1200" dirty="0" smtClean="0">
+                <a:solidFill>
+                  <a:srgbClr val="FF0000"/>
+                </a:solidFill>
+                <a:latin typeface="Adobe 楷体 Std R" pitchFamily="18" charset="-128"/>
+                <a:ea typeface="Adobe 楷体 Std R" pitchFamily="18" charset="-128"/>
+              </a:rPr>
+              <a:t>Goodinfo</a:t>
+            </a:r>
+            <a:endParaRPr lang="zh-TW" altLang="en-US" sz="1200" dirty="0">
+              <a:solidFill>
+                <a:srgbClr val="FF0000"/>
+              </a:solidFill>
+              <a:latin typeface="Adobe 楷体 Std R" pitchFamily="18" charset="-128"/>
+              <a:ea typeface="Adobe 楷体 Std R" pitchFamily="18" charset="-128"/>
+            </a:endParaRPr>
+          </a:p>
+        </p:txBody>
+      </p:sp>
+      <p:sp>
+        <p:nvSpPr>
+          <p:cNvPr id="45" name="矩形 44"/>
+          <p:cNvSpPr/>
+          <p:nvPr/>
+        </p:nvSpPr>
+        <p:spPr>
+          <a:xfrm>
+            <a:off x="4892136" y="3858602"/>
+            <a:ext cx="4251864" cy="109021"/>
+          </a:xfrm>
+          <a:prstGeom prst="rect">
+            <a:avLst/>
+          </a:prstGeom>
+          <a:noFill/>
+          <a:ln>
+            <a:solidFill>
+              <a:srgbClr val="FF0000"/>
+            </a:solidFill>
+          </a:ln>
+        </p:spPr>
+        <p:style>
+          <a:lnRef idx="2">
+            <a:schemeClr val="accent1">
+              <a:shade val="50000"/>
+            </a:schemeClr>
+          </a:lnRef>
+          <a:fillRef idx="1">
+            <a:schemeClr val="accent1"/>
+          </a:fillRef>
+          <a:effectRef idx="0">
+            <a:schemeClr val="accent1"/>
+          </a:effectRef>
+          <a:fontRef idx="minor">
+            <a:schemeClr val="lt1"/>
+          </a:fontRef>
+        </p:style>
+        <p:txBody>
+          <a:bodyPr rtlCol="0" anchor="ctr"/>
+          <a:lstStyle/>
+          <a:p>
+            <a:pPr algn="ctr"/>
+            <a:endParaRPr lang="zh-TW" altLang="en-US"/>
+          </a:p>
+        </p:txBody>
+      </p:sp>
+      <p:sp>
+        <p:nvSpPr>
+          <p:cNvPr id="46" name="文字方塊 45"/>
+          <p:cNvSpPr txBox="1"/>
+          <p:nvPr/>
+        </p:nvSpPr>
+        <p:spPr>
+          <a:xfrm>
+            <a:off x="4645276" y="3784159"/>
+            <a:ext cx="271228" cy="276999"/>
+          </a:xfrm>
+          <a:prstGeom prst="rect">
+            <a:avLst/>
+          </a:prstGeom>
+          <a:noFill/>
+        </p:spPr>
+        <p:txBody>
+          <a:bodyPr wrap="none" rtlCol="0">
+            <a:spAutoFit/>
+          </a:bodyPr>
+          <a:lstStyle/>
+          <a:p>
+            <a:r>
+              <a:rPr lang="en-US" altLang="zh-TW" sz="1200" dirty="0" smtClean="0">
+                <a:solidFill>
+                  <a:srgbClr val="FF0000"/>
+                </a:solidFill>
+                <a:latin typeface="Adobe 楷体 Std R" pitchFamily="18" charset="-128"/>
+                <a:ea typeface="Adobe 楷体 Std R" pitchFamily="18" charset="-128"/>
+              </a:rPr>
+              <a:t>b</a:t>
+            </a:r>
+            <a:endParaRPr lang="zh-TW" altLang="en-US" sz="1200" dirty="0">
+              <a:solidFill>
+                <a:srgbClr val="FF0000"/>
+              </a:solidFill>
+              <a:latin typeface="Adobe 楷体 Std R" pitchFamily="18" charset="-128"/>
+              <a:ea typeface="Adobe 楷体 Std R" pitchFamily="18" charset="-128"/>
+            </a:endParaRPr>
+          </a:p>
+        </p:txBody>
+      </p:sp>
+      <p:sp>
+        <p:nvSpPr>
+          <p:cNvPr id="49" name="矩形 48"/>
+          <p:cNvSpPr/>
+          <p:nvPr/>
+        </p:nvSpPr>
+        <p:spPr>
+          <a:xfrm>
+            <a:off x="3464870" y="4803998"/>
+            <a:ext cx="5679130" cy="139331"/>
+          </a:xfrm>
+          <a:prstGeom prst="rect">
+            <a:avLst/>
+          </a:prstGeom>
+          <a:noFill/>
+          <a:ln>
+            <a:solidFill>
+              <a:srgbClr val="FF0000"/>
+            </a:solidFill>
+          </a:ln>
+        </p:spPr>
+        <p:style>
+          <a:lnRef idx="2">
+            <a:schemeClr val="accent1">
+              <a:shade val="50000"/>
+            </a:schemeClr>
+          </a:lnRef>
+          <a:fillRef idx="1">
+            <a:schemeClr val="accent1"/>
+          </a:fillRef>
+          <a:effectRef idx="0">
+            <a:schemeClr val="accent1"/>
+          </a:effectRef>
+          <a:fontRef idx="minor">
+            <a:schemeClr val="lt1"/>
+          </a:fontRef>
+        </p:style>
+        <p:txBody>
+          <a:bodyPr rtlCol="0" anchor="ctr"/>
+          <a:lstStyle/>
+          <a:p>
+            <a:pPr algn="ctr"/>
+            <a:endParaRPr lang="zh-TW" altLang="en-US"/>
+          </a:p>
+        </p:txBody>
+      </p:sp>
+      <p:sp>
+        <p:nvSpPr>
+          <p:cNvPr id="50" name="文字方塊 49"/>
+          <p:cNvSpPr txBox="1"/>
+          <p:nvPr/>
+        </p:nvSpPr>
+        <p:spPr>
+          <a:xfrm>
+            <a:off x="4221898" y="4599007"/>
+            <a:ext cx="1098377" cy="276999"/>
+          </a:xfrm>
+          <a:prstGeom prst="rect">
+            <a:avLst/>
+          </a:prstGeom>
+          <a:noFill/>
+        </p:spPr>
+        <p:txBody>
+          <a:bodyPr wrap="square" rtlCol="0">
+            <a:spAutoFit/>
+          </a:bodyPr>
+          <a:lstStyle/>
+          <a:p>
+            <a:r>
+              <a:rPr lang="en-US" altLang="zh-TW" sz="1200" dirty="0">
+                <a:solidFill>
+                  <a:srgbClr val="FF0000"/>
+                </a:solidFill>
+                <a:latin typeface="Adobe 楷体 Std R" pitchFamily="18" charset="-128"/>
+                <a:ea typeface="Adobe 楷体 Std R" pitchFamily="18" charset="-128"/>
+              </a:rPr>
+              <a:t>c</a:t>
+            </a:r>
+            <a:r>
+              <a:rPr lang="en-US" altLang="zh-TW" sz="1200" dirty="0" smtClean="0">
+                <a:solidFill>
+                  <a:srgbClr val="FF0000"/>
+                </a:solidFill>
+                <a:latin typeface="Adobe 楷体 Std R" pitchFamily="18" charset="-128"/>
+                <a:ea typeface="Adobe 楷体 Std R" pitchFamily="18" charset="-128"/>
+              </a:rPr>
+              <a:t>: ROE(%)</a:t>
+            </a:r>
+            <a:endParaRPr lang="zh-TW" altLang="en-US" sz="1200" dirty="0">
+              <a:solidFill>
+                <a:srgbClr val="FF0000"/>
+              </a:solidFill>
+              <a:latin typeface="Adobe 楷体 Std R" pitchFamily="18" charset="-128"/>
+              <a:ea typeface="Adobe 楷体 Std R" pitchFamily="18" charset="-128"/>
+            </a:endParaRPr>
+          </a:p>
+        </p:txBody>
+      </p:sp>
+      <p:sp>
+        <p:nvSpPr>
+          <p:cNvPr id="31" name="文字方塊 30"/>
+          <p:cNvSpPr txBox="1"/>
+          <p:nvPr/>
+        </p:nvSpPr>
+        <p:spPr>
+          <a:xfrm>
+            <a:off x="689470" y="1717102"/>
+            <a:ext cx="2331087" cy="1569660"/>
+          </a:xfrm>
+          <a:prstGeom prst="rect">
+            <a:avLst/>
+          </a:prstGeom>
+          <a:noFill/>
+        </p:spPr>
+        <p:txBody>
+          <a:bodyPr wrap="square" rtlCol="0">
+            <a:spAutoFit/>
+          </a:bodyPr>
+          <a:lstStyle/>
+          <a:p>
+            <a:pPr algn="just"/>
+            <a:r>
+              <a:rPr lang="zh-TW" altLang="en-US" sz="1600" dirty="0" smtClean="0">
+                <a:latin typeface="Adobe 楷体 Std R" pitchFamily="18" charset="-128"/>
+                <a:ea typeface="Adobe 楷体 Std R" pitchFamily="18" charset="-128"/>
+              </a:rPr>
+              <a:t>依信箱為主鍵使用</a:t>
+            </a:r>
+            <a:r>
+              <a:rPr lang="zh-TW" altLang="en-US" sz="1600" dirty="0">
+                <a:solidFill>
+                  <a:srgbClr val="0000CC"/>
+                </a:solidFill>
+                <a:latin typeface="Adobe 楷体 Std R" pitchFamily="18" charset="-128"/>
+                <a:ea typeface="Adobe 楷体 Std R" pitchFamily="18" charset="-128"/>
+              </a:rPr>
+              <a:t>靜</a:t>
+            </a:r>
+            <a:r>
+              <a:rPr lang="zh-TW" altLang="en-US" sz="1600" dirty="0" smtClean="0">
+                <a:solidFill>
+                  <a:srgbClr val="0000CC"/>
+                </a:solidFill>
+                <a:latin typeface="Adobe 楷体 Std R" pitchFamily="18" charset="-128"/>
+                <a:ea typeface="Adobe 楷体 Std R" pitchFamily="18" charset="-128"/>
+              </a:rPr>
+              <a:t>態網頁</a:t>
+            </a:r>
+            <a:r>
+              <a:rPr lang="zh-TW" altLang="en-US" sz="1600" dirty="0" smtClean="0">
+                <a:latin typeface="Adobe 楷体 Std R" pitchFamily="18" charset="-128"/>
+                <a:ea typeface="Adobe 楷体 Std R" pitchFamily="18" charset="-128"/>
+              </a:rPr>
+              <a:t>爬蟲並搭配使用者資料</a:t>
+            </a:r>
+            <a:r>
+              <a:rPr lang="zh-TW" altLang="en-US" sz="1600" dirty="0" smtClean="0">
+                <a:solidFill>
+                  <a:srgbClr val="0000CC"/>
+                </a:solidFill>
+                <a:latin typeface="Adobe 楷体 Std R" pitchFamily="18" charset="-128"/>
+                <a:ea typeface="Adobe 楷体 Std R" pitchFamily="18" charset="-128"/>
+              </a:rPr>
+              <a:t>依</a:t>
+            </a:r>
+            <a:r>
+              <a:rPr lang="en-US" altLang="zh-TW" sz="1600" dirty="0" smtClean="0">
+                <a:solidFill>
+                  <a:srgbClr val="0000CC"/>
+                </a:solidFill>
+                <a:latin typeface="Adobe 楷体 Std R" pitchFamily="18" charset="-128"/>
+                <a:ea typeface="Adobe 楷体 Std R" pitchFamily="18" charset="-128"/>
+              </a:rPr>
+              <a:t>”</a:t>
+            </a:r>
+            <a:r>
+              <a:rPr lang="zh-TW" altLang="en-US" sz="1600" dirty="0" smtClean="0">
+                <a:solidFill>
+                  <a:srgbClr val="0000CC"/>
+                </a:solidFill>
+                <a:latin typeface="Adobe 楷体 Std R" pitchFamily="18" charset="-128"/>
+                <a:ea typeface="Adobe 楷体 Std R" pitchFamily="18" charset="-128"/>
+              </a:rPr>
+              <a:t>年</a:t>
+            </a:r>
+            <a:r>
+              <a:rPr lang="en-US" altLang="zh-TW" sz="1600" dirty="0" smtClean="0">
+                <a:solidFill>
+                  <a:srgbClr val="0000CC"/>
+                </a:solidFill>
+                <a:latin typeface="Adobe 楷体 Std R" pitchFamily="18" charset="-128"/>
+                <a:ea typeface="Adobe 楷体 Std R" pitchFamily="18" charset="-128"/>
+              </a:rPr>
+              <a:t>/</a:t>
+            </a:r>
+            <a:r>
+              <a:rPr lang="zh-TW" altLang="en-US" sz="1600" dirty="0" smtClean="0">
+                <a:solidFill>
+                  <a:srgbClr val="0000CC"/>
+                </a:solidFill>
+                <a:latin typeface="Adobe 楷体 Std R" pitchFamily="18" charset="-128"/>
+                <a:ea typeface="Adobe 楷体 Std R" pitchFamily="18" charset="-128"/>
+              </a:rPr>
+              <a:t>月</a:t>
+            </a:r>
+            <a:r>
+              <a:rPr lang="en-US" altLang="zh-TW" sz="1600" dirty="0" smtClean="0">
+                <a:solidFill>
+                  <a:srgbClr val="0000CC"/>
+                </a:solidFill>
+                <a:latin typeface="Adobe 楷体 Std R" pitchFamily="18" charset="-128"/>
+                <a:ea typeface="Adobe 楷体 Std R" pitchFamily="18" charset="-128"/>
+              </a:rPr>
+              <a:t>/</a:t>
+            </a:r>
+            <a:r>
+              <a:rPr lang="zh-TW" altLang="en-US" sz="1600" dirty="0" smtClean="0">
+                <a:solidFill>
+                  <a:srgbClr val="0000CC"/>
+                </a:solidFill>
+                <a:latin typeface="Adobe 楷体 Std R" pitchFamily="18" charset="-128"/>
+                <a:ea typeface="Adobe 楷体 Std R" pitchFamily="18" charset="-128"/>
+              </a:rPr>
+              <a:t>日</a:t>
+            </a:r>
+            <a:r>
+              <a:rPr lang="en-US" altLang="zh-TW" sz="1600" dirty="0" smtClean="0">
+                <a:solidFill>
+                  <a:srgbClr val="0000CC"/>
+                </a:solidFill>
+                <a:latin typeface="Adobe 楷体 Std R" pitchFamily="18" charset="-128"/>
+                <a:ea typeface="Adobe 楷体 Std R" pitchFamily="18" charset="-128"/>
+              </a:rPr>
+              <a:t>/</a:t>
+            </a:r>
+            <a:r>
+              <a:rPr lang="zh-TW" altLang="en-US" sz="1600" dirty="0" smtClean="0">
+                <a:solidFill>
+                  <a:srgbClr val="0000CC"/>
+                </a:solidFill>
+                <a:latin typeface="Adobe 楷体 Std R" pitchFamily="18" charset="-128"/>
+                <a:ea typeface="Adobe 楷体 Std R" pitchFamily="18" charset="-128"/>
+              </a:rPr>
+              <a:t>時</a:t>
+            </a:r>
+            <a:r>
+              <a:rPr lang="en-US" altLang="zh-TW" sz="1600" dirty="0" smtClean="0">
+                <a:solidFill>
+                  <a:srgbClr val="0000CC"/>
+                </a:solidFill>
+                <a:latin typeface="Adobe 楷体 Std R" pitchFamily="18" charset="-128"/>
+                <a:ea typeface="Adobe 楷体 Std R" pitchFamily="18" charset="-128"/>
+              </a:rPr>
+              <a:t>/</a:t>
+            </a:r>
+            <a:r>
+              <a:rPr lang="zh-TW" altLang="en-US" sz="1600" dirty="0" smtClean="0">
+                <a:solidFill>
+                  <a:srgbClr val="0000CC"/>
+                </a:solidFill>
+                <a:latin typeface="Adobe 楷体 Std R" pitchFamily="18" charset="-128"/>
+                <a:ea typeface="Adobe 楷体 Std R" pitchFamily="18" charset="-128"/>
+              </a:rPr>
+              <a:t>性別</a:t>
+            </a:r>
+            <a:r>
+              <a:rPr lang="en-US" altLang="zh-TW" sz="1600" dirty="0" smtClean="0">
+                <a:solidFill>
+                  <a:srgbClr val="0000CC"/>
+                </a:solidFill>
+                <a:latin typeface="Adobe 楷体 Std R" pitchFamily="18" charset="-128"/>
+                <a:ea typeface="Adobe 楷体 Std R" pitchFamily="18" charset="-128"/>
+              </a:rPr>
+              <a:t>”</a:t>
+            </a:r>
+            <a:r>
+              <a:rPr lang="en-US" altLang="zh-TW" sz="1600" dirty="0" smtClean="0">
+                <a:latin typeface="Adobe 楷体 Std R" pitchFamily="18" charset="-128"/>
+                <a:ea typeface="Adobe 楷体 Std R" pitchFamily="18" charset="-128"/>
+              </a:rPr>
+              <a:t>,</a:t>
+            </a:r>
+            <a:r>
+              <a:rPr lang="zh-TW" altLang="en-US" sz="1600" dirty="0" smtClean="0">
+                <a:latin typeface="Adobe 楷体 Std R" pitchFamily="18" charset="-128"/>
+                <a:ea typeface="Adobe 楷体 Std R" pitchFamily="18" charset="-128"/>
+              </a:rPr>
+              <a:t> 匯入劍靈網並擷取喜用神資料</a:t>
+            </a:r>
+            <a:r>
+              <a:rPr lang="zh-TW" altLang="en-US" sz="1600" dirty="0">
+                <a:latin typeface="Adobe 楷体 Std R" pitchFamily="18" charset="-128"/>
+                <a:ea typeface="Adobe 楷体 Std R" pitchFamily="18" charset="-128"/>
+              </a:rPr>
+              <a:t>後</a:t>
+            </a:r>
+            <a:r>
+              <a:rPr lang="zh-TW" altLang="en-US" sz="1600" dirty="0" smtClean="0">
+                <a:latin typeface="Adobe 楷体 Std R" pitchFamily="18" charset="-128"/>
+                <a:ea typeface="Adobe 楷体 Std R" pitchFamily="18" charset="-128"/>
+              </a:rPr>
+              <a:t>上傳並至</a:t>
+            </a:r>
+            <a:r>
+              <a:rPr lang="en-US" altLang="zh-TW" sz="1600" dirty="0">
+                <a:solidFill>
+                  <a:srgbClr val="0000CC"/>
+                </a:solidFill>
+                <a:latin typeface="Adobe 楷体 Std R" pitchFamily="18" charset="-128"/>
+                <a:ea typeface="Adobe 楷体 Std R" pitchFamily="18" charset="-128"/>
+              </a:rPr>
+              <a:t>F</a:t>
+            </a:r>
+            <a:r>
+              <a:rPr lang="en-US" altLang="zh-TW" sz="1600" dirty="0" smtClean="0">
+                <a:solidFill>
+                  <a:srgbClr val="0000CC"/>
+                </a:solidFill>
+                <a:latin typeface="Adobe 楷体 Std R" pitchFamily="18" charset="-128"/>
+                <a:ea typeface="Adobe 楷体 Std R" pitchFamily="18" charset="-128"/>
+              </a:rPr>
+              <a:t>irebase</a:t>
+            </a:r>
+            <a:r>
+              <a:rPr lang="en-US" altLang="zh-TW" sz="1600" dirty="0" smtClean="0">
+                <a:latin typeface="Adobe 楷体 Std R" pitchFamily="18" charset="-128"/>
+                <a:ea typeface="Adobe 楷体 Std R" pitchFamily="18" charset="-128"/>
+              </a:rPr>
+              <a:t> </a:t>
+            </a:r>
+            <a:r>
+              <a:rPr lang="zh-TW" altLang="en-US" sz="1600" dirty="0" smtClean="0">
+                <a:latin typeface="Adobe 楷体 Std R" pitchFamily="18" charset="-128"/>
+                <a:ea typeface="Adobe 楷体 Std R" pitchFamily="18" charset="-128"/>
+              </a:rPr>
+              <a:t>雲端</a:t>
+            </a:r>
+            <a:r>
+              <a:rPr lang="zh-TW" altLang="en-US" sz="1600" dirty="0">
+                <a:latin typeface="Adobe 楷体 Std R" pitchFamily="18" charset="-128"/>
+                <a:ea typeface="Adobe 楷体 Std R" pitchFamily="18" charset="-128"/>
+              </a:rPr>
+              <a:t>資料庫。</a:t>
+            </a:r>
+            <a:endParaRPr lang="en-US" altLang="zh-TW" sz="1600" dirty="0">
+              <a:latin typeface="Adobe 楷体 Std R" pitchFamily="18" charset="-128"/>
+              <a:ea typeface="Adobe 楷体 Std R" pitchFamily="18" charset="-128"/>
+            </a:endParaRPr>
+          </a:p>
+        </p:txBody>
+      </p:sp>
+      <p:sp>
+        <p:nvSpPr>
+          <p:cNvPr id="37" name="矩形 36"/>
+          <p:cNvSpPr/>
+          <p:nvPr/>
+        </p:nvSpPr>
+        <p:spPr>
+          <a:xfrm>
+            <a:off x="3454191" y="3185553"/>
+            <a:ext cx="4117027" cy="198163"/>
+          </a:xfrm>
+          <a:prstGeom prst="rect">
+            <a:avLst/>
+          </a:prstGeom>
+          <a:noFill/>
+          <a:ln>
+            <a:solidFill>
+              <a:srgbClr val="FF0000"/>
+            </a:solidFill>
+          </a:ln>
+        </p:spPr>
+        <p:style>
+          <a:lnRef idx="2">
+            <a:schemeClr val="accent1">
+              <a:shade val="50000"/>
+            </a:schemeClr>
+          </a:lnRef>
+          <a:fillRef idx="1">
+            <a:schemeClr val="accent1"/>
+          </a:fillRef>
+          <a:effectRef idx="0">
+            <a:schemeClr val="accent1"/>
+          </a:effectRef>
+          <a:fontRef idx="minor">
+            <a:schemeClr val="lt1"/>
+          </a:fontRef>
+        </p:style>
+        <p:txBody>
+          <a:bodyPr rtlCol="0" anchor="ctr"/>
+          <a:lstStyle/>
+          <a:p>
+            <a:pPr algn="ctr"/>
+            <a:endParaRPr lang="zh-TW" altLang="en-US"/>
+          </a:p>
+        </p:txBody>
+      </p:sp>
+      <p:sp>
+        <p:nvSpPr>
+          <p:cNvPr id="38" name="文字方塊 37"/>
+          <p:cNvSpPr txBox="1"/>
+          <p:nvPr/>
+        </p:nvSpPr>
+        <p:spPr>
+          <a:xfrm>
+            <a:off x="3424779" y="2820585"/>
+            <a:ext cx="1024639" cy="276999"/>
+          </a:xfrm>
+          <a:prstGeom prst="rect">
+            <a:avLst/>
+          </a:prstGeom>
+          <a:noFill/>
+        </p:spPr>
+        <p:txBody>
+          <a:bodyPr wrap="none" rtlCol="0">
+            <a:spAutoFit/>
+          </a:bodyPr>
+          <a:lstStyle/>
+          <a:p>
+            <a:r>
+              <a:rPr lang="en-US" altLang="zh-TW" sz="1200" dirty="0" smtClean="0">
+                <a:solidFill>
+                  <a:srgbClr val="FF0000"/>
+                </a:solidFill>
+                <a:latin typeface="Adobe 楷体 Std R" pitchFamily="18" charset="-128"/>
+                <a:ea typeface="Adobe 楷体 Std R" pitchFamily="18" charset="-128"/>
+              </a:rPr>
+              <a:t>a:</a:t>
+            </a:r>
+            <a:r>
+              <a:rPr lang="zh-TW" altLang="en-US" sz="1200" dirty="0" smtClean="0">
+                <a:solidFill>
+                  <a:srgbClr val="FF0000"/>
+                </a:solidFill>
+                <a:latin typeface="Adobe 楷体 Std R" pitchFamily="18" charset="-128"/>
+                <a:ea typeface="Adobe 楷体 Std R" pitchFamily="18" charset="-128"/>
+              </a:rPr>
+              <a:t> </a:t>
+            </a:r>
+            <a:r>
+              <a:rPr lang="zh-TW" altLang="en-US" sz="1200" dirty="0">
+                <a:solidFill>
+                  <a:srgbClr val="FF0000"/>
+                </a:solidFill>
+                <a:latin typeface="Adobe 楷体 Std R" pitchFamily="18" charset="-128"/>
+                <a:ea typeface="Adobe 楷体 Std R" pitchFamily="18" charset="-128"/>
+              </a:rPr>
+              <a:t>爬蟲</a:t>
+            </a:r>
+            <a:r>
+              <a:rPr lang="zh-TW" altLang="en-US" sz="1200" dirty="0" smtClean="0">
+                <a:solidFill>
+                  <a:srgbClr val="FF0000"/>
+                </a:solidFill>
+                <a:latin typeface="Adobe 楷体 Std R" pitchFamily="18" charset="-128"/>
+                <a:ea typeface="Adobe 楷体 Std R" pitchFamily="18" charset="-128"/>
+              </a:rPr>
+              <a:t>程式</a:t>
+            </a:r>
+            <a:r>
+              <a:rPr lang="en-US" altLang="zh-TW" sz="1200" dirty="0" smtClean="0">
+                <a:solidFill>
+                  <a:srgbClr val="FF0000"/>
+                </a:solidFill>
+                <a:latin typeface="Adobe 楷体 Std R" pitchFamily="18" charset="-128"/>
+                <a:ea typeface="Adobe 楷体 Std R" pitchFamily="18" charset="-128"/>
+              </a:rPr>
+              <a:t>:</a:t>
+            </a:r>
+            <a:endParaRPr lang="zh-TW" altLang="en-US" sz="1200" dirty="0">
+              <a:solidFill>
+                <a:srgbClr val="FF0000"/>
+              </a:solidFill>
+              <a:latin typeface="Adobe 楷体 Std R" pitchFamily="18" charset="-128"/>
+              <a:ea typeface="Adobe 楷体 Std R" pitchFamily="18" charset="-128"/>
+            </a:endParaRPr>
+          </a:p>
+        </p:txBody>
+      </p:sp>
+      <p:sp>
+        <p:nvSpPr>
+          <p:cNvPr id="4" name="上-下雙向箭號 3"/>
+          <p:cNvSpPr/>
+          <p:nvPr/>
+        </p:nvSpPr>
+        <p:spPr>
+          <a:xfrm>
+            <a:off x="5220072" y="3403411"/>
+            <a:ext cx="90265" cy="214249"/>
+          </a:xfrm>
+          <a:prstGeom prst="upDownArrow">
+            <a:avLst/>
+          </a:prstGeom>
+          <a:solidFill>
+            <a:srgbClr val="0000CC"/>
+          </a:solidFill>
+          <a:ln>
+            <a:solidFill>
+              <a:srgbClr val="0000CC"/>
+            </a:solidFill>
+          </a:ln>
+        </p:spPr>
+        <p:style>
+          <a:lnRef idx="2">
+            <a:schemeClr val="accent1">
+              <a:shade val="50000"/>
+            </a:schemeClr>
+          </a:lnRef>
+          <a:fillRef idx="1">
+            <a:schemeClr val="accent1"/>
+          </a:fillRef>
+          <a:effectRef idx="0">
+            <a:schemeClr val="accent1"/>
+          </a:effectRef>
+          <a:fontRef idx="minor">
+            <a:schemeClr val="lt1"/>
+          </a:fontRef>
+        </p:style>
+        <p:txBody>
+          <a:bodyPr rtlCol="0" anchor="ctr"/>
+          <a:lstStyle/>
+          <a:p>
+            <a:pPr algn="ctr"/>
+            <a:endParaRPr lang="zh-TW" altLang="en-US"/>
+          </a:p>
+        </p:txBody>
+      </p:sp>
+      <p:sp>
+        <p:nvSpPr>
+          <p:cNvPr id="41" name="文字方塊 40"/>
+          <p:cNvSpPr txBox="1"/>
+          <p:nvPr/>
+        </p:nvSpPr>
+        <p:spPr>
+          <a:xfrm>
+            <a:off x="145768" y="3210977"/>
+            <a:ext cx="1141659" cy="276999"/>
+          </a:xfrm>
+          <a:prstGeom prst="rect">
+            <a:avLst/>
+          </a:prstGeom>
+          <a:noFill/>
+        </p:spPr>
+        <p:txBody>
+          <a:bodyPr wrap="none" rtlCol="0">
+            <a:spAutoFit/>
+          </a:bodyPr>
+          <a:lstStyle/>
+          <a:p>
+            <a:r>
+              <a:rPr lang="zh-TW" altLang="en-US" sz="1200" dirty="0">
+                <a:solidFill>
+                  <a:srgbClr val="0000CC"/>
+                </a:solidFill>
+                <a:latin typeface="Adobe 楷体 Std R" pitchFamily="18" charset="-128"/>
+                <a:ea typeface="Adobe 楷体 Std R" pitchFamily="18" charset="-128"/>
+              </a:rPr>
+              <a:t>靜</a:t>
+            </a:r>
+            <a:r>
+              <a:rPr lang="zh-TW" altLang="en-US" sz="1200" dirty="0" smtClean="0">
+                <a:solidFill>
+                  <a:srgbClr val="0000CC"/>
+                </a:solidFill>
+                <a:latin typeface="Adobe 楷体 Std R" pitchFamily="18" charset="-128"/>
+                <a:ea typeface="Adobe 楷体 Std R" pitchFamily="18" charset="-128"/>
+              </a:rPr>
+              <a:t>態</a:t>
+            </a:r>
+            <a:r>
+              <a:rPr lang="zh-TW" altLang="en-US" sz="1200" dirty="0">
+                <a:solidFill>
+                  <a:srgbClr val="0000CC"/>
+                </a:solidFill>
+                <a:latin typeface="Adobe 楷体 Std R" pitchFamily="18" charset="-128"/>
+                <a:ea typeface="Adobe 楷体 Std R" pitchFamily="18" charset="-128"/>
+              </a:rPr>
+              <a:t>網頁爬蟲</a:t>
+            </a:r>
+            <a:r>
+              <a:rPr lang="en-US" altLang="zh-TW" sz="1200" dirty="0" smtClean="0">
+                <a:solidFill>
+                  <a:srgbClr val="0000CC"/>
+                </a:solidFill>
+                <a:latin typeface="Adobe 楷体 Std R" pitchFamily="18" charset="-128"/>
+                <a:ea typeface="Adobe 楷体 Std R" pitchFamily="18" charset="-128"/>
+              </a:rPr>
+              <a:t>:</a:t>
+            </a:r>
+            <a:endParaRPr lang="zh-TW" altLang="en-US" sz="1200" dirty="0">
+              <a:solidFill>
+                <a:srgbClr val="0000CC"/>
+              </a:solidFill>
+              <a:latin typeface="Adobe 楷体 Std R" pitchFamily="18" charset="-128"/>
+              <a:ea typeface="Adobe 楷体 Std R" pitchFamily="18" charset="-128"/>
+            </a:endParaRPr>
+          </a:p>
+        </p:txBody>
+      </p:sp>
+      <p:sp>
+        <p:nvSpPr>
+          <p:cNvPr id="43" name="文字方塊 42"/>
+          <p:cNvSpPr txBox="1"/>
+          <p:nvPr/>
+        </p:nvSpPr>
+        <p:spPr>
+          <a:xfrm>
+            <a:off x="1887826" y="3230855"/>
+            <a:ext cx="1101584" cy="276999"/>
+          </a:xfrm>
+          <a:prstGeom prst="rect">
+            <a:avLst/>
+          </a:prstGeom>
+          <a:noFill/>
+        </p:spPr>
+        <p:txBody>
+          <a:bodyPr wrap="none" rtlCol="0">
+            <a:spAutoFit/>
+          </a:bodyPr>
+          <a:lstStyle/>
+          <a:p>
+            <a:r>
+              <a:rPr lang="zh-TW" altLang="en-US" sz="1200" dirty="0" smtClean="0">
+                <a:solidFill>
+                  <a:srgbClr val="0000CC"/>
+                </a:solidFill>
+                <a:latin typeface="Adobe 楷体 Std R" pitchFamily="18" charset="-128"/>
+                <a:ea typeface="Adobe 楷体 Std R" pitchFamily="18" charset="-128"/>
+              </a:rPr>
+              <a:t>上傳</a:t>
+            </a:r>
+            <a:r>
+              <a:rPr lang="en-US" altLang="zh-TW" sz="1200" dirty="0" smtClean="0">
+                <a:solidFill>
+                  <a:srgbClr val="0000CC"/>
+                </a:solidFill>
+                <a:latin typeface="Adobe 楷体 Std R" pitchFamily="18" charset="-128"/>
+                <a:ea typeface="Adobe 楷体 Std R" pitchFamily="18" charset="-128"/>
+              </a:rPr>
+              <a:t>Firebase:</a:t>
+            </a:r>
+            <a:endParaRPr lang="zh-TW" altLang="en-US" sz="1200" dirty="0">
+              <a:solidFill>
+                <a:srgbClr val="0000CC"/>
+              </a:solidFill>
+              <a:latin typeface="Adobe 楷体 Std R" pitchFamily="18" charset="-128"/>
+              <a:ea typeface="Adobe 楷体 Std R" pitchFamily="18" charset="-128"/>
+            </a:endParaRPr>
+          </a:p>
+        </p:txBody>
+      </p:sp>
+      <p:sp>
+        <p:nvSpPr>
+          <p:cNvPr id="48" name="文字方塊 47"/>
+          <p:cNvSpPr txBox="1"/>
+          <p:nvPr/>
+        </p:nvSpPr>
+        <p:spPr>
+          <a:xfrm>
+            <a:off x="7272658" y="1590290"/>
+            <a:ext cx="793807" cy="276999"/>
+          </a:xfrm>
+          <a:prstGeom prst="rect">
+            <a:avLst/>
+          </a:prstGeom>
+          <a:noFill/>
+        </p:spPr>
+        <p:txBody>
+          <a:bodyPr wrap="none" rtlCol="0">
+            <a:spAutoFit/>
+          </a:bodyPr>
+          <a:lstStyle/>
+          <a:p>
+            <a:r>
+              <a:rPr lang="en-US" altLang="zh-TW" sz="1200" dirty="0" smtClean="0">
+                <a:solidFill>
+                  <a:srgbClr val="0000CC"/>
+                </a:solidFill>
+                <a:latin typeface="Adobe 楷体 Std R" pitchFamily="18" charset="-128"/>
+                <a:ea typeface="Adobe 楷体 Std R" pitchFamily="18" charset="-128"/>
+              </a:rPr>
+              <a:t>Firebase:</a:t>
+            </a:r>
+            <a:endParaRPr lang="zh-TW" altLang="en-US" sz="1200" dirty="0">
+              <a:solidFill>
+                <a:srgbClr val="0000CC"/>
+              </a:solidFill>
+              <a:latin typeface="Adobe 楷体 Std R" pitchFamily="18" charset="-128"/>
+              <a:ea typeface="Adobe 楷体 Std R" pitchFamily="18" charset="-128"/>
+            </a:endParaRPr>
+          </a:p>
+        </p:txBody>
+      </p:sp>
+      <p:sp>
+        <p:nvSpPr>
+          <p:cNvPr id="5" name="矩形 4"/>
+          <p:cNvSpPr/>
+          <p:nvPr/>
+        </p:nvSpPr>
+        <p:spPr>
+          <a:xfrm>
+            <a:off x="8388424" y="3284634"/>
+            <a:ext cx="755576" cy="223220"/>
+          </a:xfrm>
+          <a:prstGeom prst="rect">
+            <a:avLst/>
+          </a:prstGeom>
+          <a:noFill/>
+          <a:ln>
+            <a:solidFill>
+              <a:srgbClr val="FF0000"/>
+            </a:solidFill>
+          </a:ln>
+        </p:spPr>
+        <p:style>
+          <a:lnRef idx="2">
+            <a:schemeClr val="accent1">
+              <a:shade val="50000"/>
+            </a:schemeClr>
+          </a:lnRef>
+          <a:fillRef idx="1">
+            <a:schemeClr val="accent1"/>
+          </a:fillRef>
+          <a:effectRef idx="0">
+            <a:schemeClr val="accent1"/>
+          </a:effectRef>
+          <a:fontRef idx="minor">
+            <a:schemeClr val="lt1"/>
+          </a:fontRef>
+        </p:style>
+        <p:txBody>
+          <a:bodyPr rtlCol="0" anchor="ctr"/>
+          <a:lstStyle/>
+          <a:p>
+            <a:pPr algn="ctr"/>
+            <a:endParaRPr lang="zh-TW" altLang="en-US"/>
+          </a:p>
+        </p:txBody>
+      </p:sp>
+      <p:sp>
+        <p:nvSpPr>
+          <p:cNvPr id="6" name="左-右雙向箭號 5"/>
+          <p:cNvSpPr/>
+          <p:nvPr/>
+        </p:nvSpPr>
+        <p:spPr>
+          <a:xfrm>
+            <a:off x="7669561" y="3284634"/>
+            <a:ext cx="603889" cy="118777"/>
+          </a:xfrm>
+          <a:prstGeom prst="leftRightArrow">
+            <a:avLst/>
+          </a:prstGeom>
+          <a:solidFill>
+            <a:srgbClr val="0000CC"/>
+          </a:solidFill>
+          <a:ln>
+            <a:solidFill>
+              <a:srgbClr val="0000CC"/>
+            </a:solidFill>
+          </a:ln>
+        </p:spPr>
+        <p:style>
+          <a:lnRef idx="2">
+            <a:schemeClr val="accent1">
+              <a:shade val="50000"/>
+            </a:schemeClr>
+          </a:lnRef>
+          <a:fillRef idx="1">
+            <a:schemeClr val="accent1"/>
+          </a:fillRef>
+          <a:effectRef idx="0">
+            <a:schemeClr val="accent1"/>
+          </a:effectRef>
+          <a:fontRef idx="minor">
+            <a:schemeClr val="lt1"/>
+          </a:fontRef>
+        </p:style>
+        <p:txBody>
+          <a:bodyPr rtlCol="0" anchor="ctr"/>
+          <a:lstStyle/>
+          <a:p>
+            <a:pPr algn="ctr"/>
+            <a:endParaRPr lang="zh-TW" altLang="en-US"/>
+          </a:p>
+        </p:txBody>
+      </p:sp>
+      <p:pic>
+        <p:nvPicPr>
+          <p:cNvPr id="7" name="Picture 2"/>
+          <p:cNvPicPr>
+            <a:picLocks noChangeAspect="1" noChangeArrowheads="1"/>
+          </p:cNvPicPr>
+          <p:nvPr/>
+        </p:nvPicPr>
+        <p:blipFill>
+          <a:blip r:embed="rId3">
+            <a:extLst>
+              <a:ext uri="{28A0092B-C50C-407E-A947-70E740481C1C}">
+                <a14:useLocalDpi xmlns:a14="http://schemas.microsoft.com/office/drawing/2010/main" val="0"/>
+              </a:ext>
+            </a:extLst>
+          </a:blip>
+          <a:srcRect/>
+          <a:stretch>
+            <a:fillRect/>
+          </a:stretch>
+        </p:blipFill>
+        <p:spPr bwMode="auto">
+          <a:xfrm>
+            <a:off x="6513828" y="1085465"/>
+            <a:ext cx="2085975" cy="504825"/>
+          </a:xfrm>
+          <a:prstGeom prst="rect">
+            <a:avLst/>
+          </a:prstGeom>
+          <a:noFill/>
+          <a:ln>
+            <a:noFill/>
+          </a:ln>
+          <a:effectLst/>
+          <a:extLst>
+            <a:ext uri="{909E8E84-426E-40DD-AFC4-6F175D3DCCD1}">
+              <a14:hiddenFill xmlns:a14="http://schemas.microsoft.com/office/drawing/2010/main">
+                <a:solidFill>
+                  <a:schemeClr val="accent1"/>
+                </a:solidFill>
+              </a14:hiddenFill>
+            </a:ext>
+            <a:ext uri="{91240B29-F687-4F45-9708-019B960494DF}">
+              <a14:hiddenLine xmlns:a14="http://schemas.microsoft.com/office/drawing/2010/main" w="9525">
+                <a:solidFill>
+                  <a:schemeClr val="tx1"/>
+                </a:solidFill>
+                <a:miter lim="800000"/>
+                <a:headEnd/>
+                <a:tailEnd/>
+              </a14:hiddenLine>
+            </a:ext>
+            <a:ext uri="{AF507438-7753-43E0-B8FC-AC1667EBCBE1}">
+              <a14:hiddenEffects xmlns:a14="http://schemas.microsoft.com/office/drawing/2010/main">
+                <a:effectLst>
+                  <a:outerShdw dist="35921" dir="2700000" algn="ctr" rotWithShape="0">
+                    <a:schemeClr val="bg2"/>
+                  </a:outerShdw>
+                </a:effectLst>
+              </a14:hiddenEffects>
+            </a:ext>
+          </a:extLst>
+        </p:spPr>
+      </p:pic>
     </p:spTree>
     <p:extLst>
       <p:ext uri="{BB962C8B-B14F-4D97-AF65-F5344CB8AC3E}">
-        <p14:creationId xmlns:p14="http://schemas.microsoft.com/office/powerpoint/2010/main" val="3143281984"/>
+        <p14:creationId xmlns:p14="http://schemas.microsoft.com/office/powerpoint/2010/main" val="4190589589"/>
       </p:ext>
     </p:extLst>
   </p:cSld>
   <p:clrMapOvr>
     <a:masterClrMapping/>
   </p:clrMapOvr>
+  <p:timing>
+    <p:tnLst>
+      <p:par>
+        <p:cTn id="1" dur="indefinite" restart="never" nodeType="tmRoot"/>
+      </p:par>
+    </p:tnLst>
+  </p:timing>
 </p:sld>
 </file>
 
 <file path=ppt/slides/slide12.xml><?xml version="1.0" encoding="utf-8"?>
+<p:sld xmlns:a="http://schemas.openxmlformats.org/drawingml/2006/main" xmlns:r="http://schemas.openxmlformats.org/officeDocument/2006/relationships" xmlns:p="http://schemas.openxmlformats.org/presentationml/2006/main">
+  <p:cSld>
+    <p:spTree>
+      <p:nvGrpSpPr>
+        <p:cNvPr id="1" name=""/>
+        <p:cNvGrpSpPr/>
+        <p:nvPr/>
+      </p:nvGrpSpPr>
+      <p:grpSpPr>
+        <a:xfrm>
+          <a:off x="0" y="0"/>
+          <a:ext cx="0" cy="0"/>
+          <a:chOff x="0" y="0"/>
+          <a:chExt cx="0" cy="0"/>
+        </a:xfrm>
+      </p:grpSpPr>
+      <p:grpSp>
+        <p:nvGrpSpPr>
+          <p:cNvPr id="16" name="群組 15"/>
+          <p:cNvGrpSpPr/>
+          <p:nvPr/>
+        </p:nvGrpSpPr>
+        <p:grpSpPr>
+          <a:xfrm>
+            <a:off x="539552" y="555526"/>
+            <a:ext cx="8226660" cy="705664"/>
+            <a:chOff x="539552" y="555526"/>
+            <a:chExt cx="8226660" cy="705664"/>
+          </a:xfrm>
+        </p:grpSpPr>
+        <p:pic>
+          <p:nvPicPr>
+            <p:cNvPr id="11" name="图片 3"/>
+            <p:cNvPicPr>
+              <a:picLocks noChangeAspect="1"/>
+            </p:cNvPicPr>
+            <p:nvPr/>
+          </p:nvPicPr>
+          <p:blipFill>
+            <a:blip r:embed="rId2" cstate="email">
+              <a:extLst>
+                <a:ext uri="{28A0092B-C50C-407E-A947-70E740481C1C}">
+                  <a14:useLocalDpi xmlns:a14="http://schemas.microsoft.com/office/drawing/2010/main" val="0"/>
+                </a:ext>
+              </a:extLst>
+            </a:blip>
+            <a:stretch>
+              <a:fillRect/>
+            </a:stretch>
+          </p:blipFill>
+          <p:spPr>
+            <a:xfrm>
+              <a:off x="539552" y="555526"/>
+              <a:ext cx="684076" cy="705664"/>
+            </a:xfrm>
+            <a:prstGeom prst="rect">
+              <a:avLst/>
+            </a:prstGeom>
+          </p:spPr>
+        </p:pic>
+        <p:sp>
+          <p:nvSpPr>
+            <p:cNvPr id="12" name="TextBox 5"/>
+            <p:cNvSpPr txBox="1"/>
+            <p:nvPr/>
+          </p:nvSpPr>
+          <p:spPr>
+            <a:xfrm>
+              <a:off x="603602" y="627533"/>
+              <a:ext cx="576064" cy="461665"/>
+            </a:xfrm>
+            <a:prstGeom prst="rect">
+              <a:avLst/>
+            </a:prstGeom>
+            <a:noFill/>
+          </p:spPr>
+          <p:txBody>
+            <a:bodyPr wrap="square" rtlCol="0">
+              <a:spAutoFit/>
+            </a:bodyPr>
+            <a:lstStyle/>
+            <a:p>
+              <a:pPr algn="ctr"/>
+              <a:r>
+                <a:rPr lang="zh-TW" altLang="en-US" sz="2400" dirty="0">
+                  <a:solidFill>
+                    <a:schemeClr val="bg1"/>
+                  </a:solidFill>
+                  <a:latin typeface="华文隶书" pitchFamily="2" charset="-122"/>
+                  <a:ea typeface="华文隶书" pitchFamily="2" charset="-122"/>
+                </a:rPr>
+                <a:t>六</a:t>
+              </a:r>
+              <a:endParaRPr lang="zh-CN" altLang="en-US" sz="2400" dirty="0">
+                <a:solidFill>
+                  <a:schemeClr val="bg1"/>
+                </a:solidFill>
+                <a:latin typeface="华文隶书" pitchFamily="2" charset="-122"/>
+                <a:ea typeface="华文隶书" pitchFamily="2" charset="-122"/>
+              </a:endParaRPr>
+            </a:p>
+          </p:txBody>
+        </p:sp>
+        <p:sp>
+          <p:nvSpPr>
+            <p:cNvPr id="10" name="TextBox 6"/>
+            <p:cNvSpPr txBox="1"/>
+            <p:nvPr/>
+          </p:nvSpPr>
+          <p:spPr>
+            <a:xfrm>
+              <a:off x="1187624" y="627533"/>
+              <a:ext cx="7578588" cy="523220"/>
+            </a:xfrm>
+            <a:prstGeom prst="rect">
+              <a:avLst/>
+            </a:prstGeom>
+            <a:noFill/>
+          </p:spPr>
+          <p:txBody>
+            <a:bodyPr wrap="square" rtlCol="0">
+              <a:spAutoFit/>
+            </a:bodyPr>
+            <a:lstStyle/>
+            <a:p>
+              <a:r>
+                <a:rPr lang="zh-TW" altLang="en-US" sz="2800" b="1" dirty="0" smtClean="0">
+                  <a:latin typeface="Adobe 楷体 Std R" pitchFamily="18" charset="-128"/>
+                  <a:ea typeface="Adobe 楷体 Std R" pitchFamily="18" charset="-128"/>
+                </a:rPr>
+                <a:t>使用者透過</a:t>
+              </a:r>
+              <a:r>
+                <a:rPr lang="en-US" altLang="zh-TW" sz="2800" b="1" dirty="0" smtClean="0">
+                  <a:solidFill>
+                    <a:srgbClr val="0000CC"/>
+                  </a:solidFill>
+                  <a:latin typeface="Adobe 楷体 Std R" pitchFamily="18" charset="-128"/>
+                  <a:ea typeface="Adobe 楷体 Std R" pitchFamily="18" charset="-128"/>
+                </a:rPr>
+                <a:t>Firebase</a:t>
+              </a:r>
+              <a:r>
+                <a:rPr lang="zh-TW" altLang="en-US" sz="2800" b="1" dirty="0" smtClean="0">
+                  <a:latin typeface="Adobe 楷体 Std R" pitchFamily="18" charset="-128"/>
+                  <a:ea typeface="Adobe 楷体 Std R" pitchFamily="18" charset="-128"/>
+                </a:rPr>
+                <a:t>登入及修改密碼資料</a:t>
+              </a:r>
+              <a:r>
+                <a:rPr lang="en-US" altLang="zh-TW" sz="2800" b="1" dirty="0" smtClean="0">
+                  <a:latin typeface="Adobe 楷体 Std R" pitchFamily="18" charset="-128"/>
+                  <a:ea typeface="Adobe 楷体 Std R" pitchFamily="18" charset="-128"/>
+                </a:rPr>
+                <a:t>:</a:t>
+              </a:r>
+            </a:p>
+          </p:txBody>
+        </p:sp>
+      </p:grpSp>
+      <p:grpSp>
+        <p:nvGrpSpPr>
+          <p:cNvPr id="20" name="群組 19"/>
+          <p:cNvGrpSpPr/>
+          <p:nvPr/>
+        </p:nvGrpSpPr>
+        <p:grpSpPr>
+          <a:xfrm>
+            <a:off x="603602" y="1261102"/>
+            <a:ext cx="1606162" cy="467688"/>
+            <a:chOff x="603602" y="1261102"/>
+            <a:chExt cx="1606162" cy="467688"/>
+          </a:xfrm>
+        </p:grpSpPr>
+        <p:grpSp>
+          <p:nvGrpSpPr>
+            <p:cNvPr id="18" name="群組 17"/>
+            <p:cNvGrpSpPr/>
+            <p:nvPr/>
+          </p:nvGrpSpPr>
+          <p:grpSpPr>
+            <a:xfrm>
+              <a:off x="603602" y="1300222"/>
+              <a:ext cx="411480" cy="428568"/>
+              <a:chOff x="603602" y="1300222"/>
+              <a:chExt cx="411480" cy="428568"/>
+            </a:xfrm>
+          </p:grpSpPr>
+          <p:pic>
+            <p:nvPicPr>
+              <p:cNvPr id="15" name="图片 3"/>
+              <p:cNvPicPr>
+                <a:picLocks noChangeAspect="1"/>
+              </p:cNvPicPr>
+              <p:nvPr/>
+            </p:nvPicPr>
+            <p:blipFill>
+              <a:blip r:embed="rId2" cstate="email">
+                <a:extLst>
+                  <a:ext uri="{28A0092B-C50C-407E-A947-70E740481C1C}">
+                    <a14:useLocalDpi xmlns:a14="http://schemas.microsoft.com/office/drawing/2010/main" val="0"/>
+                  </a:ext>
+                </a:extLst>
+              </a:blip>
+              <a:stretch>
+                <a:fillRect/>
+              </a:stretch>
+            </p:blipFill>
+            <p:spPr>
+              <a:xfrm>
+                <a:off x="603602" y="1305880"/>
+                <a:ext cx="411480" cy="422910"/>
+              </a:xfrm>
+              <a:prstGeom prst="rect">
+                <a:avLst/>
+              </a:prstGeom>
+            </p:spPr>
+          </p:pic>
+          <p:sp>
+            <p:nvSpPr>
+              <p:cNvPr id="17" name="文字方塊 16"/>
+              <p:cNvSpPr txBox="1"/>
+              <p:nvPr/>
+            </p:nvSpPr>
+            <p:spPr>
+              <a:xfrm>
+                <a:off x="671514" y="1300222"/>
+                <a:ext cx="301686" cy="369332"/>
+              </a:xfrm>
+              <a:prstGeom prst="rect">
+                <a:avLst/>
+              </a:prstGeom>
+              <a:noFill/>
+            </p:spPr>
+            <p:txBody>
+              <a:bodyPr wrap="none" rtlCol="0">
+                <a:spAutoFit/>
+              </a:bodyPr>
+              <a:lstStyle/>
+              <a:p>
+                <a:r>
+                  <a:rPr lang="en-US" altLang="zh-TW" dirty="0" smtClean="0">
+                    <a:solidFill>
+                      <a:schemeClr val="bg1"/>
+                    </a:solidFill>
+                  </a:rPr>
+                  <a:t>1</a:t>
+                </a:r>
+                <a:endParaRPr lang="zh-TW" altLang="en-US" dirty="0">
+                  <a:solidFill>
+                    <a:schemeClr val="bg1"/>
+                  </a:solidFill>
+                </a:endParaRPr>
+              </a:p>
+            </p:txBody>
+          </p:sp>
+        </p:grpSp>
+        <p:sp>
+          <p:nvSpPr>
+            <p:cNvPr id="19" name="文字方塊 18"/>
+            <p:cNvSpPr txBox="1"/>
+            <p:nvPr/>
+          </p:nvSpPr>
+          <p:spPr>
+            <a:xfrm>
+              <a:off x="1002382" y="1261102"/>
+              <a:ext cx="1207382" cy="461665"/>
+            </a:xfrm>
+            <a:prstGeom prst="rect">
+              <a:avLst/>
+            </a:prstGeom>
+            <a:noFill/>
+          </p:spPr>
+          <p:txBody>
+            <a:bodyPr wrap="none" rtlCol="0">
+              <a:spAutoFit/>
+            </a:bodyPr>
+            <a:lstStyle/>
+            <a:p>
+              <a:r>
+                <a:rPr lang="zh-TW" altLang="en-US" sz="2400" b="1" dirty="0" smtClean="0">
+                  <a:latin typeface="Adobe 楷体 Std R" pitchFamily="18" charset="-128"/>
+                  <a:ea typeface="Adobe 楷体 Std R" pitchFamily="18" charset="-128"/>
+                </a:rPr>
+                <a:t>程式碼</a:t>
+              </a:r>
+              <a:r>
+                <a:rPr lang="en-US" altLang="zh-TW" sz="2400" b="1" dirty="0" smtClean="0">
+                  <a:latin typeface="Adobe 楷体 Std R" pitchFamily="18" charset="-128"/>
+                  <a:ea typeface="Adobe 楷体 Std R" pitchFamily="18" charset="-128"/>
+                </a:rPr>
+                <a:t>:</a:t>
+              </a:r>
+              <a:endParaRPr lang="zh-TW" altLang="en-US" sz="2400" b="1" dirty="0">
+                <a:latin typeface="Adobe 楷体 Std R" pitchFamily="18" charset="-128"/>
+                <a:ea typeface="Adobe 楷体 Std R" pitchFamily="18" charset="-128"/>
+              </a:endParaRPr>
+            </a:p>
+          </p:txBody>
+        </p:sp>
+      </p:grpSp>
+      <p:grpSp>
+        <p:nvGrpSpPr>
+          <p:cNvPr id="24" name="群組 23"/>
+          <p:cNvGrpSpPr/>
+          <p:nvPr/>
+        </p:nvGrpSpPr>
+        <p:grpSpPr>
+          <a:xfrm>
+            <a:off x="2987824" y="1258091"/>
+            <a:ext cx="2237745" cy="467688"/>
+            <a:chOff x="603602" y="1261102"/>
+            <a:chExt cx="2237745" cy="467688"/>
+          </a:xfrm>
+        </p:grpSpPr>
+        <p:grpSp>
+          <p:nvGrpSpPr>
+            <p:cNvPr id="25" name="群組 24"/>
+            <p:cNvGrpSpPr/>
+            <p:nvPr/>
+          </p:nvGrpSpPr>
+          <p:grpSpPr>
+            <a:xfrm>
+              <a:off x="603602" y="1300222"/>
+              <a:ext cx="411480" cy="428568"/>
+              <a:chOff x="603602" y="1300222"/>
+              <a:chExt cx="411480" cy="428568"/>
+            </a:xfrm>
+          </p:grpSpPr>
+          <p:pic>
+            <p:nvPicPr>
+              <p:cNvPr id="27" name="图片 3"/>
+              <p:cNvPicPr>
+                <a:picLocks noChangeAspect="1"/>
+              </p:cNvPicPr>
+              <p:nvPr/>
+            </p:nvPicPr>
+            <p:blipFill>
+              <a:blip r:embed="rId2" cstate="email">
+                <a:extLst>
+                  <a:ext uri="{28A0092B-C50C-407E-A947-70E740481C1C}">
+                    <a14:useLocalDpi xmlns:a14="http://schemas.microsoft.com/office/drawing/2010/main" val="0"/>
+                  </a:ext>
+                </a:extLst>
+              </a:blip>
+              <a:stretch>
+                <a:fillRect/>
+              </a:stretch>
+            </p:blipFill>
+            <p:spPr>
+              <a:xfrm>
+                <a:off x="603602" y="1305880"/>
+                <a:ext cx="411480" cy="422910"/>
+              </a:xfrm>
+              <a:prstGeom prst="rect">
+                <a:avLst/>
+              </a:prstGeom>
+            </p:spPr>
+          </p:pic>
+          <p:sp>
+            <p:nvSpPr>
+              <p:cNvPr id="28" name="文字方塊 27"/>
+              <p:cNvSpPr txBox="1"/>
+              <p:nvPr/>
+            </p:nvSpPr>
+            <p:spPr>
+              <a:xfrm>
+                <a:off x="671514" y="1300222"/>
+                <a:ext cx="301686" cy="369332"/>
+              </a:xfrm>
+              <a:prstGeom prst="rect">
+                <a:avLst/>
+              </a:prstGeom>
+              <a:noFill/>
+            </p:spPr>
+            <p:txBody>
+              <a:bodyPr wrap="none" rtlCol="0">
+                <a:spAutoFit/>
+              </a:bodyPr>
+              <a:lstStyle/>
+              <a:p>
+                <a:r>
+                  <a:rPr lang="en-US" altLang="zh-TW" dirty="0" smtClean="0">
+                    <a:solidFill>
+                      <a:schemeClr val="bg1"/>
+                    </a:solidFill>
+                  </a:rPr>
+                  <a:t>2</a:t>
+                </a:r>
+                <a:endParaRPr lang="zh-TW" altLang="en-US" dirty="0">
+                  <a:solidFill>
+                    <a:schemeClr val="bg1"/>
+                  </a:solidFill>
+                </a:endParaRPr>
+              </a:p>
+            </p:txBody>
+          </p:sp>
+        </p:grpSp>
+        <p:sp>
+          <p:nvSpPr>
+            <p:cNvPr id="26" name="文字方塊 25"/>
+            <p:cNvSpPr txBox="1"/>
+            <p:nvPr/>
+          </p:nvSpPr>
+          <p:spPr>
+            <a:xfrm>
+              <a:off x="1002382" y="1261102"/>
+              <a:ext cx="1838965" cy="461665"/>
+            </a:xfrm>
+            <a:prstGeom prst="rect">
+              <a:avLst/>
+            </a:prstGeom>
+            <a:noFill/>
+          </p:spPr>
+          <p:txBody>
+            <a:bodyPr wrap="none" rtlCol="0">
+              <a:spAutoFit/>
+            </a:bodyPr>
+            <a:lstStyle/>
+            <a:p>
+              <a:r>
+                <a:rPr lang="zh-TW" altLang="en-US" sz="2400" b="1" dirty="0" smtClean="0">
+                  <a:latin typeface="Adobe 楷体 Std R" pitchFamily="18" charset="-128"/>
+                  <a:ea typeface="Adobe 楷体 Std R" pitchFamily="18" charset="-128"/>
+                </a:rPr>
+                <a:t>比對及渲染</a:t>
+              </a:r>
+              <a:r>
+                <a:rPr lang="en-US" altLang="zh-TW" sz="2400" b="1" dirty="0" smtClean="0">
+                  <a:latin typeface="Adobe 楷体 Std R" pitchFamily="18" charset="-128"/>
+                  <a:ea typeface="Adobe 楷体 Std R" pitchFamily="18" charset="-128"/>
+                </a:rPr>
+                <a:t>:</a:t>
+              </a:r>
+              <a:endParaRPr lang="zh-TW" altLang="en-US" sz="2400" b="1" dirty="0">
+                <a:latin typeface="Adobe 楷体 Std R" pitchFamily="18" charset="-128"/>
+                <a:ea typeface="Adobe 楷体 Std R" pitchFamily="18" charset="-128"/>
+              </a:endParaRPr>
+            </a:p>
+          </p:txBody>
+        </p:sp>
+      </p:grpSp>
+      <p:sp>
+        <p:nvSpPr>
+          <p:cNvPr id="21" name="文字方塊 20"/>
+          <p:cNvSpPr txBox="1"/>
+          <p:nvPr/>
+        </p:nvSpPr>
+        <p:spPr>
+          <a:xfrm>
+            <a:off x="3059832" y="1635646"/>
+            <a:ext cx="3230372" cy="584775"/>
+          </a:xfrm>
+          <a:prstGeom prst="rect">
+            <a:avLst/>
+          </a:prstGeom>
+          <a:noFill/>
+        </p:spPr>
+        <p:txBody>
+          <a:bodyPr wrap="none" rtlCol="0">
+            <a:spAutoFit/>
+          </a:bodyPr>
+          <a:lstStyle/>
+          <a:p>
+            <a:pPr marL="342900" indent="-342900">
+              <a:buFontTx/>
+              <a:buAutoNum type="alphaLcPeriod"/>
+            </a:pPr>
+            <a:r>
+              <a:rPr lang="zh-TW" altLang="en-US" sz="1600" dirty="0" smtClean="0">
+                <a:latin typeface="Adobe 楷体 Std R" pitchFamily="18" charset="-128"/>
+                <a:ea typeface="Adobe 楷体 Std R" pitchFamily="18" charset="-128"/>
+              </a:rPr>
+              <a:t>使用者登入</a:t>
+            </a:r>
+            <a:r>
+              <a:rPr lang="en-US" altLang="zh-TW" sz="1600" dirty="0" smtClean="0">
+                <a:latin typeface="Adobe 楷体 Std R" pitchFamily="18" charset="-128"/>
+                <a:ea typeface="Adobe 楷体 Std R" pitchFamily="18" charset="-128"/>
+              </a:rPr>
+              <a:t>:</a:t>
+            </a:r>
+            <a:r>
+              <a:rPr lang="zh-TW" altLang="en-US" sz="1600" dirty="0" smtClean="0">
+                <a:latin typeface="Adobe 楷体 Std R" pitchFamily="18" charset="-128"/>
+                <a:ea typeface="Adobe 楷体 Std R" pitchFamily="18" charset="-128"/>
+              </a:rPr>
+              <a:t> 姓名、信箱</a:t>
+            </a:r>
+            <a:r>
+              <a:rPr lang="en-US" altLang="zh-TW" sz="1600" dirty="0" smtClean="0">
+                <a:latin typeface="Adobe 楷体 Std R" pitchFamily="18" charset="-128"/>
+                <a:ea typeface="Adobe 楷体 Std R" pitchFamily="18" charset="-128"/>
+              </a:rPr>
+              <a:t>...</a:t>
+            </a:r>
+            <a:r>
+              <a:rPr lang="zh-TW" altLang="en-US" sz="1600" dirty="0" smtClean="0">
+                <a:latin typeface="Adobe 楷体 Std R" pitchFamily="18" charset="-128"/>
+                <a:ea typeface="Adobe 楷体 Std R" pitchFamily="18" charset="-128"/>
+              </a:rPr>
+              <a:t>等。</a:t>
+            </a:r>
+            <a:endParaRPr lang="en-US" altLang="zh-TW" sz="1600" dirty="0" smtClean="0">
+              <a:latin typeface="Adobe 楷体 Std R" pitchFamily="18" charset="-128"/>
+              <a:ea typeface="Adobe 楷体 Std R" pitchFamily="18" charset="-128"/>
+            </a:endParaRPr>
+          </a:p>
+          <a:p>
+            <a:pPr marL="342900" indent="-342900">
+              <a:buFontTx/>
+              <a:buAutoNum type="alphaLcPeriod"/>
+            </a:pPr>
+            <a:r>
+              <a:rPr lang="zh-TW" altLang="en-US" sz="1600" dirty="0" smtClean="0">
+                <a:latin typeface="Adobe 楷体 Std R" pitchFamily="18" charset="-128"/>
+                <a:ea typeface="Adobe 楷体 Std R" pitchFamily="18" charset="-128"/>
+              </a:rPr>
+              <a:t>資料修改</a:t>
+            </a:r>
+            <a:r>
+              <a:rPr lang="en-US" altLang="zh-TW" sz="1600" dirty="0" smtClean="0">
+                <a:latin typeface="Adobe 楷体 Std R" pitchFamily="18" charset="-128"/>
+                <a:ea typeface="Adobe 楷体 Std R" pitchFamily="18" charset="-128"/>
+              </a:rPr>
+              <a:t>:</a:t>
+            </a:r>
+            <a:r>
+              <a:rPr lang="zh-TW" altLang="en-US" sz="1600" dirty="0">
+                <a:latin typeface="Adobe 楷体 Std R" pitchFamily="18" charset="-128"/>
+                <a:ea typeface="Adobe 楷体 Std R" pitchFamily="18" charset="-128"/>
+              </a:rPr>
+              <a:t> 密碼、 </a:t>
+            </a:r>
+            <a:r>
+              <a:rPr lang="zh-TW" altLang="en-US" sz="1600" dirty="0" smtClean="0">
+                <a:latin typeface="Adobe 楷体 Std R" pitchFamily="18" charset="-128"/>
+                <a:ea typeface="Adobe 楷体 Std R" pitchFamily="18" charset="-128"/>
+              </a:rPr>
+              <a:t>基本資料。</a:t>
+            </a:r>
+            <a:endParaRPr lang="en-US" altLang="zh-TW" sz="1600" dirty="0" smtClean="0">
+              <a:latin typeface="Adobe 楷体 Std R" pitchFamily="18" charset="-128"/>
+              <a:ea typeface="Adobe 楷体 Std R" pitchFamily="18" charset="-128"/>
+            </a:endParaRPr>
+          </a:p>
+        </p:txBody>
+      </p:sp>
+      <p:sp>
+        <p:nvSpPr>
+          <p:cNvPr id="46" name="文字方塊 45"/>
+          <p:cNvSpPr txBox="1"/>
+          <p:nvPr/>
+        </p:nvSpPr>
+        <p:spPr>
+          <a:xfrm>
+            <a:off x="7757156" y="3341503"/>
+            <a:ext cx="271228" cy="276999"/>
+          </a:xfrm>
+          <a:prstGeom prst="rect">
+            <a:avLst/>
+          </a:prstGeom>
+          <a:noFill/>
+        </p:spPr>
+        <p:txBody>
+          <a:bodyPr wrap="none" rtlCol="0">
+            <a:spAutoFit/>
+          </a:bodyPr>
+          <a:lstStyle/>
+          <a:p>
+            <a:r>
+              <a:rPr lang="en-US" altLang="zh-TW" sz="1200" dirty="0" smtClean="0">
+                <a:solidFill>
+                  <a:srgbClr val="FF0000"/>
+                </a:solidFill>
+                <a:latin typeface="Adobe 楷体 Std R" pitchFamily="18" charset="-128"/>
+                <a:ea typeface="Adobe 楷体 Std R" pitchFamily="18" charset="-128"/>
+              </a:rPr>
+              <a:t>b</a:t>
+            </a:r>
+            <a:endParaRPr lang="zh-TW" altLang="en-US" sz="1200" dirty="0">
+              <a:solidFill>
+                <a:srgbClr val="FF0000"/>
+              </a:solidFill>
+              <a:latin typeface="Adobe 楷体 Std R" pitchFamily="18" charset="-128"/>
+              <a:ea typeface="Adobe 楷体 Std R" pitchFamily="18" charset="-128"/>
+            </a:endParaRPr>
+          </a:p>
+        </p:txBody>
+      </p:sp>
+      <p:sp>
+        <p:nvSpPr>
+          <p:cNvPr id="31" name="文字方塊 30"/>
+          <p:cNvSpPr txBox="1"/>
+          <p:nvPr/>
+        </p:nvSpPr>
+        <p:spPr>
+          <a:xfrm>
+            <a:off x="689470" y="1717102"/>
+            <a:ext cx="2331087" cy="830997"/>
+          </a:xfrm>
+          <a:prstGeom prst="rect">
+            <a:avLst/>
+          </a:prstGeom>
+          <a:noFill/>
+        </p:spPr>
+        <p:txBody>
+          <a:bodyPr wrap="square" rtlCol="0">
+            <a:spAutoFit/>
+          </a:bodyPr>
+          <a:lstStyle/>
+          <a:p>
+            <a:pPr algn="just"/>
+            <a:r>
+              <a:rPr lang="zh-TW" altLang="en-US" sz="1600" dirty="0" smtClean="0">
+                <a:latin typeface="Adobe 楷体 Std R" pitchFamily="18" charset="-128"/>
+                <a:ea typeface="Adobe 楷体 Std R" pitchFamily="18" charset="-128"/>
+              </a:rPr>
+              <a:t>依</a:t>
+            </a:r>
+            <a:r>
+              <a:rPr lang="en-US" altLang="zh-TW" sz="1600" dirty="0">
+                <a:solidFill>
+                  <a:srgbClr val="0000CC"/>
+                </a:solidFill>
+                <a:latin typeface="Adobe 楷体 Std R" pitchFamily="18" charset="-128"/>
+                <a:ea typeface="Adobe 楷体 Std R" pitchFamily="18" charset="-128"/>
+              </a:rPr>
+              <a:t>Firebase</a:t>
+            </a:r>
+            <a:r>
+              <a:rPr lang="en-US" altLang="zh-TW" sz="1600" dirty="0">
+                <a:latin typeface="Adobe 楷体 Std R" pitchFamily="18" charset="-128"/>
+                <a:ea typeface="Adobe 楷体 Std R" pitchFamily="18" charset="-128"/>
+              </a:rPr>
+              <a:t> </a:t>
+            </a:r>
+            <a:r>
+              <a:rPr lang="en-US" altLang="zh-TW" sz="1600" dirty="0" smtClean="0">
+                <a:latin typeface="Adobe 楷体 Std R" pitchFamily="18" charset="-128"/>
+                <a:ea typeface="Adobe 楷体 Std R" pitchFamily="18" charset="-128"/>
+              </a:rPr>
+              <a:t>API</a:t>
+            </a:r>
+            <a:r>
+              <a:rPr lang="zh-TW" altLang="en-US" sz="1600" dirty="0" smtClean="0">
+                <a:latin typeface="Adobe 楷体 Std R" pitchFamily="18" charset="-128"/>
+                <a:ea typeface="Adobe 楷体 Std R" pitchFamily="18" charset="-128"/>
+              </a:rPr>
+              <a:t>設計</a:t>
+            </a:r>
+            <a:r>
+              <a:rPr lang="en-US" altLang="zh-TW" sz="1600" dirty="0" smtClean="0">
+                <a:latin typeface="Adobe 楷体 Std R" pitchFamily="18" charset="-128"/>
+                <a:ea typeface="Adobe 楷体 Std R" pitchFamily="18" charset="-128"/>
+              </a:rPr>
+              <a:t>,</a:t>
+            </a:r>
+            <a:r>
+              <a:rPr lang="zh-TW" altLang="en-US" sz="1600" dirty="0" smtClean="0">
+                <a:latin typeface="Adobe 楷体 Std R" pitchFamily="18" charset="-128"/>
+                <a:ea typeface="Adobe 楷体 Std R" pitchFamily="18" charset="-128"/>
+              </a:rPr>
+              <a:t>讓使用者</a:t>
+            </a:r>
+            <a:r>
+              <a:rPr lang="zh-TW" altLang="en-US" sz="1600" dirty="0">
+                <a:latin typeface="Adobe 楷体 Std R" pitchFamily="18" charset="-128"/>
+                <a:ea typeface="Adobe 楷体 Std R" pitchFamily="18" charset="-128"/>
+              </a:rPr>
+              <a:t>登入及修改密碼資料</a:t>
+            </a:r>
+            <a:r>
+              <a:rPr lang="zh-TW" altLang="en-US" sz="1600" dirty="0" smtClean="0">
+                <a:latin typeface="Adobe 楷体 Std R" pitchFamily="18" charset="-128"/>
+                <a:ea typeface="Adobe 楷体 Std R" pitchFamily="18" charset="-128"/>
+              </a:rPr>
+              <a:t>等動作。</a:t>
+            </a:r>
+            <a:endParaRPr lang="en-US" altLang="zh-TW" sz="1600" dirty="0">
+              <a:latin typeface="Adobe 楷体 Std R" pitchFamily="18" charset="-128"/>
+              <a:ea typeface="Adobe 楷体 Std R" pitchFamily="18" charset="-128"/>
+            </a:endParaRPr>
+          </a:p>
+        </p:txBody>
+      </p:sp>
+      <p:sp>
+        <p:nvSpPr>
+          <p:cNvPr id="37" name="矩形 36"/>
+          <p:cNvSpPr/>
+          <p:nvPr/>
+        </p:nvSpPr>
+        <p:spPr>
+          <a:xfrm>
+            <a:off x="3429132" y="3554240"/>
+            <a:ext cx="2655036" cy="457670"/>
+          </a:xfrm>
+          <a:prstGeom prst="rect">
+            <a:avLst/>
+          </a:prstGeom>
+          <a:noFill/>
+          <a:ln>
+            <a:solidFill>
+              <a:srgbClr val="FF0000"/>
+            </a:solidFill>
+          </a:ln>
+        </p:spPr>
+        <p:style>
+          <a:lnRef idx="2">
+            <a:schemeClr val="accent1">
+              <a:shade val="50000"/>
+            </a:schemeClr>
+          </a:lnRef>
+          <a:fillRef idx="1">
+            <a:schemeClr val="accent1"/>
+          </a:fillRef>
+          <a:effectRef idx="0">
+            <a:schemeClr val="accent1"/>
+          </a:effectRef>
+          <a:fontRef idx="minor">
+            <a:schemeClr val="lt1"/>
+          </a:fontRef>
+        </p:style>
+        <p:txBody>
+          <a:bodyPr rtlCol="0" anchor="ctr"/>
+          <a:lstStyle/>
+          <a:p>
+            <a:pPr algn="ctr"/>
+            <a:endParaRPr lang="zh-TW" altLang="en-US"/>
+          </a:p>
+        </p:txBody>
+      </p:sp>
+      <p:sp>
+        <p:nvSpPr>
+          <p:cNvPr id="38" name="文字方塊 37"/>
+          <p:cNvSpPr txBox="1"/>
+          <p:nvPr/>
+        </p:nvSpPr>
+        <p:spPr>
+          <a:xfrm>
+            <a:off x="4644008" y="3341504"/>
+            <a:ext cx="263214" cy="276999"/>
+          </a:xfrm>
+          <a:prstGeom prst="rect">
+            <a:avLst/>
+          </a:prstGeom>
+          <a:noFill/>
+        </p:spPr>
+        <p:txBody>
+          <a:bodyPr wrap="none" rtlCol="0">
+            <a:spAutoFit/>
+          </a:bodyPr>
+          <a:lstStyle/>
+          <a:p>
+            <a:r>
+              <a:rPr lang="en-US" altLang="zh-TW" sz="1200" dirty="0" smtClean="0">
+                <a:solidFill>
+                  <a:srgbClr val="FF0000"/>
+                </a:solidFill>
+                <a:latin typeface="Adobe 楷体 Std R" pitchFamily="18" charset="-128"/>
+                <a:ea typeface="Adobe 楷体 Std R" pitchFamily="18" charset="-128"/>
+              </a:rPr>
+              <a:t>a</a:t>
+            </a:r>
+            <a:endParaRPr lang="zh-TW" altLang="en-US" sz="1200" dirty="0">
+              <a:solidFill>
+                <a:srgbClr val="FF0000"/>
+              </a:solidFill>
+              <a:latin typeface="Adobe 楷体 Std R" pitchFamily="18" charset="-128"/>
+              <a:ea typeface="Adobe 楷体 Std R" pitchFamily="18" charset="-128"/>
+            </a:endParaRPr>
+          </a:p>
+        </p:txBody>
+      </p:sp>
+      <p:sp>
+        <p:nvSpPr>
+          <p:cNvPr id="41" name="文字方塊 40"/>
+          <p:cNvSpPr txBox="1"/>
+          <p:nvPr/>
+        </p:nvSpPr>
+        <p:spPr>
+          <a:xfrm>
+            <a:off x="583581" y="2643758"/>
+            <a:ext cx="526106" cy="276999"/>
+          </a:xfrm>
+          <a:prstGeom prst="rect">
+            <a:avLst/>
+          </a:prstGeom>
+          <a:noFill/>
+        </p:spPr>
+        <p:txBody>
+          <a:bodyPr wrap="none" rtlCol="0">
+            <a:spAutoFit/>
+          </a:bodyPr>
+          <a:lstStyle/>
+          <a:p>
+            <a:r>
+              <a:rPr lang="zh-TW" altLang="en-US" sz="1200" dirty="0" smtClean="0">
+                <a:solidFill>
+                  <a:srgbClr val="0000CC"/>
+                </a:solidFill>
+                <a:latin typeface="Adobe 楷体 Std R" pitchFamily="18" charset="-128"/>
+                <a:ea typeface="Adobe 楷体 Std R" pitchFamily="18" charset="-128"/>
+              </a:rPr>
+              <a:t>登入</a:t>
+            </a:r>
+            <a:r>
+              <a:rPr lang="en-US" altLang="zh-TW" sz="1200" dirty="0" smtClean="0">
+                <a:solidFill>
+                  <a:srgbClr val="0000CC"/>
+                </a:solidFill>
+                <a:latin typeface="Adobe 楷体 Std R" pitchFamily="18" charset="-128"/>
+                <a:ea typeface="Adobe 楷体 Std R" pitchFamily="18" charset="-128"/>
+              </a:rPr>
+              <a:t>:</a:t>
+            </a:r>
+            <a:endParaRPr lang="zh-TW" altLang="en-US" sz="1200" dirty="0">
+              <a:solidFill>
+                <a:srgbClr val="0000CC"/>
+              </a:solidFill>
+              <a:latin typeface="Adobe 楷体 Std R" pitchFamily="18" charset="-128"/>
+              <a:ea typeface="Adobe 楷体 Std R" pitchFamily="18" charset="-128"/>
+            </a:endParaRPr>
+          </a:p>
+        </p:txBody>
+      </p:sp>
+      <p:sp>
+        <p:nvSpPr>
+          <p:cNvPr id="43" name="文字方塊 42"/>
+          <p:cNvSpPr txBox="1"/>
+          <p:nvPr/>
+        </p:nvSpPr>
+        <p:spPr>
+          <a:xfrm>
+            <a:off x="2195002" y="2653871"/>
+            <a:ext cx="833883" cy="276999"/>
+          </a:xfrm>
+          <a:prstGeom prst="rect">
+            <a:avLst/>
+          </a:prstGeom>
+          <a:noFill/>
+        </p:spPr>
+        <p:txBody>
+          <a:bodyPr wrap="none" rtlCol="0">
+            <a:spAutoFit/>
+          </a:bodyPr>
+          <a:lstStyle/>
+          <a:p>
+            <a:r>
+              <a:rPr lang="zh-TW" altLang="en-US" sz="1200" dirty="0" smtClean="0">
+                <a:solidFill>
+                  <a:srgbClr val="0000CC"/>
+                </a:solidFill>
+                <a:latin typeface="Adobe 楷体 Std R" pitchFamily="18" charset="-128"/>
+                <a:ea typeface="Adobe 楷体 Std R" pitchFamily="18" charset="-128"/>
+              </a:rPr>
+              <a:t>修改資料</a:t>
+            </a:r>
+            <a:r>
+              <a:rPr lang="en-US" altLang="zh-TW" sz="1200" dirty="0" smtClean="0">
+                <a:solidFill>
+                  <a:srgbClr val="0000CC"/>
+                </a:solidFill>
+                <a:latin typeface="Adobe 楷体 Std R" pitchFamily="18" charset="-128"/>
+                <a:ea typeface="Adobe 楷体 Std R" pitchFamily="18" charset="-128"/>
+              </a:rPr>
+              <a:t>:</a:t>
+            </a:r>
+            <a:endParaRPr lang="zh-TW" altLang="en-US" sz="1200" dirty="0">
+              <a:solidFill>
+                <a:srgbClr val="0000CC"/>
+              </a:solidFill>
+              <a:latin typeface="Adobe 楷体 Std R" pitchFamily="18" charset="-128"/>
+              <a:ea typeface="Adobe 楷体 Std R" pitchFamily="18" charset="-128"/>
+            </a:endParaRPr>
+          </a:p>
+        </p:txBody>
+      </p:sp>
+      <p:sp>
+        <p:nvSpPr>
+          <p:cNvPr id="35" name="矩形 34"/>
+          <p:cNvSpPr/>
+          <p:nvPr/>
+        </p:nvSpPr>
+        <p:spPr>
+          <a:xfrm>
+            <a:off x="6355396" y="3556606"/>
+            <a:ext cx="2655036" cy="455304"/>
+          </a:xfrm>
+          <a:prstGeom prst="rect">
+            <a:avLst/>
+          </a:prstGeom>
+          <a:noFill/>
+          <a:ln>
+            <a:solidFill>
+              <a:srgbClr val="FF0000"/>
+            </a:solidFill>
+          </a:ln>
+        </p:spPr>
+        <p:style>
+          <a:lnRef idx="2">
+            <a:schemeClr val="accent1">
+              <a:shade val="50000"/>
+            </a:schemeClr>
+          </a:lnRef>
+          <a:fillRef idx="1">
+            <a:schemeClr val="accent1"/>
+          </a:fillRef>
+          <a:effectRef idx="0">
+            <a:schemeClr val="accent1"/>
+          </a:effectRef>
+          <a:fontRef idx="minor">
+            <a:schemeClr val="lt1"/>
+          </a:fontRef>
+        </p:style>
+        <p:txBody>
+          <a:bodyPr rtlCol="0" anchor="ctr"/>
+          <a:lstStyle/>
+          <a:p>
+            <a:pPr algn="ctr"/>
+            <a:endParaRPr lang="zh-TW" altLang="en-US"/>
+          </a:p>
+        </p:txBody>
+      </p:sp>
+    </p:spTree>
+    <p:extLst>
+      <p:ext uri="{BB962C8B-B14F-4D97-AF65-F5344CB8AC3E}">
+        <p14:creationId xmlns:p14="http://schemas.microsoft.com/office/powerpoint/2010/main" val="513881400"/>
+      </p:ext>
+    </p:extLst>
+  </p:cSld>
+  <p:clrMapOvr>
+    <a:masterClrMapping/>
+  </p:clrMapOvr>
+  <p:timing>
+    <p:tnLst>
+      <p:par>
+        <p:cTn id="1" dur="indefinite" restart="never" nodeType="tmRoot"/>
+      </p:par>
+    </p:tnLst>
+  </p:timing>
+</p:sld>
+</file>
+
+<file path=ppt/slides/slide13.xml><?xml version="1.0" encoding="utf-8"?>
+<p:sld xmlns:a="http://schemas.openxmlformats.org/drawingml/2006/main" xmlns:r="http://schemas.openxmlformats.org/officeDocument/2006/relationships" xmlns:p="http://schemas.openxmlformats.org/presentationml/2006/main">
+  <p:cSld>
+    <p:spTree>
+      <p:nvGrpSpPr>
+        <p:cNvPr id="1" name=""/>
+        <p:cNvGrpSpPr/>
+        <p:nvPr/>
+      </p:nvGrpSpPr>
+      <p:grpSpPr>
+        <a:xfrm>
+          <a:off x="0" y="0"/>
+          <a:ext cx="0" cy="0"/>
+          <a:chOff x="0" y="0"/>
+          <a:chExt cx="0" cy="0"/>
+        </a:xfrm>
+      </p:grpSpPr>
+      <p:grpSp>
+        <p:nvGrpSpPr>
+          <p:cNvPr id="16" name="群組 15"/>
+          <p:cNvGrpSpPr/>
+          <p:nvPr/>
+        </p:nvGrpSpPr>
+        <p:grpSpPr>
+          <a:xfrm>
+            <a:off x="539552" y="555526"/>
+            <a:ext cx="8226660" cy="705664"/>
+            <a:chOff x="539552" y="555526"/>
+            <a:chExt cx="8226660" cy="705664"/>
+          </a:xfrm>
+        </p:grpSpPr>
+        <p:pic>
+          <p:nvPicPr>
+            <p:cNvPr id="11" name="图片 3"/>
+            <p:cNvPicPr>
+              <a:picLocks noChangeAspect="1"/>
+            </p:cNvPicPr>
+            <p:nvPr/>
+          </p:nvPicPr>
+          <p:blipFill>
+            <a:blip r:embed="rId2" cstate="email">
+              <a:extLst>
+                <a:ext uri="{28A0092B-C50C-407E-A947-70E740481C1C}">
+                  <a14:useLocalDpi xmlns:a14="http://schemas.microsoft.com/office/drawing/2010/main" val="0"/>
+                </a:ext>
+              </a:extLst>
+            </a:blip>
+            <a:stretch>
+              <a:fillRect/>
+            </a:stretch>
+          </p:blipFill>
+          <p:spPr>
+            <a:xfrm>
+              <a:off x="539552" y="555526"/>
+              <a:ext cx="684076" cy="705664"/>
+            </a:xfrm>
+            <a:prstGeom prst="rect">
+              <a:avLst/>
+            </a:prstGeom>
+          </p:spPr>
+        </p:pic>
+        <p:sp>
+          <p:nvSpPr>
+            <p:cNvPr id="12" name="TextBox 5"/>
+            <p:cNvSpPr txBox="1"/>
+            <p:nvPr/>
+          </p:nvSpPr>
+          <p:spPr>
+            <a:xfrm>
+              <a:off x="603602" y="627533"/>
+              <a:ext cx="576064" cy="461665"/>
+            </a:xfrm>
+            <a:prstGeom prst="rect">
+              <a:avLst/>
+            </a:prstGeom>
+            <a:noFill/>
+          </p:spPr>
+          <p:txBody>
+            <a:bodyPr wrap="square" rtlCol="0">
+              <a:spAutoFit/>
+            </a:bodyPr>
+            <a:lstStyle/>
+            <a:p>
+              <a:pPr algn="ctr"/>
+              <a:r>
+                <a:rPr lang="zh-TW" altLang="en-US" sz="2400" dirty="0">
+                  <a:solidFill>
+                    <a:schemeClr val="bg1"/>
+                  </a:solidFill>
+                  <a:latin typeface="华文隶书" pitchFamily="2" charset="-122"/>
+                  <a:ea typeface="华文隶书" pitchFamily="2" charset="-122"/>
+                </a:rPr>
+                <a:t>七</a:t>
+              </a:r>
+              <a:endParaRPr lang="zh-CN" altLang="en-US" sz="2400" dirty="0">
+                <a:solidFill>
+                  <a:schemeClr val="bg1"/>
+                </a:solidFill>
+                <a:latin typeface="华文隶书" pitchFamily="2" charset="-122"/>
+                <a:ea typeface="华文隶书" pitchFamily="2" charset="-122"/>
+              </a:endParaRPr>
+            </a:p>
+          </p:txBody>
+        </p:sp>
+        <p:sp>
+          <p:nvSpPr>
+            <p:cNvPr id="10" name="TextBox 6"/>
+            <p:cNvSpPr txBox="1"/>
+            <p:nvPr/>
+          </p:nvSpPr>
+          <p:spPr>
+            <a:xfrm>
+              <a:off x="1187624" y="627533"/>
+              <a:ext cx="7578588" cy="523220"/>
+            </a:xfrm>
+            <a:prstGeom prst="rect">
+              <a:avLst/>
+            </a:prstGeom>
+            <a:noFill/>
+          </p:spPr>
+          <p:txBody>
+            <a:bodyPr wrap="square" rtlCol="0">
+              <a:spAutoFit/>
+            </a:bodyPr>
+            <a:lstStyle/>
+            <a:p>
+              <a:r>
+                <a:rPr lang="zh-TW" altLang="en-US" sz="2800" b="1" dirty="0" smtClean="0">
+                  <a:latin typeface="Adobe 楷体 Std R" pitchFamily="18" charset="-128"/>
+                  <a:ea typeface="Adobe 楷体 Std R" pitchFamily="18" charset="-128"/>
+                </a:rPr>
+                <a:t>擷取</a:t>
+              </a:r>
+              <a:r>
+                <a:rPr lang="zh-TW" altLang="en-US" sz="2800" b="1" dirty="0" smtClean="0">
+                  <a:solidFill>
+                    <a:srgbClr val="0000CC"/>
+                  </a:solidFill>
+                  <a:latin typeface="Adobe 楷体 Std R" pitchFamily="18" charset="-128"/>
+                  <a:ea typeface="Adobe 楷体 Std R" pitchFamily="18" charset="-128"/>
+                </a:rPr>
+                <a:t>劍靈命理網</a:t>
+              </a:r>
+              <a:r>
+                <a:rPr lang="zh-TW" altLang="en-US" sz="2800" b="1" dirty="0" smtClean="0">
+                  <a:latin typeface="Adobe 楷体 Std R" pitchFamily="18" charset="-128"/>
+                  <a:ea typeface="Adobe 楷体 Std R" pitchFamily="18" charset="-128"/>
+                </a:rPr>
+                <a:t>資料渲染網頁</a:t>
+              </a:r>
+              <a:r>
+                <a:rPr lang="en-US" altLang="zh-TW" sz="2800" b="1" dirty="0" smtClean="0">
+                  <a:latin typeface="Adobe 楷体 Std R" pitchFamily="18" charset="-128"/>
+                  <a:ea typeface="Adobe 楷体 Std R" pitchFamily="18" charset="-128"/>
+                </a:rPr>
+                <a:t>:</a:t>
+              </a:r>
+            </a:p>
+          </p:txBody>
+        </p:sp>
+      </p:grpSp>
+      <p:grpSp>
+        <p:nvGrpSpPr>
+          <p:cNvPr id="20" name="群組 19"/>
+          <p:cNvGrpSpPr/>
+          <p:nvPr/>
+        </p:nvGrpSpPr>
+        <p:grpSpPr>
+          <a:xfrm>
+            <a:off x="603602" y="1261102"/>
+            <a:ext cx="1606162" cy="467688"/>
+            <a:chOff x="603602" y="1261102"/>
+            <a:chExt cx="1606162" cy="467688"/>
+          </a:xfrm>
+        </p:grpSpPr>
+        <p:grpSp>
+          <p:nvGrpSpPr>
+            <p:cNvPr id="18" name="群組 17"/>
+            <p:cNvGrpSpPr/>
+            <p:nvPr/>
+          </p:nvGrpSpPr>
+          <p:grpSpPr>
+            <a:xfrm>
+              <a:off x="603602" y="1300222"/>
+              <a:ext cx="411480" cy="428568"/>
+              <a:chOff x="603602" y="1300222"/>
+              <a:chExt cx="411480" cy="428568"/>
+            </a:xfrm>
+          </p:grpSpPr>
+          <p:pic>
+            <p:nvPicPr>
+              <p:cNvPr id="15" name="图片 3"/>
+              <p:cNvPicPr>
+                <a:picLocks noChangeAspect="1"/>
+              </p:cNvPicPr>
+              <p:nvPr/>
+            </p:nvPicPr>
+            <p:blipFill>
+              <a:blip r:embed="rId2" cstate="email">
+                <a:extLst>
+                  <a:ext uri="{28A0092B-C50C-407E-A947-70E740481C1C}">
+                    <a14:useLocalDpi xmlns:a14="http://schemas.microsoft.com/office/drawing/2010/main" val="0"/>
+                  </a:ext>
+                </a:extLst>
+              </a:blip>
+              <a:stretch>
+                <a:fillRect/>
+              </a:stretch>
+            </p:blipFill>
+            <p:spPr>
+              <a:xfrm>
+                <a:off x="603602" y="1305880"/>
+                <a:ext cx="411480" cy="422910"/>
+              </a:xfrm>
+              <a:prstGeom prst="rect">
+                <a:avLst/>
+              </a:prstGeom>
+            </p:spPr>
+          </p:pic>
+          <p:sp>
+            <p:nvSpPr>
+              <p:cNvPr id="17" name="文字方塊 16"/>
+              <p:cNvSpPr txBox="1"/>
+              <p:nvPr/>
+            </p:nvSpPr>
+            <p:spPr>
+              <a:xfrm>
+                <a:off x="671514" y="1300222"/>
+                <a:ext cx="301686" cy="369332"/>
+              </a:xfrm>
+              <a:prstGeom prst="rect">
+                <a:avLst/>
+              </a:prstGeom>
+              <a:noFill/>
+            </p:spPr>
+            <p:txBody>
+              <a:bodyPr wrap="none" rtlCol="0">
+                <a:spAutoFit/>
+              </a:bodyPr>
+              <a:lstStyle/>
+              <a:p>
+                <a:r>
+                  <a:rPr lang="en-US" altLang="zh-TW" dirty="0" smtClean="0">
+                    <a:solidFill>
+                      <a:schemeClr val="bg1"/>
+                    </a:solidFill>
+                  </a:rPr>
+                  <a:t>1</a:t>
+                </a:r>
+                <a:endParaRPr lang="zh-TW" altLang="en-US" dirty="0">
+                  <a:solidFill>
+                    <a:schemeClr val="bg1"/>
+                  </a:solidFill>
+                </a:endParaRPr>
+              </a:p>
+            </p:txBody>
+          </p:sp>
+        </p:grpSp>
+        <p:sp>
+          <p:nvSpPr>
+            <p:cNvPr id="19" name="文字方塊 18"/>
+            <p:cNvSpPr txBox="1"/>
+            <p:nvPr/>
+          </p:nvSpPr>
+          <p:spPr>
+            <a:xfrm>
+              <a:off x="1002382" y="1261102"/>
+              <a:ext cx="1207382" cy="461665"/>
+            </a:xfrm>
+            <a:prstGeom prst="rect">
+              <a:avLst/>
+            </a:prstGeom>
+            <a:noFill/>
+          </p:spPr>
+          <p:txBody>
+            <a:bodyPr wrap="none" rtlCol="0">
+              <a:spAutoFit/>
+            </a:bodyPr>
+            <a:lstStyle/>
+            <a:p>
+              <a:r>
+                <a:rPr lang="zh-TW" altLang="en-US" sz="2400" b="1" dirty="0" smtClean="0">
+                  <a:latin typeface="Adobe 楷体 Std R" pitchFamily="18" charset="-128"/>
+                  <a:ea typeface="Adobe 楷体 Std R" pitchFamily="18" charset="-128"/>
+                </a:rPr>
+                <a:t>程式碼</a:t>
+              </a:r>
+              <a:r>
+                <a:rPr lang="en-US" altLang="zh-TW" sz="2400" b="1" dirty="0" smtClean="0">
+                  <a:latin typeface="Adobe 楷体 Std R" pitchFamily="18" charset="-128"/>
+                  <a:ea typeface="Adobe 楷体 Std R" pitchFamily="18" charset="-128"/>
+                </a:rPr>
+                <a:t>:</a:t>
+              </a:r>
+              <a:endParaRPr lang="zh-TW" altLang="en-US" sz="2400" b="1" dirty="0">
+                <a:latin typeface="Adobe 楷体 Std R" pitchFamily="18" charset="-128"/>
+                <a:ea typeface="Adobe 楷体 Std R" pitchFamily="18" charset="-128"/>
+              </a:endParaRPr>
+            </a:p>
+          </p:txBody>
+        </p:sp>
+      </p:grpSp>
+      <p:grpSp>
+        <p:nvGrpSpPr>
+          <p:cNvPr id="24" name="群組 23"/>
+          <p:cNvGrpSpPr/>
+          <p:nvPr/>
+        </p:nvGrpSpPr>
+        <p:grpSpPr>
+          <a:xfrm>
+            <a:off x="2987824" y="1258091"/>
+            <a:ext cx="2869328" cy="467688"/>
+            <a:chOff x="603602" y="1261102"/>
+            <a:chExt cx="2869328" cy="467688"/>
+          </a:xfrm>
+        </p:grpSpPr>
+        <p:grpSp>
+          <p:nvGrpSpPr>
+            <p:cNvPr id="25" name="群組 24"/>
+            <p:cNvGrpSpPr/>
+            <p:nvPr/>
+          </p:nvGrpSpPr>
+          <p:grpSpPr>
+            <a:xfrm>
+              <a:off x="603602" y="1300222"/>
+              <a:ext cx="411480" cy="428568"/>
+              <a:chOff x="603602" y="1300222"/>
+              <a:chExt cx="411480" cy="428568"/>
+            </a:xfrm>
+          </p:grpSpPr>
+          <p:pic>
+            <p:nvPicPr>
+              <p:cNvPr id="27" name="图片 3"/>
+              <p:cNvPicPr>
+                <a:picLocks noChangeAspect="1"/>
+              </p:cNvPicPr>
+              <p:nvPr/>
+            </p:nvPicPr>
+            <p:blipFill>
+              <a:blip r:embed="rId2" cstate="email">
+                <a:extLst>
+                  <a:ext uri="{28A0092B-C50C-407E-A947-70E740481C1C}">
+                    <a14:useLocalDpi xmlns:a14="http://schemas.microsoft.com/office/drawing/2010/main" val="0"/>
+                  </a:ext>
+                </a:extLst>
+              </a:blip>
+              <a:stretch>
+                <a:fillRect/>
+              </a:stretch>
+            </p:blipFill>
+            <p:spPr>
+              <a:xfrm>
+                <a:off x="603602" y="1305880"/>
+                <a:ext cx="411480" cy="422910"/>
+              </a:xfrm>
+              <a:prstGeom prst="rect">
+                <a:avLst/>
+              </a:prstGeom>
+            </p:spPr>
+          </p:pic>
+          <p:sp>
+            <p:nvSpPr>
+              <p:cNvPr id="28" name="文字方塊 27"/>
+              <p:cNvSpPr txBox="1"/>
+              <p:nvPr/>
+            </p:nvSpPr>
+            <p:spPr>
+              <a:xfrm>
+                <a:off x="671514" y="1300222"/>
+                <a:ext cx="301686" cy="369332"/>
+              </a:xfrm>
+              <a:prstGeom prst="rect">
+                <a:avLst/>
+              </a:prstGeom>
+              <a:noFill/>
+            </p:spPr>
+            <p:txBody>
+              <a:bodyPr wrap="none" rtlCol="0">
+                <a:spAutoFit/>
+              </a:bodyPr>
+              <a:lstStyle/>
+              <a:p>
+                <a:r>
+                  <a:rPr lang="en-US" altLang="zh-TW" dirty="0" smtClean="0">
+                    <a:solidFill>
+                      <a:schemeClr val="bg1"/>
+                    </a:solidFill>
+                  </a:rPr>
+                  <a:t>2</a:t>
+                </a:r>
+                <a:endParaRPr lang="zh-TW" altLang="en-US" dirty="0">
+                  <a:solidFill>
+                    <a:schemeClr val="bg1"/>
+                  </a:solidFill>
+                </a:endParaRPr>
+              </a:p>
+            </p:txBody>
+          </p:sp>
+        </p:grpSp>
+        <p:sp>
+          <p:nvSpPr>
+            <p:cNvPr id="26" name="文字方塊 25"/>
+            <p:cNvSpPr txBox="1"/>
+            <p:nvPr/>
+          </p:nvSpPr>
+          <p:spPr>
+            <a:xfrm>
+              <a:off x="1002382" y="1261102"/>
+              <a:ext cx="2470548" cy="461665"/>
+            </a:xfrm>
+            <a:prstGeom prst="rect">
+              <a:avLst/>
+            </a:prstGeom>
+            <a:noFill/>
+          </p:spPr>
+          <p:txBody>
+            <a:bodyPr wrap="none" rtlCol="0">
+              <a:spAutoFit/>
+            </a:bodyPr>
+            <a:lstStyle/>
+            <a:p>
+              <a:r>
+                <a:rPr lang="zh-TW" altLang="en-US" sz="2400" b="1" dirty="0">
+                  <a:latin typeface="Adobe 楷体 Std R" pitchFamily="18" charset="-128"/>
+                  <a:ea typeface="Adobe 楷体 Std R" pitchFamily="18" charset="-128"/>
+                </a:rPr>
+                <a:t>網版</a:t>
+              </a:r>
+              <a:r>
+                <a:rPr lang="zh-TW" altLang="en-US" sz="2400" b="1" dirty="0" smtClean="0">
+                  <a:latin typeface="Adobe 楷体 Std R" pitchFamily="18" charset="-128"/>
+                  <a:ea typeface="Adobe 楷体 Std R" pitchFamily="18" charset="-128"/>
+                </a:rPr>
+                <a:t>擷取及渲染</a:t>
+              </a:r>
+              <a:r>
+                <a:rPr lang="en-US" altLang="zh-TW" sz="2400" b="1" dirty="0" smtClean="0">
+                  <a:latin typeface="Adobe 楷体 Std R" pitchFamily="18" charset="-128"/>
+                  <a:ea typeface="Adobe 楷体 Std R" pitchFamily="18" charset="-128"/>
+                </a:rPr>
+                <a:t>:</a:t>
+              </a:r>
+              <a:endParaRPr lang="zh-TW" altLang="en-US" sz="2400" b="1" dirty="0">
+                <a:latin typeface="Adobe 楷体 Std R" pitchFamily="18" charset="-128"/>
+                <a:ea typeface="Adobe 楷体 Std R" pitchFamily="18" charset="-128"/>
+              </a:endParaRPr>
+            </a:p>
+          </p:txBody>
+        </p:sp>
+      </p:grpSp>
+      <p:sp>
+        <p:nvSpPr>
+          <p:cNvPr id="21" name="文字方塊 20"/>
+          <p:cNvSpPr txBox="1"/>
+          <p:nvPr/>
+        </p:nvSpPr>
+        <p:spPr>
+          <a:xfrm>
+            <a:off x="3059832" y="1635646"/>
+            <a:ext cx="3435556" cy="584775"/>
+          </a:xfrm>
+          <a:prstGeom prst="rect">
+            <a:avLst/>
+          </a:prstGeom>
+          <a:noFill/>
+        </p:spPr>
+        <p:txBody>
+          <a:bodyPr wrap="none" rtlCol="0">
+            <a:spAutoFit/>
+          </a:bodyPr>
+          <a:lstStyle/>
+          <a:p>
+            <a:pPr marL="342900" indent="-342900">
+              <a:buFontTx/>
+              <a:buAutoNum type="alphaLcPeriod"/>
+            </a:pPr>
+            <a:r>
+              <a:rPr lang="zh-TW" altLang="en-US" sz="1600" dirty="0" smtClean="0">
+                <a:latin typeface="Adobe 楷体 Std R" pitchFamily="18" charset="-128"/>
+                <a:ea typeface="Adobe 楷体 Std R" pitchFamily="18" charset="-128"/>
+              </a:rPr>
+              <a:t>八字網版</a:t>
+            </a:r>
+            <a:r>
+              <a:rPr lang="en-US" altLang="zh-TW" sz="1600" dirty="0" smtClean="0">
+                <a:latin typeface="Adobe 楷体 Std R" pitchFamily="18" charset="-128"/>
+                <a:ea typeface="Adobe 楷体 Std R" pitchFamily="18" charset="-128"/>
+              </a:rPr>
+              <a:t>:</a:t>
+            </a:r>
+            <a:r>
+              <a:rPr lang="zh-TW" altLang="en-US" sz="1600" dirty="0" smtClean="0">
+                <a:latin typeface="Adobe 楷体 Std R" pitchFamily="18" charset="-128"/>
+                <a:ea typeface="Adobe 楷体 Std R" pitchFamily="18" charset="-128"/>
+              </a:rPr>
+              <a:t> </a:t>
+            </a:r>
+            <a:r>
+              <a:rPr lang="zh-TW" altLang="en-US" sz="1600" dirty="0">
+                <a:latin typeface="Adobe 楷体 Std R" pitchFamily="18" charset="-128"/>
+                <a:ea typeface="Adobe 楷体 Std R" pitchFamily="18" charset="-128"/>
+              </a:rPr>
+              <a:t>生辰</a:t>
+            </a:r>
+            <a:r>
+              <a:rPr lang="zh-TW" altLang="en-US" sz="1600" dirty="0" smtClean="0">
+                <a:latin typeface="Adobe 楷体 Std R" pitchFamily="18" charset="-128"/>
+                <a:ea typeface="Adobe 楷体 Std R" pitchFamily="18" charset="-128"/>
+              </a:rPr>
+              <a:t>八字、大運</a:t>
+            </a:r>
+            <a:r>
+              <a:rPr lang="en-US" altLang="zh-TW" sz="1600" dirty="0" smtClean="0">
+                <a:latin typeface="Adobe 楷体 Std R" pitchFamily="18" charset="-128"/>
+                <a:ea typeface="Adobe 楷体 Std R" pitchFamily="18" charset="-128"/>
+              </a:rPr>
+              <a:t>...</a:t>
+            </a:r>
+            <a:r>
+              <a:rPr lang="zh-TW" altLang="en-US" sz="1600" dirty="0">
+                <a:latin typeface="Adobe 楷体 Std R" pitchFamily="18" charset="-128"/>
+                <a:ea typeface="Adobe 楷体 Std R" pitchFamily="18" charset="-128"/>
+              </a:rPr>
+              <a:t>等。</a:t>
+            </a:r>
+            <a:endParaRPr lang="en-US" altLang="zh-TW" sz="1600" dirty="0" smtClean="0">
+              <a:latin typeface="Adobe 楷体 Std R" pitchFamily="18" charset="-128"/>
+              <a:ea typeface="Adobe 楷体 Std R" pitchFamily="18" charset="-128"/>
+            </a:endParaRPr>
+          </a:p>
+          <a:p>
+            <a:pPr marL="342900" indent="-342900">
+              <a:buFontTx/>
+              <a:buAutoNum type="alphaLcPeriod"/>
+            </a:pPr>
+            <a:r>
+              <a:rPr lang="zh-TW" altLang="en-US" sz="1600" dirty="0">
+                <a:latin typeface="Adobe 楷体 Std R" pitchFamily="18" charset="-128"/>
+                <a:ea typeface="Adobe 楷体 Std R" pitchFamily="18" charset="-128"/>
+              </a:rPr>
+              <a:t>命盤分析網版</a:t>
+            </a:r>
+            <a:r>
+              <a:rPr lang="en-US" altLang="zh-TW" sz="1600" dirty="0" smtClean="0">
+                <a:latin typeface="Adobe 楷体 Std R" pitchFamily="18" charset="-128"/>
+                <a:ea typeface="Adobe 楷体 Std R" pitchFamily="18" charset="-128"/>
+              </a:rPr>
+              <a:t>:</a:t>
+            </a:r>
+            <a:r>
+              <a:rPr lang="zh-TW" altLang="en-US" sz="1600" dirty="0" smtClean="0">
+                <a:latin typeface="Adobe 楷体 Std R" pitchFamily="18" charset="-128"/>
+                <a:ea typeface="Adobe 楷体 Std R" pitchFamily="18" charset="-128"/>
+              </a:rPr>
+              <a:t> 含喜用神</a:t>
+            </a:r>
+            <a:r>
+              <a:rPr lang="en-US" altLang="zh-TW" sz="1600" dirty="0" smtClean="0">
+                <a:latin typeface="Adobe 楷体 Std R" pitchFamily="18" charset="-128"/>
+                <a:ea typeface="Adobe 楷体 Std R" pitchFamily="18" charset="-128"/>
+              </a:rPr>
+              <a:t>...</a:t>
+            </a:r>
+            <a:r>
+              <a:rPr lang="zh-TW" altLang="en-US" sz="1600" dirty="0">
+                <a:latin typeface="Adobe 楷体 Std R" pitchFamily="18" charset="-128"/>
+                <a:ea typeface="Adobe 楷体 Std R" pitchFamily="18" charset="-128"/>
+              </a:rPr>
+              <a:t>等。</a:t>
+            </a:r>
+            <a:endParaRPr lang="en-US" altLang="zh-TW" sz="1600" dirty="0" smtClean="0">
+              <a:latin typeface="Adobe 楷体 Std R" pitchFamily="18" charset="-128"/>
+              <a:ea typeface="Adobe 楷体 Std R" pitchFamily="18" charset="-128"/>
+            </a:endParaRPr>
+          </a:p>
+        </p:txBody>
+      </p:sp>
+      <p:sp>
+        <p:nvSpPr>
+          <p:cNvPr id="46" name="文字方塊 45"/>
+          <p:cNvSpPr txBox="1"/>
+          <p:nvPr/>
+        </p:nvSpPr>
+        <p:spPr>
+          <a:xfrm>
+            <a:off x="7757156" y="2189375"/>
+            <a:ext cx="271228" cy="276999"/>
+          </a:xfrm>
+          <a:prstGeom prst="rect">
+            <a:avLst/>
+          </a:prstGeom>
+          <a:noFill/>
+        </p:spPr>
+        <p:txBody>
+          <a:bodyPr wrap="none" rtlCol="0">
+            <a:spAutoFit/>
+          </a:bodyPr>
+          <a:lstStyle/>
+          <a:p>
+            <a:r>
+              <a:rPr lang="en-US" altLang="zh-TW" sz="1200" dirty="0" smtClean="0">
+                <a:solidFill>
+                  <a:srgbClr val="FF0000"/>
+                </a:solidFill>
+                <a:latin typeface="Adobe 楷体 Std R" pitchFamily="18" charset="-128"/>
+                <a:ea typeface="Adobe 楷体 Std R" pitchFamily="18" charset="-128"/>
+              </a:rPr>
+              <a:t>b</a:t>
+            </a:r>
+            <a:endParaRPr lang="zh-TW" altLang="en-US" sz="1200" dirty="0">
+              <a:solidFill>
+                <a:srgbClr val="FF0000"/>
+              </a:solidFill>
+              <a:latin typeface="Adobe 楷体 Std R" pitchFamily="18" charset="-128"/>
+              <a:ea typeface="Adobe 楷体 Std R" pitchFamily="18" charset="-128"/>
+            </a:endParaRPr>
+          </a:p>
+        </p:txBody>
+      </p:sp>
+      <p:sp>
+        <p:nvSpPr>
+          <p:cNvPr id="31" name="文字方塊 30"/>
+          <p:cNvSpPr txBox="1"/>
+          <p:nvPr/>
+        </p:nvSpPr>
+        <p:spPr>
+          <a:xfrm>
+            <a:off x="689470" y="1717102"/>
+            <a:ext cx="2331087" cy="1569660"/>
+          </a:xfrm>
+          <a:prstGeom prst="rect">
+            <a:avLst/>
+          </a:prstGeom>
+          <a:noFill/>
+        </p:spPr>
+        <p:txBody>
+          <a:bodyPr wrap="square" rtlCol="0">
+            <a:spAutoFit/>
+          </a:bodyPr>
+          <a:lstStyle/>
+          <a:p>
+            <a:pPr algn="just"/>
+            <a:r>
+              <a:rPr lang="zh-TW" altLang="en-US" sz="1600" dirty="0" smtClean="0">
+                <a:latin typeface="Adobe 楷体 Std R" pitchFamily="18" charset="-128"/>
+                <a:ea typeface="Adobe 楷体 Std R" pitchFamily="18" charset="-128"/>
+              </a:rPr>
+              <a:t>依</a:t>
+            </a:r>
+            <a:r>
+              <a:rPr lang="en-US" altLang="zh-TW" sz="1600" dirty="0">
+                <a:solidFill>
+                  <a:srgbClr val="0000CC"/>
+                </a:solidFill>
+                <a:latin typeface="Adobe 楷体 Std R" pitchFamily="18" charset="-128"/>
+                <a:ea typeface="Adobe 楷体 Std R" pitchFamily="18" charset="-128"/>
+              </a:rPr>
+              <a:t>Firebase</a:t>
+            </a:r>
+            <a:r>
+              <a:rPr lang="en-US" altLang="zh-TW" sz="1600" dirty="0">
+                <a:latin typeface="Adobe 楷体 Std R" pitchFamily="18" charset="-128"/>
+                <a:ea typeface="Adobe 楷体 Std R" pitchFamily="18" charset="-128"/>
+              </a:rPr>
+              <a:t> </a:t>
+            </a:r>
+            <a:r>
+              <a:rPr lang="zh-TW" altLang="en-US" sz="1600" dirty="0">
+                <a:latin typeface="Adobe 楷体 Std R" pitchFamily="18" charset="-128"/>
+                <a:ea typeface="Adobe 楷体 Std R" pitchFamily="18" charset="-128"/>
+              </a:rPr>
+              <a:t>雲端</a:t>
+            </a:r>
+            <a:r>
+              <a:rPr lang="zh-TW" altLang="en-US" sz="1600" dirty="0" smtClean="0">
+                <a:latin typeface="Adobe 楷体 Std R" pitchFamily="18" charset="-128"/>
+                <a:ea typeface="Adobe 楷体 Std R" pitchFamily="18" charset="-128"/>
+              </a:rPr>
+              <a:t>資料庫傳送使用者資料</a:t>
+            </a:r>
+            <a:r>
+              <a:rPr lang="zh-TW" altLang="en-US" sz="1600" dirty="0" smtClean="0">
+                <a:solidFill>
+                  <a:srgbClr val="0000CC"/>
+                </a:solidFill>
+                <a:latin typeface="Adobe 楷体 Std R" pitchFamily="18" charset="-128"/>
+                <a:ea typeface="Adobe 楷体 Std R" pitchFamily="18" charset="-128"/>
+              </a:rPr>
+              <a:t>依</a:t>
+            </a:r>
+            <a:r>
+              <a:rPr lang="en-US" altLang="zh-TW" sz="1600" dirty="0" smtClean="0">
+                <a:solidFill>
+                  <a:srgbClr val="0000CC"/>
+                </a:solidFill>
+                <a:latin typeface="Adobe 楷体 Std R" pitchFamily="18" charset="-128"/>
+                <a:ea typeface="Adobe 楷体 Std R" pitchFamily="18" charset="-128"/>
+              </a:rPr>
+              <a:t>”</a:t>
+            </a:r>
+            <a:r>
+              <a:rPr lang="zh-TW" altLang="en-US" sz="1600" dirty="0" smtClean="0">
+                <a:solidFill>
+                  <a:srgbClr val="0000CC"/>
+                </a:solidFill>
+                <a:latin typeface="Adobe 楷体 Std R" pitchFamily="18" charset="-128"/>
+                <a:ea typeface="Adobe 楷体 Std R" pitchFamily="18" charset="-128"/>
+              </a:rPr>
+              <a:t>年</a:t>
+            </a:r>
+            <a:r>
+              <a:rPr lang="en-US" altLang="zh-TW" sz="1600" dirty="0" smtClean="0">
+                <a:solidFill>
+                  <a:srgbClr val="0000CC"/>
+                </a:solidFill>
+                <a:latin typeface="Adobe 楷体 Std R" pitchFamily="18" charset="-128"/>
+                <a:ea typeface="Adobe 楷体 Std R" pitchFamily="18" charset="-128"/>
+              </a:rPr>
+              <a:t>/</a:t>
+            </a:r>
+            <a:r>
+              <a:rPr lang="zh-TW" altLang="en-US" sz="1600" dirty="0" smtClean="0">
+                <a:solidFill>
+                  <a:srgbClr val="0000CC"/>
+                </a:solidFill>
+                <a:latin typeface="Adobe 楷体 Std R" pitchFamily="18" charset="-128"/>
+                <a:ea typeface="Adobe 楷体 Std R" pitchFamily="18" charset="-128"/>
+              </a:rPr>
+              <a:t>月</a:t>
+            </a:r>
+            <a:r>
+              <a:rPr lang="en-US" altLang="zh-TW" sz="1600" dirty="0" smtClean="0">
+                <a:solidFill>
+                  <a:srgbClr val="0000CC"/>
+                </a:solidFill>
+                <a:latin typeface="Adobe 楷体 Std R" pitchFamily="18" charset="-128"/>
+                <a:ea typeface="Adobe 楷体 Std R" pitchFamily="18" charset="-128"/>
+              </a:rPr>
+              <a:t>/</a:t>
+            </a:r>
+            <a:r>
+              <a:rPr lang="zh-TW" altLang="en-US" sz="1600" dirty="0" smtClean="0">
+                <a:solidFill>
+                  <a:srgbClr val="0000CC"/>
+                </a:solidFill>
+                <a:latin typeface="Adobe 楷体 Std R" pitchFamily="18" charset="-128"/>
+                <a:ea typeface="Adobe 楷体 Std R" pitchFamily="18" charset="-128"/>
+              </a:rPr>
+              <a:t>日</a:t>
+            </a:r>
+            <a:r>
+              <a:rPr lang="en-US" altLang="zh-TW" sz="1600" dirty="0" smtClean="0">
+                <a:solidFill>
+                  <a:srgbClr val="0000CC"/>
+                </a:solidFill>
+                <a:latin typeface="Adobe 楷体 Std R" pitchFamily="18" charset="-128"/>
+                <a:ea typeface="Adobe 楷体 Std R" pitchFamily="18" charset="-128"/>
+              </a:rPr>
+              <a:t>/</a:t>
+            </a:r>
+            <a:r>
+              <a:rPr lang="zh-TW" altLang="en-US" sz="1600" dirty="0" smtClean="0">
+                <a:solidFill>
+                  <a:srgbClr val="0000CC"/>
+                </a:solidFill>
+                <a:latin typeface="Adobe 楷体 Std R" pitchFamily="18" charset="-128"/>
+                <a:ea typeface="Adobe 楷体 Std R" pitchFamily="18" charset="-128"/>
+              </a:rPr>
+              <a:t>時</a:t>
+            </a:r>
+            <a:r>
+              <a:rPr lang="en-US" altLang="zh-TW" sz="1600" dirty="0" smtClean="0">
+                <a:solidFill>
+                  <a:srgbClr val="0000CC"/>
+                </a:solidFill>
+                <a:latin typeface="Adobe 楷体 Std R" pitchFamily="18" charset="-128"/>
+                <a:ea typeface="Adobe 楷体 Std R" pitchFamily="18" charset="-128"/>
+              </a:rPr>
+              <a:t>/</a:t>
+            </a:r>
+            <a:r>
+              <a:rPr lang="zh-TW" altLang="en-US" sz="1600" dirty="0" smtClean="0">
+                <a:solidFill>
+                  <a:srgbClr val="0000CC"/>
+                </a:solidFill>
+                <a:latin typeface="Adobe 楷体 Std R" pitchFamily="18" charset="-128"/>
+                <a:ea typeface="Adobe 楷体 Std R" pitchFamily="18" charset="-128"/>
+              </a:rPr>
+              <a:t>性別</a:t>
+            </a:r>
+            <a:r>
+              <a:rPr lang="en-US" altLang="zh-TW" sz="1600" dirty="0" smtClean="0">
+                <a:solidFill>
+                  <a:srgbClr val="0000CC"/>
+                </a:solidFill>
+                <a:latin typeface="Adobe 楷体 Std R" pitchFamily="18" charset="-128"/>
+                <a:ea typeface="Adobe 楷体 Std R" pitchFamily="18" charset="-128"/>
+              </a:rPr>
+              <a:t>”</a:t>
+            </a:r>
+            <a:r>
+              <a:rPr lang="en-US" altLang="zh-TW" sz="1600" dirty="0" smtClean="0">
+                <a:latin typeface="Adobe 楷体 Std R" pitchFamily="18" charset="-128"/>
+                <a:ea typeface="Adobe 楷体 Std R" pitchFamily="18" charset="-128"/>
+              </a:rPr>
+              <a:t>,</a:t>
+            </a:r>
+            <a:r>
+              <a:rPr lang="zh-TW" altLang="en-US" sz="1600" dirty="0" smtClean="0">
+                <a:latin typeface="Adobe 楷体 Std R" pitchFamily="18" charset="-128"/>
+                <a:ea typeface="Adobe 楷体 Std R" pitchFamily="18" charset="-128"/>
+              </a:rPr>
+              <a:t> </a:t>
+            </a:r>
+            <a:r>
+              <a:rPr lang="zh-TW" altLang="en-US" sz="1600" dirty="0" smtClean="0">
+                <a:solidFill>
+                  <a:srgbClr val="0000CC"/>
+                </a:solidFill>
+                <a:latin typeface="Adobe 楷体 Std R" pitchFamily="18" charset="-128"/>
+                <a:ea typeface="Adobe 楷体 Std R" pitchFamily="18" charset="-128"/>
+              </a:rPr>
+              <a:t>靜態網頁爬蟲</a:t>
+            </a:r>
+            <a:r>
+              <a:rPr lang="zh-TW" altLang="en-US" sz="1600" dirty="0" smtClean="0">
+                <a:latin typeface="Adobe 楷体 Std R" pitchFamily="18" charset="-128"/>
+                <a:ea typeface="Adobe 楷体 Std R" pitchFamily="18" charset="-128"/>
+              </a:rPr>
+              <a:t>匯入劍靈網並擷取算命資料後渲染至網頁。</a:t>
+            </a:r>
+            <a:endParaRPr lang="en-US" altLang="zh-TW" sz="1600" dirty="0">
+              <a:latin typeface="Adobe 楷体 Std R" pitchFamily="18" charset="-128"/>
+              <a:ea typeface="Adobe 楷体 Std R" pitchFamily="18" charset="-128"/>
+            </a:endParaRPr>
+          </a:p>
+        </p:txBody>
+      </p:sp>
+      <p:sp>
+        <p:nvSpPr>
+          <p:cNvPr id="37" name="矩形 36"/>
+          <p:cNvSpPr/>
+          <p:nvPr/>
+        </p:nvSpPr>
+        <p:spPr>
+          <a:xfrm>
+            <a:off x="3429132" y="2402112"/>
+            <a:ext cx="2655036" cy="1967472"/>
+          </a:xfrm>
+          <a:prstGeom prst="rect">
+            <a:avLst/>
+          </a:prstGeom>
+          <a:noFill/>
+          <a:ln>
+            <a:solidFill>
+              <a:srgbClr val="FF0000"/>
+            </a:solidFill>
+          </a:ln>
+        </p:spPr>
+        <p:style>
+          <a:lnRef idx="2">
+            <a:schemeClr val="accent1">
+              <a:shade val="50000"/>
+            </a:schemeClr>
+          </a:lnRef>
+          <a:fillRef idx="1">
+            <a:schemeClr val="accent1"/>
+          </a:fillRef>
+          <a:effectRef idx="0">
+            <a:schemeClr val="accent1"/>
+          </a:effectRef>
+          <a:fontRef idx="minor">
+            <a:schemeClr val="lt1"/>
+          </a:fontRef>
+        </p:style>
+        <p:txBody>
+          <a:bodyPr rtlCol="0" anchor="ctr"/>
+          <a:lstStyle/>
+          <a:p>
+            <a:pPr algn="ctr"/>
+            <a:endParaRPr lang="zh-TW" altLang="en-US"/>
+          </a:p>
+        </p:txBody>
+      </p:sp>
+      <p:sp>
+        <p:nvSpPr>
+          <p:cNvPr id="38" name="文字方塊 37"/>
+          <p:cNvSpPr txBox="1"/>
+          <p:nvPr/>
+        </p:nvSpPr>
+        <p:spPr>
+          <a:xfrm>
+            <a:off x="4644008" y="2189376"/>
+            <a:ext cx="263214" cy="276999"/>
+          </a:xfrm>
+          <a:prstGeom prst="rect">
+            <a:avLst/>
+          </a:prstGeom>
+          <a:noFill/>
+        </p:spPr>
+        <p:txBody>
+          <a:bodyPr wrap="none" rtlCol="0">
+            <a:spAutoFit/>
+          </a:bodyPr>
+          <a:lstStyle/>
+          <a:p>
+            <a:r>
+              <a:rPr lang="en-US" altLang="zh-TW" sz="1200" dirty="0" smtClean="0">
+                <a:solidFill>
+                  <a:srgbClr val="FF0000"/>
+                </a:solidFill>
+                <a:latin typeface="Adobe 楷体 Std R" pitchFamily="18" charset="-128"/>
+                <a:ea typeface="Adobe 楷体 Std R" pitchFamily="18" charset="-128"/>
+              </a:rPr>
+              <a:t>a</a:t>
+            </a:r>
+            <a:endParaRPr lang="zh-TW" altLang="en-US" sz="1200" dirty="0">
+              <a:solidFill>
+                <a:srgbClr val="FF0000"/>
+              </a:solidFill>
+              <a:latin typeface="Adobe 楷体 Std R" pitchFamily="18" charset="-128"/>
+              <a:ea typeface="Adobe 楷体 Std R" pitchFamily="18" charset="-128"/>
+            </a:endParaRPr>
+          </a:p>
+        </p:txBody>
+      </p:sp>
+      <p:sp>
+        <p:nvSpPr>
+          <p:cNvPr id="41" name="文字方塊 40"/>
+          <p:cNvSpPr txBox="1"/>
+          <p:nvPr/>
+        </p:nvSpPr>
+        <p:spPr>
+          <a:xfrm>
+            <a:off x="145768" y="3210977"/>
+            <a:ext cx="1141659" cy="276999"/>
+          </a:xfrm>
+          <a:prstGeom prst="rect">
+            <a:avLst/>
+          </a:prstGeom>
+          <a:noFill/>
+        </p:spPr>
+        <p:txBody>
+          <a:bodyPr wrap="none" rtlCol="0">
+            <a:spAutoFit/>
+          </a:bodyPr>
+          <a:lstStyle/>
+          <a:p>
+            <a:r>
+              <a:rPr lang="zh-TW" altLang="en-US" sz="1200" dirty="0">
+                <a:solidFill>
+                  <a:srgbClr val="0000CC"/>
+                </a:solidFill>
+                <a:latin typeface="Adobe 楷体 Std R" pitchFamily="18" charset="-128"/>
+                <a:ea typeface="Adobe 楷体 Std R" pitchFamily="18" charset="-128"/>
+              </a:rPr>
+              <a:t>靜</a:t>
+            </a:r>
+            <a:r>
+              <a:rPr lang="zh-TW" altLang="en-US" sz="1200" dirty="0" smtClean="0">
+                <a:solidFill>
+                  <a:srgbClr val="0000CC"/>
+                </a:solidFill>
+                <a:latin typeface="Adobe 楷体 Std R" pitchFamily="18" charset="-128"/>
+                <a:ea typeface="Adobe 楷体 Std R" pitchFamily="18" charset="-128"/>
+              </a:rPr>
+              <a:t>態</a:t>
+            </a:r>
+            <a:r>
+              <a:rPr lang="zh-TW" altLang="en-US" sz="1200" dirty="0">
+                <a:solidFill>
+                  <a:srgbClr val="0000CC"/>
+                </a:solidFill>
+                <a:latin typeface="Adobe 楷体 Std R" pitchFamily="18" charset="-128"/>
+                <a:ea typeface="Adobe 楷体 Std R" pitchFamily="18" charset="-128"/>
+              </a:rPr>
+              <a:t>網頁爬蟲</a:t>
+            </a:r>
+            <a:r>
+              <a:rPr lang="en-US" altLang="zh-TW" sz="1200" dirty="0" smtClean="0">
+                <a:solidFill>
+                  <a:srgbClr val="0000CC"/>
+                </a:solidFill>
+                <a:latin typeface="Adobe 楷体 Std R" pitchFamily="18" charset="-128"/>
+                <a:ea typeface="Adobe 楷体 Std R" pitchFamily="18" charset="-128"/>
+              </a:rPr>
+              <a:t>:</a:t>
+            </a:r>
+            <a:endParaRPr lang="zh-TW" altLang="en-US" sz="1200" dirty="0">
+              <a:solidFill>
+                <a:srgbClr val="0000CC"/>
+              </a:solidFill>
+              <a:latin typeface="Adobe 楷体 Std R" pitchFamily="18" charset="-128"/>
+              <a:ea typeface="Adobe 楷体 Std R" pitchFamily="18" charset="-128"/>
+            </a:endParaRPr>
+          </a:p>
+        </p:txBody>
+      </p:sp>
+      <p:sp>
+        <p:nvSpPr>
+          <p:cNvPr id="43" name="文字方塊 42"/>
+          <p:cNvSpPr txBox="1"/>
+          <p:nvPr/>
+        </p:nvSpPr>
+        <p:spPr>
+          <a:xfrm>
+            <a:off x="1887826" y="3230855"/>
+            <a:ext cx="833883" cy="276999"/>
+          </a:xfrm>
+          <a:prstGeom prst="rect">
+            <a:avLst/>
+          </a:prstGeom>
+          <a:noFill/>
+        </p:spPr>
+        <p:txBody>
+          <a:bodyPr wrap="none" rtlCol="0">
+            <a:spAutoFit/>
+          </a:bodyPr>
+          <a:lstStyle/>
+          <a:p>
+            <a:r>
+              <a:rPr lang="zh-TW" altLang="en-US" sz="1200" dirty="0" smtClean="0">
+                <a:solidFill>
+                  <a:srgbClr val="0000CC"/>
+                </a:solidFill>
+                <a:latin typeface="Adobe 楷体 Std R" pitchFamily="18" charset="-128"/>
+                <a:ea typeface="Adobe 楷体 Std R" pitchFamily="18" charset="-128"/>
+              </a:rPr>
+              <a:t>渲染網頁</a:t>
+            </a:r>
+            <a:r>
+              <a:rPr lang="en-US" altLang="zh-TW" sz="1200" dirty="0" smtClean="0">
+                <a:solidFill>
+                  <a:srgbClr val="0000CC"/>
+                </a:solidFill>
+                <a:latin typeface="Adobe 楷体 Std R" pitchFamily="18" charset="-128"/>
+                <a:ea typeface="Adobe 楷体 Std R" pitchFamily="18" charset="-128"/>
+              </a:rPr>
+              <a:t>:</a:t>
+            </a:r>
+            <a:endParaRPr lang="zh-TW" altLang="en-US" sz="1200" dirty="0">
+              <a:solidFill>
+                <a:srgbClr val="0000CC"/>
+              </a:solidFill>
+              <a:latin typeface="Adobe 楷体 Std R" pitchFamily="18" charset="-128"/>
+              <a:ea typeface="Adobe 楷体 Std R" pitchFamily="18" charset="-128"/>
+            </a:endParaRPr>
+          </a:p>
+        </p:txBody>
+      </p:sp>
+      <p:pic>
+        <p:nvPicPr>
+          <p:cNvPr id="7" name="Picture 2"/>
+          <p:cNvPicPr>
+            <a:picLocks noChangeAspect="1" noChangeArrowheads="1"/>
+          </p:cNvPicPr>
+          <p:nvPr/>
+        </p:nvPicPr>
+        <p:blipFill>
+          <a:blip r:embed="rId3">
+            <a:extLst>
+              <a:ext uri="{28A0092B-C50C-407E-A947-70E740481C1C}">
+                <a14:useLocalDpi xmlns:a14="http://schemas.microsoft.com/office/drawing/2010/main" val="0"/>
+              </a:ext>
+            </a:extLst>
+          </a:blip>
+          <a:srcRect/>
+          <a:stretch>
+            <a:fillRect/>
+          </a:stretch>
+        </p:blipFill>
+        <p:spPr bwMode="auto">
+          <a:xfrm>
+            <a:off x="6373796" y="655945"/>
+            <a:ext cx="2085975" cy="504825"/>
+          </a:xfrm>
+          <a:prstGeom prst="rect">
+            <a:avLst/>
+          </a:prstGeom>
+          <a:noFill/>
+          <a:ln>
+            <a:noFill/>
+          </a:ln>
+          <a:effectLst/>
+          <a:extLst>
+            <a:ext uri="{909E8E84-426E-40DD-AFC4-6F175D3DCCD1}">
+              <a14:hiddenFill xmlns:a14="http://schemas.microsoft.com/office/drawing/2010/main">
+                <a:solidFill>
+                  <a:schemeClr val="accent1"/>
+                </a:solidFill>
+              </a14:hiddenFill>
+            </a:ext>
+            <a:ext uri="{91240B29-F687-4F45-9708-019B960494DF}">
+              <a14:hiddenLine xmlns:a14="http://schemas.microsoft.com/office/drawing/2010/main" w="9525">
+                <a:solidFill>
+                  <a:schemeClr val="tx1"/>
+                </a:solidFill>
+                <a:miter lim="800000"/>
+                <a:headEnd/>
+                <a:tailEnd/>
+              </a14:hiddenLine>
+            </a:ext>
+            <a:ext uri="{AF507438-7753-43E0-B8FC-AC1667EBCBE1}">
+              <a14:hiddenEffects xmlns:a14="http://schemas.microsoft.com/office/drawing/2010/main">
+                <a:effectLst>
+                  <a:outerShdw dist="35921" dir="2700000" algn="ctr" rotWithShape="0">
+                    <a:schemeClr val="bg2"/>
+                  </a:outerShdw>
+                </a:effectLst>
+              </a14:hiddenEffects>
+            </a:ext>
+          </a:extLst>
+        </p:spPr>
+      </p:pic>
+      <p:pic>
+        <p:nvPicPr>
+          <p:cNvPr id="3075" name="Picture 3"/>
+          <p:cNvPicPr>
+            <a:picLocks noChangeAspect="1" noChangeArrowheads="1"/>
+          </p:cNvPicPr>
+          <p:nvPr/>
+        </p:nvPicPr>
+        <p:blipFill>
+          <a:blip r:embed="rId4" cstate="print">
+            <a:extLst>
+              <a:ext uri="{28A0092B-C50C-407E-A947-70E740481C1C}">
+                <a14:useLocalDpi xmlns:a14="http://schemas.microsoft.com/office/drawing/2010/main" val="0"/>
+              </a:ext>
+            </a:extLst>
+          </a:blip>
+          <a:srcRect/>
+          <a:stretch>
+            <a:fillRect/>
+          </a:stretch>
+        </p:blipFill>
+        <p:spPr bwMode="auto">
+          <a:xfrm>
+            <a:off x="6373796" y="2402112"/>
+            <a:ext cx="2636636" cy="1969200"/>
+          </a:xfrm>
+          <a:prstGeom prst="rect">
+            <a:avLst/>
+          </a:prstGeom>
+          <a:noFill/>
+          <a:ln>
+            <a:noFill/>
+          </a:ln>
+          <a:effectLst/>
+          <a:extLst>
+            <a:ext uri="{909E8E84-426E-40DD-AFC4-6F175D3DCCD1}">
+              <a14:hiddenFill xmlns:a14="http://schemas.microsoft.com/office/drawing/2010/main">
+                <a:solidFill>
+                  <a:schemeClr val="accent1"/>
+                </a:solidFill>
+              </a14:hiddenFill>
+            </a:ext>
+            <a:ext uri="{91240B29-F687-4F45-9708-019B960494DF}">
+              <a14:hiddenLine xmlns:a14="http://schemas.microsoft.com/office/drawing/2010/main" w="9525">
+                <a:solidFill>
+                  <a:schemeClr val="tx1"/>
+                </a:solidFill>
+                <a:miter lim="800000"/>
+                <a:headEnd/>
+                <a:tailEnd/>
+              </a14:hiddenLine>
+            </a:ext>
+            <a:ext uri="{AF507438-7753-43E0-B8FC-AC1667EBCBE1}">
+              <a14:hiddenEffects xmlns:a14="http://schemas.microsoft.com/office/drawing/2010/main">
+                <a:effectLst>
+                  <a:outerShdw dist="35921" dir="2700000" algn="ctr" rotWithShape="0">
+                    <a:schemeClr val="bg2"/>
+                  </a:outerShdw>
+                </a:effectLst>
+              </a14:hiddenEffects>
+            </a:ext>
+          </a:extLst>
+        </p:spPr>
+      </p:pic>
+      <p:sp>
+        <p:nvSpPr>
+          <p:cNvPr id="35" name="矩形 34"/>
+          <p:cNvSpPr/>
+          <p:nvPr/>
+        </p:nvSpPr>
+        <p:spPr>
+          <a:xfrm>
+            <a:off x="6355396" y="2404478"/>
+            <a:ext cx="2655036" cy="1967472"/>
+          </a:xfrm>
+          <a:prstGeom prst="rect">
+            <a:avLst/>
+          </a:prstGeom>
+          <a:noFill/>
+          <a:ln>
+            <a:solidFill>
+              <a:srgbClr val="FF0000"/>
+            </a:solidFill>
+          </a:ln>
+        </p:spPr>
+        <p:style>
+          <a:lnRef idx="2">
+            <a:schemeClr val="accent1">
+              <a:shade val="50000"/>
+            </a:schemeClr>
+          </a:lnRef>
+          <a:fillRef idx="1">
+            <a:schemeClr val="accent1"/>
+          </a:fillRef>
+          <a:effectRef idx="0">
+            <a:schemeClr val="accent1"/>
+          </a:effectRef>
+          <a:fontRef idx="minor">
+            <a:schemeClr val="lt1"/>
+          </a:fontRef>
+        </p:style>
+        <p:txBody>
+          <a:bodyPr rtlCol="0" anchor="ctr"/>
+          <a:lstStyle/>
+          <a:p>
+            <a:pPr algn="ctr"/>
+            <a:endParaRPr lang="zh-TW" altLang="en-US"/>
+          </a:p>
+        </p:txBody>
+      </p:sp>
+      <p:grpSp>
+        <p:nvGrpSpPr>
+          <p:cNvPr id="2" name="群組 1"/>
+          <p:cNvGrpSpPr/>
+          <p:nvPr/>
+        </p:nvGrpSpPr>
+        <p:grpSpPr>
+          <a:xfrm>
+            <a:off x="108675" y="3452117"/>
+            <a:ext cx="1613707" cy="1185893"/>
+            <a:chOff x="108675" y="3452117"/>
+            <a:chExt cx="1613707" cy="1185893"/>
+          </a:xfrm>
+        </p:grpSpPr>
+        <p:pic>
+          <p:nvPicPr>
+            <p:cNvPr id="3078" name="Picture 6"/>
+            <p:cNvPicPr>
+              <a:picLocks noChangeAspect="1" noChangeArrowheads="1"/>
+            </p:cNvPicPr>
+            <p:nvPr/>
+          </p:nvPicPr>
+          <p:blipFill>
+            <a:blip r:embed="rId5" cstate="print">
+              <a:extLst>
+                <a:ext uri="{28A0092B-C50C-407E-A947-70E740481C1C}">
+                  <a14:useLocalDpi xmlns:a14="http://schemas.microsoft.com/office/drawing/2010/main" val="0"/>
+                </a:ext>
+              </a:extLst>
+            </a:blip>
+            <a:srcRect/>
+            <a:stretch>
+              <a:fillRect/>
+            </a:stretch>
+          </p:blipFill>
+          <p:spPr bwMode="auto">
+            <a:xfrm>
+              <a:off x="282382" y="4105890"/>
+              <a:ext cx="1440000" cy="532120"/>
+            </a:xfrm>
+            <a:prstGeom prst="rect">
+              <a:avLst/>
+            </a:prstGeom>
+            <a:noFill/>
+            <a:ln>
+              <a:noFill/>
+            </a:ln>
+            <a:effectLst/>
+            <a:extLst>
+              <a:ext uri="{909E8E84-426E-40DD-AFC4-6F175D3DCCD1}">
+                <a14:hiddenFill xmlns:a14="http://schemas.microsoft.com/office/drawing/2010/main">
+                  <a:solidFill>
+                    <a:schemeClr val="accent1"/>
+                  </a:solidFill>
+                </a14:hiddenFill>
+              </a:ext>
+              <a:ext uri="{91240B29-F687-4F45-9708-019B960494DF}">
+                <a14:hiddenLine xmlns:a14="http://schemas.microsoft.com/office/drawing/2010/main" w="9525">
+                  <a:solidFill>
+                    <a:schemeClr val="tx1"/>
+                  </a:solidFill>
+                  <a:miter lim="800000"/>
+                  <a:headEnd/>
+                  <a:tailEnd/>
+                </a14:hiddenLine>
+              </a:ext>
+              <a:ext uri="{AF507438-7753-43E0-B8FC-AC1667EBCBE1}">
+                <a14:hiddenEffects xmlns:a14="http://schemas.microsoft.com/office/drawing/2010/main">
+                  <a:effectLst>
+                    <a:outerShdw dist="35921" dir="2700000" algn="ctr" rotWithShape="0">
+                      <a:schemeClr val="bg2"/>
+                    </a:outerShdw>
+                  </a:effectLst>
+                </a14:hiddenEffects>
+              </a:ext>
+            </a:extLst>
+          </p:spPr>
+        </p:pic>
+        <p:pic>
+          <p:nvPicPr>
+            <p:cNvPr id="3076" name="Picture 4"/>
+            <p:cNvPicPr>
+              <a:picLocks noChangeAspect="1" noChangeArrowheads="1"/>
+            </p:cNvPicPr>
+            <p:nvPr/>
+          </p:nvPicPr>
+          <p:blipFill>
+            <a:blip r:embed="rId6" cstate="print">
+              <a:extLst>
+                <a:ext uri="{28A0092B-C50C-407E-A947-70E740481C1C}">
+                  <a14:useLocalDpi xmlns:a14="http://schemas.microsoft.com/office/drawing/2010/main" val="0"/>
+                </a:ext>
+              </a:extLst>
+            </a:blip>
+            <a:srcRect/>
+            <a:stretch>
+              <a:fillRect/>
+            </a:stretch>
+          </p:blipFill>
+          <p:spPr bwMode="auto">
+            <a:xfrm>
+              <a:off x="108675" y="3452117"/>
+              <a:ext cx="1440000" cy="866749"/>
+            </a:xfrm>
+            <a:prstGeom prst="rect">
+              <a:avLst/>
+            </a:prstGeom>
+            <a:noFill/>
+            <a:ln>
+              <a:noFill/>
+            </a:ln>
+            <a:effectLst/>
+            <a:extLst>
+              <a:ext uri="{909E8E84-426E-40DD-AFC4-6F175D3DCCD1}">
+                <a14:hiddenFill xmlns:a14="http://schemas.microsoft.com/office/drawing/2010/main">
+                  <a:solidFill>
+                    <a:schemeClr val="accent1"/>
+                  </a:solidFill>
+                </a14:hiddenFill>
+              </a:ext>
+              <a:ext uri="{91240B29-F687-4F45-9708-019B960494DF}">
+                <a14:hiddenLine xmlns:a14="http://schemas.microsoft.com/office/drawing/2010/main" w="9525">
+                  <a:solidFill>
+                    <a:schemeClr val="tx1"/>
+                  </a:solidFill>
+                  <a:miter lim="800000"/>
+                  <a:headEnd/>
+                  <a:tailEnd/>
+                </a14:hiddenLine>
+              </a:ext>
+              <a:ext uri="{AF507438-7753-43E0-B8FC-AC1667EBCBE1}">
+                <a14:hiddenEffects xmlns:a14="http://schemas.microsoft.com/office/drawing/2010/main">
+                  <a:effectLst>
+                    <a:outerShdw dist="35921" dir="2700000" algn="ctr" rotWithShape="0">
+                      <a:schemeClr val="bg2"/>
+                    </a:outerShdw>
+                  </a:effectLst>
+                </a14:hiddenEffects>
+              </a:ext>
+            </a:extLst>
+          </p:spPr>
+        </p:pic>
+      </p:grpSp>
+      <p:grpSp>
+        <p:nvGrpSpPr>
+          <p:cNvPr id="8" name="群組 7"/>
+          <p:cNvGrpSpPr/>
+          <p:nvPr/>
+        </p:nvGrpSpPr>
+        <p:grpSpPr>
+          <a:xfrm>
+            <a:off x="3464360" y="2402112"/>
+            <a:ext cx="2619808" cy="1967472"/>
+            <a:chOff x="3464360" y="2402112"/>
+            <a:chExt cx="2619808" cy="1967472"/>
+          </a:xfrm>
+        </p:grpSpPr>
+        <p:pic>
+          <p:nvPicPr>
+            <p:cNvPr id="3074" name="Picture 2"/>
+            <p:cNvPicPr>
+              <a:picLocks noChangeAspect="1" noChangeArrowheads="1"/>
+            </p:cNvPicPr>
+            <p:nvPr/>
+          </p:nvPicPr>
+          <p:blipFill>
+            <a:blip r:embed="rId7" cstate="print">
+              <a:extLst>
+                <a:ext uri="{28A0092B-C50C-407E-A947-70E740481C1C}">
+                  <a14:useLocalDpi xmlns:a14="http://schemas.microsoft.com/office/drawing/2010/main" val="0"/>
+                </a:ext>
+              </a:extLst>
+            </a:blip>
+            <a:srcRect/>
+            <a:stretch>
+              <a:fillRect/>
+            </a:stretch>
+          </p:blipFill>
+          <p:spPr bwMode="auto">
+            <a:xfrm>
+              <a:off x="3464360" y="2402112"/>
+              <a:ext cx="2619808" cy="1967472"/>
+            </a:xfrm>
+            <a:prstGeom prst="rect">
+              <a:avLst/>
+            </a:prstGeom>
+            <a:noFill/>
+            <a:ln>
+              <a:noFill/>
+            </a:ln>
+            <a:effectLst/>
+            <a:extLst>
+              <a:ext uri="{909E8E84-426E-40DD-AFC4-6F175D3DCCD1}">
+                <a14:hiddenFill xmlns:a14="http://schemas.microsoft.com/office/drawing/2010/main">
+                  <a:solidFill>
+                    <a:schemeClr val="accent1"/>
+                  </a:solidFill>
+                </a14:hiddenFill>
+              </a:ext>
+              <a:ext uri="{91240B29-F687-4F45-9708-019B960494DF}">
+                <a14:hiddenLine xmlns:a14="http://schemas.microsoft.com/office/drawing/2010/main" w="9525">
+                  <a:solidFill>
+                    <a:schemeClr val="tx1"/>
+                  </a:solidFill>
+                  <a:miter lim="800000"/>
+                  <a:headEnd/>
+                  <a:tailEnd/>
+                </a14:hiddenLine>
+              </a:ext>
+              <a:ext uri="{AF507438-7753-43E0-B8FC-AC1667EBCBE1}">
+                <a14:hiddenEffects xmlns:a14="http://schemas.microsoft.com/office/drawing/2010/main">
+                  <a:effectLst>
+                    <a:outerShdw dist="35921" dir="2700000" algn="ctr" rotWithShape="0">
+                      <a:schemeClr val="bg2"/>
+                    </a:outerShdw>
+                  </a:effectLst>
+                </a14:hiddenEffects>
+              </a:ext>
+            </a:extLst>
+          </p:spPr>
+        </p:pic>
+        <p:sp>
+          <p:nvSpPr>
+            <p:cNvPr id="3" name="矩形 2"/>
+            <p:cNvSpPr/>
+            <p:nvPr/>
+          </p:nvSpPr>
+          <p:spPr>
+            <a:xfrm>
+              <a:off x="3464360" y="3885491"/>
+              <a:ext cx="1292290" cy="220399"/>
+            </a:xfrm>
+            <a:prstGeom prst="rect">
+              <a:avLst/>
+            </a:prstGeom>
+            <a:solidFill>
+              <a:schemeClr val="bg1"/>
+            </a:solidFill>
+            <a:ln>
+              <a:noFill/>
+            </a:ln>
+          </p:spPr>
+          <p:style>
+            <a:lnRef idx="2">
+              <a:schemeClr val="accent1">
+                <a:shade val="50000"/>
+              </a:schemeClr>
+            </a:lnRef>
+            <a:fillRef idx="1">
+              <a:schemeClr val="accent1"/>
+            </a:fillRef>
+            <a:effectRef idx="0">
+              <a:schemeClr val="accent1"/>
+            </a:effectRef>
+            <a:fontRef idx="minor">
+              <a:schemeClr val="lt1"/>
+            </a:fontRef>
+          </p:style>
+          <p:txBody>
+            <a:bodyPr rtlCol="0" anchor="ctr"/>
+            <a:lstStyle/>
+            <a:p>
+              <a:pPr algn="ctr"/>
+              <a:endParaRPr lang="zh-TW" altLang="en-US"/>
+            </a:p>
+          </p:txBody>
+        </p:sp>
+      </p:grpSp>
+    </p:spTree>
+    <p:extLst>
+      <p:ext uri="{BB962C8B-B14F-4D97-AF65-F5344CB8AC3E}">
+        <p14:creationId xmlns:p14="http://schemas.microsoft.com/office/powerpoint/2010/main" val="3422310834"/>
+      </p:ext>
+    </p:extLst>
+  </p:cSld>
+  <p:clrMapOvr>
+    <a:masterClrMapping/>
+  </p:clrMapOvr>
+  <p:timing>
+    <p:tnLst>
+      <p:par>
+        <p:cTn id="1" dur="indefinite" restart="never" nodeType="tmRoot"/>
+      </p:par>
+    </p:tnLst>
+  </p:timing>
+</p:sld>
+</file>
+
+<file path=ppt/slides/slide14.xml><?xml version="1.0" encoding="utf-8"?>
+<p:sld xmlns:a="http://schemas.openxmlformats.org/drawingml/2006/main" xmlns:r="http://schemas.openxmlformats.org/officeDocument/2006/relationships" xmlns:p="http://schemas.openxmlformats.org/presentationml/2006/main">
+  <p:cSld>
+    <p:spTree>
+      <p:nvGrpSpPr>
+        <p:cNvPr id="1" name=""/>
+        <p:cNvGrpSpPr/>
+        <p:nvPr/>
+      </p:nvGrpSpPr>
+      <p:grpSpPr>
+        <a:xfrm>
+          <a:off x="0" y="0"/>
+          <a:ext cx="0" cy="0"/>
+          <a:chOff x="0" y="0"/>
+          <a:chExt cx="0" cy="0"/>
+        </a:xfrm>
+      </p:grpSpPr>
+      <p:grpSp>
+        <p:nvGrpSpPr>
+          <p:cNvPr id="16" name="群組 15"/>
+          <p:cNvGrpSpPr/>
+          <p:nvPr/>
+        </p:nvGrpSpPr>
+        <p:grpSpPr>
+          <a:xfrm>
+            <a:off x="539552" y="555526"/>
+            <a:ext cx="8226660" cy="705664"/>
+            <a:chOff x="539552" y="555526"/>
+            <a:chExt cx="8226660" cy="705664"/>
+          </a:xfrm>
+        </p:grpSpPr>
+        <p:pic>
+          <p:nvPicPr>
+            <p:cNvPr id="11" name="图片 3"/>
+            <p:cNvPicPr>
+              <a:picLocks noChangeAspect="1"/>
+            </p:cNvPicPr>
+            <p:nvPr/>
+          </p:nvPicPr>
+          <p:blipFill>
+            <a:blip r:embed="rId2" cstate="email">
+              <a:extLst>
+                <a:ext uri="{28A0092B-C50C-407E-A947-70E740481C1C}">
+                  <a14:useLocalDpi xmlns:a14="http://schemas.microsoft.com/office/drawing/2010/main" val="0"/>
+                </a:ext>
+              </a:extLst>
+            </a:blip>
+            <a:stretch>
+              <a:fillRect/>
+            </a:stretch>
+          </p:blipFill>
+          <p:spPr>
+            <a:xfrm>
+              <a:off x="539552" y="555526"/>
+              <a:ext cx="684076" cy="705664"/>
+            </a:xfrm>
+            <a:prstGeom prst="rect">
+              <a:avLst/>
+            </a:prstGeom>
+          </p:spPr>
+        </p:pic>
+        <p:sp>
+          <p:nvSpPr>
+            <p:cNvPr id="12" name="TextBox 5"/>
+            <p:cNvSpPr txBox="1"/>
+            <p:nvPr/>
+          </p:nvSpPr>
+          <p:spPr>
+            <a:xfrm>
+              <a:off x="603602" y="627533"/>
+              <a:ext cx="576064" cy="461665"/>
+            </a:xfrm>
+            <a:prstGeom prst="rect">
+              <a:avLst/>
+            </a:prstGeom>
+            <a:noFill/>
+          </p:spPr>
+          <p:txBody>
+            <a:bodyPr wrap="square" rtlCol="0">
+              <a:spAutoFit/>
+            </a:bodyPr>
+            <a:lstStyle/>
+            <a:p>
+              <a:pPr algn="ctr"/>
+              <a:r>
+                <a:rPr lang="zh-TW" altLang="en-US" sz="2400" dirty="0" smtClean="0">
+                  <a:solidFill>
+                    <a:schemeClr val="bg1"/>
+                  </a:solidFill>
+                  <a:latin typeface="华文隶书" pitchFamily="2" charset="-122"/>
+                  <a:ea typeface="华文隶书" pitchFamily="2" charset="-122"/>
+                </a:rPr>
+                <a:t>八</a:t>
+              </a:r>
+              <a:endParaRPr lang="zh-CN" altLang="en-US" sz="2400" dirty="0">
+                <a:solidFill>
+                  <a:schemeClr val="bg1"/>
+                </a:solidFill>
+                <a:latin typeface="华文隶书" pitchFamily="2" charset="-122"/>
+                <a:ea typeface="华文隶书" pitchFamily="2" charset="-122"/>
+              </a:endParaRPr>
+            </a:p>
+          </p:txBody>
+        </p:sp>
+        <p:sp>
+          <p:nvSpPr>
+            <p:cNvPr id="10" name="TextBox 6"/>
+            <p:cNvSpPr txBox="1"/>
+            <p:nvPr/>
+          </p:nvSpPr>
+          <p:spPr>
+            <a:xfrm>
+              <a:off x="1187624" y="627533"/>
+              <a:ext cx="7578588" cy="523220"/>
+            </a:xfrm>
+            <a:prstGeom prst="rect">
+              <a:avLst/>
+            </a:prstGeom>
+            <a:noFill/>
+          </p:spPr>
+          <p:txBody>
+            <a:bodyPr wrap="square" rtlCol="0">
+              <a:spAutoFit/>
+            </a:bodyPr>
+            <a:lstStyle/>
+            <a:p>
+              <a:r>
+                <a:rPr lang="zh-TW" altLang="en-US" sz="2800" b="1" dirty="0">
+                  <a:latin typeface="Adobe 楷体 Std R" pitchFamily="18" charset="-128"/>
+                  <a:ea typeface="Adobe 楷体 Std R" pitchFamily="18" charset="-128"/>
+                </a:rPr>
+                <a:t>透過喜用</a:t>
+              </a:r>
+              <a:r>
+                <a:rPr lang="zh-TW" altLang="en-US" sz="2800" b="1" dirty="0" smtClean="0">
+                  <a:latin typeface="Adobe 楷体 Std R" pitchFamily="18" charset="-128"/>
+                  <a:ea typeface="Adobe 楷体 Std R" pitchFamily="18" charset="-128"/>
+                </a:rPr>
+                <a:t>神帶出</a:t>
+              </a:r>
+              <a:r>
+                <a:rPr lang="en-US" altLang="zh-TW" sz="2800" b="1" dirty="0" smtClean="0">
+                  <a:solidFill>
+                    <a:srgbClr val="0000CC"/>
+                  </a:solidFill>
+                  <a:latin typeface="Adobe 楷体 Std R" pitchFamily="18" charset="-128"/>
+                  <a:ea typeface="Adobe 楷体 Std R" pitchFamily="18" charset="-128"/>
+                </a:rPr>
+                <a:t>Firebase</a:t>
+              </a:r>
+              <a:r>
+                <a:rPr lang="zh-TW" altLang="en-US" sz="2800" b="1" dirty="0" smtClean="0">
+                  <a:latin typeface="Adobe 楷体 Std R" pitchFamily="18" charset="-128"/>
+                  <a:ea typeface="Adobe 楷体 Std R" pitchFamily="18" charset="-128"/>
+                </a:rPr>
+                <a:t>的公司資料</a:t>
+              </a:r>
+              <a:r>
+                <a:rPr lang="en-US" altLang="zh-TW" sz="2800" b="1" dirty="0" smtClean="0">
+                  <a:latin typeface="Adobe 楷体 Std R" pitchFamily="18" charset="-128"/>
+                  <a:ea typeface="Adobe 楷体 Std R" pitchFamily="18" charset="-128"/>
+                </a:rPr>
+                <a:t>:</a:t>
+              </a:r>
+            </a:p>
+          </p:txBody>
+        </p:sp>
+      </p:grpSp>
+      <p:grpSp>
+        <p:nvGrpSpPr>
+          <p:cNvPr id="20" name="群組 19"/>
+          <p:cNvGrpSpPr/>
+          <p:nvPr/>
+        </p:nvGrpSpPr>
+        <p:grpSpPr>
+          <a:xfrm>
+            <a:off x="603602" y="1261102"/>
+            <a:ext cx="1606162" cy="467688"/>
+            <a:chOff x="603602" y="1261102"/>
+            <a:chExt cx="1606162" cy="467688"/>
+          </a:xfrm>
+        </p:grpSpPr>
+        <p:grpSp>
+          <p:nvGrpSpPr>
+            <p:cNvPr id="18" name="群組 17"/>
+            <p:cNvGrpSpPr/>
+            <p:nvPr/>
+          </p:nvGrpSpPr>
+          <p:grpSpPr>
+            <a:xfrm>
+              <a:off x="603602" y="1300222"/>
+              <a:ext cx="411480" cy="428568"/>
+              <a:chOff x="603602" y="1300222"/>
+              <a:chExt cx="411480" cy="428568"/>
+            </a:xfrm>
+          </p:grpSpPr>
+          <p:pic>
+            <p:nvPicPr>
+              <p:cNvPr id="15" name="图片 3"/>
+              <p:cNvPicPr>
+                <a:picLocks noChangeAspect="1"/>
+              </p:cNvPicPr>
+              <p:nvPr/>
+            </p:nvPicPr>
+            <p:blipFill>
+              <a:blip r:embed="rId2" cstate="email">
+                <a:extLst>
+                  <a:ext uri="{28A0092B-C50C-407E-A947-70E740481C1C}">
+                    <a14:useLocalDpi xmlns:a14="http://schemas.microsoft.com/office/drawing/2010/main" val="0"/>
+                  </a:ext>
+                </a:extLst>
+              </a:blip>
+              <a:stretch>
+                <a:fillRect/>
+              </a:stretch>
+            </p:blipFill>
+            <p:spPr>
+              <a:xfrm>
+                <a:off x="603602" y="1305880"/>
+                <a:ext cx="411480" cy="422910"/>
+              </a:xfrm>
+              <a:prstGeom prst="rect">
+                <a:avLst/>
+              </a:prstGeom>
+            </p:spPr>
+          </p:pic>
+          <p:sp>
+            <p:nvSpPr>
+              <p:cNvPr id="17" name="文字方塊 16"/>
+              <p:cNvSpPr txBox="1"/>
+              <p:nvPr/>
+            </p:nvSpPr>
+            <p:spPr>
+              <a:xfrm>
+                <a:off x="671514" y="1300222"/>
+                <a:ext cx="301686" cy="369332"/>
+              </a:xfrm>
+              <a:prstGeom prst="rect">
+                <a:avLst/>
+              </a:prstGeom>
+              <a:noFill/>
+            </p:spPr>
+            <p:txBody>
+              <a:bodyPr wrap="none" rtlCol="0">
+                <a:spAutoFit/>
+              </a:bodyPr>
+              <a:lstStyle/>
+              <a:p>
+                <a:r>
+                  <a:rPr lang="en-US" altLang="zh-TW" dirty="0" smtClean="0">
+                    <a:solidFill>
+                      <a:schemeClr val="bg1"/>
+                    </a:solidFill>
+                  </a:rPr>
+                  <a:t>1</a:t>
+                </a:r>
+                <a:endParaRPr lang="zh-TW" altLang="en-US" dirty="0">
+                  <a:solidFill>
+                    <a:schemeClr val="bg1"/>
+                  </a:solidFill>
+                </a:endParaRPr>
+              </a:p>
+            </p:txBody>
+          </p:sp>
+        </p:grpSp>
+        <p:sp>
+          <p:nvSpPr>
+            <p:cNvPr id="19" name="文字方塊 18"/>
+            <p:cNvSpPr txBox="1"/>
+            <p:nvPr/>
+          </p:nvSpPr>
+          <p:spPr>
+            <a:xfrm>
+              <a:off x="1002382" y="1261102"/>
+              <a:ext cx="1207382" cy="461665"/>
+            </a:xfrm>
+            <a:prstGeom prst="rect">
+              <a:avLst/>
+            </a:prstGeom>
+            <a:noFill/>
+          </p:spPr>
+          <p:txBody>
+            <a:bodyPr wrap="none" rtlCol="0">
+              <a:spAutoFit/>
+            </a:bodyPr>
+            <a:lstStyle/>
+            <a:p>
+              <a:r>
+                <a:rPr lang="zh-TW" altLang="en-US" sz="2400" b="1" dirty="0" smtClean="0">
+                  <a:latin typeface="Adobe 楷体 Std R" pitchFamily="18" charset="-128"/>
+                  <a:ea typeface="Adobe 楷体 Std R" pitchFamily="18" charset="-128"/>
+                </a:rPr>
+                <a:t>程式碼</a:t>
+              </a:r>
+              <a:r>
+                <a:rPr lang="en-US" altLang="zh-TW" sz="2400" b="1" dirty="0" smtClean="0">
+                  <a:latin typeface="Adobe 楷体 Std R" pitchFamily="18" charset="-128"/>
+                  <a:ea typeface="Adobe 楷体 Std R" pitchFamily="18" charset="-128"/>
+                </a:rPr>
+                <a:t>:</a:t>
+              </a:r>
+              <a:endParaRPr lang="zh-TW" altLang="en-US" sz="2400" b="1" dirty="0">
+                <a:latin typeface="Adobe 楷体 Std R" pitchFamily="18" charset="-128"/>
+                <a:ea typeface="Adobe 楷体 Std R" pitchFamily="18" charset="-128"/>
+              </a:endParaRPr>
+            </a:p>
+          </p:txBody>
+        </p:sp>
+      </p:grpSp>
+      <p:grpSp>
+        <p:nvGrpSpPr>
+          <p:cNvPr id="24" name="群組 23"/>
+          <p:cNvGrpSpPr/>
+          <p:nvPr/>
+        </p:nvGrpSpPr>
+        <p:grpSpPr>
+          <a:xfrm>
+            <a:off x="2987824" y="1258091"/>
+            <a:ext cx="2237745" cy="467688"/>
+            <a:chOff x="603602" y="1261102"/>
+            <a:chExt cx="2237745" cy="467688"/>
+          </a:xfrm>
+        </p:grpSpPr>
+        <p:grpSp>
+          <p:nvGrpSpPr>
+            <p:cNvPr id="25" name="群組 24"/>
+            <p:cNvGrpSpPr/>
+            <p:nvPr/>
+          </p:nvGrpSpPr>
+          <p:grpSpPr>
+            <a:xfrm>
+              <a:off x="603602" y="1300222"/>
+              <a:ext cx="411480" cy="428568"/>
+              <a:chOff x="603602" y="1300222"/>
+              <a:chExt cx="411480" cy="428568"/>
+            </a:xfrm>
+          </p:grpSpPr>
+          <p:pic>
+            <p:nvPicPr>
+              <p:cNvPr id="27" name="图片 3"/>
+              <p:cNvPicPr>
+                <a:picLocks noChangeAspect="1"/>
+              </p:cNvPicPr>
+              <p:nvPr/>
+            </p:nvPicPr>
+            <p:blipFill>
+              <a:blip r:embed="rId2" cstate="email">
+                <a:extLst>
+                  <a:ext uri="{28A0092B-C50C-407E-A947-70E740481C1C}">
+                    <a14:useLocalDpi xmlns:a14="http://schemas.microsoft.com/office/drawing/2010/main" val="0"/>
+                  </a:ext>
+                </a:extLst>
+              </a:blip>
+              <a:stretch>
+                <a:fillRect/>
+              </a:stretch>
+            </p:blipFill>
+            <p:spPr>
+              <a:xfrm>
+                <a:off x="603602" y="1305880"/>
+                <a:ext cx="411480" cy="422910"/>
+              </a:xfrm>
+              <a:prstGeom prst="rect">
+                <a:avLst/>
+              </a:prstGeom>
+            </p:spPr>
+          </p:pic>
+          <p:sp>
+            <p:nvSpPr>
+              <p:cNvPr id="28" name="文字方塊 27"/>
+              <p:cNvSpPr txBox="1"/>
+              <p:nvPr/>
+            </p:nvSpPr>
+            <p:spPr>
+              <a:xfrm>
+                <a:off x="671514" y="1300222"/>
+                <a:ext cx="301686" cy="369332"/>
+              </a:xfrm>
+              <a:prstGeom prst="rect">
+                <a:avLst/>
+              </a:prstGeom>
+              <a:noFill/>
+            </p:spPr>
+            <p:txBody>
+              <a:bodyPr wrap="none" rtlCol="0">
+                <a:spAutoFit/>
+              </a:bodyPr>
+              <a:lstStyle/>
+              <a:p>
+                <a:r>
+                  <a:rPr lang="en-US" altLang="zh-TW" dirty="0" smtClean="0">
+                    <a:solidFill>
+                      <a:schemeClr val="bg1"/>
+                    </a:solidFill>
+                  </a:rPr>
+                  <a:t>2</a:t>
+                </a:r>
+                <a:endParaRPr lang="zh-TW" altLang="en-US" dirty="0">
+                  <a:solidFill>
+                    <a:schemeClr val="bg1"/>
+                  </a:solidFill>
+                </a:endParaRPr>
+              </a:p>
+            </p:txBody>
+          </p:sp>
+        </p:grpSp>
+        <p:sp>
+          <p:nvSpPr>
+            <p:cNvPr id="26" name="文字方塊 25"/>
+            <p:cNvSpPr txBox="1"/>
+            <p:nvPr/>
+          </p:nvSpPr>
+          <p:spPr>
+            <a:xfrm>
+              <a:off x="1002382" y="1261102"/>
+              <a:ext cx="1838965" cy="461665"/>
+            </a:xfrm>
+            <a:prstGeom prst="rect">
+              <a:avLst/>
+            </a:prstGeom>
+            <a:noFill/>
+          </p:spPr>
+          <p:txBody>
+            <a:bodyPr wrap="none" rtlCol="0">
+              <a:spAutoFit/>
+            </a:bodyPr>
+            <a:lstStyle/>
+            <a:p>
+              <a:r>
+                <a:rPr lang="zh-TW" altLang="en-US" sz="2400" b="1" dirty="0" smtClean="0">
+                  <a:latin typeface="Adobe 楷体 Std R" pitchFamily="18" charset="-128"/>
+                  <a:ea typeface="Adobe 楷体 Std R" pitchFamily="18" charset="-128"/>
+                </a:rPr>
+                <a:t>比對及渲染</a:t>
+              </a:r>
+              <a:r>
+                <a:rPr lang="en-US" altLang="zh-TW" sz="2400" b="1" dirty="0" smtClean="0">
+                  <a:latin typeface="Adobe 楷体 Std R" pitchFamily="18" charset="-128"/>
+                  <a:ea typeface="Adobe 楷体 Std R" pitchFamily="18" charset="-128"/>
+                </a:rPr>
+                <a:t>:</a:t>
+              </a:r>
+              <a:endParaRPr lang="zh-TW" altLang="en-US" sz="2400" b="1" dirty="0">
+                <a:latin typeface="Adobe 楷体 Std R" pitchFamily="18" charset="-128"/>
+                <a:ea typeface="Adobe 楷体 Std R" pitchFamily="18" charset="-128"/>
+              </a:endParaRPr>
+            </a:p>
+          </p:txBody>
+        </p:sp>
+      </p:grpSp>
+      <p:sp>
+        <p:nvSpPr>
+          <p:cNvPr id="21" name="文字方塊 20"/>
+          <p:cNvSpPr txBox="1"/>
+          <p:nvPr/>
+        </p:nvSpPr>
+        <p:spPr>
+          <a:xfrm>
+            <a:off x="3059832" y="1635646"/>
+            <a:ext cx="4326826" cy="584775"/>
+          </a:xfrm>
+          <a:prstGeom prst="rect">
+            <a:avLst/>
+          </a:prstGeom>
+          <a:noFill/>
+        </p:spPr>
+        <p:txBody>
+          <a:bodyPr wrap="none" rtlCol="0">
+            <a:spAutoFit/>
+          </a:bodyPr>
+          <a:lstStyle/>
+          <a:p>
+            <a:pPr marL="342900" indent="-342900">
+              <a:buFontTx/>
+              <a:buAutoNum type="alphaLcPeriod"/>
+            </a:pPr>
+            <a:r>
+              <a:rPr lang="zh-TW" altLang="en-US" sz="1600" dirty="0" smtClean="0">
+                <a:latin typeface="Adobe 楷体 Std R" pitchFamily="18" charset="-128"/>
+                <a:ea typeface="Adobe 楷体 Std R" pitchFamily="18" charset="-128"/>
+              </a:rPr>
+              <a:t>比對喜用神</a:t>
+            </a:r>
+            <a:r>
+              <a:rPr lang="en-US" altLang="zh-TW" sz="1600" dirty="0" smtClean="0">
+                <a:latin typeface="Adobe 楷体 Std R" pitchFamily="18" charset="-128"/>
+                <a:ea typeface="Adobe 楷体 Std R" pitchFamily="18" charset="-128"/>
+              </a:rPr>
+              <a:t>:</a:t>
+            </a:r>
+            <a:r>
+              <a:rPr lang="zh-TW" altLang="en-US" sz="1600" dirty="0" smtClean="0">
+                <a:latin typeface="Adobe 楷体 Std R" pitchFamily="18" charset="-128"/>
+                <a:ea typeface="Adobe 楷体 Std R" pitchFamily="18" charset="-128"/>
+              </a:rPr>
+              <a:t> </a:t>
+            </a:r>
+            <a:r>
+              <a:rPr lang="en-US" altLang="zh-TW" sz="1600" dirty="0">
+                <a:latin typeface="Adobe 楷体 Std R" pitchFamily="18" charset="-128"/>
+                <a:ea typeface="Adobe 楷体 Std R" pitchFamily="18" charset="-128"/>
+              </a:rPr>
+              <a:t>[“</a:t>
+            </a:r>
+            <a:r>
+              <a:rPr lang="zh-TW" altLang="en-US" sz="1600" dirty="0">
+                <a:latin typeface="Adobe 楷体 Std R" pitchFamily="18" charset="-128"/>
+                <a:ea typeface="Adobe 楷体 Std R" pitchFamily="18" charset="-128"/>
+              </a:rPr>
+              <a:t>水</a:t>
+            </a:r>
+            <a:r>
+              <a:rPr lang="en-US" altLang="zh-TW" sz="1600" dirty="0">
+                <a:latin typeface="Adobe 楷体 Std R" pitchFamily="18" charset="-128"/>
+                <a:ea typeface="Adobe 楷体 Std R" pitchFamily="18" charset="-128"/>
+              </a:rPr>
+              <a:t>”,”</a:t>
+            </a:r>
+            <a:r>
+              <a:rPr lang="zh-TW" altLang="en-US" sz="1600" dirty="0">
+                <a:latin typeface="Adobe 楷体 Std R" pitchFamily="18" charset="-128"/>
+                <a:ea typeface="Adobe 楷体 Std R" pitchFamily="18" charset="-128"/>
+              </a:rPr>
+              <a:t>金</a:t>
+            </a:r>
+            <a:r>
+              <a:rPr lang="en-US" altLang="zh-TW" sz="1600" dirty="0">
+                <a:latin typeface="Adobe 楷体 Std R" pitchFamily="18" charset="-128"/>
+                <a:ea typeface="Adobe 楷体 Std R" pitchFamily="18" charset="-128"/>
+              </a:rPr>
+              <a:t>”, “</a:t>
+            </a:r>
+            <a:r>
+              <a:rPr lang="zh-TW" altLang="en-US" sz="1600" dirty="0">
+                <a:latin typeface="Adobe 楷体 Std R" pitchFamily="18" charset="-128"/>
+                <a:ea typeface="Adobe 楷体 Std R" pitchFamily="18" charset="-128"/>
+              </a:rPr>
+              <a:t>土</a:t>
+            </a:r>
+            <a:r>
+              <a:rPr lang="en-US" altLang="zh-TW" sz="1600" dirty="0">
+                <a:latin typeface="Adobe 楷体 Std R" pitchFamily="18" charset="-128"/>
+                <a:ea typeface="Adobe 楷体 Std R" pitchFamily="18" charset="-128"/>
+              </a:rPr>
+              <a:t>”]...</a:t>
+            </a:r>
+            <a:r>
+              <a:rPr lang="zh-TW" altLang="en-US" sz="1600" dirty="0" smtClean="0">
+                <a:latin typeface="Adobe 楷体 Std R" pitchFamily="18" charset="-128"/>
+                <a:ea typeface="Adobe 楷体 Std R" pitchFamily="18" charset="-128"/>
+              </a:rPr>
+              <a:t>等</a:t>
+            </a:r>
+            <a:r>
+              <a:rPr lang="zh-TW" altLang="en-US" sz="1600" dirty="0">
+                <a:latin typeface="Adobe 楷体 Std R" pitchFamily="18" charset="-128"/>
+                <a:ea typeface="Adobe 楷体 Std R" pitchFamily="18" charset="-128"/>
+              </a:rPr>
+              <a:t>。</a:t>
+            </a:r>
+            <a:endParaRPr lang="en-US" altLang="zh-TW" sz="1600" dirty="0" smtClean="0">
+              <a:latin typeface="Adobe 楷体 Std R" pitchFamily="18" charset="-128"/>
+              <a:ea typeface="Adobe 楷体 Std R" pitchFamily="18" charset="-128"/>
+            </a:endParaRPr>
+          </a:p>
+          <a:p>
+            <a:pPr marL="342900" indent="-342900">
+              <a:buFontTx/>
+              <a:buAutoNum type="alphaLcPeriod"/>
+            </a:pPr>
+            <a:r>
+              <a:rPr lang="zh-TW" altLang="en-US" sz="1600" dirty="0" smtClean="0">
+                <a:latin typeface="Adobe 楷体 Std R" pitchFamily="18" charset="-128"/>
+                <a:ea typeface="Adobe 楷体 Std R" pitchFamily="18" charset="-128"/>
+              </a:rPr>
+              <a:t>比對</a:t>
+            </a:r>
+            <a:r>
+              <a:rPr lang="zh-TW" altLang="en-US" sz="1600" dirty="0">
+                <a:latin typeface="Adobe 楷体 Std R" pitchFamily="18" charset="-128"/>
+                <a:ea typeface="Adobe 楷体 Std R" pitchFamily="18" charset="-128"/>
+              </a:rPr>
+              <a:t>股票代號</a:t>
+            </a:r>
+            <a:r>
+              <a:rPr lang="en-US" altLang="zh-TW" sz="1600" dirty="0" smtClean="0">
+                <a:latin typeface="Adobe 楷体 Std R" pitchFamily="18" charset="-128"/>
+                <a:ea typeface="Adobe 楷体 Std R" pitchFamily="18" charset="-128"/>
+              </a:rPr>
+              <a:t>:</a:t>
+            </a:r>
+            <a:r>
+              <a:rPr lang="zh-TW" altLang="en-US" sz="1600" dirty="0" smtClean="0">
+                <a:latin typeface="Adobe 楷体 Std R" pitchFamily="18" charset="-128"/>
+                <a:ea typeface="Adobe 楷体 Std R" pitchFamily="18" charset="-128"/>
+              </a:rPr>
+              <a:t> </a:t>
+            </a:r>
+            <a:r>
+              <a:rPr lang="en-US" altLang="zh-TW" sz="1600" dirty="0">
+                <a:latin typeface="Adobe 楷体 Std R" pitchFamily="18" charset="-128"/>
+                <a:ea typeface="Adobe 楷体 Std R" pitchFamily="18" charset="-128"/>
+              </a:rPr>
+              <a:t>2453...</a:t>
+            </a:r>
+            <a:r>
+              <a:rPr lang="zh-TW" altLang="en-US" sz="1600" dirty="0">
+                <a:latin typeface="Adobe 楷体 Std R" pitchFamily="18" charset="-128"/>
+                <a:ea typeface="Adobe 楷体 Std R" pitchFamily="18" charset="-128"/>
+              </a:rPr>
+              <a:t>等</a:t>
+            </a:r>
+            <a:r>
+              <a:rPr lang="zh-TW" altLang="en-US" sz="1600" dirty="0" smtClean="0">
+                <a:latin typeface="Adobe 楷体 Std R" pitchFamily="18" charset="-128"/>
+                <a:ea typeface="Adobe 楷体 Std R" pitchFamily="18" charset="-128"/>
+              </a:rPr>
+              <a:t>。</a:t>
+            </a:r>
+            <a:endParaRPr lang="en-US" altLang="zh-TW" sz="1600" dirty="0" smtClean="0">
+              <a:latin typeface="Adobe 楷体 Std R" pitchFamily="18" charset="-128"/>
+              <a:ea typeface="Adobe 楷体 Std R" pitchFamily="18" charset="-128"/>
+            </a:endParaRPr>
+          </a:p>
+        </p:txBody>
+      </p:sp>
+      <p:sp>
+        <p:nvSpPr>
+          <p:cNvPr id="46" name="文字方塊 45"/>
+          <p:cNvSpPr txBox="1"/>
+          <p:nvPr/>
+        </p:nvSpPr>
+        <p:spPr>
+          <a:xfrm>
+            <a:off x="7757156" y="3341503"/>
+            <a:ext cx="271228" cy="276999"/>
+          </a:xfrm>
+          <a:prstGeom prst="rect">
+            <a:avLst/>
+          </a:prstGeom>
+          <a:noFill/>
+        </p:spPr>
+        <p:txBody>
+          <a:bodyPr wrap="none" rtlCol="0">
+            <a:spAutoFit/>
+          </a:bodyPr>
+          <a:lstStyle/>
+          <a:p>
+            <a:r>
+              <a:rPr lang="en-US" altLang="zh-TW" sz="1200" dirty="0" smtClean="0">
+                <a:solidFill>
+                  <a:srgbClr val="FF0000"/>
+                </a:solidFill>
+                <a:latin typeface="Adobe 楷体 Std R" pitchFamily="18" charset="-128"/>
+                <a:ea typeface="Adobe 楷体 Std R" pitchFamily="18" charset="-128"/>
+              </a:rPr>
+              <a:t>b</a:t>
+            </a:r>
+            <a:endParaRPr lang="zh-TW" altLang="en-US" sz="1200" dirty="0">
+              <a:solidFill>
+                <a:srgbClr val="FF0000"/>
+              </a:solidFill>
+              <a:latin typeface="Adobe 楷体 Std R" pitchFamily="18" charset="-128"/>
+              <a:ea typeface="Adobe 楷体 Std R" pitchFamily="18" charset="-128"/>
+            </a:endParaRPr>
+          </a:p>
+        </p:txBody>
+      </p:sp>
+      <p:sp>
+        <p:nvSpPr>
+          <p:cNvPr id="31" name="文字方塊 30"/>
+          <p:cNvSpPr txBox="1"/>
+          <p:nvPr/>
+        </p:nvSpPr>
+        <p:spPr>
+          <a:xfrm>
+            <a:off x="689470" y="1717102"/>
+            <a:ext cx="2331087" cy="1815882"/>
+          </a:xfrm>
+          <a:prstGeom prst="rect">
+            <a:avLst/>
+          </a:prstGeom>
+          <a:noFill/>
+        </p:spPr>
+        <p:txBody>
+          <a:bodyPr wrap="square" rtlCol="0">
+            <a:spAutoFit/>
+          </a:bodyPr>
+          <a:lstStyle/>
+          <a:p>
+            <a:pPr algn="just"/>
+            <a:r>
+              <a:rPr lang="zh-TW" altLang="en-US" sz="1600" dirty="0" smtClean="0">
+                <a:latin typeface="Adobe 楷体 Std R" pitchFamily="18" charset="-128"/>
+                <a:ea typeface="Adobe 楷体 Std R" pitchFamily="18" charset="-128"/>
+              </a:rPr>
+              <a:t>依</a:t>
+            </a:r>
+            <a:r>
+              <a:rPr lang="en-US" altLang="zh-TW" sz="1600" dirty="0">
+                <a:solidFill>
+                  <a:srgbClr val="0000CC"/>
+                </a:solidFill>
+                <a:latin typeface="Adobe 楷体 Std R" pitchFamily="18" charset="-128"/>
+                <a:ea typeface="Adobe 楷体 Std R" pitchFamily="18" charset="-128"/>
+              </a:rPr>
+              <a:t>Firebase</a:t>
+            </a:r>
+            <a:r>
+              <a:rPr lang="en-US" altLang="zh-TW" sz="1600" dirty="0">
+                <a:latin typeface="Adobe 楷体 Std R" pitchFamily="18" charset="-128"/>
+                <a:ea typeface="Adobe 楷体 Std R" pitchFamily="18" charset="-128"/>
+              </a:rPr>
+              <a:t> </a:t>
+            </a:r>
+            <a:r>
+              <a:rPr lang="zh-TW" altLang="en-US" sz="1600" dirty="0">
+                <a:latin typeface="Adobe 楷体 Std R" pitchFamily="18" charset="-128"/>
+                <a:ea typeface="Adobe 楷体 Std R" pitchFamily="18" charset="-128"/>
+              </a:rPr>
+              <a:t>雲端</a:t>
+            </a:r>
+            <a:r>
+              <a:rPr lang="zh-TW" altLang="en-US" sz="1600" dirty="0" smtClean="0">
+                <a:latin typeface="Adobe 楷体 Std R" pitchFamily="18" charset="-128"/>
+                <a:ea typeface="Adobe 楷体 Std R" pitchFamily="18" charset="-128"/>
+              </a:rPr>
+              <a:t>資料庫的使用者和公司資料</a:t>
+            </a:r>
+            <a:r>
+              <a:rPr lang="zh-TW" altLang="en-US" sz="1600" dirty="0" smtClean="0">
+                <a:solidFill>
+                  <a:srgbClr val="0000CC"/>
+                </a:solidFill>
+                <a:latin typeface="Adobe 楷体 Std R" pitchFamily="18" charset="-128"/>
+                <a:ea typeface="Adobe 楷体 Std R" pitchFamily="18" charset="-128"/>
+              </a:rPr>
+              <a:t>依</a:t>
+            </a:r>
+            <a:r>
+              <a:rPr lang="en-US" altLang="zh-TW" sz="1600" dirty="0" smtClean="0">
+                <a:solidFill>
+                  <a:srgbClr val="0000CC"/>
+                </a:solidFill>
+                <a:latin typeface="Adobe 楷体 Std R" pitchFamily="18" charset="-128"/>
+                <a:ea typeface="Adobe 楷体 Std R" pitchFamily="18" charset="-128"/>
+              </a:rPr>
+              <a:t>”</a:t>
+            </a:r>
+            <a:r>
+              <a:rPr lang="zh-TW" altLang="en-US" sz="1600" dirty="0" smtClean="0">
+                <a:solidFill>
+                  <a:srgbClr val="0000CC"/>
+                </a:solidFill>
+                <a:latin typeface="Adobe 楷体 Std R" pitchFamily="18" charset="-128"/>
+                <a:ea typeface="Adobe 楷体 Std R" pitchFamily="18" charset="-128"/>
+              </a:rPr>
+              <a:t>喜用神</a:t>
+            </a:r>
+            <a:r>
+              <a:rPr lang="en-US" altLang="zh-TW" sz="1600" dirty="0" smtClean="0">
+                <a:solidFill>
+                  <a:srgbClr val="0000CC"/>
+                </a:solidFill>
+                <a:latin typeface="Adobe 楷体 Std R" pitchFamily="18" charset="-128"/>
+                <a:ea typeface="Adobe 楷体 Std R" pitchFamily="18" charset="-128"/>
+              </a:rPr>
+              <a:t>”</a:t>
+            </a:r>
+            <a:r>
+              <a:rPr lang="zh-TW" altLang="en-US" sz="1600" dirty="0" smtClean="0">
+                <a:solidFill>
+                  <a:srgbClr val="0000CC"/>
+                </a:solidFill>
+                <a:latin typeface="Adobe 楷体 Std R" pitchFamily="18" charset="-128"/>
+                <a:ea typeface="Adobe 楷体 Std R" pitchFamily="18" charset="-128"/>
+              </a:rPr>
+              <a:t>為關聯鍵</a:t>
+            </a:r>
+            <a:r>
+              <a:rPr lang="en-US" altLang="zh-TW" sz="1600" dirty="0" smtClean="0">
+                <a:latin typeface="Adobe 楷体 Std R" pitchFamily="18" charset="-128"/>
+                <a:ea typeface="Adobe 楷体 Std R" pitchFamily="18" charset="-128"/>
+              </a:rPr>
+              <a:t>,</a:t>
+            </a:r>
+            <a:r>
+              <a:rPr lang="zh-TW" altLang="en-US" sz="1600" dirty="0" smtClean="0">
+                <a:latin typeface="Adobe 楷体 Std R" pitchFamily="18" charset="-128"/>
+                <a:ea typeface="Adobe 楷体 Std R" pitchFamily="18" charset="-128"/>
+              </a:rPr>
+              <a:t> 及公司資料和</a:t>
+            </a:r>
+            <a:r>
+              <a:rPr lang="en-US" altLang="zh-TW" sz="1600" dirty="0" smtClean="0">
+                <a:latin typeface="Adobe 楷体 Std R" pitchFamily="18" charset="-128"/>
+                <a:ea typeface="Adobe 楷体 Std R" pitchFamily="18" charset="-128"/>
+              </a:rPr>
+              <a:t>ROE</a:t>
+            </a:r>
+            <a:r>
+              <a:rPr lang="zh-TW" altLang="en-US" sz="1600" dirty="0" smtClean="0">
+                <a:latin typeface="Adobe 楷体 Std R" pitchFamily="18" charset="-128"/>
+                <a:ea typeface="Adobe 楷体 Std R" pitchFamily="18" charset="-128"/>
+              </a:rPr>
+              <a:t>累季</a:t>
+            </a:r>
+            <a:r>
+              <a:rPr lang="zh-TW" altLang="en-US" sz="1600" dirty="0">
+                <a:solidFill>
+                  <a:srgbClr val="0000CC"/>
+                </a:solidFill>
+                <a:latin typeface="Adobe 楷体 Std R" pitchFamily="18" charset="-128"/>
+                <a:ea typeface="Adobe 楷体 Std R" pitchFamily="18" charset="-128"/>
+              </a:rPr>
+              <a:t>依</a:t>
+            </a:r>
+            <a:r>
+              <a:rPr lang="en-US" altLang="zh-TW" sz="1600" dirty="0" smtClean="0">
+                <a:solidFill>
+                  <a:srgbClr val="0000CC"/>
+                </a:solidFill>
+                <a:latin typeface="Adobe 楷体 Std R" pitchFamily="18" charset="-128"/>
+                <a:ea typeface="Adobe 楷体 Std R" pitchFamily="18" charset="-128"/>
+              </a:rPr>
+              <a:t>”</a:t>
+            </a:r>
+            <a:r>
+              <a:rPr lang="zh-TW" altLang="en-US" sz="1600" dirty="0">
+                <a:solidFill>
+                  <a:srgbClr val="0000CC"/>
+                </a:solidFill>
+                <a:latin typeface="Adobe 楷体 Std R" pitchFamily="18" charset="-128"/>
+                <a:ea typeface="Adobe 楷体 Std R" pitchFamily="18" charset="-128"/>
+              </a:rPr>
+              <a:t>股票代號</a:t>
+            </a:r>
+            <a:r>
+              <a:rPr lang="en-US" altLang="zh-TW" sz="1600" dirty="0" smtClean="0">
+                <a:solidFill>
+                  <a:srgbClr val="0000CC"/>
+                </a:solidFill>
+                <a:latin typeface="Adobe 楷体 Std R" pitchFamily="18" charset="-128"/>
+                <a:ea typeface="Adobe 楷体 Std R" pitchFamily="18" charset="-128"/>
+              </a:rPr>
+              <a:t>”</a:t>
+            </a:r>
+            <a:r>
+              <a:rPr lang="zh-TW" altLang="en-US" sz="1600" dirty="0">
+                <a:solidFill>
+                  <a:srgbClr val="0000CC"/>
+                </a:solidFill>
+                <a:latin typeface="Adobe 楷体 Std R" pitchFamily="18" charset="-128"/>
+                <a:ea typeface="Adobe 楷体 Std R" pitchFamily="18" charset="-128"/>
+              </a:rPr>
+              <a:t>為關聯鍵</a:t>
+            </a:r>
+            <a:r>
+              <a:rPr lang="en-US" altLang="zh-TW" sz="1600" dirty="0">
+                <a:latin typeface="Adobe 楷体 Std R" pitchFamily="18" charset="-128"/>
+                <a:ea typeface="Adobe 楷体 Std R" pitchFamily="18" charset="-128"/>
+              </a:rPr>
+              <a:t>,</a:t>
+            </a:r>
+            <a:r>
+              <a:rPr lang="zh-TW" altLang="en-US" sz="1600" dirty="0" smtClean="0">
+                <a:latin typeface="Adobe 楷体 Std R" pitchFamily="18" charset="-128"/>
+                <a:ea typeface="Adobe 楷体 Std R" pitchFamily="18" charset="-128"/>
+              </a:rPr>
+              <a:t>匯入公司相關資料並渲染至網頁。</a:t>
+            </a:r>
+            <a:endParaRPr lang="en-US" altLang="zh-TW" sz="1600" dirty="0">
+              <a:latin typeface="Adobe 楷体 Std R" pitchFamily="18" charset="-128"/>
+              <a:ea typeface="Adobe 楷体 Std R" pitchFamily="18" charset="-128"/>
+            </a:endParaRPr>
+          </a:p>
+        </p:txBody>
+      </p:sp>
+      <p:sp>
+        <p:nvSpPr>
+          <p:cNvPr id="37" name="矩形 36"/>
+          <p:cNvSpPr/>
+          <p:nvPr/>
+        </p:nvSpPr>
+        <p:spPr>
+          <a:xfrm>
+            <a:off x="3429132" y="3554240"/>
+            <a:ext cx="2655036" cy="457670"/>
+          </a:xfrm>
+          <a:prstGeom prst="rect">
+            <a:avLst/>
+          </a:prstGeom>
+          <a:noFill/>
+          <a:ln>
+            <a:solidFill>
+              <a:srgbClr val="FF0000"/>
+            </a:solidFill>
+          </a:ln>
+        </p:spPr>
+        <p:style>
+          <a:lnRef idx="2">
+            <a:schemeClr val="accent1">
+              <a:shade val="50000"/>
+            </a:schemeClr>
+          </a:lnRef>
+          <a:fillRef idx="1">
+            <a:schemeClr val="accent1"/>
+          </a:fillRef>
+          <a:effectRef idx="0">
+            <a:schemeClr val="accent1"/>
+          </a:effectRef>
+          <a:fontRef idx="minor">
+            <a:schemeClr val="lt1"/>
+          </a:fontRef>
+        </p:style>
+        <p:txBody>
+          <a:bodyPr rtlCol="0" anchor="ctr"/>
+          <a:lstStyle/>
+          <a:p>
+            <a:pPr algn="ctr"/>
+            <a:endParaRPr lang="zh-TW" altLang="en-US"/>
+          </a:p>
+        </p:txBody>
+      </p:sp>
+      <p:sp>
+        <p:nvSpPr>
+          <p:cNvPr id="38" name="文字方塊 37"/>
+          <p:cNvSpPr txBox="1"/>
+          <p:nvPr/>
+        </p:nvSpPr>
+        <p:spPr>
+          <a:xfrm>
+            <a:off x="4644008" y="3341504"/>
+            <a:ext cx="263214" cy="276999"/>
+          </a:xfrm>
+          <a:prstGeom prst="rect">
+            <a:avLst/>
+          </a:prstGeom>
+          <a:noFill/>
+        </p:spPr>
+        <p:txBody>
+          <a:bodyPr wrap="none" rtlCol="0">
+            <a:spAutoFit/>
+          </a:bodyPr>
+          <a:lstStyle/>
+          <a:p>
+            <a:r>
+              <a:rPr lang="en-US" altLang="zh-TW" sz="1200" dirty="0" smtClean="0">
+                <a:solidFill>
+                  <a:srgbClr val="FF0000"/>
+                </a:solidFill>
+                <a:latin typeface="Adobe 楷体 Std R" pitchFamily="18" charset="-128"/>
+                <a:ea typeface="Adobe 楷体 Std R" pitchFamily="18" charset="-128"/>
+              </a:rPr>
+              <a:t>a</a:t>
+            </a:r>
+            <a:endParaRPr lang="zh-TW" altLang="en-US" sz="1200" dirty="0">
+              <a:solidFill>
+                <a:srgbClr val="FF0000"/>
+              </a:solidFill>
+              <a:latin typeface="Adobe 楷体 Std R" pitchFamily="18" charset="-128"/>
+              <a:ea typeface="Adobe 楷体 Std R" pitchFamily="18" charset="-128"/>
+            </a:endParaRPr>
+          </a:p>
+        </p:txBody>
+      </p:sp>
+      <p:sp>
+        <p:nvSpPr>
+          <p:cNvPr id="41" name="文字方塊 40"/>
+          <p:cNvSpPr txBox="1"/>
+          <p:nvPr/>
+        </p:nvSpPr>
+        <p:spPr>
+          <a:xfrm>
+            <a:off x="411883" y="3522871"/>
+            <a:ext cx="987771" cy="276999"/>
+          </a:xfrm>
+          <a:prstGeom prst="rect">
+            <a:avLst/>
+          </a:prstGeom>
+          <a:noFill/>
+        </p:spPr>
+        <p:txBody>
+          <a:bodyPr wrap="none" rtlCol="0">
+            <a:spAutoFit/>
+          </a:bodyPr>
+          <a:lstStyle/>
+          <a:p>
+            <a:r>
+              <a:rPr lang="zh-TW" altLang="en-US" sz="1200" dirty="0" smtClean="0">
+                <a:solidFill>
+                  <a:srgbClr val="0000CC"/>
+                </a:solidFill>
+                <a:latin typeface="Adobe 楷体 Std R" pitchFamily="18" charset="-128"/>
+                <a:ea typeface="Adobe 楷体 Std R" pitchFamily="18" charset="-128"/>
+              </a:rPr>
+              <a:t>喜用神比對</a:t>
+            </a:r>
+            <a:r>
+              <a:rPr lang="en-US" altLang="zh-TW" sz="1200" dirty="0" smtClean="0">
+                <a:solidFill>
+                  <a:srgbClr val="0000CC"/>
+                </a:solidFill>
+                <a:latin typeface="Adobe 楷体 Std R" pitchFamily="18" charset="-128"/>
+                <a:ea typeface="Adobe 楷体 Std R" pitchFamily="18" charset="-128"/>
+              </a:rPr>
+              <a:t>:</a:t>
+            </a:r>
+            <a:endParaRPr lang="zh-TW" altLang="en-US" sz="1200" dirty="0">
+              <a:solidFill>
+                <a:srgbClr val="0000CC"/>
+              </a:solidFill>
+              <a:latin typeface="Adobe 楷体 Std R" pitchFamily="18" charset="-128"/>
+              <a:ea typeface="Adobe 楷体 Std R" pitchFamily="18" charset="-128"/>
+            </a:endParaRPr>
+          </a:p>
+        </p:txBody>
+      </p:sp>
+      <p:sp>
+        <p:nvSpPr>
+          <p:cNvPr id="43" name="文字方塊 42"/>
+          <p:cNvSpPr txBox="1"/>
+          <p:nvPr/>
+        </p:nvSpPr>
+        <p:spPr>
+          <a:xfrm>
+            <a:off x="2023304" y="3532984"/>
+            <a:ext cx="1141659" cy="276999"/>
+          </a:xfrm>
+          <a:prstGeom prst="rect">
+            <a:avLst/>
+          </a:prstGeom>
+          <a:noFill/>
+        </p:spPr>
+        <p:txBody>
+          <a:bodyPr wrap="none" rtlCol="0">
+            <a:spAutoFit/>
+          </a:bodyPr>
+          <a:lstStyle/>
+          <a:p>
+            <a:r>
+              <a:rPr lang="zh-TW" altLang="en-US" sz="1200" dirty="0" smtClean="0">
+                <a:solidFill>
+                  <a:srgbClr val="0000CC"/>
+                </a:solidFill>
+                <a:latin typeface="Adobe 楷体 Std R" pitchFamily="18" charset="-128"/>
+                <a:ea typeface="Adobe 楷体 Std R" pitchFamily="18" charset="-128"/>
+              </a:rPr>
+              <a:t>股票代號比對</a:t>
+            </a:r>
+            <a:r>
+              <a:rPr lang="en-US" altLang="zh-TW" sz="1200" dirty="0" smtClean="0">
+                <a:solidFill>
+                  <a:srgbClr val="0000CC"/>
+                </a:solidFill>
+                <a:latin typeface="Adobe 楷体 Std R" pitchFamily="18" charset="-128"/>
+                <a:ea typeface="Adobe 楷体 Std R" pitchFamily="18" charset="-128"/>
+              </a:rPr>
+              <a:t>:</a:t>
+            </a:r>
+            <a:endParaRPr lang="zh-TW" altLang="en-US" sz="1200" dirty="0">
+              <a:solidFill>
+                <a:srgbClr val="0000CC"/>
+              </a:solidFill>
+              <a:latin typeface="Adobe 楷体 Std R" pitchFamily="18" charset="-128"/>
+              <a:ea typeface="Adobe 楷体 Std R" pitchFamily="18" charset="-128"/>
+            </a:endParaRPr>
+          </a:p>
+        </p:txBody>
+      </p:sp>
+      <p:sp>
+        <p:nvSpPr>
+          <p:cNvPr id="35" name="矩形 34"/>
+          <p:cNvSpPr/>
+          <p:nvPr/>
+        </p:nvSpPr>
+        <p:spPr>
+          <a:xfrm>
+            <a:off x="6355396" y="3556606"/>
+            <a:ext cx="2655036" cy="455304"/>
+          </a:xfrm>
+          <a:prstGeom prst="rect">
+            <a:avLst/>
+          </a:prstGeom>
+          <a:noFill/>
+          <a:ln>
+            <a:solidFill>
+              <a:srgbClr val="FF0000"/>
+            </a:solidFill>
+          </a:ln>
+        </p:spPr>
+        <p:style>
+          <a:lnRef idx="2">
+            <a:schemeClr val="accent1">
+              <a:shade val="50000"/>
+            </a:schemeClr>
+          </a:lnRef>
+          <a:fillRef idx="1">
+            <a:schemeClr val="accent1"/>
+          </a:fillRef>
+          <a:effectRef idx="0">
+            <a:schemeClr val="accent1"/>
+          </a:effectRef>
+          <a:fontRef idx="minor">
+            <a:schemeClr val="lt1"/>
+          </a:fontRef>
+        </p:style>
+        <p:txBody>
+          <a:bodyPr rtlCol="0" anchor="ctr"/>
+          <a:lstStyle/>
+          <a:p>
+            <a:pPr algn="ctr"/>
+            <a:endParaRPr lang="zh-TW" altLang="en-US"/>
+          </a:p>
+        </p:txBody>
+      </p:sp>
+    </p:spTree>
+    <p:extLst>
+      <p:ext uri="{BB962C8B-B14F-4D97-AF65-F5344CB8AC3E}">
+        <p14:creationId xmlns:p14="http://schemas.microsoft.com/office/powerpoint/2010/main" val="2031728776"/>
+      </p:ext>
+    </p:extLst>
+  </p:cSld>
+  <p:clrMapOvr>
+    <a:masterClrMapping/>
+  </p:clrMapOvr>
+  <p:timing>
+    <p:tnLst>
+      <p:par>
+        <p:cTn id="1" dur="indefinite" restart="never" nodeType="tmRoot"/>
+      </p:par>
+    </p:tnLst>
+  </p:timing>
+</p:sld>
+</file>
+
+<file path=ppt/slides/slide15.xml><?xml version="1.0" encoding="utf-8"?>
+<p:sld xmlns:a="http://schemas.openxmlformats.org/drawingml/2006/main" xmlns:r="http://schemas.openxmlformats.org/officeDocument/2006/relationships" xmlns:p="http://schemas.openxmlformats.org/presentationml/2006/main">
+  <p:cSld>
+    <p:spTree>
+      <p:nvGrpSpPr>
+        <p:cNvPr id="1" name=""/>
+        <p:cNvGrpSpPr/>
+        <p:nvPr/>
+      </p:nvGrpSpPr>
+      <p:grpSpPr>
+        <a:xfrm>
+          <a:off x="0" y="0"/>
+          <a:ext cx="0" cy="0"/>
+          <a:chOff x="0" y="0"/>
+          <a:chExt cx="0" cy="0"/>
+        </a:xfrm>
+      </p:grpSpPr>
+      <p:grpSp>
+        <p:nvGrpSpPr>
+          <p:cNvPr id="16" name="群組 15"/>
+          <p:cNvGrpSpPr/>
+          <p:nvPr/>
+        </p:nvGrpSpPr>
+        <p:grpSpPr>
+          <a:xfrm>
+            <a:off x="539552" y="555526"/>
+            <a:ext cx="8226660" cy="705664"/>
+            <a:chOff x="539552" y="555526"/>
+            <a:chExt cx="8226660" cy="705664"/>
+          </a:xfrm>
+        </p:grpSpPr>
+        <p:pic>
+          <p:nvPicPr>
+            <p:cNvPr id="11" name="图片 3"/>
+            <p:cNvPicPr>
+              <a:picLocks noChangeAspect="1"/>
+            </p:cNvPicPr>
+            <p:nvPr/>
+          </p:nvPicPr>
+          <p:blipFill>
+            <a:blip r:embed="rId2" cstate="email">
+              <a:extLst>
+                <a:ext uri="{28A0092B-C50C-407E-A947-70E740481C1C}">
+                  <a14:useLocalDpi xmlns:a14="http://schemas.microsoft.com/office/drawing/2010/main" val="0"/>
+                </a:ext>
+              </a:extLst>
+            </a:blip>
+            <a:stretch>
+              <a:fillRect/>
+            </a:stretch>
+          </p:blipFill>
+          <p:spPr>
+            <a:xfrm>
+              <a:off x="539552" y="555526"/>
+              <a:ext cx="684076" cy="705664"/>
+            </a:xfrm>
+            <a:prstGeom prst="rect">
+              <a:avLst/>
+            </a:prstGeom>
+          </p:spPr>
+        </p:pic>
+        <p:sp>
+          <p:nvSpPr>
+            <p:cNvPr id="12" name="TextBox 5"/>
+            <p:cNvSpPr txBox="1"/>
+            <p:nvPr/>
+          </p:nvSpPr>
+          <p:spPr>
+            <a:xfrm>
+              <a:off x="603602" y="627533"/>
+              <a:ext cx="576064" cy="461665"/>
+            </a:xfrm>
+            <a:prstGeom prst="rect">
+              <a:avLst/>
+            </a:prstGeom>
+            <a:noFill/>
+          </p:spPr>
+          <p:txBody>
+            <a:bodyPr wrap="square" rtlCol="0">
+              <a:spAutoFit/>
+            </a:bodyPr>
+            <a:lstStyle/>
+            <a:p>
+              <a:pPr algn="ctr"/>
+              <a:r>
+                <a:rPr lang="zh-TW" altLang="en-US" sz="2400" dirty="0" smtClean="0">
+                  <a:solidFill>
+                    <a:schemeClr val="bg1"/>
+                  </a:solidFill>
+                  <a:latin typeface="华文隶书" pitchFamily="2" charset="-122"/>
+                  <a:ea typeface="华文隶书" pitchFamily="2" charset="-122"/>
+                </a:rPr>
+                <a:t>九</a:t>
+              </a:r>
+              <a:endParaRPr lang="zh-CN" altLang="en-US" sz="2400" dirty="0">
+                <a:solidFill>
+                  <a:schemeClr val="bg1"/>
+                </a:solidFill>
+                <a:latin typeface="华文隶书" pitchFamily="2" charset="-122"/>
+                <a:ea typeface="华文隶书" pitchFamily="2" charset="-122"/>
+              </a:endParaRPr>
+            </a:p>
+          </p:txBody>
+        </p:sp>
+        <p:sp>
+          <p:nvSpPr>
+            <p:cNvPr id="10" name="TextBox 6"/>
+            <p:cNvSpPr txBox="1"/>
+            <p:nvPr/>
+          </p:nvSpPr>
+          <p:spPr>
+            <a:xfrm>
+              <a:off x="1187624" y="627533"/>
+              <a:ext cx="7578588" cy="523220"/>
+            </a:xfrm>
+            <a:prstGeom prst="rect">
+              <a:avLst/>
+            </a:prstGeom>
+            <a:noFill/>
+          </p:spPr>
+          <p:txBody>
+            <a:bodyPr wrap="square" rtlCol="0">
+              <a:spAutoFit/>
+            </a:bodyPr>
+            <a:lstStyle/>
+            <a:p>
+              <a:r>
+                <a:rPr lang="zh-TW" altLang="en-US" sz="2800" b="1" dirty="0" smtClean="0">
+                  <a:latin typeface="Adobe 楷体 Std R" pitchFamily="18" charset="-128"/>
+                  <a:ea typeface="Adobe 楷体 Std R" pitchFamily="18" charset="-128"/>
+                </a:rPr>
+                <a:t>使用者透過</a:t>
+              </a:r>
+              <a:r>
+                <a:rPr lang="en-US" altLang="zh-TW" sz="2800" b="1" dirty="0" smtClean="0">
+                  <a:solidFill>
+                    <a:srgbClr val="0000CC"/>
+                  </a:solidFill>
+                  <a:latin typeface="Adobe 楷体 Std R" pitchFamily="18" charset="-128"/>
+                  <a:ea typeface="Adobe 楷体 Std R" pitchFamily="18" charset="-128"/>
+                </a:rPr>
+                <a:t>Firebase</a:t>
+              </a:r>
+              <a:r>
+                <a:rPr lang="zh-TW" altLang="en-US" sz="2800" b="1" dirty="0" smtClean="0">
+                  <a:latin typeface="Adobe 楷体 Std R" pitchFamily="18" charset="-128"/>
+                  <a:ea typeface="Adobe 楷体 Std R" pitchFamily="18" charset="-128"/>
+                </a:rPr>
+                <a:t>登出及確認規則</a:t>
+              </a:r>
+              <a:r>
+                <a:rPr lang="en-US" altLang="zh-TW" sz="2800" b="1" dirty="0" smtClean="0">
+                  <a:latin typeface="Adobe 楷体 Std R" pitchFamily="18" charset="-128"/>
+                  <a:ea typeface="Adobe 楷体 Std R" pitchFamily="18" charset="-128"/>
+                </a:rPr>
+                <a:t>:</a:t>
+              </a:r>
+            </a:p>
+          </p:txBody>
+        </p:sp>
+      </p:grpSp>
+      <p:grpSp>
+        <p:nvGrpSpPr>
+          <p:cNvPr id="20" name="群組 19"/>
+          <p:cNvGrpSpPr/>
+          <p:nvPr/>
+        </p:nvGrpSpPr>
+        <p:grpSpPr>
+          <a:xfrm>
+            <a:off x="603602" y="1261102"/>
+            <a:ext cx="1606162" cy="467688"/>
+            <a:chOff x="603602" y="1261102"/>
+            <a:chExt cx="1606162" cy="467688"/>
+          </a:xfrm>
+        </p:grpSpPr>
+        <p:grpSp>
+          <p:nvGrpSpPr>
+            <p:cNvPr id="18" name="群組 17"/>
+            <p:cNvGrpSpPr/>
+            <p:nvPr/>
+          </p:nvGrpSpPr>
+          <p:grpSpPr>
+            <a:xfrm>
+              <a:off x="603602" y="1300222"/>
+              <a:ext cx="411480" cy="428568"/>
+              <a:chOff x="603602" y="1300222"/>
+              <a:chExt cx="411480" cy="428568"/>
+            </a:xfrm>
+          </p:grpSpPr>
+          <p:pic>
+            <p:nvPicPr>
+              <p:cNvPr id="15" name="图片 3"/>
+              <p:cNvPicPr>
+                <a:picLocks noChangeAspect="1"/>
+              </p:cNvPicPr>
+              <p:nvPr/>
+            </p:nvPicPr>
+            <p:blipFill>
+              <a:blip r:embed="rId2" cstate="email">
+                <a:extLst>
+                  <a:ext uri="{28A0092B-C50C-407E-A947-70E740481C1C}">
+                    <a14:useLocalDpi xmlns:a14="http://schemas.microsoft.com/office/drawing/2010/main" val="0"/>
+                  </a:ext>
+                </a:extLst>
+              </a:blip>
+              <a:stretch>
+                <a:fillRect/>
+              </a:stretch>
+            </p:blipFill>
+            <p:spPr>
+              <a:xfrm>
+                <a:off x="603602" y="1305880"/>
+                <a:ext cx="411480" cy="422910"/>
+              </a:xfrm>
+              <a:prstGeom prst="rect">
+                <a:avLst/>
+              </a:prstGeom>
+            </p:spPr>
+          </p:pic>
+          <p:sp>
+            <p:nvSpPr>
+              <p:cNvPr id="17" name="文字方塊 16"/>
+              <p:cNvSpPr txBox="1"/>
+              <p:nvPr/>
+            </p:nvSpPr>
+            <p:spPr>
+              <a:xfrm>
+                <a:off x="671514" y="1300222"/>
+                <a:ext cx="301686" cy="369332"/>
+              </a:xfrm>
+              <a:prstGeom prst="rect">
+                <a:avLst/>
+              </a:prstGeom>
+              <a:noFill/>
+            </p:spPr>
+            <p:txBody>
+              <a:bodyPr wrap="none" rtlCol="0">
+                <a:spAutoFit/>
+              </a:bodyPr>
+              <a:lstStyle/>
+              <a:p>
+                <a:r>
+                  <a:rPr lang="en-US" altLang="zh-TW" dirty="0" smtClean="0">
+                    <a:solidFill>
+                      <a:schemeClr val="bg1"/>
+                    </a:solidFill>
+                  </a:rPr>
+                  <a:t>1</a:t>
+                </a:r>
+                <a:endParaRPr lang="zh-TW" altLang="en-US" dirty="0">
+                  <a:solidFill>
+                    <a:schemeClr val="bg1"/>
+                  </a:solidFill>
+                </a:endParaRPr>
+              </a:p>
+            </p:txBody>
+          </p:sp>
+        </p:grpSp>
+        <p:sp>
+          <p:nvSpPr>
+            <p:cNvPr id="19" name="文字方塊 18"/>
+            <p:cNvSpPr txBox="1"/>
+            <p:nvPr/>
+          </p:nvSpPr>
+          <p:spPr>
+            <a:xfrm>
+              <a:off x="1002382" y="1261102"/>
+              <a:ext cx="1207382" cy="461665"/>
+            </a:xfrm>
+            <a:prstGeom prst="rect">
+              <a:avLst/>
+            </a:prstGeom>
+            <a:noFill/>
+          </p:spPr>
+          <p:txBody>
+            <a:bodyPr wrap="none" rtlCol="0">
+              <a:spAutoFit/>
+            </a:bodyPr>
+            <a:lstStyle/>
+            <a:p>
+              <a:r>
+                <a:rPr lang="zh-TW" altLang="en-US" sz="2400" b="1" dirty="0" smtClean="0">
+                  <a:latin typeface="Adobe 楷体 Std R" pitchFamily="18" charset="-128"/>
+                  <a:ea typeface="Adobe 楷体 Std R" pitchFamily="18" charset="-128"/>
+                </a:rPr>
+                <a:t>程式碼</a:t>
+              </a:r>
+              <a:r>
+                <a:rPr lang="en-US" altLang="zh-TW" sz="2400" b="1" dirty="0" smtClean="0">
+                  <a:latin typeface="Adobe 楷体 Std R" pitchFamily="18" charset="-128"/>
+                  <a:ea typeface="Adobe 楷体 Std R" pitchFamily="18" charset="-128"/>
+                </a:rPr>
+                <a:t>:</a:t>
+              </a:r>
+              <a:endParaRPr lang="zh-TW" altLang="en-US" sz="2400" b="1" dirty="0">
+                <a:latin typeface="Adobe 楷体 Std R" pitchFamily="18" charset="-128"/>
+                <a:ea typeface="Adobe 楷体 Std R" pitchFamily="18" charset="-128"/>
+              </a:endParaRPr>
+            </a:p>
+          </p:txBody>
+        </p:sp>
+      </p:grpSp>
+      <p:grpSp>
+        <p:nvGrpSpPr>
+          <p:cNvPr id="24" name="群組 23"/>
+          <p:cNvGrpSpPr/>
+          <p:nvPr/>
+        </p:nvGrpSpPr>
+        <p:grpSpPr>
+          <a:xfrm>
+            <a:off x="2987824" y="1258091"/>
+            <a:ext cx="2237745" cy="467688"/>
+            <a:chOff x="603602" y="1261102"/>
+            <a:chExt cx="2237745" cy="467688"/>
+          </a:xfrm>
+        </p:grpSpPr>
+        <p:grpSp>
+          <p:nvGrpSpPr>
+            <p:cNvPr id="25" name="群組 24"/>
+            <p:cNvGrpSpPr/>
+            <p:nvPr/>
+          </p:nvGrpSpPr>
+          <p:grpSpPr>
+            <a:xfrm>
+              <a:off x="603602" y="1300222"/>
+              <a:ext cx="411480" cy="428568"/>
+              <a:chOff x="603602" y="1300222"/>
+              <a:chExt cx="411480" cy="428568"/>
+            </a:xfrm>
+          </p:grpSpPr>
+          <p:pic>
+            <p:nvPicPr>
+              <p:cNvPr id="27" name="图片 3"/>
+              <p:cNvPicPr>
+                <a:picLocks noChangeAspect="1"/>
+              </p:cNvPicPr>
+              <p:nvPr/>
+            </p:nvPicPr>
+            <p:blipFill>
+              <a:blip r:embed="rId2" cstate="email">
+                <a:extLst>
+                  <a:ext uri="{28A0092B-C50C-407E-A947-70E740481C1C}">
+                    <a14:useLocalDpi xmlns:a14="http://schemas.microsoft.com/office/drawing/2010/main" val="0"/>
+                  </a:ext>
+                </a:extLst>
+              </a:blip>
+              <a:stretch>
+                <a:fillRect/>
+              </a:stretch>
+            </p:blipFill>
+            <p:spPr>
+              <a:xfrm>
+                <a:off x="603602" y="1305880"/>
+                <a:ext cx="411480" cy="422910"/>
+              </a:xfrm>
+              <a:prstGeom prst="rect">
+                <a:avLst/>
+              </a:prstGeom>
+            </p:spPr>
+          </p:pic>
+          <p:sp>
+            <p:nvSpPr>
+              <p:cNvPr id="28" name="文字方塊 27"/>
+              <p:cNvSpPr txBox="1"/>
+              <p:nvPr/>
+            </p:nvSpPr>
+            <p:spPr>
+              <a:xfrm>
+                <a:off x="671514" y="1300222"/>
+                <a:ext cx="301686" cy="369332"/>
+              </a:xfrm>
+              <a:prstGeom prst="rect">
+                <a:avLst/>
+              </a:prstGeom>
+              <a:noFill/>
+            </p:spPr>
+            <p:txBody>
+              <a:bodyPr wrap="none" rtlCol="0">
+                <a:spAutoFit/>
+              </a:bodyPr>
+              <a:lstStyle/>
+              <a:p>
+                <a:r>
+                  <a:rPr lang="en-US" altLang="zh-TW" dirty="0" smtClean="0">
+                    <a:solidFill>
+                      <a:schemeClr val="bg1"/>
+                    </a:solidFill>
+                  </a:rPr>
+                  <a:t>2</a:t>
+                </a:r>
+                <a:endParaRPr lang="zh-TW" altLang="en-US" dirty="0">
+                  <a:solidFill>
+                    <a:schemeClr val="bg1"/>
+                  </a:solidFill>
+                </a:endParaRPr>
+              </a:p>
+            </p:txBody>
+          </p:sp>
+        </p:grpSp>
+        <p:sp>
+          <p:nvSpPr>
+            <p:cNvPr id="26" name="文字方塊 25"/>
+            <p:cNvSpPr txBox="1"/>
+            <p:nvPr/>
+          </p:nvSpPr>
+          <p:spPr>
+            <a:xfrm>
+              <a:off x="1002382" y="1261102"/>
+              <a:ext cx="1838965" cy="461665"/>
+            </a:xfrm>
+            <a:prstGeom prst="rect">
+              <a:avLst/>
+            </a:prstGeom>
+            <a:noFill/>
+          </p:spPr>
+          <p:txBody>
+            <a:bodyPr wrap="none" rtlCol="0">
+              <a:spAutoFit/>
+            </a:bodyPr>
+            <a:lstStyle/>
+            <a:p>
+              <a:r>
+                <a:rPr lang="zh-TW" altLang="en-US" sz="2400" b="1" dirty="0" smtClean="0">
+                  <a:latin typeface="Adobe 楷体 Std R" pitchFamily="18" charset="-128"/>
+                  <a:ea typeface="Adobe 楷体 Std R" pitchFamily="18" charset="-128"/>
+                </a:rPr>
+                <a:t>比對及渲染</a:t>
+              </a:r>
+              <a:r>
+                <a:rPr lang="en-US" altLang="zh-TW" sz="2400" b="1" dirty="0" smtClean="0">
+                  <a:latin typeface="Adobe 楷体 Std R" pitchFamily="18" charset="-128"/>
+                  <a:ea typeface="Adobe 楷体 Std R" pitchFamily="18" charset="-128"/>
+                </a:rPr>
+                <a:t>:</a:t>
+              </a:r>
+              <a:endParaRPr lang="zh-TW" altLang="en-US" sz="2400" b="1" dirty="0">
+                <a:latin typeface="Adobe 楷体 Std R" pitchFamily="18" charset="-128"/>
+                <a:ea typeface="Adobe 楷体 Std R" pitchFamily="18" charset="-128"/>
+              </a:endParaRPr>
+            </a:p>
+          </p:txBody>
+        </p:sp>
+      </p:grpSp>
+      <p:sp>
+        <p:nvSpPr>
+          <p:cNvPr id="21" name="文字方塊 20"/>
+          <p:cNvSpPr txBox="1"/>
+          <p:nvPr/>
+        </p:nvSpPr>
+        <p:spPr>
+          <a:xfrm>
+            <a:off x="3059832" y="1635646"/>
+            <a:ext cx="5918608" cy="584775"/>
+          </a:xfrm>
+          <a:prstGeom prst="rect">
+            <a:avLst/>
+          </a:prstGeom>
+          <a:noFill/>
+        </p:spPr>
+        <p:txBody>
+          <a:bodyPr wrap="none" rtlCol="0">
+            <a:spAutoFit/>
+          </a:bodyPr>
+          <a:lstStyle/>
+          <a:p>
+            <a:pPr marL="342900" indent="-342900">
+              <a:buFontTx/>
+              <a:buAutoNum type="alphaLcPeriod"/>
+            </a:pPr>
+            <a:r>
+              <a:rPr lang="zh-TW" altLang="en-US" sz="1600" dirty="0" smtClean="0">
+                <a:latin typeface="Adobe 楷体 Std R" pitchFamily="18" charset="-128"/>
+                <a:ea typeface="Adobe 楷体 Std R" pitchFamily="18" charset="-128"/>
+              </a:rPr>
+              <a:t>使用者登出</a:t>
+            </a:r>
+            <a:r>
+              <a:rPr lang="en-US" altLang="zh-TW" sz="1600" dirty="0" smtClean="0">
+                <a:latin typeface="Adobe 楷体 Std R" pitchFamily="18" charset="-128"/>
+                <a:ea typeface="Adobe 楷体 Std R" pitchFamily="18" charset="-128"/>
+              </a:rPr>
+              <a:t>:</a:t>
+            </a:r>
+            <a:r>
+              <a:rPr lang="zh-TW" altLang="en-US" sz="1600" dirty="0" smtClean="0">
+                <a:latin typeface="Adobe 楷体 Std R" pitchFamily="18" charset="-128"/>
+                <a:ea typeface="Adobe 楷体 Std R" pitchFamily="18" charset="-128"/>
+              </a:rPr>
+              <a:t> 登出。</a:t>
+            </a:r>
+            <a:endParaRPr lang="en-US" altLang="zh-TW" sz="1600" dirty="0" smtClean="0">
+              <a:latin typeface="Adobe 楷体 Std R" pitchFamily="18" charset="-128"/>
+              <a:ea typeface="Adobe 楷体 Std R" pitchFamily="18" charset="-128"/>
+            </a:endParaRPr>
+          </a:p>
+          <a:p>
+            <a:pPr marL="342900" indent="-342900">
+              <a:buFontTx/>
+              <a:buAutoNum type="alphaLcPeriod"/>
+            </a:pPr>
+            <a:r>
+              <a:rPr lang="zh-TW" altLang="en-US" sz="1600" dirty="0" smtClean="0">
+                <a:latin typeface="Adobe 楷体 Std R" pitchFamily="18" charset="-128"/>
+                <a:ea typeface="Adobe 楷体 Std R" pitchFamily="18" charset="-128"/>
+              </a:rPr>
+              <a:t>確認</a:t>
+            </a:r>
+            <a:r>
+              <a:rPr lang="zh-TW" altLang="en-US" sz="1600" dirty="0">
+                <a:latin typeface="Adobe 楷体 Std R" pitchFamily="18" charset="-128"/>
+                <a:ea typeface="Adobe 楷体 Std R" pitchFamily="18" charset="-128"/>
+              </a:rPr>
+              <a:t>規則</a:t>
+            </a:r>
+            <a:r>
+              <a:rPr lang="en-US" altLang="zh-TW" sz="1600" dirty="0" smtClean="0">
+                <a:latin typeface="Adobe 楷体 Std R" pitchFamily="18" charset="-128"/>
+                <a:ea typeface="Adobe 楷体 Std R" pitchFamily="18" charset="-128"/>
+              </a:rPr>
+              <a:t>: </a:t>
+            </a:r>
+            <a:r>
+              <a:rPr lang="zh-TW" altLang="en-US" sz="1600" kern="0" dirty="0" smtClean="0">
+                <a:solidFill>
+                  <a:sysClr val="windowText" lastClr="000000"/>
+                </a:solidFill>
+                <a:latin typeface="Adobe 楷体 Std R" pitchFamily="18" charset="-128"/>
+                <a:ea typeface="Adobe 楷体 Std R" pitchFamily="18" charset="-128"/>
+              </a:rPr>
+              <a:t>限年滿六個月</a:t>
+            </a:r>
+            <a:r>
+              <a:rPr lang="en-US" altLang="zh-TW" sz="1600" kern="0" dirty="0" smtClean="0">
+                <a:solidFill>
+                  <a:sysClr val="windowText" lastClr="000000"/>
+                </a:solidFill>
+                <a:latin typeface="Adobe 楷体 Std R" pitchFamily="18" charset="-128"/>
+                <a:ea typeface="Adobe 楷体 Std R" pitchFamily="18" charset="-128"/>
+              </a:rPr>
+              <a:t>-54</a:t>
+            </a:r>
+            <a:r>
+              <a:rPr lang="zh-TW" altLang="en-US" sz="1600" kern="0" dirty="0" smtClean="0">
+                <a:solidFill>
+                  <a:sysClr val="windowText" lastClr="000000"/>
+                </a:solidFill>
+                <a:latin typeface="Adobe 楷体 Std R" pitchFamily="18" charset="-128"/>
+                <a:ea typeface="Adobe 楷体 Std R" pitchFamily="18" charset="-128"/>
+              </a:rPr>
+              <a:t>歲使用</a:t>
+            </a:r>
+            <a:r>
+              <a:rPr lang="en-US" altLang="zh-TW" sz="1600" kern="0" dirty="0" smtClean="0">
+                <a:solidFill>
+                  <a:sysClr val="windowText" lastClr="000000"/>
+                </a:solidFill>
+                <a:latin typeface="Adobe 楷体 Std R" pitchFamily="18" charset="-128"/>
+                <a:ea typeface="Adobe 楷体 Std R" pitchFamily="18" charset="-128"/>
+              </a:rPr>
+              <a:t>,</a:t>
+            </a:r>
+            <a:r>
+              <a:rPr lang="zh-TW" altLang="en-US" sz="1600" kern="0" dirty="0" smtClean="0">
+                <a:solidFill>
+                  <a:sysClr val="windowText" lastClr="000000"/>
+                </a:solidFill>
+                <a:latin typeface="Adobe 楷体 Std R" pitchFamily="18" charset="-128"/>
+                <a:ea typeface="Adobe 楷体 Std R" pitchFamily="18" charset="-128"/>
+              </a:rPr>
+              <a:t>非區間範圍可能查無資料</a:t>
+            </a:r>
+            <a:endParaRPr lang="en-US" altLang="zh-TW" sz="1600" kern="0" dirty="0">
+              <a:solidFill>
+                <a:sysClr val="windowText" lastClr="000000"/>
+              </a:solidFill>
+              <a:latin typeface="Adobe 楷体 Std R" pitchFamily="18" charset="-128"/>
+              <a:ea typeface="Adobe 楷体 Std R" pitchFamily="18" charset="-128"/>
+            </a:endParaRPr>
+          </a:p>
+        </p:txBody>
+      </p:sp>
+      <p:sp>
+        <p:nvSpPr>
+          <p:cNvPr id="46" name="文字方塊 45"/>
+          <p:cNvSpPr txBox="1"/>
+          <p:nvPr/>
+        </p:nvSpPr>
+        <p:spPr>
+          <a:xfrm>
+            <a:off x="7757156" y="3341503"/>
+            <a:ext cx="271228" cy="276999"/>
+          </a:xfrm>
+          <a:prstGeom prst="rect">
+            <a:avLst/>
+          </a:prstGeom>
+          <a:noFill/>
+        </p:spPr>
+        <p:txBody>
+          <a:bodyPr wrap="none" rtlCol="0">
+            <a:spAutoFit/>
+          </a:bodyPr>
+          <a:lstStyle/>
+          <a:p>
+            <a:r>
+              <a:rPr lang="en-US" altLang="zh-TW" sz="1200" dirty="0" smtClean="0">
+                <a:solidFill>
+                  <a:srgbClr val="FF0000"/>
+                </a:solidFill>
+                <a:latin typeface="Adobe 楷体 Std R" pitchFamily="18" charset="-128"/>
+                <a:ea typeface="Adobe 楷体 Std R" pitchFamily="18" charset="-128"/>
+              </a:rPr>
+              <a:t>b</a:t>
+            </a:r>
+            <a:endParaRPr lang="zh-TW" altLang="en-US" sz="1200" dirty="0">
+              <a:solidFill>
+                <a:srgbClr val="FF0000"/>
+              </a:solidFill>
+              <a:latin typeface="Adobe 楷体 Std R" pitchFamily="18" charset="-128"/>
+              <a:ea typeface="Adobe 楷体 Std R" pitchFamily="18" charset="-128"/>
+            </a:endParaRPr>
+          </a:p>
+        </p:txBody>
+      </p:sp>
+      <p:sp>
+        <p:nvSpPr>
+          <p:cNvPr id="31" name="文字方塊 30"/>
+          <p:cNvSpPr txBox="1"/>
+          <p:nvPr/>
+        </p:nvSpPr>
+        <p:spPr>
+          <a:xfrm>
+            <a:off x="689470" y="1717102"/>
+            <a:ext cx="2331087" cy="830997"/>
+          </a:xfrm>
+          <a:prstGeom prst="rect">
+            <a:avLst/>
+          </a:prstGeom>
+          <a:noFill/>
+        </p:spPr>
+        <p:txBody>
+          <a:bodyPr wrap="square" rtlCol="0">
+            <a:spAutoFit/>
+          </a:bodyPr>
+          <a:lstStyle/>
+          <a:p>
+            <a:pPr algn="just"/>
+            <a:r>
+              <a:rPr lang="zh-TW" altLang="en-US" sz="1600" dirty="0" smtClean="0">
+                <a:latin typeface="Adobe 楷体 Std R" pitchFamily="18" charset="-128"/>
+                <a:ea typeface="Adobe 楷体 Std R" pitchFamily="18" charset="-128"/>
+              </a:rPr>
+              <a:t>依</a:t>
+            </a:r>
+            <a:r>
+              <a:rPr lang="en-US" altLang="zh-TW" sz="1600" dirty="0">
+                <a:solidFill>
+                  <a:srgbClr val="0000CC"/>
+                </a:solidFill>
+                <a:latin typeface="Adobe 楷体 Std R" pitchFamily="18" charset="-128"/>
+                <a:ea typeface="Adobe 楷体 Std R" pitchFamily="18" charset="-128"/>
+              </a:rPr>
+              <a:t>Firebase</a:t>
+            </a:r>
+            <a:r>
+              <a:rPr lang="en-US" altLang="zh-TW" sz="1600" dirty="0">
+                <a:latin typeface="Adobe 楷体 Std R" pitchFamily="18" charset="-128"/>
+                <a:ea typeface="Adobe 楷体 Std R" pitchFamily="18" charset="-128"/>
+              </a:rPr>
+              <a:t> </a:t>
+            </a:r>
+            <a:r>
+              <a:rPr lang="en-US" altLang="zh-TW" sz="1600" dirty="0" smtClean="0">
+                <a:latin typeface="Adobe 楷体 Std R" pitchFamily="18" charset="-128"/>
+                <a:ea typeface="Adobe 楷体 Std R" pitchFamily="18" charset="-128"/>
+              </a:rPr>
+              <a:t>API</a:t>
+            </a:r>
+            <a:r>
+              <a:rPr lang="zh-TW" altLang="en-US" sz="1600" dirty="0" smtClean="0">
+                <a:latin typeface="Adobe 楷体 Std R" pitchFamily="18" charset="-128"/>
+                <a:ea typeface="Adobe 楷体 Std R" pitchFamily="18" charset="-128"/>
+              </a:rPr>
+              <a:t>設計</a:t>
+            </a:r>
+            <a:r>
+              <a:rPr lang="en-US" altLang="zh-TW" sz="1600" dirty="0" smtClean="0">
+                <a:latin typeface="Adobe 楷体 Std R" pitchFamily="18" charset="-128"/>
+                <a:ea typeface="Adobe 楷体 Std R" pitchFamily="18" charset="-128"/>
+              </a:rPr>
+              <a:t>,</a:t>
+            </a:r>
+            <a:r>
+              <a:rPr lang="zh-TW" altLang="en-US" sz="1600" dirty="0" smtClean="0">
+                <a:latin typeface="Adobe 楷体 Std R" pitchFamily="18" charset="-128"/>
+                <a:ea typeface="Adobe 楷体 Std R" pitchFamily="18" charset="-128"/>
+              </a:rPr>
+              <a:t>讓使用者</a:t>
+            </a:r>
+            <a:r>
+              <a:rPr lang="zh-TW" altLang="en-US" sz="1600" dirty="0">
+                <a:latin typeface="Adobe 楷体 Std R" pitchFamily="18" charset="-128"/>
+                <a:ea typeface="Adobe 楷体 Std R" pitchFamily="18" charset="-128"/>
+              </a:rPr>
+              <a:t>登入</a:t>
+            </a:r>
+            <a:r>
+              <a:rPr lang="zh-TW" altLang="en-US" sz="1600" dirty="0" smtClean="0">
+                <a:latin typeface="Adobe 楷体 Std R" pitchFamily="18" charset="-128"/>
+                <a:ea typeface="Adobe 楷体 Std R" pitchFamily="18" charset="-128"/>
+              </a:rPr>
+              <a:t>及</a:t>
+            </a:r>
+            <a:r>
+              <a:rPr lang="zh-TW" altLang="en-US" sz="1600" dirty="0">
+                <a:latin typeface="Adobe 楷体 Std R" pitchFamily="18" charset="-128"/>
+                <a:ea typeface="Adobe 楷体 Std R" pitchFamily="18" charset="-128"/>
+              </a:rPr>
+              <a:t>確認規則</a:t>
+            </a:r>
+            <a:r>
+              <a:rPr lang="zh-TW" altLang="en-US" sz="1600" dirty="0" smtClean="0">
+                <a:latin typeface="Adobe 楷体 Std R" pitchFamily="18" charset="-128"/>
+                <a:ea typeface="Adobe 楷体 Std R" pitchFamily="18" charset="-128"/>
+              </a:rPr>
+              <a:t>等動作。</a:t>
+            </a:r>
+            <a:endParaRPr lang="en-US" altLang="zh-TW" sz="1600" dirty="0">
+              <a:latin typeface="Adobe 楷体 Std R" pitchFamily="18" charset="-128"/>
+              <a:ea typeface="Adobe 楷体 Std R" pitchFamily="18" charset="-128"/>
+            </a:endParaRPr>
+          </a:p>
+        </p:txBody>
+      </p:sp>
+      <p:sp>
+        <p:nvSpPr>
+          <p:cNvPr id="37" name="矩形 36"/>
+          <p:cNvSpPr/>
+          <p:nvPr/>
+        </p:nvSpPr>
+        <p:spPr>
+          <a:xfrm>
+            <a:off x="3429132" y="3554240"/>
+            <a:ext cx="2655036" cy="457670"/>
+          </a:xfrm>
+          <a:prstGeom prst="rect">
+            <a:avLst/>
+          </a:prstGeom>
+          <a:noFill/>
+          <a:ln>
+            <a:solidFill>
+              <a:srgbClr val="FF0000"/>
+            </a:solidFill>
+          </a:ln>
+        </p:spPr>
+        <p:style>
+          <a:lnRef idx="2">
+            <a:schemeClr val="accent1">
+              <a:shade val="50000"/>
+            </a:schemeClr>
+          </a:lnRef>
+          <a:fillRef idx="1">
+            <a:schemeClr val="accent1"/>
+          </a:fillRef>
+          <a:effectRef idx="0">
+            <a:schemeClr val="accent1"/>
+          </a:effectRef>
+          <a:fontRef idx="minor">
+            <a:schemeClr val="lt1"/>
+          </a:fontRef>
+        </p:style>
+        <p:txBody>
+          <a:bodyPr rtlCol="0" anchor="ctr"/>
+          <a:lstStyle/>
+          <a:p>
+            <a:pPr algn="ctr"/>
+            <a:endParaRPr lang="zh-TW" altLang="en-US"/>
+          </a:p>
+        </p:txBody>
+      </p:sp>
+      <p:sp>
+        <p:nvSpPr>
+          <p:cNvPr id="38" name="文字方塊 37"/>
+          <p:cNvSpPr txBox="1"/>
+          <p:nvPr/>
+        </p:nvSpPr>
+        <p:spPr>
+          <a:xfrm>
+            <a:off x="4644008" y="3341504"/>
+            <a:ext cx="263214" cy="276999"/>
+          </a:xfrm>
+          <a:prstGeom prst="rect">
+            <a:avLst/>
+          </a:prstGeom>
+          <a:noFill/>
+        </p:spPr>
+        <p:txBody>
+          <a:bodyPr wrap="none" rtlCol="0">
+            <a:spAutoFit/>
+          </a:bodyPr>
+          <a:lstStyle/>
+          <a:p>
+            <a:r>
+              <a:rPr lang="en-US" altLang="zh-TW" sz="1200" dirty="0" smtClean="0">
+                <a:solidFill>
+                  <a:srgbClr val="FF0000"/>
+                </a:solidFill>
+                <a:latin typeface="Adobe 楷体 Std R" pitchFamily="18" charset="-128"/>
+                <a:ea typeface="Adobe 楷体 Std R" pitchFamily="18" charset="-128"/>
+              </a:rPr>
+              <a:t>a</a:t>
+            </a:r>
+            <a:endParaRPr lang="zh-TW" altLang="en-US" sz="1200" dirty="0">
+              <a:solidFill>
+                <a:srgbClr val="FF0000"/>
+              </a:solidFill>
+              <a:latin typeface="Adobe 楷体 Std R" pitchFamily="18" charset="-128"/>
+              <a:ea typeface="Adobe 楷体 Std R" pitchFamily="18" charset="-128"/>
+            </a:endParaRPr>
+          </a:p>
+        </p:txBody>
+      </p:sp>
+      <p:sp>
+        <p:nvSpPr>
+          <p:cNvPr id="41" name="文字方塊 40"/>
+          <p:cNvSpPr txBox="1"/>
+          <p:nvPr/>
+        </p:nvSpPr>
+        <p:spPr>
+          <a:xfrm>
+            <a:off x="583581" y="2643758"/>
+            <a:ext cx="526106" cy="276999"/>
+          </a:xfrm>
+          <a:prstGeom prst="rect">
+            <a:avLst/>
+          </a:prstGeom>
+          <a:noFill/>
+        </p:spPr>
+        <p:txBody>
+          <a:bodyPr wrap="none" rtlCol="0">
+            <a:spAutoFit/>
+          </a:bodyPr>
+          <a:lstStyle/>
+          <a:p>
+            <a:r>
+              <a:rPr lang="zh-TW" altLang="en-US" sz="1200" dirty="0" smtClean="0">
+                <a:solidFill>
+                  <a:srgbClr val="0000CC"/>
+                </a:solidFill>
+                <a:latin typeface="Adobe 楷体 Std R" pitchFamily="18" charset="-128"/>
+                <a:ea typeface="Adobe 楷体 Std R" pitchFamily="18" charset="-128"/>
+              </a:rPr>
+              <a:t>登出</a:t>
+            </a:r>
+            <a:r>
+              <a:rPr lang="en-US" altLang="zh-TW" sz="1200" dirty="0" smtClean="0">
+                <a:solidFill>
+                  <a:srgbClr val="0000CC"/>
+                </a:solidFill>
+                <a:latin typeface="Adobe 楷体 Std R" pitchFamily="18" charset="-128"/>
+                <a:ea typeface="Adobe 楷体 Std R" pitchFamily="18" charset="-128"/>
+              </a:rPr>
+              <a:t>:</a:t>
+            </a:r>
+            <a:endParaRPr lang="zh-TW" altLang="en-US" sz="1200" dirty="0">
+              <a:solidFill>
+                <a:srgbClr val="0000CC"/>
+              </a:solidFill>
+              <a:latin typeface="Adobe 楷体 Std R" pitchFamily="18" charset="-128"/>
+              <a:ea typeface="Adobe 楷体 Std R" pitchFamily="18" charset="-128"/>
+            </a:endParaRPr>
+          </a:p>
+        </p:txBody>
+      </p:sp>
+      <p:sp>
+        <p:nvSpPr>
+          <p:cNvPr id="43" name="文字方塊 42"/>
+          <p:cNvSpPr txBox="1"/>
+          <p:nvPr/>
+        </p:nvSpPr>
+        <p:spPr>
+          <a:xfrm>
+            <a:off x="2195002" y="2653871"/>
+            <a:ext cx="833883" cy="276999"/>
+          </a:xfrm>
+          <a:prstGeom prst="rect">
+            <a:avLst/>
+          </a:prstGeom>
+          <a:noFill/>
+        </p:spPr>
+        <p:txBody>
+          <a:bodyPr wrap="none" rtlCol="0">
+            <a:spAutoFit/>
+          </a:bodyPr>
+          <a:lstStyle/>
+          <a:p>
+            <a:r>
+              <a:rPr lang="zh-TW" altLang="en-US" sz="1200" dirty="0">
+                <a:solidFill>
+                  <a:srgbClr val="0000CC"/>
+                </a:solidFill>
+                <a:latin typeface="Adobe 楷体 Std R" pitchFamily="18" charset="-128"/>
+                <a:ea typeface="Adobe 楷体 Std R" pitchFamily="18" charset="-128"/>
+              </a:rPr>
+              <a:t>確認規則</a:t>
+            </a:r>
+            <a:r>
+              <a:rPr lang="en-US" altLang="zh-TW" sz="1200" dirty="0" smtClean="0">
+                <a:solidFill>
+                  <a:srgbClr val="0000CC"/>
+                </a:solidFill>
+                <a:latin typeface="Adobe 楷体 Std R" pitchFamily="18" charset="-128"/>
+                <a:ea typeface="Adobe 楷体 Std R" pitchFamily="18" charset="-128"/>
+              </a:rPr>
+              <a:t>:</a:t>
+            </a:r>
+            <a:endParaRPr lang="zh-TW" altLang="en-US" sz="1200" dirty="0">
+              <a:solidFill>
+                <a:srgbClr val="0000CC"/>
+              </a:solidFill>
+              <a:latin typeface="Adobe 楷体 Std R" pitchFamily="18" charset="-128"/>
+              <a:ea typeface="Adobe 楷体 Std R" pitchFamily="18" charset="-128"/>
+            </a:endParaRPr>
+          </a:p>
+        </p:txBody>
+      </p:sp>
+      <p:sp>
+        <p:nvSpPr>
+          <p:cNvPr id="35" name="矩形 34"/>
+          <p:cNvSpPr/>
+          <p:nvPr/>
+        </p:nvSpPr>
+        <p:spPr>
+          <a:xfrm>
+            <a:off x="6355396" y="3556606"/>
+            <a:ext cx="2655036" cy="455304"/>
+          </a:xfrm>
+          <a:prstGeom prst="rect">
+            <a:avLst/>
+          </a:prstGeom>
+          <a:noFill/>
+          <a:ln>
+            <a:solidFill>
+              <a:srgbClr val="FF0000"/>
+            </a:solidFill>
+          </a:ln>
+        </p:spPr>
+        <p:style>
+          <a:lnRef idx="2">
+            <a:schemeClr val="accent1">
+              <a:shade val="50000"/>
+            </a:schemeClr>
+          </a:lnRef>
+          <a:fillRef idx="1">
+            <a:schemeClr val="accent1"/>
+          </a:fillRef>
+          <a:effectRef idx="0">
+            <a:schemeClr val="accent1"/>
+          </a:effectRef>
+          <a:fontRef idx="minor">
+            <a:schemeClr val="lt1"/>
+          </a:fontRef>
+        </p:style>
+        <p:txBody>
+          <a:bodyPr rtlCol="0" anchor="ctr"/>
+          <a:lstStyle/>
+          <a:p>
+            <a:pPr algn="ctr"/>
+            <a:endParaRPr lang="zh-TW" altLang="en-US"/>
+          </a:p>
+        </p:txBody>
+      </p:sp>
+    </p:spTree>
+    <p:extLst>
+      <p:ext uri="{BB962C8B-B14F-4D97-AF65-F5344CB8AC3E}">
+        <p14:creationId xmlns:p14="http://schemas.microsoft.com/office/powerpoint/2010/main" val="846841716"/>
+      </p:ext>
+    </p:extLst>
+  </p:cSld>
+  <p:clrMapOvr>
+    <a:masterClrMapping/>
+  </p:clrMapOvr>
+  <p:timing>
+    <p:tnLst>
+      <p:par>
+        <p:cTn id="1" dur="indefinite" restart="never" nodeType="tmRoot"/>
+      </p:par>
+    </p:tnLst>
+  </p:timing>
+</p:sld>
+</file>
+
+<file path=ppt/slides/slide16.xml><?xml version="1.0" encoding="utf-8"?>
 <p:sld xmlns:a="http://schemas.openxmlformats.org/drawingml/2006/main" xmlns:r="http://schemas.openxmlformats.org/officeDocument/2006/relationships" xmlns:p="http://schemas.openxmlformats.org/presentationml/2006/main">
   <p:cSld>
     <p:spTree>
@@ -4491,6 +11629,177 @@
                 <a:latin typeface="Adobe 楷体 Std R" pitchFamily="18" charset="-128"/>
                 <a:ea typeface="Adobe 楷体 Std R" pitchFamily="18" charset="-128"/>
               </a:rPr>
+              <a:t>實際操作頁面</a:t>
+            </a:r>
+            <a:endParaRPr lang="zh-CN" altLang="en-US" sz="4000" b="1" dirty="0">
+              <a:latin typeface="Adobe 楷体 Std R" pitchFamily="18" charset="-128"/>
+              <a:ea typeface="Adobe 楷体 Std R" pitchFamily="18" charset="-128"/>
+            </a:endParaRPr>
+          </a:p>
+        </p:txBody>
+      </p:sp>
+    </p:spTree>
+    <p:extLst>
+      <p:ext uri="{BB962C8B-B14F-4D97-AF65-F5344CB8AC3E}">
+        <p14:creationId xmlns:p14="http://schemas.microsoft.com/office/powerpoint/2010/main" val="3731568806"/>
+      </p:ext>
+    </p:extLst>
+  </p:cSld>
+  <p:clrMapOvr>
+    <a:masterClrMapping/>
+  </p:clrMapOvr>
+  <p:timing>
+    <p:tnLst>
+      <p:par>
+        <p:cTn id="1" dur="indefinite" restart="never" nodeType="tmRoot"/>
+      </p:par>
+    </p:tnLst>
+  </p:timing>
+</p:sld>
+</file>
+
+<file path=ppt/slides/slide17.xml><?xml version="1.0" encoding="utf-8"?>
+<p:sld xmlns:a="http://schemas.openxmlformats.org/drawingml/2006/main" xmlns:r="http://schemas.openxmlformats.org/officeDocument/2006/relationships" xmlns:p="http://schemas.openxmlformats.org/presentationml/2006/main">
+  <p:cSld>
+    <p:spTree>
+      <p:nvGrpSpPr>
+        <p:cNvPr id="1" name=""/>
+        <p:cNvGrpSpPr/>
+        <p:nvPr/>
+      </p:nvGrpSpPr>
+      <p:grpSpPr>
+        <a:xfrm>
+          <a:off x="0" y="0"/>
+          <a:ext cx="0" cy="0"/>
+          <a:chOff x="0" y="0"/>
+          <a:chExt cx="0" cy="0"/>
+        </a:xfrm>
+      </p:grpSpPr>
+      <p:sp>
+        <p:nvSpPr>
+          <p:cNvPr id="2" name="标题 1"/>
+          <p:cNvSpPr txBox="1">
+            <a:spLocks/>
+          </p:cNvSpPr>
+          <p:nvPr/>
+        </p:nvSpPr>
+        <p:spPr>
+          <a:xfrm>
+            <a:off x="457200" y="123478"/>
+            <a:ext cx="8229600" cy="439297"/>
+          </a:xfrm>
+          <a:prstGeom prst="rect">
+            <a:avLst/>
+          </a:prstGeom>
+        </p:spPr>
+        <p:txBody>
+          <a:bodyPr vert="horz" lIns="91440" tIns="45720" rIns="91440" bIns="45720" rtlCol="0" anchor="ctr">
+            <a:noAutofit/>
+          </a:bodyPr>
+          <a:lstStyle>
+            <a:lvl1pPr algn="ctr" defTabSz="914400" rtl="0" eaLnBrk="1" latinLnBrk="0" hangingPunct="1">
+              <a:spcBef>
+                <a:spcPct val="0"/>
+              </a:spcBef>
+              <a:buNone/>
+              <a:defRPr sz="4400" kern="1200">
+                <a:solidFill>
+                  <a:schemeClr val="tx1"/>
+                </a:solidFill>
+                <a:latin typeface="+mj-lt"/>
+                <a:ea typeface="+mj-ea"/>
+                <a:cs typeface="+mj-cs"/>
+              </a:defRPr>
+            </a:lvl1pPr>
+          </a:lstStyle>
+          <a:p>
+            <a:r>
+              <a:rPr lang="zh-TW" altLang="en-US" sz="4000" b="1" dirty="0">
+                <a:latin typeface="Adobe 楷体 Std R" pitchFamily="18" charset="-128"/>
+                <a:ea typeface="Adobe 楷体 Std R" pitchFamily="18" charset="-128"/>
+              </a:rPr>
+              <a:t>問題解決</a:t>
+            </a:r>
+            <a:endParaRPr lang="zh-CN" altLang="en-US" sz="4000" b="1" dirty="0">
+              <a:latin typeface="Adobe 楷体 Std R" pitchFamily="18" charset="-128"/>
+              <a:ea typeface="Adobe 楷体 Std R" pitchFamily="18" charset="-128"/>
+            </a:endParaRPr>
+          </a:p>
+        </p:txBody>
+      </p:sp>
+    </p:spTree>
+    <p:extLst>
+      <p:ext uri="{BB962C8B-B14F-4D97-AF65-F5344CB8AC3E}">
+        <p14:creationId xmlns:p14="http://schemas.microsoft.com/office/powerpoint/2010/main" val="3143281984"/>
+      </p:ext>
+    </p:extLst>
+  </p:cSld>
+  <p:clrMapOvr>
+    <a:masterClrMapping/>
+  </p:clrMapOvr>
+</p:sld>
+</file>
+
+<file path=ppt/slides/slide18.xml><?xml version="1.0" encoding="utf-8"?>
+<p:sld xmlns:a="http://schemas.openxmlformats.org/drawingml/2006/main" xmlns:r="http://schemas.openxmlformats.org/officeDocument/2006/relationships" xmlns:p="http://schemas.openxmlformats.org/presentationml/2006/main">
+  <p:cSld>
+    <p:spTree>
+      <p:nvGrpSpPr>
+        <p:cNvPr id="1" name=""/>
+        <p:cNvGrpSpPr/>
+        <p:nvPr/>
+      </p:nvGrpSpPr>
+      <p:grpSpPr>
+        <a:xfrm>
+          <a:off x="0" y="0"/>
+          <a:ext cx="0" cy="0"/>
+          <a:chOff x="0" y="0"/>
+          <a:chExt cx="0" cy="0"/>
+        </a:xfrm>
+      </p:grpSpPr>
+      <p:sp>
+        <p:nvSpPr>
+          <p:cNvPr id="2" name="标题 1"/>
+          <p:cNvSpPr txBox="1">
+            <a:spLocks/>
+          </p:cNvSpPr>
+          <p:nvPr/>
+        </p:nvSpPr>
+        <p:spPr>
+          <a:xfrm>
+            <a:off x="457200" y="123478"/>
+            <a:ext cx="8229600" cy="439297"/>
+          </a:xfrm>
+          <a:prstGeom prst="rect">
+            <a:avLst/>
+          </a:prstGeom>
+        </p:spPr>
+        <p:txBody>
+          <a:bodyPr vert="horz" lIns="91440" tIns="45720" rIns="91440" bIns="45720" rtlCol="0" anchor="ctr">
+            <a:noAutofit/>
+          </a:bodyPr>
+          <a:lstStyle>
+            <a:lvl1pPr algn="ctr" defTabSz="914400" rtl="0" eaLnBrk="1" latinLnBrk="0" hangingPunct="1">
+              <a:spcBef>
+                <a:spcPct val="0"/>
+              </a:spcBef>
+              <a:buNone/>
+              <a:defRPr sz="4400" kern="1200">
+                <a:solidFill>
+                  <a:schemeClr val="tx1"/>
+                </a:solidFill>
+                <a:latin typeface="+mj-lt"/>
+                <a:ea typeface="+mj-ea"/>
+                <a:cs typeface="+mj-cs"/>
+              </a:defRPr>
+            </a:lvl1pPr>
+          </a:lstStyle>
+          <a:p>
+            <a:r>
+              <a:rPr lang="zh-TW" altLang="en-US" sz="4000" b="1" dirty="0">
+                <a:latin typeface="Adobe 楷体 Std R" pitchFamily="18" charset="-128"/>
+                <a:ea typeface="Adobe 楷体 Std R" pitchFamily="18" charset="-128"/>
+              </a:rPr>
               <a:t>未來展望</a:t>
             </a:r>
             <a:endParaRPr lang="zh-CN" altLang="en-US" sz="4000" b="1" dirty="0">
@@ -4513,7 +11822,7 @@
 </p:sld>
 </file>
 
-<file path=ppt/slides/slide13.xml><?xml version="1.0" encoding="utf-8"?>
+<file path=ppt/slides/slide19.xml><?xml version="1.0" encoding="utf-8"?>
 <p:sld xmlns:a="http://schemas.openxmlformats.org/drawingml/2006/main" xmlns:r="http://schemas.openxmlformats.org/officeDocument/2006/relationships" xmlns:p="http://schemas.openxmlformats.org/presentationml/2006/main">
   <p:cSld>
     <p:spTree>
@@ -5536,11 +12845,11 @@
             <a:p>
               <a:r>
                 <a:rPr lang="zh-TW" altLang="en-US" b="1" dirty="0"/>
-                <a:t>使用軟體</a:t>
+                <a:t>主要</a:t>
               </a:r>
               <a:r>
                 <a:rPr lang="zh-TW" altLang="en-US" b="1" dirty="0" smtClean="0"/>
-                <a:t>表</a:t>
+                <a:t>軟體表</a:t>
               </a:r>
               <a:endParaRPr lang="en-US" altLang="zh-TW" b="1" dirty="0"/>
             </a:p>
@@ -6573,7 +13882,6 @@
               <a:rPr lang="zh-TW" altLang="en-US" sz="1600" dirty="0"/>
               <a:t>。</a:t>
             </a:r>
-            <a:endParaRPr lang="zh-TW" altLang="en-US" sz="1600" dirty="0"/>
           </a:p>
           <a:p>
             <a:r>
@@ -9915,7 +17223,7 @@
                 <a:uFillTx/>
                 <a:latin typeface="Arial"/>
               </a:rPr>
-              <a:t>劍靈算命</a:t>
+              <a:t>劍</a:t>
             </a:r>
             <a:r>
               <a:rPr kumimoji="0" lang="zh-TW" altLang="en-US" sz="1400" b="1" i="0" u="none" strike="noStrike" kern="0" cap="none" spc="-1" normalizeH="0" baseline="0" noProof="0" dirty="0" smtClean="0">
@@ -9930,7 +17238,7 @@
                 <a:uFillTx/>
                 <a:latin typeface="Arial"/>
               </a:rPr>
-              <a:t>網</a:t>
+              <a:t>靈命理網</a:t>
             </a:r>
             <a:endParaRPr kumimoji="0" lang="en-US" altLang="zh-TW" sz="1400" b="1" i="0" u="none" strike="noStrike" kern="0" cap="none" spc="-1" normalizeH="0" baseline="0" noProof="0" dirty="0" smtClean="0">
               <a:ln>
@@ -16478,7 +23786,21 @@
                 <a:latin typeface="Adobe 楷体 Std R" pitchFamily="18" charset="-128"/>
                 <a:ea typeface="Adobe 楷体 Std R" pitchFamily="18" charset="-128"/>
               </a:rPr>
-              <a:t>使用軟體表</a:t>
+              <a:t>主要</a:t>
+            </a:r>
+            <a:r>
+              <a:rPr lang="zh-TW" altLang="en-US" sz="4000" b="1" dirty="0" smtClean="0">
+                <a:latin typeface="Adobe 楷体 Std R" pitchFamily="18" charset="-128"/>
+                <a:ea typeface="Adobe 楷体 Std R" pitchFamily="18" charset="-128"/>
+              </a:rPr>
+              <a:t>軟體</a:t>
+            </a:r>
+            <a:r>
+              <a:rPr lang="zh-TW" altLang="en-US" sz="4000" b="1" dirty="0">
+                <a:latin typeface="Adobe 楷体 Std R" pitchFamily="18" charset="-128"/>
+                <a:ea typeface="Adobe 楷体 Std R" pitchFamily="18" charset="-128"/>
+              </a:rPr>
+              <a:t>表</a:t>
             </a:r>
             <a:endParaRPr lang="en-US" altLang="zh-TW" sz="4000" b="1" dirty="0">
               <a:latin typeface="Adobe 楷体 Std R" pitchFamily="18" charset="-128"/>
@@ -17489,19 +24811,7 @@
             <a:p>
               <a:r>
                 <a:rPr lang="zh-TW" altLang="en-US" b="1" dirty="0" smtClean="0"/>
-                <a:t>輔助檢查</a:t>
-              </a:r>
-              <a:r>
-                <a:rPr lang="zh-TW" altLang="en-US" b="1" dirty="0"/>
-                <a:t>人為</a:t>
-              </a:r>
-              <a:r>
-                <a:rPr lang="en-US" altLang="zh-TW" b="1" dirty="0" smtClean="0"/>
-                <a:t>key</a:t>
-              </a:r>
-              <a:r>
-                <a:rPr lang="zh-TW" altLang="en-US" b="1" dirty="0" smtClean="0"/>
-                <a:t>錯、</a:t>
+                <a:t>輔助檢查人為錯誤、</a:t>
               </a:r>
               <a:r>
                 <a:rPr lang="en-US" altLang="zh-TW" b="1" dirty="0" smtClean="0"/>
@@ -18171,28 +25481,7 @@
                 <a:latin typeface="Adobe 楷体 Std R" pitchFamily="18" charset="-128"/>
                 <a:ea typeface="Adobe 楷体 Std R" pitchFamily="18" charset="-128"/>
               </a:rPr>
-              <a:t> </a:t>
-            </a:r>
-            <a:r>
-              <a:rPr lang="zh-TW" altLang="en-US" sz="1600" dirty="0" smtClean="0">
-                <a:latin typeface="Adobe 楷体 Std R" pitchFamily="18" charset="-128"/>
-                <a:ea typeface="Adobe 楷体 Std R" pitchFamily="18" charset="-128"/>
-              </a:rPr>
-              <a:t>金融</a:t>
-            </a:r>
-            <a:r>
-              <a:rPr lang="zh-TW" altLang="en-US" sz="1600" dirty="0" smtClean="0">
-                <a:latin typeface="Adobe 楷体 Std R" pitchFamily="18" charset="-128"/>
-                <a:ea typeface="Adobe 楷体 Std R" pitchFamily="18" charset="-128"/>
-              </a:rPr>
-              <a:t>科技、</a:t>
-            </a:r>
-            <a:r>
-              <a:rPr lang="zh-TW" altLang="en-US" sz="1600" dirty="0" smtClean="0">
-                <a:latin typeface="Adobe 楷体 Std R" pitchFamily="18" charset="-128"/>
-                <a:ea typeface="Adobe 楷体 Std R" pitchFamily="18" charset="-128"/>
-              </a:rPr>
-              <a:t>半導體</a:t>
+              <a:t> 金融科技、半導體</a:t>
             </a:r>
             <a:r>
               <a:rPr lang="en-US" altLang="zh-TW" sz="1600" dirty="0" smtClean="0">
@@ -18244,21 +25533,7 @@
                 <a:latin typeface="Adobe 楷体 Std R" pitchFamily="18" charset="-128"/>
                 <a:ea typeface="Adobe 楷体 Std R" pitchFamily="18" charset="-128"/>
               </a:rPr>
-              <a:t> 理財</a:t>
-            </a:r>
-            <a:r>
-              <a:rPr lang="zh-TW" altLang="en-US" sz="1600" dirty="0" smtClean="0">
-                <a:latin typeface="Adobe 楷体 Std R" pitchFamily="18" charset="-128"/>
-                <a:ea typeface="Adobe 楷体 Std R" pitchFamily="18" charset="-128"/>
-              </a:rPr>
-              <a:t>投資、</a:t>
-            </a:r>
-            <a:r>
-              <a:rPr lang="zh-TW" altLang="en-US" sz="1600" dirty="0" smtClean="0">
-                <a:latin typeface="Adobe 楷体 Std R" pitchFamily="18" charset="-128"/>
-                <a:ea typeface="Adobe 楷体 Std R" pitchFamily="18" charset="-128"/>
-              </a:rPr>
-              <a:t>資訊安全</a:t>
+              <a:t> 理財投資、資訊安全</a:t>
             </a:r>
             <a:r>
               <a:rPr lang="en-US" altLang="zh-TW" sz="1600" dirty="0" smtClean="0">
@@ -18383,14 +25658,7 @@
                 <a:latin typeface="Adobe 楷体 Std R" pitchFamily="18" charset="-128"/>
                 <a:ea typeface="Adobe 楷体 Std R" pitchFamily="18" charset="-128"/>
               </a:rPr>
-              <a:t>、普</a:t>
-            </a:r>
-            <a:r>
-              <a:rPr lang="zh-TW" altLang="en-US" sz="1600" dirty="0" smtClean="0">
-                <a:latin typeface="Adobe 楷体 Std R" pitchFamily="18" charset="-128"/>
-                <a:ea typeface="Adobe 楷体 Std R" pitchFamily="18" charset="-128"/>
-              </a:rPr>
-              <a:t>鴻</a:t>
+              <a:t>、普鴻</a:t>
             </a:r>
             <a:r>
               <a:rPr lang="en-US" altLang="zh-TW" sz="1600" dirty="0">
@@ -19998,14 +27266,7 @@
                 <a:latin typeface="Adobe 楷体 Std R" pitchFamily="18" charset="-128"/>
                 <a:ea typeface="Adobe 楷体 Std R" pitchFamily="18" charset="-128"/>
               </a:rPr>
-              <a:t>理財</a:t>
-            </a:r>
-            <a:r>
-              <a:rPr lang="zh-TW" altLang="en-US" sz="1600" dirty="0" smtClean="0">
-                <a:latin typeface="Adobe 楷体 Std R" pitchFamily="18" charset="-128"/>
-                <a:ea typeface="Adobe 楷体 Std R" pitchFamily="18" charset="-128"/>
-              </a:rPr>
-              <a:t>投資</a:t>
+              <a:t>理財投資</a:t>
             </a:r>
             <a:r>
               <a:rPr lang="en-US" altLang="zh-TW" sz="1600" dirty="0">
@@ -20289,11 +27550,11 @@
             </a:r>
             <a:r>
               <a:rPr lang="zh-TW" altLang="en-US" dirty="0"/>
-              <a:t> 檔</a:t>
-            </a:r>
-            <a:r>
-              <a:rPr lang="en-US" altLang="zh-TW" dirty="0"/>
-              <a:t>:</a:t>
+              <a:t> </a:t>
+            </a:r>
+            <a:r>
+              <a:rPr lang="zh-TW" altLang="en-US" dirty="0" smtClean="0"/>
+              <a:t>檔</a:t>
             </a:r>
             <a:endParaRPr lang="zh-TW" altLang="en-US" dirty="0"/>
           </a:p>
@@ -20571,14 +27832,7 @@
                 <a:latin typeface="Adobe 楷体 Std R" pitchFamily="18" charset="-128"/>
                 <a:ea typeface="Adobe 楷体 Std R" pitchFamily="18" charset="-128"/>
               </a:rPr>
-              <a:t> 並配合財報</a:t>
-            </a:r>
-            <a:r>
-              <a:rPr lang="zh-TW" altLang="en-US" sz="1600" dirty="0" smtClean="0">
-                <a:latin typeface="Adobe 楷体 Std R" pitchFamily="18" charset="-128"/>
-                <a:ea typeface="Adobe 楷体 Std R" pitchFamily="18" charset="-128"/>
-              </a:rPr>
-              <a:t>狗</a:t>
+              <a:t> 並配合財報狗</a:t>
             </a:r>
             <a:r>
               <a:rPr lang="zh-TW" altLang="en-US" sz="1600" dirty="0">
@@ -20870,19 +28124,11 @@
             </a:r>
             <a:r>
               <a:rPr lang="zh-TW" altLang="en-US" dirty="0"/>
-              <a:t> </a:t>
-            </a:r>
-            <a:r>
-              <a:rPr lang="zh-TW" altLang="en-US" dirty="0"/>
-              <a:t>爬蟲</a:t>
-            </a:r>
-            <a:r>
-              <a:rPr lang="zh-TW" altLang="en-US" dirty="0"/>
+              <a:t> 爬蟲</a:t>
+            </a:r>
+            <a:r>
+              <a:rPr lang="zh-TW" altLang="en-US" dirty="0" smtClean="0"/>
               <a:t>程式</a:t>
-            </a:r>
-            <a:r>
-              <a:rPr lang="en-US" altLang="zh-TW" dirty="0"/>
-              <a:t>:</a:t>
             </a:r>
             <a:endParaRPr lang="zh-TW" altLang="en-US" dirty="0"/>
           </a:p>
@@ -21175,6 +28421,70 @@
           </a:p>
         </p:txBody>
       </p:sp>
+      <p:pic>
+        <p:nvPicPr>
+          <p:cNvPr id="2" name="Picture 2"/>
+          <p:cNvPicPr>
+            <a:picLocks noChangeAspect="1" noChangeArrowheads="1"/>
+          </p:cNvPicPr>
+          <p:nvPr/>
+        </p:nvPicPr>
+        <p:blipFill>
+          <a:blip r:embed="rId9">
+            <a:extLst>
+              <a:ext uri="{28A0092B-C50C-407E-A947-70E740481C1C}">
+                <a14:useLocalDpi xmlns:a14="http://schemas.microsoft.com/office/drawing/2010/main" val="0"/>
+              </a:ext>
+            </a:extLst>
+          </a:blip>
+          <a:srcRect/>
+          <a:stretch>
+            <a:fillRect/>
+          </a:stretch>
+        </p:blipFill>
+        <p:spPr bwMode="auto">
+          <a:xfrm>
+            <a:off x="8130965" y="946689"/>
+            <a:ext cx="457200" cy="476250"/>
+          </a:xfrm>
+          <a:prstGeom prst="rect">
+            <a:avLst/>
+          </a:prstGeom>
+          <a:noFill/>
+          <a:ln>
+            <a:noFill/>
+          </a:ln>
+          <a:effectLst/>
+          <a:extLst>
+            <a:ext uri="{909E8E84-426E-40DD-AFC4-6F175D3DCCD1}">
+              <a14:hiddenFill xmlns:a14="http://schemas.microsoft.com/office/drawing/2010/main">
+                <a:solidFill>
+                  <a:schemeClr val="accent1"/>
+                </a:solidFill>
+              </a14:hiddenFill>
+            </a:ext>
+            <a:ext uri="{91240B29-F687-4F45-9708-019B960494DF}">
+              <a14:hiddenLine xmlns:a14="http://schemas.microsoft.com/office/drawing/2010/main" w="9525">
+                <a:solidFill>
+                  <a:schemeClr val="tx1"/>
+                </a:solidFill>
+                <a:miter lim="800000"/>
+                <a:headEnd/>
+                <a:tailEnd/>
+              </a14:hiddenLine>
+            </a:ext>
+            <a:ext uri="{AF507438-7753-43E0-B8FC-AC1667EBCBE1}">
+              <a14:hiddenEffects xmlns:a14="http://schemas.microsoft.com/office/drawing/2010/main">
+                <a:effectLst>
+                  <a:outerShdw dist="35921" dir="2700000" algn="ctr" rotWithShape="0">
+                    <a:schemeClr val="bg2"/>
+                  </a:outerShdw>
+                </a:effectLst>
+              </a14:hiddenEffects>
+            </a:ext>
+          </a:extLst>
+        </p:spPr>
+      </p:pic>
     </p:spTree>
     <p:extLst>
       <p:ext uri="{BB962C8B-B14F-4D97-AF65-F5344CB8AC3E}">
@@ -21393,7 +28703,7 @@
                 <a:t>擷取</a:t>
               </a:r>
               <a:r>
-                <a:rPr lang="en-US" altLang="zh-TW" sz="2800" b="1" dirty="0" err="1" smtClean="0">
+                <a:rPr lang="en-US" altLang="zh-TW" sz="2800" b="1" dirty="0" smtClean="0">
                   <a:solidFill>
                     <a:srgbClr val="0000CC"/>
                   </a:solidFill>
@@ -21421,14 +28731,7 @@
                   <a:latin typeface="Adobe 楷体 Std R" pitchFamily="18" charset="-128"/>
                   <a:ea typeface="Adobe 楷体 Std R" pitchFamily="18" charset="-128"/>
                 </a:rPr>
-                <a:t>累季資料上</a:t>
-              </a:r>
-              <a:r>
-                <a:rPr lang="zh-TW" altLang="en-US" sz="2800" b="1" dirty="0" smtClean="0">
-                  <a:latin typeface="Adobe 楷体 Std R" pitchFamily="18" charset="-128"/>
-                  <a:ea typeface="Adobe 楷体 Std R" pitchFamily="18" charset="-128"/>
-                </a:rPr>
-                <a:t>傳</a:t>
+                <a:t>累季資料上傳</a:t>
               </a:r>
               <a:r>
                 <a:rPr lang="en-US" altLang="zh-TW" sz="2800" b="1" dirty="0">
@@ -21740,14 +29043,7 @@
                   <a:latin typeface="Adobe 楷体 Std R" pitchFamily="18" charset="-128"/>
                   <a:ea typeface="Adobe 楷体 Std R" pitchFamily="18" charset="-128"/>
                 </a:rPr>
-                <a:t>及</a:t>
-              </a:r>
-              <a:r>
-                <a:rPr lang="zh-TW" altLang="en-US" sz="2400" b="1" dirty="0" smtClean="0">
-                  <a:latin typeface="Adobe 楷体 Std R" pitchFamily="18" charset="-128"/>
-                  <a:ea typeface="Adobe 楷体 Std R" pitchFamily="18" charset="-128"/>
-                </a:rPr>
-                <a:t>上傳</a:t>
+                <a:t>及上傳</a:t>
               </a:r>
               <a:r>
                 <a:rPr lang="en-US" altLang="zh-TW" sz="2400" b="1" dirty="0" smtClean="0">
@@ -21816,14 +29112,7 @@
                 <a:latin typeface="Adobe 楷体 Std R" pitchFamily="18" charset="-128"/>
                 <a:ea typeface="Adobe 楷体 Std R" pitchFamily="18" charset="-128"/>
               </a:rPr>
-              <a:t>2453</a:t>
-            </a:r>
-            <a:r>
-              <a:rPr lang="en-US" altLang="zh-TW" sz="1600" dirty="0" smtClean="0">
-                <a:latin typeface="Adobe 楷体 Std R" pitchFamily="18" charset="-128"/>
-                <a:ea typeface="Adobe 楷体 Std R" pitchFamily="18" charset="-128"/>
-              </a:rPr>
-              <a:t>...</a:t>
+              <a:t>2453...</a:t>
             </a:r>
             <a:r>
               <a:rPr lang="zh-TW" altLang="en-US" sz="1600" dirty="0">
@@ -22338,28 +29627,54 @@
                 <a:latin typeface="Adobe 楷体 Std R" pitchFamily="18" charset="-128"/>
                 <a:ea typeface="Adobe 楷体 Std R" pitchFamily="18" charset="-128"/>
               </a:rPr>
-              <a:t>爬蟲並</a:t>
+              <a:t>爬蟲並配合財報狗</a:t>
+            </a:r>
+            <a:r>
+              <a:rPr lang="zh-TW" altLang="en-US" sz="1600" dirty="0">
+                <a:latin typeface="Adobe 楷体 Std R" pitchFamily="18" charset="-128"/>
+                <a:ea typeface="Adobe 楷体 Std R" pitchFamily="18" charset="-128"/>
+              </a:rPr>
+              <a:t>資料</a:t>
             </a:r>
             <a:r>
               <a:rPr lang="zh-TW" altLang="en-US" sz="1600" dirty="0" smtClean="0">
-                <a:latin typeface="Adobe 楷体 Std R" pitchFamily="18" charset="-128"/>
-                <a:ea typeface="Adobe 楷体 Std R" pitchFamily="18" charset="-128"/>
-              </a:rPr>
-              <a:t>配合財報</a:t>
+                <a:solidFill>
+                  <a:srgbClr val="0000CC"/>
+                </a:solidFill>
+                <a:latin typeface="Adobe 楷体 Std R" pitchFamily="18" charset="-128"/>
+                <a:ea typeface="Adobe 楷体 Std R" pitchFamily="18" charset="-128"/>
+              </a:rPr>
+              <a:t>依</a:t>
+            </a:r>
+            <a:r>
+              <a:rPr lang="en-US" altLang="zh-TW" sz="1600" dirty="0" smtClean="0">
+                <a:solidFill>
+                  <a:srgbClr val="0000CC"/>
+                </a:solidFill>
+                <a:latin typeface="Adobe 楷体 Std R" pitchFamily="18" charset="-128"/>
+                <a:ea typeface="Adobe 楷体 Std R" pitchFamily="18" charset="-128"/>
+              </a:rPr>
+              <a:t>”</a:t>
             </a:r>
             <a:r>
               <a:rPr lang="zh-TW" altLang="en-US" sz="1600" dirty="0" smtClean="0">
-                <a:latin typeface="Adobe 楷体 Std R" pitchFamily="18" charset="-128"/>
-                <a:ea typeface="Adobe 楷体 Std R" pitchFamily="18" charset="-128"/>
-              </a:rPr>
-              <a:t>狗</a:t>
-            </a:r>
-            <a:r>
-              <a:rPr lang="zh-TW" altLang="en-US" sz="1600" dirty="0">
-                <a:latin typeface="Adobe 楷体 Std R" pitchFamily="18" charset="-128"/>
-                <a:ea typeface="Adobe 楷体 Std R" pitchFamily="18" charset="-128"/>
-              </a:rPr>
-              <a:t>資料</a:t>
+                <a:solidFill>
+                  <a:srgbClr val="0000CC"/>
+                </a:solidFill>
+                <a:latin typeface="Adobe 楷体 Std R" pitchFamily="18" charset="-128"/>
+                <a:ea typeface="Adobe 楷体 Std R" pitchFamily="18" charset="-128"/>
+              </a:rPr>
+              <a:t>股票代號</a:t>
+            </a:r>
+            <a:r>
+              <a:rPr lang="en-US" altLang="zh-TW" sz="1600" dirty="0" smtClean="0">
+                <a:solidFill>
+                  <a:srgbClr val="0000CC"/>
+                </a:solidFill>
+                <a:latin typeface="Adobe 楷体 Std R" pitchFamily="18" charset="-128"/>
+                <a:ea typeface="Adobe 楷体 Std R" pitchFamily="18" charset="-128"/>
+              </a:rPr>
+              <a:t>”</a:t>
             </a:r>
             <a:r>
               <a:rPr lang="zh-TW" altLang="en-US" sz="1600" dirty="0" smtClean="0">
@@ -22369,68 +29684,21 @@
                 <a:latin typeface="Adobe 楷体 Std R" pitchFamily="18" charset="-128"/>
                 <a:ea typeface="Adobe 楷体 Std R" pitchFamily="18" charset="-128"/>
               </a:rPr>
-              <a:t>依</a:t>
+              <a:t>做關聯鍵</a:t>
             </a:r>
             <a:r>
               <a:rPr lang="en-US" altLang="zh-TW" sz="1600" dirty="0" smtClean="0">
-                <a:solidFill>
-                  <a:srgbClr val="0000CC"/>
-                </a:solidFill>
-                <a:latin typeface="Adobe 楷体 Std R" pitchFamily="18" charset="-128"/>
-                <a:ea typeface="Adobe 楷体 Std R" pitchFamily="18" charset="-128"/>
-              </a:rPr>
-              <a:t>”</a:t>
+                <a:latin typeface="Adobe 楷体 Std R" pitchFamily="18" charset="-128"/>
+                <a:ea typeface="Adobe 楷体 Std R" pitchFamily="18" charset="-128"/>
+              </a:rPr>
+              <a:t>,</a:t>
             </a:r>
             <a:r>
               <a:rPr lang="zh-TW" altLang="en-US" sz="1600" dirty="0" smtClean="0">
-                <a:solidFill>
-                  <a:srgbClr val="0000CC"/>
-                </a:solidFill>
-                <a:latin typeface="Adobe 楷体 Std R" pitchFamily="18" charset="-128"/>
-                <a:ea typeface="Adobe 楷体 Std R" pitchFamily="18" charset="-128"/>
-              </a:rPr>
-              <a:t>股票代號</a:t>
-            </a:r>
-            <a:r>
-              <a:rPr lang="en-US" altLang="zh-TW" sz="1600" dirty="0" smtClean="0">
-                <a:solidFill>
-                  <a:srgbClr val="0000CC"/>
-                </a:solidFill>
-                <a:latin typeface="Adobe 楷体 Std R" pitchFamily="18" charset="-128"/>
-                <a:ea typeface="Adobe 楷体 Std R" pitchFamily="18" charset="-128"/>
-              </a:rPr>
-              <a:t>”</a:t>
-            </a:r>
-            <a:r>
-              <a:rPr lang="zh-TW" altLang="en-US" sz="1600" dirty="0" smtClean="0">
-                <a:solidFill>
-                  <a:srgbClr val="0000CC"/>
-                </a:solidFill>
-                <a:latin typeface="Adobe 楷体 Std R" pitchFamily="18" charset="-128"/>
-                <a:ea typeface="Adobe 楷体 Std R" pitchFamily="18" charset="-128"/>
-              </a:rPr>
-              <a:t>做關聯鍵</a:t>
-            </a:r>
-            <a:r>
-              <a:rPr lang="en-US" altLang="zh-TW" sz="1600" dirty="0" smtClean="0">
-                <a:latin typeface="Adobe 楷体 Std R" pitchFamily="18" charset="-128"/>
-                <a:ea typeface="Adobe 楷体 Std R" pitchFamily="18" charset="-128"/>
-              </a:rPr>
-              <a:t>,</a:t>
-            </a:r>
-            <a:r>
-              <a:rPr lang="zh-TW" altLang="en-US" sz="1600" dirty="0" smtClean="0">
-                <a:latin typeface="Adobe 楷体 Std R" pitchFamily="18" charset="-128"/>
-                <a:ea typeface="Adobe 楷体 Std R" pitchFamily="18" charset="-128"/>
-              </a:rPr>
-              <a:t> </a:t>
-            </a:r>
-            <a:r>
-              <a:rPr lang="zh-TW" altLang="en-US" sz="1600" dirty="0" smtClean="0">
-                <a:latin typeface="Adobe 楷体 Std R" pitchFamily="18" charset="-128"/>
-                <a:ea typeface="Adobe 楷体 Std R" pitchFamily="18" charset="-128"/>
-              </a:rPr>
-              <a:t>擷取公司累季</a:t>
+                <a:latin typeface="Adobe 楷体 Std R" pitchFamily="18" charset="-128"/>
+                <a:ea typeface="Adobe 楷体 Std R" pitchFamily="18" charset="-128"/>
+              </a:rPr>
+              <a:t> 擷取公司累季</a:t>
             </a:r>
             <a:r>
               <a:rPr lang="en-US" altLang="zh-TW" sz="1600" dirty="0" smtClean="0">
@@ -22613,7 +29881,7 @@
         <p:spPr>
           <a:xfrm>
             <a:off x="3357803" y="2479864"/>
-            <a:ext cx="1024639" cy="276999"/>
+            <a:ext cx="955711" cy="276999"/>
           </a:xfrm>
           <a:prstGeom prst="rect">
             <a:avLst/>
@@ -22665,16 +29933,6 @@
                 <a:ea typeface="Adobe 楷体 Std R" pitchFamily="18" charset="-128"/>
               </a:rPr>
               <a:t>程式</a:t>
-            </a:r>
-            <a:r>
-              <a:rPr lang="en-US" altLang="zh-TW" sz="1200" dirty="0" smtClean="0">
-                <a:solidFill>
-                  <a:srgbClr val="FF0000"/>
-                </a:solidFill>
-                <a:latin typeface="Adobe 楷体 Std R" pitchFamily="18" charset="-128"/>
-                <a:ea typeface="Adobe 楷体 Std R" pitchFamily="18" charset="-128"/>
-              </a:rPr>
-              <a:t>:</a:t>
             </a:r>
             <a:endParaRPr lang="zh-TW" altLang="en-US" sz="1200" dirty="0">
               <a:solidFill>

--- a/套版 墨竹.pptx
+++ b/套版 墨竹.pptx
@@ -5,7 +5,7 @@
     <p:sldMasterId id="2147483648" r:id="rId1"/>
   </p:sldMasterIdLst>
   <p:notesMasterIdLst>
-    <p:notesMasterId r:id="rId21"/>
+    <p:notesMasterId r:id="rId22"/>
   </p:notesMasterIdLst>
   <p:sldIdLst>
     <p:sldId id="256" r:id="rId2"/>
@@ -17,16 +17,17 @@
     <p:sldId id="272" r:id="rId8"/>
     <p:sldId id="277" r:id="rId9"/>
     <p:sldId id="280" r:id="rId10"/>
-    <p:sldId id="283" r:id="rId11"/>
-    <p:sldId id="281" r:id="rId12"/>
-    <p:sldId id="285" r:id="rId13"/>
-    <p:sldId id="282" r:id="rId14"/>
-    <p:sldId id="284" r:id="rId15"/>
-    <p:sldId id="286" r:id="rId16"/>
-    <p:sldId id="276" r:id="rId17"/>
-    <p:sldId id="278" r:id="rId18"/>
-    <p:sldId id="279" r:id="rId19"/>
-    <p:sldId id="263" r:id="rId20"/>
+    <p:sldId id="282" r:id="rId11"/>
+    <p:sldId id="283" r:id="rId12"/>
+    <p:sldId id="281" r:id="rId13"/>
+    <p:sldId id="285" r:id="rId14"/>
+    <p:sldId id="287" r:id="rId15"/>
+    <p:sldId id="284" r:id="rId16"/>
+    <p:sldId id="286" r:id="rId17"/>
+    <p:sldId id="276" r:id="rId18"/>
+    <p:sldId id="278" r:id="rId19"/>
+    <p:sldId id="279" r:id="rId20"/>
+    <p:sldId id="263" r:id="rId21"/>
   </p:sldIdLst>
   <p:sldSz cx="9144000" cy="5143500" type="screen16x9"/>
   <p:notesSz cx="6858000" cy="9144000"/>
@@ -127,7 +128,7 @@
   </p:defaultTextStyle>
   <p:extLst>
     <p:ext uri="{EFAFB233-063F-42B5-8137-9DF3F51BA10A}">
-      <p15:sldGuideLst xmlns:p15="http://schemas.microsoft.com/office/powerpoint/2012/main" xmlns="">
+      <p15:sldGuideLst xmlns="" xmlns:p15="http://schemas.microsoft.com/office/powerpoint/2012/main">
         <p15:guide id="1" orient="horz" pos="1620">
           <p15:clr>
             <a:srgbClr val="A4A3A4"/>
@@ -227,7 +228,7 @@
             <a:fld id="{11CB3CA2-8227-4BCE-B67B-FFC5DC914470}" type="datetimeFigureOut">
               <a:rPr lang="zh-CN" altLang="en-US" smtClean="0"/>
               <a:pPr/>
-              <a:t>2023/3/30</a:t>
+              <a:t>2023/4/2</a:t>
             </a:fld>
             <a:endParaRPr lang="zh-CN" altLang="en-US"/>
           </a:p>
@@ -732,7 +733,7 @@
             <a:fld id="{740EEF4B-1F10-410F-986B-F2B71121153F}" type="slidenum">
               <a:rPr lang="zh-CN" altLang="en-US" smtClean="0"/>
               <a:pPr/>
-              <a:t>19</a:t>
+              <a:t>20</a:t>
             </a:fld>
             <a:endParaRPr lang="zh-CN" altLang="en-US"/>
           </a:p>
@@ -933,7 +934,7 @@
             <a:fld id="{530820CF-B880-4189-942D-D702A7CBA730}" type="datetimeFigureOut">
               <a:rPr lang="zh-CN" altLang="en-US" smtClean="0"/>
               <a:pPr/>
-              <a:t>2023/3/30</a:t>
+              <a:t>2023/4/2</a:t>
             </a:fld>
             <a:endParaRPr lang="zh-CN" altLang="en-US"/>
           </a:p>
@@ -1107,7 +1108,7 @@
             <a:fld id="{530820CF-B880-4189-942D-D702A7CBA730}" type="datetimeFigureOut">
               <a:rPr lang="zh-CN" altLang="en-US" smtClean="0"/>
               <a:pPr/>
-              <a:t>2023/3/30</a:t>
+              <a:t>2023/4/2</a:t>
             </a:fld>
             <a:endParaRPr lang="zh-CN" altLang="en-US"/>
           </a:p>
@@ -1291,7 +1292,7 @@
             <a:fld id="{530820CF-B880-4189-942D-D702A7CBA730}" type="datetimeFigureOut">
               <a:rPr lang="zh-CN" altLang="en-US" smtClean="0"/>
               <a:pPr/>
-              <a:t>2023/3/30</a:t>
+              <a:t>2023/4/2</a:t>
             </a:fld>
             <a:endParaRPr lang="zh-CN" altLang="en-US"/>
           </a:p>
@@ -1465,7 +1466,7 @@
             <a:fld id="{530820CF-B880-4189-942D-D702A7CBA730}" type="datetimeFigureOut">
               <a:rPr lang="zh-CN" altLang="en-US" smtClean="0"/>
               <a:pPr/>
-              <a:t>2023/3/30</a:t>
+              <a:t>2023/4/2</a:t>
             </a:fld>
             <a:endParaRPr lang="zh-CN" altLang="en-US"/>
           </a:p>
@@ -1715,7 +1716,7 @@
             <a:fld id="{530820CF-B880-4189-942D-D702A7CBA730}" type="datetimeFigureOut">
               <a:rPr lang="zh-CN" altLang="en-US" smtClean="0"/>
               <a:pPr/>
-              <a:t>2023/3/30</a:t>
+              <a:t>2023/4/2</a:t>
             </a:fld>
             <a:endParaRPr lang="zh-CN" altLang="en-US"/>
           </a:p>
@@ -2007,7 +2008,7 @@
             <a:fld id="{530820CF-B880-4189-942D-D702A7CBA730}" type="datetimeFigureOut">
               <a:rPr lang="zh-CN" altLang="en-US" smtClean="0"/>
               <a:pPr/>
-              <a:t>2023/3/30</a:t>
+              <a:t>2023/4/2</a:t>
             </a:fld>
             <a:endParaRPr lang="zh-CN" altLang="en-US"/>
           </a:p>
@@ -2433,7 +2434,7 @@
             <a:fld id="{530820CF-B880-4189-942D-D702A7CBA730}" type="datetimeFigureOut">
               <a:rPr lang="zh-CN" altLang="en-US" smtClean="0"/>
               <a:pPr/>
-              <a:t>2023/3/30</a:t>
+              <a:t>2023/4/2</a:t>
             </a:fld>
             <a:endParaRPr lang="zh-CN" altLang="en-US"/>
           </a:p>
@@ -2532,7 +2533,7 @@
             <a:fld id="{530820CF-B880-4189-942D-D702A7CBA730}" type="datetimeFigureOut">
               <a:rPr lang="zh-CN" altLang="en-US" smtClean="0"/>
               <a:pPr/>
-              <a:t>2023/3/30</a:t>
+              <a:t>2023/4/2</a:t>
             </a:fld>
             <a:endParaRPr lang="zh-CN" altLang="en-US"/>
           </a:p>
@@ -2774,7 +2775,7 @@
             <a:fld id="{530820CF-B880-4189-942D-D702A7CBA730}" type="datetimeFigureOut">
               <a:rPr lang="zh-CN" altLang="en-US" smtClean="0"/>
               <a:pPr/>
-              <a:t>2023/3/30</a:t>
+              <a:t>2023/4/2</a:t>
             </a:fld>
             <a:endParaRPr lang="zh-CN" altLang="en-US"/>
           </a:p>
@@ -3055,7 +3056,7 @@
             <a:fld id="{530820CF-B880-4189-942D-D702A7CBA730}" type="datetimeFigureOut">
               <a:rPr lang="zh-CN" altLang="en-US" smtClean="0"/>
               <a:pPr/>
-              <a:t>2023/3/30</a:t>
+              <a:t>2023/4/2</a:t>
             </a:fld>
             <a:endParaRPr lang="zh-CN" altLang="en-US"/>
           </a:p>
@@ -3312,7 +3313,7 @@
             <a:fld id="{530820CF-B880-4189-942D-D702A7CBA730}" type="datetimeFigureOut">
               <a:rPr lang="zh-CN" altLang="en-US" smtClean="0"/>
               <a:pPr/>
-              <a:t>2023/3/30</a:t>
+              <a:t>2023/4/2</a:t>
             </a:fld>
             <a:endParaRPr lang="zh-CN" altLang="en-US"/>
           </a:p>
@@ -3529,7 +3530,7 @@
             <a:fld id="{530820CF-B880-4189-942D-D702A7CBA730}" type="datetimeFigureOut">
               <a:rPr lang="zh-CN" altLang="en-US" smtClean="0"/>
               <a:pPr/>
-              <a:t>2023/3/30</a:t>
+              <a:t>2023/4/2</a:t>
             </a:fld>
             <a:endParaRPr lang="zh-CN" altLang="en-US"/>
           </a:p>
@@ -4283,6 +4284,1258 @@
           <a:chExt cx="0" cy="0"/>
         </a:xfrm>
       </p:grpSpPr>
+      <p:pic>
+        <p:nvPicPr>
+          <p:cNvPr id="1027" name="Picture 3"/>
+          <p:cNvPicPr>
+            <a:picLocks noChangeAspect="1" noChangeArrowheads="1"/>
+          </p:cNvPicPr>
+          <p:nvPr/>
+        </p:nvPicPr>
+        <p:blipFill>
+          <a:blip r:embed="rId2">
+            <a:extLst>
+              <a:ext uri="{28A0092B-C50C-407E-A947-70E740481C1C}">
+                <a14:useLocalDpi xmlns:a14="http://schemas.microsoft.com/office/drawing/2010/main" val="0"/>
+              </a:ext>
+            </a:extLst>
+          </a:blip>
+          <a:srcRect/>
+          <a:stretch>
+            <a:fillRect/>
+          </a:stretch>
+        </p:blipFill>
+        <p:spPr bwMode="auto">
+          <a:xfrm>
+            <a:off x="6355396" y="3050184"/>
+            <a:ext cx="2655036" cy="1969837"/>
+          </a:xfrm>
+          <a:prstGeom prst="rect">
+            <a:avLst/>
+          </a:prstGeom>
+          <a:noFill/>
+          <a:ln>
+            <a:noFill/>
+          </a:ln>
+          <a:effectLst/>
+          <a:extLst>
+            <a:ext uri="{909E8E84-426E-40DD-AFC4-6F175D3DCCD1}">
+              <a14:hiddenFill xmlns:a14="http://schemas.microsoft.com/office/drawing/2010/main">
+                <a:solidFill>
+                  <a:schemeClr val="accent1"/>
+                </a:solidFill>
+              </a14:hiddenFill>
+            </a:ext>
+            <a:ext uri="{91240B29-F687-4F45-9708-019B960494DF}">
+              <a14:hiddenLine xmlns:a14="http://schemas.microsoft.com/office/drawing/2010/main" w="9525">
+                <a:solidFill>
+                  <a:schemeClr val="tx1"/>
+                </a:solidFill>
+                <a:miter lim="800000"/>
+                <a:headEnd/>
+                <a:tailEnd/>
+              </a14:hiddenLine>
+            </a:ext>
+            <a:ext uri="{AF507438-7753-43E0-B8FC-AC1667EBCBE1}">
+              <a14:hiddenEffects xmlns:a14="http://schemas.microsoft.com/office/drawing/2010/main">
+                <a:effectLst>
+                  <a:outerShdw dist="35921" dir="2700000" algn="ctr" rotWithShape="0">
+                    <a:schemeClr val="bg2"/>
+                  </a:outerShdw>
+                </a:effectLst>
+              </a14:hiddenEffects>
+            </a:ext>
+          </a:extLst>
+        </p:spPr>
+      </p:pic>
+      <p:grpSp>
+        <p:nvGrpSpPr>
+          <p:cNvPr id="16" name="群組 15"/>
+          <p:cNvGrpSpPr/>
+          <p:nvPr/>
+        </p:nvGrpSpPr>
+        <p:grpSpPr>
+          <a:xfrm>
+            <a:off x="539552" y="555526"/>
+            <a:ext cx="8226660" cy="705664"/>
+            <a:chOff x="539552" y="555526"/>
+            <a:chExt cx="8226660" cy="705664"/>
+          </a:xfrm>
+        </p:grpSpPr>
+        <p:pic>
+          <p:nvPicPr>
+            <p:cNvPr id="11" name="图片 3"/>
+            <p:cNvPicPr>
+              <a:picLocks noChangeAspect="1"/>
+            </p:cNvPicPr>
+            <p:nvPr/>
+          </p:nvPicPr>
+          <p:blipFill>
+            <a:blip r:embed="rId3" cstate="email">
+              <a:extLst>
+                <a:ext uri="{28A0092B-C50C-407E-A947-70E740481C1C}">
+                  <a14:useLocalDpi xmlns:a14="http://schemas.microsoft.com/office/drawing/2010/main" val="0"/>
+                </a:ext>
+              </a:extLst>
+            </a:blip>
+            <a:stretch>
+              <a:fillRect/>
+            </a:stretch>
+          </p:blipFill>
+          <p:spPr>
+            <a:xfrm>
+              <a:off x="539552" y="555526"/>
+              <a:ext cx="684076" cy="705664"/>
+            </a:xfrm>
+            <a:prstGeom prst="rect">
+              <a:avLst/>
+            </a:prstGeom>
+          </p:spPr>
+        </p:pic>
+        <p:sp>
+          <p:nvSpPr>
+            <p:cNvPr id="12" name="TextBox 5"/>
+            <p:cNvSpPr txBox="1"/>
+            <p:nvPr/>
+          </p:nvSpPr>
+          <p:spPr>
+            <a:xfrm>
+              <a:off x="603602" y="627533"/>
+              <a:ext cx="576064" cy="461665"/>
+            </a:xfrm>
+            <a:prstGeom prst="rect">
+              <a:avLst/>
+            </a:prstGeom>
+            <a:noFill/>
+          </p:spPr>
+          <p:txBody>
+            <a:bodyPr wrap="square" rtlCol="0">
+              <a:spAutoFit/>
+            </a:bodyPr>
+            <a:lstStyle/>
+            <a:p>
+              <a:pPr algn="ctr"/>
+              <a:r>
+                <a:rPr lang="zh-TW" altLang="en-US" sz="2400" dirty="0">
+                  <a:solidFill>
+                    <a:schemeClr val="bg1"/>
+                  </a:solidFill>
+                  <a:latin typeface="华文隶书" pitchFamily="2" charset="-122"/>
+                  <a:ea typeface="华文隶书" pitchFamily="2" charset="-122"/>
+                </a:rPr>
+                <a:t>四</a:t>
+              </a:r>
+              <a:endParaRPr lang="zh-CN" altLang="en-US" sz="2400" dirty="0">
+                <a:solidFill>
+                  <a:schemeClr val="bg1"/>
+                </a:solidFill>
+                <a:latin typeface="华文隶书" pitchFamily="2" charset="-122"/>
+                <a:ea typeface="华文隶书" pitchFamily="2" charset="-122"/>
+              </a:endParaRPr>
+            </a:p>
+          </p:txBody>
+        </p:sp>
+        <p:sp>
+          <p:nvSpPr>
+            <p:cNvPr id="10" name="TextBox 6"/>
+            <p:cNvSpPr txBox="1"/>
+            <p:nvPr/>
+          </p:nvSpPr>
+          <p:spPr>
+            <a:xfrm>
+              <a:off x="1187624" y="627533"/>
+              <a:ext cx="7578588" cy="523220"/>
+            </a:xfrm>
+            <a:prstGeom prst="rect">
+              <a:avLst/>
+            </a:prstGeom>
+            <a:noFill/>
+          </p:spPr>
+          <p:txBody>
+            <a:bodyPr wrap="square" rtlCol="0">
+              <a:spAutoFit/>
+            </a:bodyPr>
+            <a:lstStyle/>
+            <a:p>
+              <a:r>
+                <a:rPr lang="zh-TW" altLang="en-US" sz="2800" b="1" dirty="0" smtClean="0">
+                  <a:latin typeface="Adobe 楷体 Std R" pitchFamily="18" charset="-128"/>
+                  <a:ea typeface="Adobe 楷体 Std R" pitchFamily="18" charset="-128"/>
+                </a:rPr>
+                <a:t>取</a:t>
+              </a:r>
+              <a:r>
+                <a:rPr lang="en-US" altLang="zh-TW" sz="2800" b="1" dirty="0" smtClean="0">
+                  <a:solidFill>
+                    <a:srgbClr val="0000CC"/>
+                  </a:solidFill>
+                  <a:latin typeface="Adobe 楷体 Std R" pitchFamily="18" charset="-128"/>
+                  <a:ea typeface="Adobe 楷体 Std R" pitchFamily="18" charset="-128"/>
+                </a:rPr>
+                <a:t>Firebase</a:t>
+              </a:r>
+              <a:r>
+                <a:rPr lang="zh-TW" altLang="en-US" sz="2800" b="1" dirty="0" smtClean="0">
+                  <a:solidFill>
+                    <a:srgbClr val="0000CC"/>
+                  </a:solidFill>
+                  <a:latin typeface="Adobe 楷体 Std R" pitchFamily="18" charset="-128"/>
+                  <a:ea typeface="Adobe 楷体 Std R" pitchFamily="18" charset="-128"/>
+                </a:rPr>
+                <a:t> </a:t>
+              </a:r>
+              <a:r>
+                <a:rPr lang="en-US" altLang="zh-TW" sz="2800" b="1" dirty="0" smtClean="0">
+                  <a:latin typeface="Adobe 楷体 Std R" pitchFamily="18" charset="-128"/>
+                  <a:ea typeface="Adobe 楷体 Std R" pitchFamily="18" charset="-128"/>
+                </a:rPr>
+                <a:t>ROE</a:t>
+              </a:r>
+              <a:r>
+                <a:rPr lang="zh-TW" altLang="en-US" sz="2800" b="1" dirty="0" smtClean="0">
+                  <a:latin typeface="Adobe 楷体 Std R" pitchFamily="18" charset="-128"/>
+                  <a:ea typeface="Adobe 楷体 Std R" pitchFamily="18" charset="-128"/>
+                </a:rPr>
+                <a:t>累</a:t>
+              </a:r>
+              <a:r>
+                <a:rPr lang="zh-TW" altLang="en-US" sz="2800" b="1" dirty="0">
+                  <a:latin typeface="Adobe 楷体 Std R" pitchFamily="18" charset="-128"/>
+                  <a:ea typeface="Adobe 楷体 Std R" pitchFamily="18" charset="-128"/>
+                </a:rPr>
+                <a:t>季</a:t>
+              </a:r>
+              <a:r>
+                <a:rPr lang="zh-TW" altLang="en-US" sz="2800" b="1" dirty="0" smtClean="0">
+                  <a:latin typeface="Adobe 楷体 Std R" pitchFamily="18" charset="-128"/>
+                  <a:ea typeface="Adobe 楷体 Std R" pitchFamily="18" charset="-128"/>
+                </a:rPr>
+                <a:t>資料進行下季</a:t>
+              </a:r>
+              <a:r>
+                <a:rPr lang="en-US" altLang="zh-TW" sz="2800" b="1" dirty="0" smtClean="0">
+                  <a:latin typeface="Adobe 楷体 Std R" pitchFamily="18" charset="-128"/>
+                  <a:ea typeface="Adobe 楷体 Std R" pitchFamily="18" charset="-128"/>
+                </a:rPr>
+                <a:t>ROE</a:t>
+              </a:r>
+              <a:r>
+                <a:rPr lang="zh-TW" altLang="en-US" sz="2800" b="1" dirty="0" smtClean="0">
+                  <a:latin typeface="Adobe 楷体 Std R" pitchFamily="18" charset="-128"/>
+                  <a:ea typeface="Adobe 楷体 Std R" pitchFamily="18" charset="-128"/>
+                </a:rPr>
+                <a:t>預測</a:t>
+              </a:r>
+              <a:r>
+                <a:rPr lang="en-US" altLang="zh-TW" sz="2800" b="1" dirty="0" smtClean="0">
+                  <a:latin typeface="Adobe 楷体 Std R" pitchFamily="18" charset="-128"/>
+                  <a:ea typeface="Adobe 楷体 Std R" pitchFamily="18" charset="-128"/>
+                </a:rPr>
+                <a:t>:</a:t>
+              </a:r>
+              <a:endParaRPr lang="en-US" altLang="zh-TW" sz="2800" b="1" dirty="0" smtClean="0">
+                <a:latin typeface="Adobe 楷体 Std R" pitchFamily="18" charset="-128"/>
+                <a:ea typeface="Adobe 楷体 Std R" pitchFamily="18" charset="-128"/>
+              </a:endParaRPr>
+            </a:p>
+          </p:txBody>
+        </p:sp>
+      </p:grpSp>
+      <p:grpSp>
+        <p:nvGrpSpPr>
+          <p:cNvPr id="20" name="群組 19"/>
+          <p:cNvGrpSpPr/>
+          <p:nvPr/>
+        </p:nvGrpSpPr>
+        <p:grpSpPr>
+          <a:xfrm>
+            <a:off x="603602" y="1261102"/>
+            <a:ext cx="1606162" cy="467688"/>
+            <a:chOff x="603602" y="1261102"/>
+            <a:chExt cx="1606162" cy="467688"/>
+          </a:xfrm>
+        </p:grpSpPr>
+        <p:grpSp>
+          <p:nvGrpSpPr>
+            <p:cNvPr id="18" name="群組 17"/>
+            <p:cNvGrpSpPr/>
+            <p:nvPr/>
+          </p:nvGrpSpPr>
+          <p:grpSpPr>
+            <a:xfrm>
+              <a:off x="603602" y="1300222"/>
+              <a:ext cx="411480" cy="428568"/>
+              <a:chOff x="603602" y="1300222"/>
+              <a:chExt cx="411480" cy="428568"/>
+            </a:xfrm>
+          </p:grpSpPr>
+          <p:pic>
+            <p:nvPicPr>
+              <p:cNvPr id="15" name="图片 3"/>
+              <p:cNvPicPr>
+                <a:picLocks noChangeAspect="1"/>
+              </p:cNvPicPr>
+              <p:nvPr/>
+            </p:nvPicPr>
+            <p:blipFill>
+              <a:blip r:embed="rId3" cstate="email">
+                <a:extLst>
+                  <a:ext uri="{28A0092B-C50C-407E-A947-70E740481C1C}">
+                    <a14:useLocalDpi xmlns:a14="http://schemas.microsoft.com/office/drawing/2010/main" val="0"/>
+                  </a:ext>
+                </a:extLst>
+              </a:blip>
+              <a:stretch>
+                <a:fillRect/>
+              </a:stretch>
+            </p:blipFill>
+            <p:spPr>
+              <a:xfrm>
+                <a:off x="603602" y="1305880"/>
+                <a:ext cx="411480" cy="422910"/>
+              </a:xfrm>
+              <a:prstGeom prst="rect">
+                <a:avLst/>
+              </a:prstGeom>
+            </p:spPr>
+          </p:pic>
+          <p:sp>
+            <p:nvSpPr>
+              <p:cNvPr id="17" name="文字方塊 16"/>
+              <p:cNvSpPr txBox="1"/>
+              <p:nvPr/>
+            </p:nvSpPr>
+            <p:spPr>
+              <a:xfrm>
+                <a:off x="671514" y="1300222"/>
+                <a:ext cx="301686" cy="369332"/>
+              </a:xfrm>
+              <a:prstGeom prst="rect">
+                <a:avLst/>
+              </a:prstGeom>
+              <a:noFill/>
+            </p:spPr>
+            <p:txBody>
+              <a:bodyPr wrap="none" rtlCol="0">
+                <a:spAutoFit/>
+              </a:bodyPr>
+              <a:lstStyle/>
+              <a:p>
+                <a:r>
+                  <a:rPr lang="en-US" altLang="zh-TW" dirty="0" smtClean="0">
+                    <a:solidFill>
+                      <a:schemeClr val="bg1"/>
+                    </a:solidFill>
+                  </a:rPr>
+                  <a:t>1</a:t>
+                </a:r>
+                <a:endParaRPr lang="zh-TW" altLang="en-US" dirty="0">
+                  <a:solidFill>
+                    <a:schemeClr val="bg1"/>
+                  </a:solidFill>
+                </a:endParaRPr>
+              </a:p>
+            </p:txBody>
+          </p:sp>
+        </p:grpSp>
+        <p:sp>
+          <p:nvSpPr>
+            <p:cNvPr id="19" name="文字方塊 18"/>
+            <p:cNvSpPr txBox="1"/>
+            <p:nvPr/>
+          </p:nvSpPr>
+          <p:spPr>
+            <a:xfrm>
+              <a:off x="1002382" y="1261102"/>
+              <a:ext cx="1207382" cy="461665"/>
+            </a:xfrm>
+            <a:prstGeom prst="rect">
+              <a:avLst/>
+            </a:prstGeom>
+            <a:noFill/>
+          </p:spPr>
+          <p:txBody>
+            <a:bodyPr wrap="none" rtlCol="0">
+              <a:spAutoFit/>
+            </a:bodyPr>
+            <a:lstStyle/>
+            <a:p>
+              <a:r>
+                <a:rPr lang="zh-TW" altLang="en-US" sz="2400" b="1" dirty="0" smtClean="0">
+                  <a:latin typeface="Adobe 楷体 Std R" pitchFamily="18" charset="-128"/>
+                  <a:ea typeface="Adobe 楷体 Std R" pitchFamily="18" charset="-128"/>
+                </a:rPr>
+                <a:t>程式碼</a:t>
+              </a:r>
+              <a:r>
+                <a:rPr lang="en-US" altLang="zh-TW" sz="2400" b="1" dirty="0" smtClean="0">
+                  <a:latin typeface="Adobe 楷体 Std R" pitchFamily="18" charset="-128"/>
+                  <a:ea typeface="Adobe 楷体 Std R" pitchFamily="18" charset="-128"/>
+                </a:rPr>
+                <a:t>:</a:t>
+              </a:r>
+              <a:endParaRPr lang="zh-TW" altLang="en-US" sz="2400" b="1" dirty="0">
+                <a:latin typeface="Adobe 楷体 Std R" pitchFamily="18" charset="-128"/>
+                <a:ea typeface="Adobe 楷体 Std R" pitchFamily="18" charset="-128"/>
+              </a:endParaRPr>
+            </a:p>
+          </p:txBody>
+        </p:sp>
+      </p:grpSp>
+      <p:grpSp>
+        <p:nvGrpSpPr>
+          <p:cNvPr id="24" name="群組 23"/>
+          <p:cNvGrpSpPr/>
+          <p:nvPr/>
+        </p:nvGrpSpPr>
+        <p:grpSpPr>
+          <a:xfrm>
+            <a:off x="2987824" y="1258091"/>
+            <a:ext cx="2850092" cy="467688"/>
+            <a:chOff x="603602" y="1261102"/>
+            <a:chExt cx="2850092" cy="467688"/>
+          </a:xfrm>
+        </p:grpSpPr>
+        <p:grpSp>
+          <p:nvGrpSpPr>
+            <p:cNvPr id="25" name="群組 24"/>
+            <p:cNvGrpSpPr/>
+            <p:nvPr/>
+          </p:nvGrpSpPr>
+          <p:grpSpPr>
+            <a:xfrm>
+              <a:off x="603602" y="1300222"/>
+              <a:ext cx="411480" cy="428568"/>
+              <a:chOff x="603602" y="1300222"/>
+              <a:chExt cx="411480" cy="428568"/>
+            </a:xfrm>
+          </p:grpSpPr>
+          <p:pic>
+            <p:nvPicPr>
+              <p:cNvPr id="27" name="图片 3"/>
+              <p:cNvPicPr>
+                <a:picLocks noChangeAspect="1"/>
+              </p:cNvPicPr>
+              <p:nvPr/>
+            </p:nvPicPr>
+            <p:blipFill>
+              <a:blip r:embed="rId3" cstate="email">
+                <a:extLst>
+                  <a:ext uri="{28A0092B-C50C-407E-A947-70E740481C1C}">
+                    <a14:useLocalDpi xmlns:a14="http://schemas.microsoft.com/office/drawing/2010/main" val="0"/>
+                  </a:ext>
+                </a:extLst>
+              </a:blip>
+              <a:stretch>
+                <a:fillRect/>
+              </a:stretch>
+            </p:blipFill>
+            <p:spPr>
+              <a:xfrm>
+                <a:off x="603602" y="1305880"/>
+                <a:ext cx="411480" cy="422910"/>
+              </a:xfrm>
+              <a:prstGeom prst="rect">
+                <a:avLst/>
+              </a:prstGeom>
+            </p:spPr>
+          </p:pic>
+          <p:sp>
+            <p:nvSpPr>
+              <p:cNvPr id="28" name="文字方塊 27"/>
+              <p:cNvSpPr txBox="1"/>
+              <p:nvPr/>
+            </p:nvSpPr>
+            <p:spPr>
+              <a:xfrm>
+                <a:off x="671514" y="1300222"/>
+                <a:ext cx="301686" cy="369332"/>
+              </a:xfrm>
+              <a:prstGeom prst="rect">
+                <a:avLst/>
+              </a:prstGeom>
+              <a:noFill/>
+            </p:spPr>
+            <p:txBody>
+              <a:bodyPr wrap="none" rtlCol="0">
+                <a:spAutoFit/>
+              </a:bodyPr>
+              <a:lstStyle/>
+              <a:p>
+                <a:r>
+                  <a:rPr lang="en-US" altLang="zh-TW" dirty="0" smtClean="0">
+                    <a:solidFill>
+                      <a:schemeClr val="bg1"/>
+                    </a:solidFill>
+                  </a:rPr>
+                  <a:t>2</a:t>
+                </a:r>
+                <a:endParaRPr lang="zh-TW" altLang="en-US" dirty="0">
+                  <a:solidFill>
+                    <a:schemeClr val="bg1"/>
+                  </a:solidFill>
+                </a:endParaRPr>
+              </a:p>
+            </p:txBody>
+          </p:sp>
+        </p:grpSp>
+        <p:sp>
+          <p:nvSpPr>
+            <p:cNvPr id="26" name="文字方塊 25"/>
+            <p:cNvSpPr txBox="1"/>
+            <p:nvPr/>
+          </p:nvSpPr>
+          <p:spPr>
+            <a:xfrm>
+              <a:off x="1002382" y="1261102"/>
+              <a:ext cx="2451312" cy="461665"/>
+            </a:xfrm>
+            <a:prstGeom prst="rect">
+              <a:avLst/>
+            </a:prstGeom>
+            <a:noFill/>
+          </p:spPr>
+          <p:txBody>
+            <a:bodyPr wrap="none" rtlCol="0">
+              <a:spAutoFit/>
+            </a:bodyPr>
+            <a:lstStyle/>
+            <a:p>
+              <a:r>
+                <a:rPr lang="en-US" altLang="zh-TW" sz="2400" b="1" dirty="0" smtClean="0">
+                  <a:latin typeface="Adobe 楷体 Std R" pitchFamily="18" charset="-128"/>
+                  <a:ea typeface="Adobe 楷体 Std R" pitchFamily="18" charset="-128"/>
+                </a:rPr>
+                <a:t>ROE</a:t>
+              </a:r>
+              <a:r>
+                <a:rPr lang="zh-TW" altLang="en-US" sz="2400" b="1" dirty="0" smtClean="0">
+                  <a:latin typeface="Adobe 楷体 Std R" pitchFamily="18" charset="-128"/>
+                  <a:ea typeface="Adobe 楷体 Std R" pitchFamily="18" charset="-128"/>
+                </a:rPr>
+                <a:t>整理與預測</a:t>
+              </a:r>
+              <a:r>
+                <a:rPr lang="en-US" altLang="zh-TW" sz="2400" b="1" dirty="0" smtClean="0">
+                  <a:latin typeface="Adobe 楷体 Std R" pitchFamily="18" charset="-128"/>
+                  <a:ea typeface="Adobe 楷体 Std R" pitchFamily="18" charset="-128"/>
+                </a:rPr>
+                <a:t>:</a:t>
+              </a:r>
+              <a:endParaRPr lang="zh-TW" altLang="en-US" sz="2400" b="1" dirty="0">
+                <a:latin typeface="Adobe 楷体 Std R" pitchFamily="18" charset="-128"/>
+                <a:ea typeface="Adobe 楷体 Std R" pitchFamily="18" charset="-128"/>
+              </a:endParaRPr>
+            </a:p>
+          </p:txBody>
+        </p:sp>
+      </p:grpSp>
+      <p:sp>
+        <p:nvSpPr>
+          <p:cNvPr id="21" name="文字方塊 20"/>
+          <p:cNvSpPr txBox="1"/>
+          <p:nvPr/>
+        </p:nvSpPr>
+        <p:spPr>
+          <a:xfrm>
+            <a:off x="3059832" y="1635646"/>
+            <a:ext cx="4514377" cy="584775"/>
+          </a:xfrm>
+          <a:prstGeom prst="rect">
+            <a:avLst/>
+          </a:prstGeom>
+          <a:noFill/>
+        </p:spPr>
+        <p:txBody>
+          <a:bodyPr wrap="none" rtlCol="0">
+            <a:spAutoFit/>
+          </a:bodyPr>
+          <a:lstStyle/>
+          <a:p>
+            <a:pPr marL="342900" indent="-342900">
+              <a:buFontTx/>
+              <a:buAutoNum type="alphaLcPeriod"/>
+            </a:pPr>
+            <a:r>
+              <a:rPr lang="en-US" altLang="zh-TW" sz="1600" dirty="0" smtClean="0">
+                <a:latin typeface="Adobe 楷体 Std R" pitchFamily="18" charset="-128"/>
+                <a:ea typeface="Adobe 楷体 Std R" pitchFamily="18" charset="-128"/>
+              </a:rPr>
+              <a:t>ROE</a:t>
+            </a:r>
+            <a:r>
+              <a:rPr lang="zh-TW" altLang="en-US" sz="1600" dirty="0" smtClean="0">
+                <a:latin typeface="Adobe 楷体 Std R" pitchFamily="18" charset="-128"/>
+                <a:ea typeface="Adobe 楷体 Std R" pitchFamily="18" charset="-128"/>
+              </a:rPr>
+              <a:t>資料整理</a:t>
+            </a:r>
+            <a:r>
+              <a:rPr lang="en-US" altLang="zh-TW" sz="1600" dirty="0" smtClean="0">
+                <a:latin typeface="Adobe 楷体 Std R" pitchFamily="18" charset="-128"/>
+                <a:ea typeface="Adobe 楷体 Std R" pitchFamily="18" charset="-128"/>
+              </a:rPr>
+              <a:t>:</a:t>
+            </a:r>
+            <a:r>
+              <a:rPr lang="zh-TW" altLang="en-US" sz="1600" dirty="0" smtClean="0">
+                <a:latin typeface="Adobe 楷体 Std R" pitchFamily="18" charset="-128"/>
+                <a:ea typeface="Adobe 楷体 Std R" pitchFamily="18" charset="-128"/>
+              </a:rPr>
+              <a:t> 將累計資料轉換成單季。</a:t>
+            </a:r>
+            <a:endParaRPr lang="en-US" altLang="zh-TW" sz="1600" dirty="0" smtClean="0">
+              <a:latin typeface="Adobe 楷体 Std R" pitchFamily="18" charset="-128"/>
+              <a:ea typeface="Adobe 楷体 Std R" pitchFamily="18" charset="-128"/>
+            </a:endParaRPr>
+          </a:p>
+          <a:p>
+            <a:pPr marL="342900" indent="-342900">
+              <a:buFontTx/>
+              <a:buAutoNum type="alphaLcPeriod"/>
+            </a:pPr>
+            <a:r>
+              <a:rPr lang="zh-TW" altLang="en-US" sz="1600" dirty="0" smtClean="0">
+                <a:latin typeface="Adobe 楷体 Std R" pitchFamily="18" charset="-128"/>
+                <a:ea typeface="Adobe 楷体 Std R" pitchFamily="18" charset="-128"/>
+              </a:rPr>
+              <a:t>使用線性回歸預測</a:t>
+            </a:r>
+            <a:r>
+              <a:rPr lang="en-US" altLang="zh-TW" sz="1600" dirty="0" smtClean="0">
+                <a:latin typeface="Adobe 楷体 Std R" pitchFamily="18" charset="-128"/>
+                <a:ea typeface="Adobe 楷体 Std R" pitchFamily="18" charset="-128"/>
+              </a:rPr>
+              <a:t>:</a:t>
+            </a:r>
+            <a:r>
+              <a:rPr lang="zh-TW" altLang="en-US" sz="1600" dirty="0" smtClean="0">
+                <a:latin typeface="Adobe 楷体 Std R" pitchFamily="18" charset="-128"/>
+                <a:ea typeface="Adobe 楷体 Std R" pitchFamily="18" charset="-128"/>
+              </a:rPr>
+              <a:t> 預測最新一季的</a:t>
+            </a:r>
+            <a:r>
+              <a:rPr lang="en-US" altLang="zh-TW" sz="1600" dirty="0" smtClean="0">
+                <a:latin typeface="Adobe 楷体 Std R" pitchFamily="18" charset="-128"/>
+                <a:ea typeface="Adobe 楷体 Std R" pitchFamily="18" charset="-128"/>
+              </a:rPr>
+              <a:t>ROE</a:t>
+            </a:r>
+            <a:r>
+              <a:rPr lang="zh-TW" altLang="en-US" sz="1600" dirty="0" smtClean="0">
+                <a:latin typeface="Adobe 楷体 Std R" pitchFamily="18" charset="-128"/>
+                <a:ea typeface="Adobe 楷体 Std R" pitchFamily="18" charset="-128"/>
+              </a:rPr>
+              <a:t>值。</a:t>
+            </a:r>
+            <a:endParaRPr lang="en-US" altLang="zh-TW" sz="1600" dirty="0" smtClean="0">
+              <a:latin typeface="Adobe 楷体 Std R" pitchFamily="18" charset="-128"/>
+              <a:ea typeface="Adobe 楷体 Std R" pitchFamily="18" charset="-128"/>
+            </a:endParaRPr>
+          </a:p>
+        </p:txBody>
+      </p:sp>
+      <p:sp>
+        <p:nvSpPr>
+          <p:cNvPr id="46" name="文字方塊 45"/>
+          <p:cNvSpPr txBox="1"/>
+          <p:nvPr/>
+        </p:nvSpPr>
+        <p:spPr>
+          <a:xfrm>
+            <a:off x="7757156" y="2837447"/>
+            <a:ext cx="271228" cy="276999"/>
+          </a:xfrm>
+          <a:prstGeom prst="rect">
+            <a:avLst/>
+          </a:prstGeom>
+          <a:noFill/>
+        </p:spPr>
+        <p:txBody>
+          <a:bodyPr wrap="none" rtlCol="0">
+            <a:spAutoFit/>
+          </a:bodyPr>
+          <a:lstStyle/>
+          <a:p>
+            <a:r>
+              <a:rPr lang="en-US" altLang="zh-TW" sz="1200" dirty="0" smtClean="0">
+                <a:solidFill>
+                  <a:srgbClr val="FF0000"/>
+                </a:solidFill>
+                <a:latin typeface="Adobe 楷体 Std R" pitchFamily="18" charset="-128"/>
+                <a:ea typeface="Adobe 楷体 Std R" pitchFamily="18" charset="-128"/>
+              </a:rPr>
+              <a:t>b</a:t>
+            </a:r>
+            <a:endParaRPr lang="zh-TW" altLang="en-US" sz="1200" dirty="0">
+              <a:solidFill>
+                <a:srgbClr val="FF0000"/>
+              </a:solidFill>
+              <a:latin typeface="Adobe 楷体 Std R" pitchFamily="18" charset="-128"/>
+              <a:ea typeface="Adobe 楷体 Std R" pitchFamily="18" charset="-128"/>
+            </a:endParaRPr>
+          </a:p>
+        </p:txBody>
+      </p:sp>
+      <p:sp>
+        <p:nvSpPr>
+          <p:cNvPr id="31" name="文字方塊 30"/>
+          <p:cNvSpPr txBox="1"/>
+          <p:nvPr/>
+        </p:nvSpPr>
+        <p:spPr>
+          <a:xfrm>
+            <a:off x="689470" y="1717102"/>
+            <a:ext cx="2331087" cy="1077218"/>
+          </a:xfrm>
+          <a:prstGeom prst="rect">
+            <a:avLst/>
+          </a:prstGeom>
+          <a:noFill/>
+        </p:spPr>
+        <p:txBody>
+          <a:bodyPr wrap="square" rtlCol="0">
+            <a:spAutoFit/>
+          </a:bodyPr>
+          <a:lstStyle/>
+          <a:p>
+            <a:pPr algn="just"/>
+            <a:r>
+              <a:rPr lang="zh-TW" altLang="en-US" sz="1600" dirty="0">
+                <a:latin typeface="Adobe 楷体 Std R" pitchFamily="18" charset="-128"/>
+                <a:ea typeface="Adobe 楷体 Std R" pitchFamily="18" charset="-128"/>
+              </a:rPr>
+              <a:t>取</a:t>
+            </a:r>
+            <a:r>
+              <a:rPr lang="en-US" altLang="zh-TW" sz="1600" dirty="0" smtClean="0">
+                <a:solidFill>
+                  <a:srgbClr val="0000CC"/>
+                </a:solidFill>
+                <a:latin typeface="Adobe 楷体 Std R" pitchFamily="18" charset="-128"/>
+                <a:ea typeface="Adobe 楷体 Std R" pitchFamily="18" charset="-128"/>
+              </a:rPr>
+              <a:t>Firebase</a:t>
+            </a:r>
+            <a:r>
+              <a:rPr lang="en-US" altLang="zh-TW" sz="1600" dirty="0" smtClean="0">
+                <a:latin typeface="Adobe 楷体 Std R" pitchFamily="18" charset="-128"/>
+                <a:ea typeface="Adobe 楷体 Std R" pitchFamily="18" charset="-128"/>
+              </a:rPr>
+              <a:t> </a:t>
+            </a:r>
+            <a:r>
+              <a:rPr lang="zh-TW" altLang="en-US" sz="1600" dirty="0" smtClean="0">
+                <a:latin typeface="Adobe 楷体 Std R" pitchFamily="18" charset="-128"/>
+                <a:ea typeface="Adobe 楷体 Std R" pitchFamily="18" charset="-128"/>
+              </a:rPr>
+              <a:t>雲端</a:t>
+            </a:r>
+            <a:r>
+              <a:rPr lang="en-US" altLang="zh-TW" sz="1600" dirty="0" smtClean="0">
+                <a:latin typeface="Adobe 楷体 Std R" pitchFamily="18" charset="-128"/>
+                <a:ea typeface="Adobe 楷体 Std R" pitchFamily="18" charset="-128"/>
+              </a:rPr>
+              <a:t>ROE</a:t>
+            </a:r>
+            <a:r>
+              <a:rPr lang="zh-TW" altLang="en-US" sz="1600" dirty="0" smtClean="0">
+                <a:latin typeface="Adobe 楷体 Std R" pitchFamily="18" charset="-128"/>
+                <a:ea typeface="Adobe 楷体 Std R" pitchFamily="18" charset="-128"/>
+              </a:rPr>
+              <a:t>資料進行離群值處理跟</a:t>
+            </a:r>
+            <a:r>
+              <a:rPr lang="zh-TW" altLang="en-US" sz="1600" dirty="0" smtClean="0">
+                <a:solidFill>
+                  <a:srgbClr val="0000CC"/>
+                </a:solidFill>
+                <a:latin typeface="Adobe 楷体 Std R" pitchFamily="18" charset="-128"/>
+                <a:ea typeface="Adobe 楷体 Std R" pitchFamily="18" charset="-128"/>
+              </a:rPr>
+              <a:t>線性回歸</a:t>
+            </a:r>
+            <a:r>
+              <a:rPr lang="zh-TW" altLang="en-US" sz="1600" dirty="0" smtClean="0">
+                <a:latin typeface="Adobe 楷体 Std R" pitchFamily="18" charset="-128"/>
+                <a:ea typeface="Adobe 楷体 Std R" pitchFamily="18" charset="-128"/>
+              </a:rPr>
+              <a:t>訓練</a:t>
+            </a:r>
+            <a:r>
+              <a:rPr lang="en-US" altLang="zh-TW" sz="1600" dirty="0" smtClean="0">
+                <a:latin typeface="Adobe 楷体 Std R" pitchFamily="18" charset="-128"/>
+                <a:ea typeface="Adobe 楷体 Std R" pitchFamily="18" charset="-128"/>
+              </a:rPr>
+              <a:t>, </a:t>
+            </a:r>
+            <a:r>
+              <a:rPr lang="zh-TW" altLang="en-US" sz="1600" dirty="0" smtClean="0">
+                <a:latin typeface="Adobe 楷体 Std R" pitchFamily="18" charset="-128"/>
+                <a:ea typeface="Adobe 楷体 Std R" pitchFamily="18" charset="-128"/>
+              </a:rPr>
+              <a:t>進而預測下一季的</a:t>
+            </a:r>
+            <a:r>
+              <a:rPr lang="en-US" altLang="zh-TW" sz="1600" dirty="0" smtClean="0">
+                <a:latin typeface="Adobe 楷体 Std R" pitchFamily="18" charset="-128"/>
+                <a:ea typeface="Adobe 楷体 Std R" pitchFamily="18" charset="-128"/>
+              </a:rPr>
+              <a:t>ROE</a:t>
+            </a:r>
+            <a:r>
+              <a:rPr lang="zh-TW" altLang="en-US" sz="1600" dirty="0" smtClean="0">
+                <a:latin typeface="Adobe 楷体 Std R" pitchFamily="18" charset="-128"/>
+                <a:ea typeface="Adobe 楷体 Std R" pitchFamily="18" charset="-128"/>
+              </a:rPr>
+              <a:t>。</a:t>
+            </a:r>
+            <a:endParaRPr lang="en-US" altLang="zh-TW" sz="1600" dirty="0">
+              <a:latin typeface="Adobe 楷体 Std R" pitchFamily="18" charset="-128"/>
+              <a:ea typeface="Adobe 楷体 Std R" pitchFamily="18" charset="-128"/>
+            </a:endParaRPr>
+          </a:p>
+        </p:txBody>
+      </p:sp>
+      <p:sp>
+        <p:nvSpPr>
+          <p:cNvPr id="37" name="矩形 36"/>
+          <p:cNvSpPr/>
+          <p:nvPr/>
+        </p:nvSpPr>
+        <p:spPr>
+          <a:xfrm>
+            <a:off x="3429132" y="3050184"/>
+            <a:ext cx="2655036" cy="1967472"/>
+          </a:xfrm>
+          <a:prstGeom prst="rect">
+            <a:avLst/>
+          </a:prstGeom>
+          <a:noFill/>
+          <a:ln>
+            <a:solidFill>
+              <a:srgbClr val="FF0000"/>
+            </a:solidFill>
+          </a:ln>
+        </p:spPr>
+        <p:style>
+          <a:lnRef idx="2">
+            <a:schemeClr val="accent1">
+              <a:shade val="50000"/>
+            </a:schemeClr>
+          </a:lnRef>
+          <a:fillRef idx="1">
+            <a:schemeClr val="accent1"/>
+          </a:fillRef>
+          <a:effectRef idx="0">
+            <a:schemeClr val="accent1"/>
+          </a:effectRef>
+          <a:fontRef idx="minor">
+            <a:schemeClr val="lt1"/>
+          </a:fontRef>
+        </p:style>
+        <p:txBody>
+          <a:bodyPr rtlCol="0" anchor="ctr"/>
+          <a:lstStyle/>
+          <a:p>
+            <a:pPr algn="ctr"/>
+            <a:endParaRPr lang="zh-TW" altLang="en-US"/>
+          </a:p>
+        </p:txBody>
+      </p:sp>
+      <p:sp>
+        <p:nvSpPr>
+          <p:cNvPr id="38" name="文字方塊 37"/>
+          <p:cNvSpPr txBox="1"/>
+          <p:nvPr/>
+        </p:nvSpPr>
+        <p:spPr>
+          <a:xfrm>
+            <a:off x="4644008" y="2837448"/>
+            <a:ext cx="263214" cy="276999"/>
+          </a:xfrm>
+          <a:prstGeom prst="rect">
+            <a:avLst/>
+          </a:prstGeom>
+          <a:noFill/>
+        </p:spPr>
+        <p:txBody>
+          <a:bodyPr wrap="none" rtlCol="0">
+            <a:spAutoFit/>
+          </a:bodyPr>
+          <a:lstStyle/>
+          <a:p>
+            <a:r>
+              <a:rPr lang="en-US" altLang="zh-TW" sz="1200" dirty="0" smtClean="0">
+                <a:solidFill>
+                  <a:srgbClr val="FF0000"/>
+                </a:solidFill>
+                <a:latin typeface="Adobe 楷体 Std R" pitchFamily="18" charset="-128"/>
+                <a:ea typeface="Adobe 楷体 Std R" pitchFamily="18" charset="-128"/>
+              </a:rPr>
+              <a:t>a</a:t>
+            </a:r>
+            <a:endParaRPr lang="zh-TW" altLang="en-US" sz="1200" dirty="0">
+              <a:solidFill>
+                <a:srgbClr val="FF0000"/>
+              </a:solidFill>
+              <a:latin typeface="Adobe 楷体 Std R" pitchFamily="18" charset="-128"/>
+              <a:ea typeface="Adobe 楷体 Std R" pitchFamily="18" charset="-128"/>
+            </a:endParaRPr>
+          </a:p>
+        </p:txBody>
+      </p:sp>
+      <p:sp>
+        <p:nvSpPr>
+          <p:cNvPr id="41" name="文字方塊 40"/>
+          <p:cNvSpPr txBox="1"/>
+          <p:nvPr/>
+        </p:nvSpPr>
+        <p:spPr>
+          <a:xfrm>
+            <a:off x="145768" y="3210977"/>
+            <a:ext cx="1141659" cy="276999"/>
+          </a:xfrm>
+          <a:prstGeom prst="rect">
+            <a:avLst/>
+          </a:prstGeom>
+          <a:noFill/>
+        </p:spPr>
+        <p:txBody>
+          <a:bodyPr wrap="none" rtlCol="0">
+            <a:spAutoFit/>
+          </a:bodyPr>
+          <a:lstStyle/>
+          <a:p>
+            <a:r>
+              <a:rPr lang="zh-TW" altLang="en-US" sz="1200" dirty="0">
+                <a:solidFill>
+                  <a:srgbClr val="0000CC"/>
+                </a:solidFill>
+                <a:latin typeface="Adobe 楷体 Std R" pitchFamily="18" charset="-128"/>
+                <a:ea typeface="Adobe 楷体 Std R" pitchFamily="18" charset="-128"/>
+              </a:rPr>
+              <a:t>靜</a:t>
+            </a:r>
+            <a:r>
+              <a:rPr lang="zh-TW" altLang="en-US" sz="1200" dirty="0" smtClean="0">
+                <a:solidFill>
+                  <a:srgbClr val="0000CC"/>
+                </a:solidFill>
+                <a:latin typeface="Adobe 楷体 Std R" pitchFamily="18" charset="-128"/>
+                <a:ea typeface="Adobe 楷体 Std R" pitchFamily="18" charset="-128"/>
+              </a:rPr>
+              <a:t>態</a:t>
+            </a:r>
+            <a:r>
+              <a:rPr lang="zh-TW" altLang="en-US" sz="1200" dirty="0">
+                <a:solidFill>
+                  <a:srgbClr val="0000CC"/>
+                </a:solidFill>
+                <a:latin typeface="Adobe 楷体 Std R" pitchFamily="18" charset="-128"/>
+                <a:ea typeface="Adobe 楷体 Std R" pitchFamily="18" charset="-128"/>
+              </a:rPr>
+              <a:t>網頁爬蟲</a:t>
+            </a:r>
+            <a:r>
+              <a:rPr lang="en-US" altLang="zh-TW" sz="1200" dirty="0" smtClean="0">
+                <a:solidFill>
+                  <a:srgbClr val="0000CC"/>
+                </a:solidFill>
+                <a:latin typeface="Adobe 楷体 Std R" pitchFamily="18" charset="-128"/>
+                <a:ea typeface="Adobe 楷体 Std R" pitchFamily="18" charset="-128"/>
+              </a:rPr>
+              <a:t>:</a:t>
+            </a:r>
+            <a:endParaRPr lang="zh-TW" altLang="en-US" sz="1200" dirty="0">
+              <a:solidFill>
+                <a:srgbClr val="0000CC"/>
+              </a:solidFill>
+              <a:latin typeface="Adobe 楷体 Std R" pitchFamily="18" charset="-128"/>
+              <a:ea typeface="Adobe 楷体 Std R" pitchFamily="18" charset="-128"/>
+            </a:endParaRPr>
+          </a:p>
+        </p:txBody>
+      </p:sp>
+      <p:sp>
+        <p:nvSpPr>
+          <p:cNvPr id="43" name="文字方塊 42"/>
+          <p:cNvSpPr txBox="1"/>
+          <p:nvPr/>
+        </p:nvSpPr>
+        <p:spPr>
+          <a:xfrm>
+            <a:off x="1887826" y="3230855"/>
+            <a:ext cx="833883" cy="276999"/>
+          </a:xfrm>
+          <a:prstGeom prst="rect">
+            <a:avLst/>
+          </a:prstGeom>
+          <a:noFill/>
+        </p:spPr>
+        <p:txBody>
+          <a:bodyPr wrap="none" rtlCol="0">
+            <a:spAutoFit/>
+          </a:bodyPr>
+          <a:lstStyle/>
+          <a:p>
+            <a:r>
+              <a:rPr lang="zh-TW" altLang="en-US" sz="1200" dirty="0" smtClean="0">
+                <a:solidFill>
+                  <a:srgbClr val="0000CC"/>
+                </a:solidFill>
+                <a:latin typeface="Adobe 楷体 Std R" pitchFamily="18" charset="-128"/>
+                <a:ea typeface="Adobe 楷体 Std R" pitchFamily="18" charset="-128"/>
+              </a:rPr>
+              <a:t>渲染網頁</a:t>
+            </a:r>
+            <a:r>
+              <a:rPr lang="en-US" altLang="zh-TW" sz="1200" dirty="0" smtClean="0">
+                <a:solidFill>
+                  <a:srgbClr val="0000CC"/>
+                </a:solidFill>
+                <a:latin typeface="Adobe 楷体 Std R" pitchFamily="18" charset="-128"/>
+                <a:ea typeface="Adobe 楷体 Std R" pitchFamily="18" charset="-128"/>
+              </a:rPr>
+              <a:t>:</a:t>
+            </a:r>
+            <a:endParaRPr lang="zh-TW" altLang="en-US" sz="1200" dirty="0">
+              <a:solidFill>
+                <a:srgbClr val="0000CC"/>
+              </a:solidFill>
+              <a:latin typeface="Adobe 楷体 Std R" pitchFamily="18" charset="-128"/>
+              <a:ea typeface="Adobe 楷体 Std R" pitchFamily="18" charset="-128"/>
+            </a:endParaRPr>
+          </a:p>
+        </p:txBody>
+      </p:sp>
+      <p:sp>
+        <p:nvSpPr>
+          <p:cNvPr id="35" name="矩形 34"/>
+          <p:cNvSpPr/>
+          <p:nvPr/>
+        </p:nvSpPr>
+        <p:spPr>
+          <a:xfrm>
+            <a:off x="6355396" y="3052550"/>
+            <a:ext cx="2655036" cy="1967472"/>
+          </a:xfrm>
+          <a:prstGeom prst="rect">
+            <a:avLst/>
+          </a:prstGeom>
+          <a:noFill/>
+          <a:ln>
+            <a:solidFill>
+              <a:srgbClr val="FF0000"/>
+            </a:solidFill>
+          </a:ln>
+        </p:spPr>
+        <p:style>
+          <a:lnRef idx="2">
+            <a:schemeClr val="accent1">
+              <a:shade val="50000"/>
+            </a:schemeClr>
+          </a:lnRef>
+          <a:fillRef idx="1">
+            <a:schemeClr val="accent1"/>
+          </a:fillRef>
+          <a:effectRef idx="0">
+            <a:schemeClr val="accent1"/>
+          </a:effectRef>
+          <a:fontRef idx="minor">
+            <a:schemeClr val="lt1"/>
+          </a:fontRef>
+        </p:style>
+        <p:txBody>
+          <a:bodyPr rtlCol="0" anchor="ctr"/>
+          <a:lstStyle/>
+          <a:p>
+            <a:pPr algn="ctr"/>
+            <a:endParaRPr lang="zh-TW" altLang="en-US"/>
+          </a:p>
+        </p:txBody>
+      </p:sp>
+      <p:grpSp>
+        <p:nvGrpSpPr>
+          <p:cNvPr id="2" name="群組 1"/>
+          <p:cNvGrpSpPr/>
+          <p:nvPr/>
+        </p:nvGrpSpPr>
+        <p:grpSpPr>
+          <a:xfrm>
+            <a:off x="108675" y="3452117"/>
+            <a:ext cx="1613707" cy="1185893"/>
+            <a:chOff x="108675" y="3452117"/>
+            <a:chExt cx="1613707" cy="1185893"/>
+          </a:xfrm>
+        </p:grpSpPr>
+        <p:pic>
+          <p:nvPicPr>
+            <p:cNvPr id="3078" name="Picture 6"/>
+            <p:cNvPicPr>
+              <a:picLocks noChangeAspect="1" noChangeArrowheads="1"/>
+            </p:cNvPicPr>
+            <p:nvPr/>
+          </p:nvPicPr>
+          <p:blipFill>
+            <a:blip r:embed="rId4" cstate="print">
+              <a:extLst>
+                <a:ext uri="{28A0092B-C50C-407E-A947-70E740481C1C}">
+                  <a14:useLocalDpi xmlns:a14="http://schemas.microsoft.com/office/drawing/2010/main" val="0"/>
+                </a:ext>
+              </a:extLst>
+            </a:blip>
+            <a:srcRect/>
+            <a:stretch>
+              <a:fillRect/>
+            </a:stretch>
+          </p:blipFill>
+          <p:spPr bwMode="auto">
+            <a:xfrm>
+              <a:off x="282382" y="4105890"/>
+              <a:ext cx="1440000" cy="532120"/>
+            </a:xfrm>
+            <a:prstGeom prst="rect">
+              <a:avLst/>
+            </a:prstGeom>
+            <a:noFill/>
+            <a:ln>
+              <a:noFill/>
+            </a:ln>
+            <a:effectLst/>
+            <a:extLst>
+              <a:ext uri="{909E8E84-426E-40DD-AFC4-6F175D3DCCD1}">
+                <a14:hiddenFill xmlns:a14="http://schemas.microsoft.com/office/drawing/2010/main">
+                  <a:solidFill>
+                    <a:schemeClr val="accent1"/>
+                  </a:solidFill>
+                </a14:hiddenFill>
+              </a:ext>
+              <a:ext uri="{91240B29-F687-4F45-9708-019B960494DF}">
+                <a14:hiddenLine xmlns:a14="http://schemas.microsoft.com/office/drawing/2010/main" w="9525">
+                  <a:solidFill>
+                    <a:schemeClr val="tx1"/>
+                  </a:solidFill>
+                  <a:miter lim="800000"/>
+                  <a:headEnd/>
+                  <a:tailEnd/>
+                </a14:hiddenLine>
+              </a:ext>
+              <a:ext uri="{AF507438-7753-43E0-B8FC-AC1667EBCBE1}">
+                <a14:hiddenEffects xmlns:a14="http://schemas.microsoft.com/office/drawing/2010/main">
+                  <a:effectLst>
+                    <a:outerShdw dist="35921" dir="2700000" algn="ctr" rotWithShape="0">
+                      <a:schemeClr val="bg2"/>
+                    </a:outerShdw>
+                  </a:effectLst>
+                </a14:hiddenEffects>
+              </a:ext>
+            </a:extLst>
+          </p:spPr>
+        </p:pic>
+        <p:pic>
+          <p:nvPicPr>
+            <p:cNvPr id="3076" name="Picture 4"/>
+            <p:cNvPicPr>
+              <a:picLocks noChangeAspect="1" noChangeArrowheads="1"/>
+            </p:cNvPicPr>
+            <p:nvPr/>
+          </p:nvPicPr>
+          <p:blipFill>
+            <a:blip r:embed="rId5" cstate="print">
+              <a:extLst>
+                <a:ext uri="{28A0092B-C50C-407E-A947-70E740481C1C}">
+                  <a14:useLocalDpi xmlns:a14="http://schemas.microsoft.com/office/drawing/2010/main" val="0"/>
+                </a:ext>
+              </a:extLst>
+            </a:blip>
+            <a:srcRect/>
+            <a:stretch>
+              <a:fillRect/>
+            </a:stretch>
+          </p:blipFill>
+          <p:spPr bwMode="auto">
+            <a:xfrm>
+              <a:off x="108675" y="3452117"/>
+              <a:ext cx="1440000" cy="866749"/>
+            </a:xfrm>
+            <a:prstGeom prst="rect">
+              <a:avLst/>
+            </a:prstGeom>
+            <a:noFill/>
+            <a:ln>
+              <a:noFill/>
+            </a:ln>
+            <a:effectLst/>
+            <a:extLst>
+              <a:ext uri="{909E8E84-426E-40DD-AFC4-6F175D3DCCD1}">
+                <a14:hiddenFill xmlns:a14="http://schemas.microsoft.com/office/drawing/2010/main">
+                  <a:solidFill>
+                    <a:schemeClr val="accent1"/>
+                  </a:solidFill>
+                </a14:hiddenFill>
+              </a:ext>
+              <a:ext uri="{91240B29-F687-4F45-9708-019B960494DF}">
+                <a14:hiddenLine xmlns:a14="http://schemas.microsoft.com/office/drawing/2010/main" w="9525">
+                  <a:solidFill>
+                    <a:schemeClr val="tx1"/>
+                  </a:solidFill>
+                  <a:miter lim="800000"/>
+                  <a:headEnd/>
+                  <a:tailEnd/>
+                </a14:hiddenLine>
+              </a:ext>
+              <a:ext uri="{AF507438-7753-43E0-B8FC-AC1667EBCBE1}">
+                <a14:hiddenEffects xmlns:a14="http://schemas.microsoft.com/office/drawing/2010/main">
+                  <a:effectLst>
+                    <a:outerShdw dist="35921" dir="2700000" algn="ctr" rotWithShape="0">
+                      <a:schemeClr val="bg2"/>
+                    </a:outerShdw>
+                  </a:effectLst>
+                </a14:hiddenEffects>
+              </a:ext>
+            </a:extLst>
+          </p:spPr>
+        </p:pic>
+      </p:grpSp>
+    </p:spTree>
+    <p:extLst>
+      <p:ext uri="{BB962C8B-B14F-4D97-AF65-F5344CB8AC3E}">
+        <p14:creationId xmlns:p14="http://schemas.microsoft.com/office/powerpoint/2010/main" val="3422310834"/>
+      </p:ext>
+    </p:extLst>
+  </p:cSld>
+  <p:clrMapOvr>
+    <a:masterClrMapping/>
+  </p:clrMapOvr>
+  <p:timing>
+    <p:tnLst>
+      <p:par>
+        <p:cTn id="1" dur="indefinite" restart="never" nodeType="tmRoot"/>
+      </p:par>
+    </p:tnLst>
+  </p:timing>
+</p:sld>
+</file>
+
+<file path=ppt/slides/slide11.xml><?xml version="1.0" encoding="utf-8"?>
+<p:sld xmlns:a="http://schemas.openxmlformats.org/drawingml/2006/main" xmlns:r="http://schemas.openxmlformats.org/officeDocument/2006/relationships" xmlns:p="http://schemas.openxmlformats.org/presentationml/2006/main">
+  <p:cSld>
+    <p:spTree>
+      <p:nvGrpSpPr>
+        <p:cNvPr id="1" name=""/>
+        <p:cNvGrpSpPr/>
+        <p:nvPr/>
+      </p:nvGrpSpPr>
+      <p:grpSpPr>
+        <a:xfrm>
+          <a:off x="0" y="0"/>
+          <a:ext cx="0" cy="0"/>
+          <a:chOff x="0" y="0"/>
+          <a:chExt cx="0" cy="0"/>
+        </a:xfrm>
+      </p:grpSpPr>
       <p:grpSp>
         <p:nvGrpSpPr>
           <p:cNvPr id="16" name="群組 15"/>
@@ -4358,7 +5611,7 @@
                   <a:latin typeface="华文隶书" pitchFamily="2" charset="-122"/>
                   <a:ea typeface="华文隶书" pitchFamily="2" charset="-122"/>
                 </a:rPr>
-                <a:t>四</a:t>
+                <a:t>五</a:t>
               </a:r>
               <a:endParaRPr lang="zh-CN" altLang="en-US" sz="2400" dirty="0">
                 <a:solidFill>
@@ -5190,7 +6443,7 @@
 </p:sld>
 </file>
 
-<file path=ppt/slides/slide11.xml><?xml version="1.0" encoding="utf-8"?>
+<file path=ppt/slides/slide12.xml><?xml version="1.0" encoding="utf-8"?>
 <p:sld xmlns:a="http://schemas.openxmlformats.org/drawingml/2006/main" xmlns:r="http://schemas.openxmlformats.org/officeDocument/2006/relationships" xmlns:p="http://schemas.openxmlformats.org/presentationml/2006/main">
   <p:cSld>
     <p:spTree>
@@ -5282,7 +6535,7 @@
                   <a:latin typeface="华文隶书" pitchFamily="2" charset="-122"/>
                   <a:ea typeface="华文隶书" pitchFamily="2" charset="-122"/>
                 </a:rPr>
-                <a:t>五</a:t>
+                <a:t>六</a:t>
               </a:r>
               <a:endParaRPr lang="zh-CN" altLang="en-US" sz="2400" dirty="0">
                 <a:solidFill>
@@ -6985,7 +8238,7 @@
 </p:sld>
 </file>
 
-<file path=ppt/slides/slide12.xml><?xml version="1.0" encoding="utf-8"?>
+<file path=ppt/slides/slide13.xml><?xml version="1.0" encoding="utf-8"?>
 <p:sld xmlns:a="http://schemas.openxmlformats.org/drawingml/2006/main" xmlns:r="http://schemas.openxmlformats.org/officeDocument/2006/relationships" xmlns:p="http://schemas.openxmlformats.org/presentationml/2006/main">
   <p:cSld>
     <p:spTree>
@@ -7077,7 +8330,7 @@
                   <a:latin typeface="华文隶书" pitchFamily="2" charset="-122"/>
                   <a:ea typeface="华文隶书" pitchFamily="2" charset="-122"/>
                 </a:rPr>
-                <a:t>六</a:t>
+                <a:t>七</a:t>
               </a:r>
               <a:endParaRPr lang="zh-CN" altLang="en-US" sz="2400" dirty="0">
                 <a:solidFill>
@@ -7930,7 +9183,7 @@
 </p:sld>
 </file>
 
-<file path=ppt/slides/slide13.xml><?xml version="1.0" encoding="utf-8"?>
+<file path=ppt/slides/slide14.xml><?xml version="1.0" encoding="utf-8"?>
 <p:sld xmlns:a="http://schemas.openxmlformats.org/drawingml/2006/main" xmlns:r="http://schemas.openxmlformats.org/officeDocument/2006/relationships" xmlns:p="http://schemas.openxmlformats.org/presentationml/2006/main">
   <p:cSld>
     <p:spTree>
@@ -8022,7 +9275,7 @@
                   <a:latin typeface="华文隶书" pitchFamily="2" charset="-122"/>
                   <a:ea typeface="华文隶书" pitchFamily="2" charset="-122"/>
                 </a:rPr>
-                <a:t>七</a:t>
+                <a:t>八</a:t>
               </a:r>
               <a:endParaRPr lang="zh-CN" altLang="en-US" sz="2400" dirty="0">
                 <a:solidFill>
@@ -9425,7 +10678,7 @@
     </p:spTree>
     <p:extLst>
       <p:ext uri="{BB962C8B-B14F-4D97-AF65-F5344CB8AC3E}">
-        <p14:creationId xmlns:p14="http://schemas.microsoft.com/office/powerpoint/2010/main" val="3422310834"/>
+        <p14:creationId xmlns:p14="http://schemas.microsoft.com/office/powerpoint/2010/main" val="3867639415"/>
       </p:ext>
     </p:extLst>
   </p:cSld>
@@ -9442,7 +10695,7 @@
 </p:sld>
 </file>
 
-<file path=ppt/slides/slide14.xml><?xml version="1.0" encoding="utf-8"?>
+<file path=ppt/slides/slide15.xml><?xml version="1.0" encoding="utf-8"?>
 <p:sld xmlns:a="http://schemas.openxmlformats.org/drawingml/2006/main" xmlns:r="http://schemas.openxmlformats.org/officeDocument/2006/relationships" xmlns:p="http://schemas.openxmlformats.org/presentationml/2006/main">
   <p:cSld>
     <p:spTree>
@@ -9534,7 +10787,7 @@
                   <a:latin typeface="华文隶书" pitchFamily="2" charset="-122"/>
                   <a:ea typeface="华文隶书" pitchFamily="2" charset="-122"/>
                 </a:rPr>
-                <a:t>八</a:t>
+                <a:t>九</a:t>
               </a:r>
               <a:endParaRPr lang="zh-CN" altLang="en-US" sz="2400" dirty="0">
                 <a:solidFill>
@@ -10578,7 +11831,7 @@
 </p:sld>
 </file>
 
-<file path=ppt/slides/slide15.xml><?xml version="1.0" encoding="utf-8"?>
+<file path=ppt/slides/slide16.xml><?xml version="1.0" encoding="utf-8"?>
 <p:sld xmlns:a="http://schemas.openxmlformats.org/drawingml/2006/main" xmlns:r="http://schemas.openxmlformats.org/officeDocument/2006/relationships" xmlns:p="http://schemas.openxmlformats.org/presentationml/2006/main">
   <p:cSld>
     <p:spTree>
@@ -10663,14 +11916,14 @@
             <a:p>
               <a:pPr algn="ctr"/>
               <a:r>
-                <a:rPr lang="zh-TW" altLang="en-US" sz="2400" dirty="0" smtClean="0">
+                <a:rPr lang="zh-TW" altLang="en-US" sz="2400" dirty="0">
                   <a:solidFill>
                     <a:schemeClr val="bg1"/>
                   </a:solidFill>
                   <a:latin typeface="华文隶书" pitchFamily="2" charset="-122"/>
                   <a:ea typeface="华文隶书" pitchFamily="2" charset="-122"/>
                 </a:rPr>
-                <a:t>九</a:t>
+                <a:t>十</a:t>
               </a:r>
               <a:endParaRPr lang="zh-CN" altLang="en-US" sz="2400" dirty="0">
                 <a:solidFill>
@@ -11569,95 +12822,6 @@
 </p:sld>
 </file>
 
-<file path=ppt/slides/slide16.xml><?xml version="1.0" encoding="utf-8"?>
-<p:sld xmlns:a="http://schemas.openxmlformats.org/drawingml/2006/main" xmlns:r="http://schemas.openxmlformats.org/officeDocument/2006/relationships" xmlns:p="http://schemas.openxmlformats.org/presentationml/2006/main">
-  <p:cSld>
-    <p:spTree>
-      <p:nvGrpSpPr>
-        <p:cNvPr id="1" name=""/>
-        <p:cNvGrpSpPr/>
-        <p:nvPr/>
-      </p:nvGrpSpPr>
-      <p:grpSpPr>
-        <a:xfrm>
-          <a:off x="0" y="0"/>
-          <a:ext cx="0" cy="0"/>
-          <a:chOff x="0" y="0"/>
-          <a:chExt cx="0" cy="0"/>
-        </a:xfrm>
-      </p:grpSpPr>
-      <p:sp>
-        <p:nvSpPr>
-          <p:cNvPr id="2" name="标题 1"/>
-          <p:cNvSpPr txBox="1">
-            <a:spLocks/>
-          </p:cNvSpPr>
-          <p:nvPr/>
-        </p:nvSpPr>
-        <p:spPr>
-          <a:xfrm>
-            <a:off x="457200" y="123478"/>
-            <a:ext cx="8229600" cy="439297"/>
-          </a:xfrm>
-          <a:prstGeom prst="rect">
-            <a:avLst/>
-          </a:prstGeom>
-        </p:spPr>
-        <p:txBody>
-          <a:bodyPr vert="horz" lIns="91440" tIns="45720" rIns="91440" bIns="45720" rtlCol="0" anchor="ctr">
-            <a:noAutofit/>
-          </a:bodyPr>
-          <a:lstStyle>
-            <a:lvl1pPr algn="ctr" defTabSz="914400" rtl="0" eaLnBrk="1" latinLnBrk="0" hangingPunct="1">
-              <a:spcBef>
-                <a:spcPct val="0"/>
-              </a:spcBef>
-              <a:buNone/>
-              <a:defRPr sz="4400" kern="1200">
-                <a:solidFill>
-                  <a:schemeClr val="tx1"/>
-                </a:solidFill>
-                <a:latin typeface="+mj-lt"/>
-                <a:ea typeface="+mj-ea"/>
-                <a:cs typeface="+mj-cs"/>
-              </a:defRPr>
-            </a:lvl1pPr>
-          </a:lstStyle>
-          <a:p>
-            <a:r>
-              <a:rPr lang="zh-TW" altLang="en-US" sz="4000" b="1" dirty="0">
-                <a:latin typeface="Adobe 楷体 Std R" pitchFamily="18" charset="-128"/>
-                <a:ea typeface="Adobe 楷体 Std R" pitchFamily="18" charset="-128"/>
-              </a:rPr>
-              <a:t>實際操作頁面</a:t>
-            </a:r>
-            <a:endParaRPr lang="zh-CN" altLang="en-US" sz="4000" b="1" dirty="0">
-              <a:latin typeface="Adobe 楷体 Std R" pitchFamily="18" charset="-128"/>
-              <a:ea typeface="Adobe 楷体 Std R" pitchFamily="18" charset="-128"/>
-            </a:endParaRPr>
-          </a:p>
-        </p:txBody>
-      </p:sp>
-    </p:spTree>
-    <p:extLst>
-      <p:ext uri="{BB962C8B-B14F-4D97-AF65-F5344CB8AC3E}">
-        <p14:creationId xmlns:p14="http://schemas.microsoft.com/office/powerpoint/2010/main" val="3731568806"/>
-      </p:ext>
-    </p:extLst>
-  </p:cSld>
-  <p:clrMapOvr>
-    <a:masterClrMapping/>
-  </p:clrMapOvr>
-  <p:timing>
-    <p:tnLst>
-      <p:par>
-        <p:cTn id="1" dur="indefinite" restart="never" nodeType="tmRoot"/>
-      </p:par>
-    </p:tnLst>
-  </p:timing>
-</p:sld>
-</file>
-
 <file path=ppt/slides/slide17.xml><?xml version="1.0" encoding="utf-8"?>
 <p:sld xmlns:a="http://schemas.openxmlformats.org/drawingml/2006/main" xmlns:r="http://schemas.openxmlformats.org/officeDocument/2006/relationships" xmlns:p="http://schemas.openxmlformats.org/presentationml/2006/main">
   <p:cSld>
@@ -11718,7 +12882,7 @@
                 <a:latin typeface="Adobe 楷体 Std R" pitchFamily="18" charset="-128"/>
                 <a:ea typeface="Adobe 楷体 Std R" pitchFamily="18" charset="-128"/>
               </a:rPr>
-              <a:t>問題解決</a:t>
+              <a:t>實際操作頁面</a:t>
             </a:r>
             <a:endParaRPr lang="zh-CN" altLang="en-US" sz="4000" b="1" dirty="0">
               <a:latin typeface="Adobe 楷体 Std R" pitchFamily="18" charset="-128"/>
@@ -11730,13 +12894,20 @@
     </p:spTree>
     <p:extLst>
       <p:ext uri="{BB962C8B-B14F-4D97-AF65-F5344CB8AC3E}">
-        <p14:creationId xmlns:p14="http://schemas.microsoft.com/office/powerpoint/2010/main" val="3143281984"/>
+        <p14:creationId xmlns:p14="http://schemas.microsoft.com/office/powerpoint/2010/main" val="3731568806"/>
       </p:ext>
     </p:extLst>
   </p:cSld>
   <p:clrMapOvr>
     <a:masterClrMapping/>
   </p:clrMapOvr>
+  <p:timing>
+    <p:tnLst>
+      <p:par>
+        <p:cTn id="1" dur="indefinite" restart="never" nodeType="tmRoot"/>
+      </p:par>
+    </p:tnLst>
+  </p:timing>
 </p:sld>
 </file>
 
@@ -11800,7 +12971,7 @@
                 <a:latin typeface="Adobe 楷体 Std R" pitchFamily="18" charset="-128"/>
                 <a:ea typeface="Adobe 楷体 Std R" pitchFamily="18" charset="-128"/>
               </a:rPr>
-              <a:t>未來展望</a:t>
+              <a:t>問題解決</a:t>
             </a:r>
             <a:endParaRPr lang="zh-CN" altLang="en-US" sz="4000" b="1" dirty="0">
               <a:latin typeface="Adobe 楷体 Std R" pitchFamily="18" charset="-128"/>
@@ -11812,7 +12983,7 @@
     </p:spTree>
     <p:extLst>
       <p:ext uri="{BB962C8B-B14F-4D97-AF65-F5344CB8AC3E}">
-        <p14:creationId xmlns:p14="http://schemas.microsoft.com/office/powerpoint/2010/main" val="2925088682"/>
+        <p14:creationId xmlns:p14="http://schemas.microsoft.com/office/powerpoint/2010/main" val="3143281984"/>
       </p:ext>
     </p:extLst>
   </p:cSld>
@@ -11839,102 +13010,52 @@
           <a:chExt cx="0" cy="0"/>
         </a:xfrm>
       </p:grpSpPr>
-      <p:pic>
-        <p:nvPicPr>
-          <p:cNvPr id="3" name="Picture 2"/>
-          <p:cNvPicPr>
-            <a:picLocks noChangeAspect="1" noChangeArrowheads="1"/>
-          </p:cNvPicPr>
-          <p:nvPr/>
-        </p:nvPicPr>
-        <p:blipFill>
-          <a:blip r:embed="rId3" cstate="email">
-            <a:extLst>
-              <a:ext uri="{28A0092B-C50C-407E-A947-70E740481C1C}">
-                <a14:useLocalDpi xmlns:a14="http://schemas.microsoft.com/office/drawing/2010/main"/>
-              </a:ext>
-            </a:extLst>
-          </a:blip>
-          <a:srcRect/>
-          <a:stretch>
-            <a:fillRect/>
-          </a:stretch>
-        </p:blipFill>
-        <p:spPr bwMode="auto">
-          <a:xfrm>
-            <a:off x="0" y="1"/>
-            <a:ext cx="9144000" cy="5143500"/>
-          </a:xfrm>
-          <a:prstGeom prst="rect">
-            <a:avLst/>
-          </a:prstGeom>
-          <a:noFill/>
-          <a:ln w="9525">
-            <a:noFill/>
-            <a:miter lim="800000"/>
-            <a:headEnd/>
-            <a:tailEnd/>
-          </a:ln>
-          <a:effectLst/>
-        </p:spPr>
-      </p:pic>
-      <p:pic>
-        <p:nvPicPr>
-          <p:cNvPr id="2" name="Picture 3" descr="I:\我的模板\中国风模板\中国风模板05\宽版\页面1\切片\墨竹02.png"/>
-          <p:cNvPicPr>
-            <a:picLocks noChangeAspect="1" noChangeArrowheads="1"/>
-          </p:cNvPicPr>
-          <p:nvPr/>
-        </p:nvPicPr>
-        <p:blipFill>
-          <a:blip r:embed="rId4" cstate="email"/>
-          <a:srcRect/>
-          <a:stretch>
-            <a:fillRect/>
-          </a:stretch>
-        </p:blipFill>
-        <p:spPr bwMode="auto">
-          <a:xfrm>
-            <a:off x="0" y="0"/>
-            <a:ext cx="9144000" cy="5143500"/>
-          </a:xfrm>
-          <a:prstGeom prst="rect">
-            <a:avLst/>
-          </a:prstGeom>
-          <a:noFill/>
-        </p:spPr>
-      </p:pic>
       <p:sp>
         <p:nvSpPr>
-          <p:cNvPr id="5" name="TextBox 4"/>
-          <p:cNvSpPr txBox="1"/>
+          <p:cNvPr id="2" name="标题 1"/>
+          <p:cNvSpPr txBox="1">
+            <a:spLocks/>
+          </p:cNvSpPr>
           <p:nvPr/>
         </p:nvSpPr>
         <p:spPr>
           <a:xfrm>
-            <a:off x="2339752" y="1995686"/>
-            <a:ext cx="4392488" cy="923330"/>
+            <a:off x="457200" y="123478"/>
+            <a:ext cx="8229600" cy="439297"/>
           </a:xfrm>
           <a:prstGeom prst="rect">
             <a:avLst/>
           </a:prstGeom>
-          <a:noFill/>
         </p:spPr>
         <p:txBody>
-          <a:bodyPr wrap="square" rtlCol="0">
-            <a:spAutoFit/>
+          <a:bodyPr vert="horz" lIns="91440" tIns="45720" rIns="91440" bIns="45720" rtlCol="0" anchor="ctr">
+            <a:noAutofit/>
           </a:bodyPr>
-          <a:lstStyle/>
-          <a:p>
-            <a:pPr algn="ctr"/>
-            <a:r>
-              <a:rPr lang="zh-TW" altLang="en-US" sz="5400" b="1" dirty="0" smtClean="0">
-                <a:latin typeface="Adobe 楷体 Std R" pitchFamily="18" charset="-128"/>
-                <a:ea typeface="Adobe 楷体 Std R" pitchFamily="18" charset="-128"/>
-              </a:rPr>
-              <a:t>簡報結束</a:t>
-            </a:r>
-            <a:endParaRPr lang="zh-CN" altLang="en-US" sz="5400" b="1" dirty="0">
+          <a:lstStyle>
+            <a:lvl1pPr algn="ctr" defTabSz="914400" rtl="0" eaLnBrk="1" latinLnBrk="0" hangingPunct="1">
+              <a:spcBef>
+                <a:spcPct val="0"/>
+              </a:spcBef>
+              <a:buNone/>
+              <a:defRPr sz="4400" kern="1200">
+                <a:solidFill>
+                  <a:schemeClr val="tx1"/>
+                </a:solidFill>
+                <a:latin typeface="+mj-lt"/>
+                <a:ea typeface="+mj-ea"/>
+                <a:cs typeface="+mj-cs"/>
+              </a:defRPr>
+            </a:lvl1pPr>
+          </a:lstStyle>
+          <a:p>
+            <a:r>
+              <a:rPr lang="zh-TW" altLang="en-US" sz="4000" b="1" dirty="0">
+                <a:latin typeface="Adobe 楷体 Std R" pitchFamily="18" charset="-128"/>
+                <a:ea typeface="Adobe 楷体 Std R" pitchFamily="18" charset="-128"/>
+              </a:rPr>
+              <a:t>未來展望</a:t>
+            </a:r>
+            <a:endParaRPr lang="zh-CN" altLang="en-US" sz="4000" b="1" dirty="0">
               <a:latin typeface="Adobe 楷体 Std R" pitchFamily="18" charset="-128"/>
               <a:ea typeface="Adobe 楷体 Std R" pitchFamily="18" charset="-128"/>
             </a:endParaRPr>
@@ -11944,32 +13065,13 @@
     </p:spTree>
     <p:extLst>
       <p:ext uri="{BB962C8B-B14F-4D97-AF65-F5344CB8AC3E}">
-        <p14:creationId xmlns:p14="http://schemas.microsoft.com/office/powerpoint/2010/main" val="1225138473"/>
+        <p14:creationId xmlns:p14="http://schemas.microsoft.com/office/powerpoint/2010/main" val="2925088682"/>
       </p:ext>
     </p:extLst>
   </p:cSld>
   <p:clrMapOvr>
     <a:masterClrMapping/>
   </p:clrMapOvr>
-  <mc:AlternateContent xmlns:mc="http://schemas.openxmlformats.org/markup-compatibility/2006" xmlns:p14="http://schemas.microsoft.com/office/powerpoint/2010/main">
-    <mc:Choice Requires="p14">
-      <p:transition spd="slow" p14:dur="1400" advTm="3000">
-        <p14:ripple/>
-      </p:transition>
-    </mc:Choice>
-    <mc:Fallback xmlns="">
-      <p:transition spd="slow" advTm="3000">
-        <p:fade/>
-      </p:transition>
-    </mc:Fallback>
-  </mc:AlternateContent>
-  <p:timing>
-    <p:tnLst>
-      <p:par>
-        <p:cTn id="1" dur="indefinite" restart="never" nodeType="tmRoot"/>
-      </p:par>
-    </p:tnLst>
-  </p:timing>
 </p:sld>
 </file>
 
@@ -13297,6 +14399,157 @@
     <p:extLst>
       <p:ext uri="{BB962C8B-B14F-4D97-AF65-F5344CB8AC3E}">
         <p14:creationId xmlns:p14="http://schemas.microsoft.com/office/powerpoint/2010/main" val="1867450814"/>
+      </p:ext>
+    </p:extLst>
+  </p:cSld>
+  <p:clrMapOvr>
+    <a:masterClrMapping/>
+  </p:clrMapOvr>
+  <mc:AlternateContent xmlns:mc="http://schemas.openxmlformats.org/markup-compatibility/2006" xmlns:p14="http://schemas.microsoft.com/office/powerpoint/2010/main">
+    <mc:Choice Requires="p14">
+      <p:transition spd="slow" p14:dur="1400" advTm="3000">
+        <p14:ripple/>
+      </p:transition>
+    </mc:Choice>
+    <mc:Fallback xmlns="">
+      <p:transition spd="slow" advTm="3000">
+        <p:fade/>
+      </p:transition>
+    </mc:Fallback>
+  </mc:AlternateContent>
+  <p:timing>
+    <p:tnLst>
+      <p:par>
+        <p:cTn id="1" dur="indefinite" restart="never" nodeType="tmRoot"/>
+      </p:par>
+    </p:tnLst>
+  </p:timing>
+</p:sld>
+</file>
+
+<file path=ppt/slides/slide20.xml><?xml version="1.0" encoding="utf-8"?>
+<p:sld xmlns:a="http://schemas.openxmlformats.org/drawingml/2006/main" xmlns:r="http://schemas.openxmlformats.org/officeDocument/2006/relationships" xmlns:p="http://schemas.openxmlformats.org/presentationml/2006/main">
+  <p:cSld>
+    <p:spTree>
+      <p:nvGrpSpPr>
+        <p:cNvPr id="1" name=""/>
+        <p:cNvGrpSpPr/>
+        <p:nvPr/>
+      </p:nvGrpSpPr>
+      <p:grpSpPr>
+        <a:xfrm>
+          <a:off x="0" y="0"/>
+          <a:ext cx="0" cy="0"/>
+          <a:chOff x="0" y="0"/>
+          <a:chExt cx="0" cy="0"/>
+        </a:xfrm>
+      </p:grpSpPr>
+      <p:pic>
+        <p:nvPicPr>
+          <p:cNvPr id="3" name="Picture 2"/>
+          <p:cNvPicPr>
+            <a:picLocks noChangeAspect="1" noChangeArrowheads="1"/>
+          </p:cNvPicPr>
+          <p:nvPr/>
+        </p:nvPicPr>
+        <p:blipFill>
+          <a:blip r:embed="rId3" cstate="email">
+            <a:extLst>
+              <a:ext uri="{28A0092B-C50C-407E-A947-70E740481C1C}">
+                <a14:useLocalDpi xmlns:a14="http://schemas.microsoft.com/office/drawing/2010/main"/>
+              </a:ext>
+            </a:extLst>
+          </a:blip>
+          <a:srcRect/>
+          <a:stretch>
+            <a:fillRect/>
+          </a:stretch>
+        </p:blipFill>
+        <p:spPr bwMode="auto">
+          <a:xfrm>
+            <a:off x="0" y="1"/>
+            <a:ext cx="9144000" cy="5143500"/>
+          </a:xfrm>
+          <a:prstGeom prst="rect">
+            <a:avLst/>
+          </a:prstGeom>
+          <a:noFill/>
+          <a:ln w="9525">
+            <a:noFill/>
+            <a:miter lim="800000"/>
+            <a:headEnd/>
+            <a:tailEnd/>
+          </a:ln>
+          <a:effectLst/>
+        </p:spPr>
+      </p:pic>
+      <p:pic>
+        <p:nvPicPr>
+          <p:cNvPr id="2" name="Picture 3" descr="I:\我的模板\中国风模板\中国风模板05\宽版\页面1\切片\墨竹02.png"/>
+          <p:cNvPicPr>
+            <a:picLocks noChangeAspect="1" noChangeArrowheads="1"/>
+          </p:cNvPicPr>
+          <p:nvPr/>
+        </p:nvPicPr>
+        <p:blipFill>
+          <a:blip r:embed="rId4" cstate="email"/>
+          <a:srcRect/>
+          <a:stretch>
+            <a:fillRect/>
+          </a:stretch>
+        </p:blipFill>
+        <p:spPr bwMode="auto">
+          <a:xfrm>
+            <a:off x="0" y="0"/>
+            <a:ext cx="9144000" cy="5143500"/>
+          </a:xfrm>
+          <a:prstGeom prst="rect">
+            <a:avLst/>
+          </a:prstGeom>
+          <a:noFill/>
+        </p:spPr>
+      </p:pic>
+      <p:sp>
+        <p:nvSpPr>
+          <p:cNvPr id="5" name="TextBox 4"/>
+          <p:cNvSpPr txBox="1"/>
+          <p:nvPr/>
+        </p:nvSpPr>
+        <p:spPr>
+          <a:xfrm>
+            <a:off x="2339752" y="1995686"/>
+            <a:ext cx="4392488" cy="923330"/>
+          </a:xfrm>
+          <a:prstGeom prst="rect">
+            <a:avLst/>
+          </a:prstGeom>
+          <a:noFill/>
+        </p:spPr>
+        <p:txBody>
+          <a:bodyPr wrap="square" rtlCol="0">
+            <a:spAutoFit/>
+          </a:bodyPr>
+          <a:lstStyle/>
+          <a:p>
+            <a:pPr algn="ctr"/>
+            <a:r>
+              <a:rPr lang="zh-TW" altLang="en-US" sz="5400" b="1" dirty="0" smtClean="0">
+                <a:latin typeface="Adobe 楷体 Std R" pitchFamily="18" charset="-128"/>
+                <a:ea typeface="Adobe 楷体 Std R" pitchFamily="18" charset="-128"/>
+              </a:rPr>
+              <a:t>簡報結束</a:t>
+            </a:r>
+            <a:endParaRPr lang="zh-CN" altLang="en-US" sz="5400" b="1" dirty="0">
+              <a:latin typeface="Adobe 楷体 Std R" pitchFamily="18" charset="-128"/>
+              <a:ea typeface="Adobe 楷体 Std R" pitchFamily="18" charset="-128"/>
+            </a:endParaRPr>
+          </a:p>
+        </p:txBody>
+      </p:sp>
+    </p:spTree>
+    <p:extLst>
+      <p:ext uri="{BB962C8B-B14F-4D97-AF65-F5344CB8AC3E}">
+        <p14:creationId xmlns:p14="http://schemas.microsoft.com/office/powerpoint/2010/main" val="1225138473"/>
       </p:ext>
     </p:extLst>
   </p:cSld>

--- a/套版 墨竹.pptx
+++ b/套版 墨竹.pptx
@@ -5,7 +5,7 @@
     <p:sldMasterId id="2147483648" r:id="rId1"/>
   </p:sldMasterIdLst>
   <p:notesMasterIdLst>
-    <p:notesMasterId r:id="rId25"/>
+    <p:notesMasterId r:id="rId27"/>
   </p:notesMasterIdLst>
   <p:sldIdLst>
     <p:sldId id="256" r:id="rId2"/>
@@ -30,7 +30,9 @@
     <p:sldId id="288" r:id="rId21"/>
     <p:sldId id="289" r:id="rId22"/>
     <p:sldId id="279" r:id="rId23"/>
-    <p:sldId id="263" r:id="rId24"/>
+    <p:sldId id="291" r:id="rId24"/>
+    <p:sldId id="292" r:id="rId25"/>
+    <p:sldId id="263" r:id="rId26"/>
   </p:sldIdLst>
   <p:sldSz cx="9144000" cy="5143500" type="screen16x9"/>
   <p:notesSz cx="6858000" cy="9144000"/>
@@ -131,7 +133,7 @@
   </p:defaultTextStyle>
   <p:extLst>
     <p:ext uri="{EFAFB233-063F-42B5-8137-9DF3F51BA10A}">
-      <p15:sldGuideLst xmlns:p15="http://schemas.microsoft.com/office/powerpoint/2012/main" xmlns="">
+      <p15:sldGuideLst xmlns="" xmlns:p15="http://schemas.microsoft.com/office/powerpoint/2012/main">
         <p15:guide id="1" orient="horz" pos="1620">
           <p15:clr>
             <a:srgbClr val="A4A3A4"/>
@@ -736,7 +738,7 @@
             <a:fld id="{740EEF4B-1F10-410F-986B-F2B71121153F}" type="slidenum">
               <a:rPr lang="zh-CN" altLang="en-US" smtClean="0"/>
               <a:pPr/>
-              <a:t>23</a:t>
+              <a:t>25</a:t>
             </a:fld>
             <a:endParaRPr lang="zh-CN" altLang="en-US"/>
           </a:p>
@@ -4990,14 +4992,7 @@
                 <a:latin typeface="Adobe 楷体 Std R" pitchFamily="18" charset="-128"/>
                 <a:ea typeface="Adobe 楷体 Std R" pitchFamily="18" charset="-128"/>
               </a:rPr>
-              <a:t>值</a:t>
-            </a:r>
-            <a:r>
-              <a:rPr lang="zh-TW" altLang="en-US" sz="1600" dirty="0" smtClean="0">
-                <a:latin typeface="Adobe 楷体 Std R" pitchFamily="18" charset="-128"/>
-                <a:ea typeface="Adobe 楷体 Std R" pitchFamily="18" charset="-128"/>
-              </a:rPr>
-              <a:t>。</a:t>
+              <a:t>值。</a:t>
             </a:r>
             <a:endParaRPr lang="en-US" altLang="zh-TW" sz="1600" dirty="0" smtClean="0">
               <a:latin typeface="Adobe 楷体 Std R" pitchFamily="18" charset="-128"/>
@@ -5037,10 +5032,6 @@
               </a:rPr>
               <a:t>70~100%</a:t>
             </a:r>
-            <a:endParaRPr lang="en-US" altLang="zh-TW" sz="1600" dirty="0" smtClean="0">
-              <a:latin typeface="Adobe 楷体 Std R" pitchFamily="18" charset="-128"/>
-              <a:ea typeface="Adobe 楷体 Std R" pitchFamily="18" charset="-128"/>
-            </a:endParaRPr>
           </a:p>
         </p:txBody>
       </p:sp>
@@ -5152,35 +5143,21 @@
                 <a:latin typeface="Adobe 楷体 Std R" pitchFamily="18" charset="-128"/>
                 <a:ea typeface="Adobe 楷体 Std R" pitchFamily="18" charset="-128"/>
               </a:rPr>
-              <a:t>資料</a:t>
+              <a:t>資料進行轉單</a:t>
+            </a:r>
+            <a:r>
+              <a:rPr lang="zh-TW" altLang="en-US" sz="1600" dirty="0">
+                <a:latin typeface="Adobe 楷体 Std R" pitchFamily="18" charset="-128"/>
+                <a:ea typeface="Adobe 楷体 Std R" pitchFamily="18" charset="-128"/>
+              </a:rPr>
+              <a:t>季</a:t>
             </a:r>
             <a:r>
               <a:rPr lang="zh-TW" altLang="en-US" sz="1600" dirty="0" smtClean="0">
                 <a:latin typeface="Adobe 楷体 Std R" pitchFamily="18" charset="-128"/>
                 <a:ea typeface="Adobe 楷体 Std R" pitchFamily="18" charset="-128"/>
               </a:rPr>
-              <a:t>進行轉單</a:t>
-            </a:r>
-            <a:r>
-              <a:rPr lang="zh-TW" altLang="en-US" sz="1600" dirty="0">
-                <a:latin typeface="Adobe 楷体 Std R" pitchFamily="18" charset="-128"/>
-                <a:ea typeface="Adobe 楷体 Std R" pitchFamily="18" charset="-128"/>
-              </a:rPr>
-              <a:t>季</a:t>
-            </a:r>
-            <a:r>
-              <a:rPr lang="zh-TW" altLang="en-US" sz="1600" dirty="0" smtClean="0">
-                <a:latin typeface="Adobe 楷体 Std R" pitchFamily="18" charset="-128"/>
-                <a:ea typeface="Adobe 楷体 Std R" pitchFamily="18" charset="-128"/>
-              </a:rPr>
-              <a:t>資料後做離群</a:t>
-            </a:r>
-            <a:r>
-              <a:rPr lang="zh-TW" altLang="en-US" sz="1600" dirty="0" smtClean="0">
-                <a:latin typeface="Adobe 楷体 Std R" pitchFamily="18" charset="-128"/>
-                <a:ea typeface="Adobe 楷体 Std R" pitchFamily="18" charset="-128"/>
-              </a:rPr>
-              <a:t>值處理跟</a:t>
+              <a:t>資料後做離群值處理跟</a:t>
             </a:r>
             <a:r>
               <a:rPr lang="zh-TW" altLang="en-US" sz="1600" dirty="0" smtClean="0">
@@ -6988,14 +6965,7 @@
                 <a:latin typeface="Adobe 楷体 Std R" pitchFamily="18" charset="-128"/>
                 <a:ea typeface="Adobe 楷体 Std R" pitchFamily="18" charset="-128"/>
               </a:rPr>
-              <a:t>值</a:t>
-            </a:r>
-            <a:r>
-              <a:rPr lang="zh-TW" altLang="en-US" sz="1600" dirty="0" smtClean="0">
-                <a:latin typeface="Adobe 楷体 Std R" pitchFamily="18" charset="-128"/>
-                <a:ea typeface="Adobe 楷体 Std R" pitchFamily="18" charset="-128"/>
-              </a:rPr>
-              <a:t>。</a:t>
+              <a:t>值。</a:t>
             </a:r>
             <a:endParaRPr lang="en-US" altLang="zh-TW" sz="1600" dirty="0" smtClean="0">
               <a:latin typeface="Adobe 楷体 Std R" pitchFamily="18" charset="-128"/>
@@ -7035,10 +7005,6 @@
               </a:rPr>
               <a:t>70~100%</a:t>
             </a:r>
-            <a:endParaRPr lang="en-US" altLang="zh-TW" sz="1600" dirty="0" smtClean="0">
-              <a:latin typeface="Adobe 楷体 Std R" pitchFamily="18" charset="-128"/>
-              <a:ea typeface="Adobe 楷体 Std R" pitchFamily="18" charset="-128"/>
-            </a:endParaRPr>
           </a:p>
         </p:txBody>
       </p:sp>
@@ -7150,35 +7116,21 @@
                 <a:latin typeface="Adobe 楷体 Std R" pitchFamily="18" charset="-128"/>
                 <a:ea typeface="Adobe 楷体 Std R" pitchFamily="18" charset="-128"/>
               </a:rPr>
-              <a:t>資料</a:t>
+              <a:t>資料進行轉單</a:t>
+            </a:r>
+            <a:r>
+              <a:rPr lang="zh-TW" altLang="en-US" sz="1600" dirty="0">
+                <a:latin typeface="Adobe 楷体 Std R" pitchFamily="18" charset="-128"/>
+                <a:ea typeface="Adobe 楷体 Std R" pitchFamily="18" charset="-128"/>
+              </a:rPr>
+              <a:t>季</a:t>
             </a:r>
             <a:r>
               <a:rPr lang="zh-TW" altLang="en-US" sz="1600" dirty="0" smtClean="0">
                 <a:latin typeface="Adobe 楷体 Std R" pitchFamily="18" charset="-128"/>
                 <a:ea typeface="Adobe 楷体 Std R" pitchFamily="18" charset="-128"/>
               </a:rPr>
-              <a:t>進行轉單</a:t>
-            </a:r>
-            <a:r>
-              <a:rPr lang="zh-TW" altLang="en-US" sz="1600" dirty="0">
-                <a:latin typeface="Adobe 楷体 Std R" pitchFamily="18" charset="-128"/>
-                <a:ea typeface="Adobe 楷体 Std R" pitchFamily="18" charset="-128"/>
-              </a:rPr>
-              <a:t>季</a:t>
-            </a:r>
-            <a:r>
-              <a:rPr lang="zh-TW" altLang="en-US" sz="1600" dirty="0" smtClean="0">
-                <a:latin typeface="Adobe 楷体 Std R" pitchFamily="18" charset="-128"/>
-                <a:ea typeface="Adobe 楷体 Std R" pitchFamily="18" charset="-128"/>
-              </a:rPr>
-              <a:t>資料後做離群</a:t>
-            </a:r>
-            <a:r>
-              <a:rPr lang="zh-TW" altLang="en-US" sz="1600" dirty="0" smtClean="0">
-                <a:latin typeface="Adobe 楷体 Std R" pitchFamily="18" charset="-128"/>
-                <a:ea typeface="Adobe 楷体 Std R" pitchFamily="18" charset="-128"/>
-              </a:rPr>
-              <a:t>值處理跟</a:t>
+              <a:t>資料後做離群值處理跟</a:t>
             </a:r>
             <a:r>
               <a:rPr lang="zh-TW" altLang="en-US" sz="1600" dirty="0" smtClean="0">
@@ -15694,6 +15646,79 @@
           <a:chExt cx="0" cy="0"/>
         </a:xfrm>
       </p:grpSpPr>
+      <p:pic>
+        <p:nvPicPr>
+          <p:cNvPr id="3" name="Picture 2"/>
+          <p:cNvPicPr>
+            <a:picLocks noChangeAspect="1" noChangeArrowheads="1"/>
+          </p:cNvPicPr>
+          <p:nvPr/>
+        </p:nvPicPr>
+        <p:blipFill>
+          <a:blip r:embed="rId2" cstate="print">
+            <a:extLst>
+              <a:ext uri="{BEBA8EAE-BF5A-486C-A8C5-ECC9F3942E4B}">
+                <a14:imgProps xmlns:a14="http://schemas.microsoft.com/office/drawing/2010/main">
+                  <a14:imgLayer r:embed="rId3">
+                    <a14:imgEffect>
+                      <a14:brightnessContrast contrast="-100000"/>
+                    </a14:imgEffect>
+                  </a14:imgLayer>
+                </a14:imgProps>
+              </a:ext>
+              <a:ext uri="{28A0092B-C50C-407E-A947-70E740481C1C}">
+                <a14:useLocalDpi xmlns:a14="http://schemas.microsoft.com/office/drawing/2010/main" val="0"/>
+              </a:ext>
+            </a:extLst>
+          </a:blip>
+          <a:srcRect/>
+          <a:stretch>
+            <a:fillRect/>
+          </a:stretch>
+        </p:blipFill>
+        <p:spPr bwMode="auto">
+          <a:xfrm>
+            <a:off x="1979712" y="51470"/>
+            <a:ext cx="4896544" cy="864096"/>
+          </a:xfrm>
+          <a:prstGeom prst="rect">
+            <a:avLst/>
+          </a:prstGeom>
+          <a:noFill/>
+          <a:ln>
+            <a:noFill/>
+          </a:ln>
+          <a:effectLst/>
+          <a:extLst>
+            <a:ext uri="{909E8E84-426E-40DD-AFC4-6F175D3DCCD1}">
+              <a14:hiddenFill xmlns:a14="http://schemas.microsoft.com/office/drawing/2010/main">
+                <a:solidFill>
+                  <a:schemeClr val="accent1"/>
+                </a:solidFill>
+              </a14:hiddenFill>
+            </a:ext>
+            <a:ext uri="{91240B29-F687-4F45-9708-019B960494DF}">
+              <a14:hiddenLine xmlns:a14="http://schemas.microsoft.com/office/drawing/2010/main" w="9525">
+                <a:solidFill>
+                  <a:schemeClr val="tx1"/>
+                </a:solidFill>
+                <a:miter lim="800000"/>
+                <a:headEnd/>
+                <a:tailEnd/>
+              </a14:hiddenLine>
+            </a:ext>
+            <a:ext uri="{AF507438-7753-43E0-B8FC-AC1667EBCBE1}">
+              <a14:hiddenEffects xmlns:a14="http://schemas.microsoft.com/office/drawing/2010/main">
+                <a:effectLst>
+                  <a:outerShdw dist="35921" dir="2700000" algn="ctr" rotWithShape="0">
+                    <a:schemeClr val="bg2"/>
+                  </a:outerShdw>
+                </a:effectLst>
+              </a14:hiddenEffects>
+            </a:ext>
+          </a:extLst>
+        </p:spPr>
+      </p:pic>
       <p:sp>
         <p:nvSpPr>
           <p:cNvPr id="2" name="标题 1"/>
@@ -15783,6 +15808,79 @@
           <a:chExt cx="0" cy="0"/>
         </a:xfrm>
       </p:grpSpPr>
+      <p:pic>
+        <p:nvPicPr>
+          <p:cNvPr id="24" name="Picture 2"/>
+          <p:cNvPicPr>
+            <a:picLocks noChangeAspect="1" noChangeArrowheads="1"/>
+          </p:cNvPicPr>
+          <p:nvPr/>
+        </p:nvPicPr>
+        <p:blipFill>
+          <a:blip r:embed="rId2" cstate="print">
+            <a:extLst>
+              <a:ext uri="{BEBA8EAE-BF5A-486C-A8C5-ECC9F3942E4B}">
+                <a14:imgProps xmlns:a14="http://schemas.microsoft.com/office/drawing/2010/main">
+                  <a14:imgLayer r:embed="rId3">
+                    <a14:imgEffect>
+                      <a14:brightnessContrast contrast="-100000"/>
+                    </a14:imgEffect>
+                  </a14:imgLayer>
+                </a14:imgProps>
+              </a:ext>
+              <a:ext uri="{28A0092B-C50C-407E-A947-70E740481C1C}">
+                <a14:useLocalDpi xmlns:a14="http://schemas.microsoft.com/office/drawing/2010/main" val="0"/>
+              </a:ext>
+            </a:extLst>
+          </a:blip>
+          <a:srcRect/>
+          <a:stretch>
+            <a:fillRect/>
+          </a:stretch>
+        </p:blipFill>
+        <p:spPr bwMode="auto">
+          <a:xfrm>
+            <a:off x="1979712" y="51470"/>
+            <a:ext cx="4896544" cy="864096"/>
+          </a:xfrm>
+          <a:prstGeom prst="rect">
+            <a:avLst/>
+          </a:prstGeom>
+          <a:noFill/>
+          <a:ln>
+            <a:noFill/>
+          </a:ln>
+          <a:effectLst/>
+          <a:extLst>
+            <a:ext uri="{909E8E84-426E-40DD-AFC4-6F175D3DCCD1}">
+              <a14:hiddenFill xmlns:a14="http://schemas.microsoft.com/office/drawing/2010/main">
+                <a:solidFill>
+                  <a:schemeClr val="accent1"/>
+                </a:solidFill>
+              </a14:hiddenFill>
+            </a:ext>
+            <a:ext uri="{91240B29-F687-4F45-9708-019B960494DF}">
+              <a14:hiddenLine xmlns:a14="http://schemas.microsoft.com/office/drawing/2010/main" w="9525">
+                <a:solidFill>
+                  <a:schemeClr val="tx1"/>
+                </a:solidFill>
+                <a:miter lim="800000"/>
+                <a:headEnd/>
+                <a:tailEnd/>
+              </a14:hiddenLine>
+            </a:ext>
+            <a:ext uri="{AF507438-7753-43E0-B8FC-AC1667EBCBE1}">
+              <a14:hiddenEffects xmlns:a14="http://schemas.microsoft.com/office/drawing/2010/main">
+                <a:effectLst>
+                  <a:outerShdw dist="35921" dir="2700000" algn="ctr" rotWithShape="0">
+                    <a:schemeClr val="bg2"/>
+                  </a:outerShdw>
+                </a:effectLst>
+              </a14:hiddenEffects>
+            </a:ext>
+          </a:extLst>
+        </p:spPr>
+      </p:pic>
       <p:sp>
         <p:nvSpPr>
           <p:cNvPr id="2" name="标题 1"/>
@@ -15872,7 +15970,7 @@
               <p:nvPr/>
             </p:nvPicPr>
             <p:blipFill>
-              <a:blip r:embed="rId2" cstate="email">
+              <a:blip r:embed="rId4" cstate="email">
                 <a:extLst>
                   <a:ext uri="{28A0092B-C50C-407E-A947-70E740481C1C}">
                     <a14:useLocalDpi xmlns:a14="http://schemas.microsoft.com/office/drawing/2010/main" val="0"/>
@@ -16167,7 +16265,7 @@
               <p:nvPr/>
             </p:nvPicPr>
             <p:blipFill>
-              <a:blip r:embed="rId2" cstate="email">
+              <a:blip r:embed="rId4" cstate="email">
                 <a:extLst>
                   <a:ext uri="{28A0092B-C50C-407E-A947-70E740481C1C}">
                     <a14:useLocalDpi xmlns:a14="http://schemas.microsoft.com/office/drawing/2010/main" val="0"/>
@@ -16376,17 +16474,7 @@
                   <a:latin typeface="Adobe 楷体 Std R" pitchFamily="18" charset="-128"/>
                   <a:ea typeface="Adobe 楷体 Std R" pitchFamily="18" charset="-128"/>
                 </a:rPr>
-                <a:t> </a:t>
-              </a:r>
-              <a:r>
-                <a:rPr lang="zh-TW" altLang="en-US" sz="1400" b="1" dirty="0" smtClean="0">
-                  <a:solidFill>
-                    <a:srgbClr val="0000CC"/>
-                  </a:solidFill>
-                  <a:latin typeface="Adobe 楷体 Std R" pitchFamily="18" charset="-128"/>
-                  <a:ea typeface="Adobe 楷体 Std R" pitchFamily="18" charset="-128"/>
-                </a:rPr>
-                <a:t>套用</a:t>
+                <a:t> 套用</a:t>
               </a:r>
               <a:r>
                 <a:rPr lang="en-US" altLang="zh-TW" sz="1400" b="1" dirty="0">
@@ -16637,7 +16725,7 @@
           <p:nvPr/>
         </p:nvPicPr>
         <p:blipFill>
-          <a:blip r:embed="rId3" cstate="print">
+          <a:blip r:embed="rId5" cstate="print">
             <a:extLst>
               <a:ext uri="{28A0092B-C50C-407E-A947-70E740481C1C}">
                 <a14:useLocalDpi xmlns:a14="http://schemas.microsoft.com/office/drawing/2010/main" val="0"/>
@@ -16701,7 +16789,7 @@
           <p:nvPr/>
         </p:nvPicPr>
         <p:blipFill>
-          <a:blip r:embed="rId4">
+          <a:blip r:embed="rId6">
             <a:extLst>
               <a:ext uri="{28A0092B-C50C-407E-A947-70E740481C1C}">
                 <a14:useLocalDpi xmlns:a14="http://schemas.microsoft.com/office/drawing/2010/main" val="0"/>
@@ -16869,7 +16957,7 @@
           <p:nvPr/>
         </p:nvPicPr>
         <p:blipFill>
-          <a:blip r:embed="rId5">
+          <a:blip r:embed="rId7">
             <a:extLst>
               <a:ext uri="{28A0092B-C50C-407E-A947-70E740481C1C}">
                 <a14:useLocalDpi xmlns:a14="http://schemas.microsoft.com/office/drawing/2010/main" val="0"/>
@@ -16961,7 +17049,7 @@
               <p:nvPr/>
             </p:nvPicPr>
             <p:blipFill>
-              <a:blip r:embed="rId2" cstate="email">
+              <a:blip r:embed="rId4" cstate="email">
                 <a:extLst>
                   <a:ext uri="{28A0092B-C50C-407E-A947-70E740481C1C}">
                     <a14:useLocalDpi xmlns:a14="http://schemas.microsoft.com/office/drawing/2010/main" val="0"/>
@@ -17287,17 +17375,7 @@
                   <a:latin typeface="Adobe 楷体 Std R" pitchFamily="18" charset="-128"/>
                   <a:ea typeface="Adobe 楷体 Std R" pitchFamily="18" charset="-128"/>
                 </a:rPr>
-                <a:t>   </a:t>
-              </a:r>
-              <a:r>
-                <a:rPr lang="zh-TW" altLang="en-US" sz="1400" b="1" dirty="0" smtClean="0">
-                  <a:solidFill>
-                    <a:srgbClr val="0000CC"/>
-                  </a:solidFill>
-                  <a:latin typeface="Adobe 楷体 Std R" pitchFamily="18" charset="-128"/>
-                  <a:ea typeface="Adobe 楷体 Std R" pitchFamily="18" charset="-128"/>
-                </a:rPr>
-                <a:t>做擷取及渲染網頁</a:t>
+                <a:t>   做擷取及渲染網頁</a:t>
               </a:r>
               <a:r>
                 <a:rPr lang="en-US" altLang="zh-TW" sz="1400" b="1" dirty="0" smtClean="0">
@@ -17390,6 +17468,13 @@
   <p:clrMapOvr>
     <a:masterClrMapping/>
   </p:clrMapOvr>
+  <p:timing>
+    <p:tnLst>
+      <p:par>
+        <p:cTn id="1" dur="indefinite" restart="never" nodeType="tmRoot"/>
+      </p:par>
+    </p:tnLst>
+  </p:timing>
 </p:sld>
 </file>
 
@@ -17412,6 +17497,79 @@
       </p:grpSpPr>
       <p:pic>
         <p:nvPicPr>
+          <p:cNvPr id="46" name="Picture 2"/>
+          <p:cNvPicPr>
+            <a:picLocks noChangeAspect="1" noChangeArrowheads="1"/>
+          </p:cNvPicPr>
+          <p:nvPr/>
+        </p:nvPicPr>
+        <p:blipFill>
+          <a:blip r:embed="rId3" cstate="print">
+            <a:extLst>
+              <a:ext uri="{BEBA8EAE-BF5A-486C-A8C5-ECC9F3942E4B}">
+                <a14:imgProps xmlns:a14="http://schemas.microsoft.com/office/drawing/2010/main">
+                  <a14:imgLayer r:embed="rId4">
+                    <a14:imgEffect>
+                      <a14:brightnessContrast contrast="-100000"/>
+                    </a14:imgEffect>
+                  </a14:imgLayer>
+                </a14:imgProps>
+              </a:ext>
+              <a:ext uri="{28A0092B-C50C-407E-A947-70E740481C1C}">
+                <a14:useLocalDpi xmlns:a14="http://schemas.microsoft.com/office/drawing/2010/main" val="0"/>
+              </a:ext>
+            </a:extLst>
+          </a:blip>
+          <a:srcRect/>
+          <a:stretch>
+            <a:fillRect/>
+          </a:stretch>
+        </p:blipFill>
+        <p:spPr bwMode="auto">
+          <a:xfrm>
+            <a:off x="1979712" y="51470"/>
+            <a:ext cx="4896544" cy="864096"/>
+          </a:xfrm>
+          <a:prstGeom prst="rect">
+            <a:avLst/>
+          </a:prstGeom>
+          <a:noFill/>
+          <a:ln>
+            <a:noFill/>
+          </a:ln>
+          <a:effectLst/>
+          <a:extLst>
+            <a:ext uri="{909E8E84-426E-40DD-AFC4-6F175D3DCCD1}">
+              <a14:hiddenFill xmlns:a14="http://schemas.microsoft.com/office/drawing/2010/main">
+                <a:solidFill>
+                  <a:schemeClr val="accent1"/>
+                </a:solidFill>
+              </a14:hiddenFill>
+            </a:ext>
+            <a:ext uri="{91240B29-F687-4F45-9708-019B960494DF}">
+              <a14:hiddenLine xmlns:a14="http://schemas.microsoft.com/office/drawing/2010/main" w="9525">
+                <a:solidFill>
+                  <a:schemeClr val="tx1"/>
+                </a:solidFill>
+                <a:miter lim="800000"/>
+                <a:headEnd/>
+                <a:tailEnd/>
+              </a14:hiddenLine>
+            </a:ext>
+            <a:ext uri="{AF507438-7753-43E0-B8FC-AC1667EBCBE1}">
+              <a14:hiddenEffects xmlns:a14="http://schemas.microsoft.com/office/drawing/2010/main">
+                <a:effectLst>
+                  <a:outerShdw dist="35921" dir="2700000" algn="ctr" rotWithShape="0">
+                    <a:schemeClr val="bg2"/>
+                  </a:outerShdw>
+                </a:effectLst>
+              </a14:hiddenEffects>
+            </a:ext>
+          </a:extLst>
+        </p:spPr>
+      </p:pic>
+      <p:pic>
+        <p:nvPicPr>
           <p:cNvPr id="3" name="Picture 2" descr="I:\我的模板\中国风模板\中国风模板05\宽版\页面2\切片\屋檐.png"/>
           <p:cNvPicPr>
             <a:picLocks noChangeAspect="1" noChangeArrowheads="1"/>
@@ -17419,11 +17577,11 @@
           <p:nvPr/>
         </p:nvPicPr>
         <p:blipFill>
-          <a:blip r:embed="rId3" cstate="email">
+          <a:blip r:embed="rId5" cstate="email">
             <a:extLst>
               <a:ext uri="{BEBA8EAE-BF5A-486C-A8C5-ECC9F3942E4B}">
                 <a14:imgProps xmlns:a14="http://schemas.microsoft.com/office/drawing/2010/main">
-                  <a14:imgLayer r:embed="rId4">
+                  <a14:imgLayer r:embed="rId6">
                     <a14:imgEffect>
                       <a14:brightnessContrast bright="-100000" contrast="-100000"/>
                     </a14:imgEffect>
@@ -17485,7 +17643,7 @@
               <p:nvPr/>
             </p:nvPicPr>
             <p:blipFill>
-              <a:blip r:embed="rId5" cstate="email">
+              <a:blip r:embed="rId7" cstate="email">
                 <a:extLst>
                   <a:ext uri="{28A0092B-C50C-407E-A947-70E740481C1C}">
                     <a14:useLocalDpi xmlns:a14="http://schemas.microsoft.com/office/drawing/2010/main" val="0"/>
@@ -17659,7 +17817,7 @@
               <p:nvPr/>
             </p:nvPicPr>
             <p:blipFill>
-              <a:blip r:embed="rId5" cstate="email">
+              <a:blip r:embed="rId7" cstate="email">
                 <a:extLst>
                   <a:ext uri="{28A0092B-C50C-407E-A947-70E740481C1C}">
                     <a14:useLocalDpi xmlns:a14="http://schemas.microsoft.com/office/drawing/2010/main" val="0"/>
@@ -17802,7 +17960,7 @@
               <p:nvPr/>
             </p:nvPicPr>
             <p:blipFill>
-              <a:blip r:embed="rId5" cstate="email">
+              <a:blip r:embed="rId7" cstate="email">
                 <a:extLst>
                   <a:ext uri="{28A0092B-C50C-407E-A947-70E740481C1C}">
                     <a14:useLocalDpi xmlns:a14="http://schemas.microsoft.com/office/drawing/2010/main" val="0"/>
@@ -17942,7 +18100,7 @@
               <p:nvPr/>
             </p:nvPicPr>
             <p:blipFill>
-              <a:blip r:embed="rId5" cstate="email">
+              <a:blip r:embed="rId7" cstate="email">
                 <a:extLst>
                   <a:ext uri="{28A0092B-C50C-407E-A947-70E740481C1C}">
                     <a14:useLocalDpi xmlns:a14="http://schemas.microsoft.com/office/drawing/2010/main" val="0"/>
@@ -18061,7 +18219,7 @@
           <p:nvPr/>
         </p:nvPicPr>
         <p:blipFill>
-          <a:blip r:embed="rId6" cstate="email">
+          <a:blip r:embed="rId8" cstate="email">
             <a:extLst>
               <a:ext uri="{28A0092B-C50C-407E-A947-70E740481C1C}">
                 <a14:useLocalDpi xmlns:a14="http://schemas.microsoft.com/office/drawing/2010/main"/>
@@ -18116,11 +18274,11 @@
           <a:lstStyle/>
           <a:p>
             <a:r>
-              <a:rPr lang="zh-TW" altLang="en-US" b="1" dirty="0">
-                <a:latin typeface="Adobe 楷体 Std R" pitchFamily="18" charset="-128"/>
-                <a:ea typeface="Adobe 楷体 Std R" pitchFamily="18" charset="-128"/>
-              </a:rPr>
-              <a:t>目錄頁</a:t>
+              <a:rPr lang="zh-TW" altLang="en-US" b="1" dirty="0" smtClean="0">
+                <a:latin typeface="Adobe 楷体 Std R" pitchFamily="18" charset="-128"/>
+                <a:ea typeface="Adobe 楷体 Std R" pitchFamily="18" charset="-128"/>
+              </a:rPr>
+              <a:t>目錄</a:t>
             </a:r>
             <a:endParaRPr lang="zh-CN" altLang="en-US" b="1" dirty="0">
               <a:latin typeface="Adobe 楷体 Std R" pitchFamily="18" charset="-128"/>
@@ -18166,7 +18324,7 @@
               <p:nvPr/>
             </p:nvPicPr>
             <p:blipFill>
-              <a:blip r:embed="rId5" cstate="email">
+              <a:blip r:embed="rId7" cstate="email">
                 <a:extLst>
                   <a:ext uri="{28A0092B-C50C-407E-A947-70E740481C1C}">
                     <a14:useLocalDpi xmlns:a14="http://schemas.microsoft.com/office/drawing/2010/main" val="0"/>
@@ -18285,9 +18443,9 @@
         <p:grpSpPr>
           <a:xfrm>
             <a:off x="4170654" y="3090222"/>
-            <a:ext cx="6228692" cy="705664"/>
+            <a:ext cx="2993634" cy="705664"/>
             <a:chOff x="1367644" y="699543"/>
-            <a:chExt cx="6228692" cy="705664"/>
+            <a:chExt cx="2993634" cy="705664"/>
           </a:xfrm>
         </p:grpSpPr>
         <p:grpSp>
@@ -18313,7 +18471,7 @@
               <p:nvPr/>
             </p:nvPicPr>
             <p:blipFill>
-              <a:blip r:embed="rId5" cstate="email">
+              <a:blip r:embed="rId7" cstate="email">
                 <a:extLst>
                   <a:ext uri="{28A0092B-C50C-407E-A947-70E740481C1C}">
                     <a14:useLocalDpi xmlns:a14="http://schemas.microsoft.com/office/drawing/2010/main" val="0"/>
@@ -18387,7 +18545,7 @@
           <p:spPr>
             <a:xfrm>
               <a:off x="2267744" y="771550"/>
-              <a:ext cx="5328592" cy="523220"/>
+              <a:ext cx="2093534" cy="523220"/>
             </a:xfrm>
             <a:prstGeom prst="rect">
               <a:avLst/>
@@ -18412,11 +18570,7 @@
             <a:p>
               <a:r>
                 <a:rPr lang="zh-TW" altLang="en-US" b="1" dirty="0"/>
-                <a:t>未來</a:t>
-              </a:r>
-              <a:r>
-                <a:rPr lang="zh-TW" altLang="en-US" b="1" dirty="0" smtClean="0"/>
-                <a:t>展望</a:t>
+                <a:t>待改進項目</a:t>
               </a:r>
               <a:endParaRPr lang="zh-CN" altLang="en-US" b="1" dirty="0"/>
             </a:p>
@@ -18460,7 +18614,7 @@
               <p:nvPr/>
             </p:nvPicPr>
             <p:blipFill>
-              <a:blip r:embed="rId5" cstate="email">
+              <a:blip r:embed="rId7" cstate="email">
                 <a:extLst>
                   <a:ext uri="{28A0092B-C50C-407E-A947-70E740481C1C}">
                     <a14:useLocalDpi xmlns:a14="http://schemas.microsoft.com/office/drawing/2010/main" val="0"/>
@@ -18607,7 +18761,7 @@
               <p:nvPr/>
             </p:nvPicPr>
             <p:blipFill>
-              <a:blip r:embed="rId5" cstate="email">
+              <a:blip r:embed="rId7" cstate="email">
                 <a:extLst>
                   <a:ext uri="{28A0092B-C50C-407E-A947-70E740481C1C}">
                     <a14:useLocalDpi xmlns:a14="http://schemas.microsoft.com/office/drawing/2010/main" val="0"/>
@@ -18933,64 +19087,6 @@
           <a:p>
             <a:pPr algn="ctr"/>
             <a:endParaRPr lang="zh-TW" altLang="en-US"/>
-          </a:p>
-        </p:txBody>
-      </p:sp>
-      <p:sp>
-        <p:nvSpPr>
-          <p:cNvPr id="15" name="橢圓 14"/>
-          <p:cNvSpPr/>
-          <p:nvPr/>
-        </p:nvSpPr>
-        <p:spPr>
-          <a:xfrm>
-            <a:off x="6310466" y="1419622"/>
-            <a:ext cx="216024" cy="211455"/>
-          </a:xfrm>
-          <a:prstGeom prst="ellipse">
-            <a:avLst/>
-          </a:prstGeom>
-          <a:noFill/>
-          <a:ln>
-            <a:solidFill>
-              <a:srgbClr val="0000CC"/>
-            </a:solidFill>
-          </a:ln>
-        </p:spPr>
-        <p:style>
-          <a:lnRef idx="2">
-            <a:schemeClr val="accent1">
-              <a:shade val="50000"/>
-            </a:schemeClr>
-          </a:lnRef>
-          <a:fillRef idx="1">
-            <a:schemeClr val="accent1"/>
-          </a:fillRef>
-          <a:effectRef idx="0">
-            <a:schemeClr val="accent1"/>
-          </a:effectRef>
-          <a:fontRef idx="minor">
-            <a:schemeClr val="lt1"/>
-          </a:fontRef>
-        </p:style>
-        <p:txBody>
-          <a:bodyPr rtlCol="0" anchor="ctr"/>
-          <a:lstStyle/>
-          <a:p>
-            <a:pPr algn="ctr"/>
-            <a:r>
-              <a:rPr lang="en-US" altLang="zh-TW" dirty="0" smtClean="0">
-                <a:solidFill>
-                  <a:srgbClr val="0000CC"/>
-                </a:solidFill>
-              </a:rPr>
-              <a:t>2</a:t>
-            </a:r>
-            <a:endParaRPr lang="zh-TW" altLang="en-US" dirty="0">
-              <a:solidFill>
-                <a:srgbClr val="0000CC"/>
-              </a:solidFill>
-            </a:endParaRPr>
           </a:p>
         </p:txBody>
       </p:sp>
@@ -19289,17 +19385,7 @@
                   <a:latin typeface="Adobe 楷体 Std R" pitchFamily="18" charset="-128"/>
                   <a:ea typeface="Adobe 楷体 Std R" pitchFamily="18" charset="-128"/>
                 </a:rPr>
-                <a:t> </a:t>
-              </a:r>
-              <a:r>
-                <a:rPr lang="zh-TW" altLang="en-US" sz="1400" b="1" dirty="0" smtClean="0">
-                  <a:solidFill>
-                    <a:srgbClr val="0000CC"/>
-                  </a:solidFill>
-                  <a:latin typeface="Adobe 楷体 Std R" pitchFamily="18" charset="-128"/>
-                  <a:ea typeface="Adobe 楷体 Std R" pitchFamily="18" charset="-128"/>
-                </a:rPr>
-                <a:t>套用</a:t>
+                <a:t> 套用</a:t>
               </a:r>
               <a:r>
                 <a:rPr lang="en-US" altLang="zh-TW" sz="1400" b="1" dirty="0">
@@ -19738,6 +19824,13 @@
   <p:clrMapOvr>
     <a:masterClrMapping/>
   </p:clrMapOvr>
+  <p:timing>
+    <p:tnLst>
+      <p:par>
+        <p:cTn id="1" dur="indefinite" restart="never" nodeType="tmRoot"/>
+      </p:par>
+    </p:tnLst>
+  </p:timing>
 </p:sld>
 </file>
 
@@ -20622,6 +20715,13 @@
   <p:clrMapOvr>
     <a:masterClrMapping/>
   </p:clrMapOvr>
+  <p:timing>
+    <p:tnLst>
+      <p:par>
+        <p:cTn id="1" dur="indefinite" restart="never" nodeType="tmRoot"/>
+      </p:par>
+    </p:tnLst>
+  </p:timing>
 </p:sld>
 </file>
 
@@ -20642,6 +20742,79 @@
           <a:chExt cx="0" cy="0"/>
         </a:xfrm>
       </p:grpSpPr>
+      <p:pic>
+        <p:nvPicPr>
+          <p:cNvPr id="45" name="Picture 2"/>
+          <p:cNvPicPr>
+            <a:picLocks noChangeAspect="1" noChangeArrowheads="1"/>
+          </p:cNvPicPr>
+          <p:nvPr/>
+        </p:nvPicPr>
+        <p:blipFill>
+          <a:blip r:embed="rId2" cstate="print">
+            <a:extLst>
+              <a:ext uri="{BEBA8EAE-BF5A-486C-A8C5-ECC9F3942E4B}">
+                <a14:imgProps xmlns:a14="http://schemas.microsoft.com/office/drawing/2010/main">
+                  <a14:imgLayer r:embed="rId3">
+                    <a14:imgEffect>
+                      <a14:brightnessContrast contrast="-100000"/>
+                    </a14:imgEffect>
+                  </a14:imgLayer>
+                </a14:imgProps>
+              </a:ext>
+              <a:ext uri="{28A0092B-C50C-407E-A947-70E740481C1C}">
+                <a14:useLocalDpi xmlns:a14="http://schemas.microsoft.com/office/drawing/2010/main" val="0"/>
+              </a:ext>
+            </a:extLst>
+          </a:blip>
+          <a:srcRect/>
+          <a:stretch>
+            <a:fillRect/>
+          </a:stretch>
+        </p:blipFill>
+        <p:spPr bwMode="auto">
+          <a:xfrm>
+            <a:off x="1979712" y="51470"/>
+            <a:ext cx="4896544" cy="864096"/>
+          </a:xfrm>
+          <a:prstGeom prst="rect">
+            <a:avLst/>
+          </a:prstGeom>
+          <a:noFill/>
+          <a:ln>
+            <a:noFill/>
+          </a:ln>
+          <a:effectLst/>
+          <a:extLst>
+            <a:ext uri="{909E8E84-426E-40DD-AFC4-6F175D3DCCD1}">
+              <a14:hiddenFill xmlns:a14="http://schemas.microsoft.com/office/drawing/2010/main">
+                <a:solidFill>
+                  <a:schemeClr val="accent1"/>
+                </a:solidFill>
+              </a14:hiddenFill>
+            </a:ext>
+            <a:ext uri="{91240B29-F687-4F45-9708-019B960494DF}">
+              <a14:hiddenLine xmlns:a14="http://schemas.microsoft.com/office/drawing/2010/main" w="9525">
+                <a:solidFill>
+                  <a:schemeClr val="tx1"/>
+                </a:solidFill>
+                <a:miter lim="800000"/>
+                <a:headEnd/>
+                <a:tailEnd/>
+              </a14:hiddenLine>
+            </a:ext>
+            <a:ext uri="{AF507438-7753-43E0-B8FC-AC1667EBCBE1}">
+              <a14:hiddenEffects xmlns:a14="http://schemas.microsoft.com/office/drawing/2010/main">
+                <a:effectLst>
+                  <a:outerShdw dist="35921" dir="2700000" algn="ctr" rotWithShape="0">
+                    <a:schemeClr val="bg2"/>
+                  </a:outerShdw>
+                </a:effectLst>
+              </a14:hiddenEffects>
+            </a:ext>
+          </a:extLst>
+        </p:spPr>
+      </p:pic>
       <p:sp>
         <p:nvSpPr>
           <p:cNvPr id="2" name="标题 1"/>
@@ -20681,11 +20854,11 @@
           </a:lstStyle>
           <a:p>
             <a:r>
-              <a:rPr lang="zh-TW" altLang="en-US" sz="4000" b="1" dirty="0">
-                <a:latin typeface="Adobe 楷体 Std R" pitchFamily="18" charset="-128"/>
-                <a:ea typeface="Adobe 楷体 Std R" pitchFamily="18" charset="-128"/>
-              </a:rPr>
-              <a:t>未來展望</a:t>
+              <a:rPr lang="zh-TW" altLang="en-US" sz="4000" b="1" dirty="0" smtClean="0">
+                <a:latin typeface="Adobe 楷体 Std R" pitchFamily="18" charset="-128"/>
+                <a:ea typeface="Adobe 楷体 Std R" pitchFamily="18" charset="-128"/>
+              </a:rPr>
+              <a:t>待改進項目</a:t>
             </a:r>
             <a:endParaRPr lang="zh-CN" altLang="en-US" sz="4000" b="1" dirty="0">
               <a:latin typeface="Adobe 楷体 Std R" pitchFamily="18" charset="-128"/>
@@ -20694,6 +20867,1248 @@
           </a:p>
         </p:txBody>
       </p:sp>
+      <p:grpSp>
+        <p:nvGrpSpPr>
+          <p:cNvPr id="3" name="群組 2"/>
+          <p:cNvGrpSpPr/>
+          <p:nvPr/>
+        </p:nvGrpSpPr>
+        <p:grpSpPr>
+          <a:xfrm>
+            <a:off x="673339" y="1767288"/>
+            <a:ext cx="7427053" cy="523220"/>
+            <a:chOff x="603602" y="1278972"/>
+            <a:chExt cx="7427053" cy="523220"/>
+          </a:xfrm>
+        </p:grpSpPr>
+        <p:grpSp>
+          <p:nvGrpSpPr>
+            <p:cNvPr id="4" name="群組 3"/>
+            <p:cNvGrpSpPr/>
+            <p:nvPr/>
+          </p:nvGrpSpPr>
+          <p:grpSpPr>
+            <a:xfrm>
+              <a:off x="603602" y="1300222"/>
+              <a:ext cx="411480" cy="428568"/>
+              <a:chOff x="603602" y="1300222"/>
+              <a:chExt cx="411480" cy="428568"/>
+            </a:xfrm>
+          </p:grpSpPr>
+          <p:pic>
+            <p:nvPicPr>
+              <p:cNvPr id="6" name="图片 3"/>
+              <p:cNvPicPr>
+                <a:picLocks noChangeAspect="1"/>
+              </p:cNvPicPr>
+              <p:nvPr/>
+            </p:nvPicPr>
+            <p:blipFill>
+              <a:blip r:embed="rId4" cstate="email">
+                <a:extLst>
+                  <a:ext uri="{28A0092B-C50C-407E-A947-70E740481C1C}">
+                    <a14:useLocalDpi xmlns:a14="http://schemas.microsoft.com/office/drawing/2010/main" val="0"/>
+                  </a:ext>
+                </a:extLst>
+              </a:blip>
+              <a:stretch>
+                <a:fillRect/>
+              </a:stretch>
+            </p:blipFill>
+            <p:spPr>
+              <a:xfrm>
+                <a:off x="603602" y="1305880"/>
+                <a:ext cx="411480" cy="422910"/>
+              </a:xfrm>
+              <a:prstGeom prst="rect">
+                <a:avLst/>
+              </a:prstGeom>
+            </p:spPr>
+          </p:pic>
+          <p:sp>
+            <p:nvSpPr>
+              <p:cNvPr id="7" name="文字方塊 6"/>
+              <p:cNvSpPr txBox="1"/>
+              <p:nvPr/>
+            </p:nvSpPr>
+            <p:spPr>
+              <a:xfrm>
+                <a:off x="671514" y="1300222"/>
+                <a:ext cx="301686" cy="369332"/>
+              </a:xfrm>
+              <a:prstGeom prst="rect">
+                <a:avLst/>
+              </a:prstGeom>
+              <a:noFill/>
+            </p:spPr>
+            <p:txBody>
+              <a:bodyPr wrap="none" rtlCol="0">
+                <a:spAutoFit/>
+              </a:bodyPr>
+              <a:lstStyle/>
+              <a:p>
+                <a:r>
+                  <a:rPr lang="en-US" altLang="zh-TW" dirty="0" smtClean="0">
+                    <a:solidFill>
+                      <a:schemeClr val="bg1"/>
+                    </a:solidFill>
+                  </a:rPr>
+                  <a:t>2</a:t>
+                </a:r>
+                <a:endParaRPr lang="zh-TW" altLang="en-US" dirty="0">
+                  <a:solidFill>
+                    <a:schemeClr val="bg1"/>
+                  </a:solidFill>
+                </a:endParaRPr>
+              </a:p>
+            </p:txBody>
+          </p:sp>
+        </p:grpSp>
+        <p:sp>
+          <p:nvSpPr>
+            <p:cNvPr id="5" name="文字方塊 4"/>
+            <p:cNvSpPr txBox="1"/>
+            <p:nvPr/>
+          </p:nvSpPr>
+          <p:spPr>
+            <a:xfrm>
+              <a:off x="1002382" y="1278972"/>
+              <a:ext cx="7028273" cy="523220"/>
+            </a:xfrm>
+            <a:prstGeom prst="rect">
+              <a:avLst/>
+            </a:prstGeom>
+            <a:noFill/>
+          </p:spPr>
+          <p:txBody>
+            <a:bodyPr wrap="square" rtlCol="0">
+              <a:spAutoFit/>
+            </a:bodyPr>
+            <a:lstStyle/>
+            <a:p>
+              <a:r>
+                <a:rPr lang="zh-TW" altLang="en-US" sz="1400" b="1" dirty="0">
+                  <a:latin typeface="Adobe 楷体 Std R" pitchFamily="18" charset="-128"/>
+                  <a:ea typeface="Adobe 楷体 Std R" pitchFamily="18" charset="-128"/>
+                </a:rPr>
+                <a:t> </a:t>
+              </a:r>
+              <a:r>
+                <a:rPr lang="zh-TW" altLang="en-US" sz="1400" b="1" dirty="0" smtClean="0">
+                  <a:latin typeface="Adobe 楷体 Std R" pitchFamily="18" charset="-128"/>
+                  <a:ea typeface="Adobe 楷体 Std R" pitchFamily="18" charset="-128"/>
+                </a:rPr>
+                <a:t>     </a:t>
+              </a:r>
+              <a:r>
+                <a:rPr lang="zh-TW" altLang="en-US" sz="1400" b="1" dirty="0" smtClean="0">
+                  <a:latin typeface="Adobe 楷体 Std R" pitchFamily="18" charset="-128"/>
+                  <a:ea typeface="Adobe 楷体 Std R" pitchFamily="18" charset="-128"/>
+                </a:rPr>
+                <a:t>抓取</a:t>
+              </a:r>
+              <a:r>
+                <a:rPr lang="zh-TW" altLang="en-US" sz="1400" b="1" dirty="0">
+                  <a:latin typeface="Adobe 楷体 Std R" pitchFamily="18" charset="-128"/>
+                  <a:ea typeface="Adobe 楷体 Std R" pitchFamily="18" charset="-128"/>
+                </a:rPr>
+                <a:t>八字算命資料時</a:t>
+              </a:r>
+              <a:r>
+                <a:rPr lang="en-US" altLang="zh-TW" sz="1400" b="1" dirty="0">
+                  <a:latin typeface="Adobe 楷体 Std R" pitchFamily="18" charset="-128"/>
+                  <a:ea typeface="Adobe 楷体 Std R" pitchFamily="18" charset="-128"/>
+                </a:rPr>
+                <a:t>, </a:t>
+              </a:r>
+              <a:r>
+                <a:rPr lang="zh-TW" altLang="en-US" sz="1400" b="1" dirty="0" smtClean="0">
+                  <a:latin typeface="Adobe 楷体 Std R" pitchFamily="18" charset="-128"/>
+                  <a:ea typeface="Adobe 楷体 Std R" pitchFamily="18" charset="-128"/>
+                </a:rPr>
+                <a:t>由於目前僅參考單一網站</a:t>
+              </a:r>
+              <a:r>
+                <a:rPr lang="en-US" altLang="zh-TW" sz="1400" b="1" dirty="0" smtClean="0">
+                  <a:latin typeface="Adobe 楷体 Std R" pitchFamily="18" charset="-128"/>
+                  <a:ea typeface="Adobe 楷体 Std R" pitchFamily="18" charset="-128"/>
+                </a:rPr>
+                <a:t>,</a:t>
+              </a:r>
+              <a:r>
+                <a:rPr lang="zh-TW" altLang="en-US" sz="1400" b="1" dirty="0" smtClean="0">
+                  <a:latin typeface="Adobe 楷体 Std R" pitchFamily="18" charset="-128"/>
+                  <a:ea typeface="Adobe 楷体 Std R" pitchFamily="18" charset="-128"/>
+                </a:rPr>
+                <a:t> 就屬性準確度會有些許爭議</a:t>
+              </a:r>
+              <a:r>
+                <a:rPr lang="en-US" altLang="zh-TW" sz="1400" b="1" dirty="0" smtClean="0">
+                  <a:latin typeface="Adobe 楷体 Std R" pitchFamily="18" charset="-128"/>
+                  <a:ea typeface="Adobe 楷体 Std R" pitchFamily="18" charset="-128"/>
+                </a:rPr>
+                <a:t>,</a:t>
+              </a:r>
+              <a:r>
+                <a:rPr lang="zh-TW" altLang="en-US" sz="1400" b="1" dirty="0" smtClean="0">
+                  <a:latin typeface="Adobe 楷体 Std R" pitchFamily="18" charset="-128"/>
+                  <a:ea typeface="Adobe 楷体 Std R" pitchFamily="18" charset="-128"/>
+                </a:rPr>
+                <a:t> 所以如果能在參考更多網站資料</a:t>
+              </a:r>
+              <a:r>
+                <a:rPr lang="zh-TW" altLang="en-US" sz="1400" b="1" dirty="0">
+                  <a:latin typeface="Adobe 楷体 Std R" pitchFamily="18" charset="-128"/>
+                  <a:ea typeface="Adobe 楷体 Std R" pitchFamily="18" charset="-128"/>
+                </a:rPr>
+                <a:t>做</a:t>
+              </a:r>
+              <a:r>
+                <a:rPr lang="zh-TW" altLang="en-US" sz="1400" b="1" dirty="0" smtClean="0">
+                  <a:latin typeface="Adobe 楷体 Std R" pitchFamily="18" charset="-128"/>
+                  <a:ea typeface="Adobe 楷体 Std R" pitchFamily="18" charset="-128"/>
+                </a:rPr>
+                <a:t>交叉比對</a:t>
+              </a:r>
+              <a:r>
+                <a:rPr lang="en-US" altLang="zh-TW" sz="1400" b="1" dirty="0" smtClean="0">
+                  <a:latin typeface="Adobe 楷体 Std R" pitchFamily="18" charset="-128"/>
+                  <a:ea typeface="Adobe 楷体 Std R" pitchFamily="18" charset="-128"/>
+                </a:rPr>
+                <a:t>,</a:t>
+              </a:r>
+              <a:r>
+                <a:rPr lang="zh-TW" altLang="en-US" sz="1400" b="1" dirty="0" smtClean="0">
+                  <a:latin typeface="Adobe 楷体 Std R" pitchFamily="18" charset="-128"/>
+                  <a:ea typeface="Adobe 楷体 Std R" pitchFamily="18" charset="-128"/>
+                </a:rPr>
+                <a:t> 提供多元結果</a:t>
+              </a:r>
+              <a:r>
+                <a:rPr lang="en-US" altLang="zh-TW" sz="1400" b="1" dirty="0" smtClean="0">
+                  <a:latin typeface="Adobe 楷体 Std R" pitchFamily="18" charset="-128"/>
+                  <a:ea typeface="Adobe 楷体 Std R" pitchFamily="18" charset="-128"/>
+                </a:rPr>
+                <a:t>,</a:t>
+              </a:r>
+              <a:r>
+                <a:rPr lang="zh-TW" altLang="en-US" sz="1400" b="1" dirty="0" smtClean="0">
+                  <a:latin typeface="Adobe 楷体 Std R" pitchFamily="18" charset="-128"/>
+                  <a:ea typeface="Adobe 楷体 Std R" pitchFamily="18" charset="-128"/>
+                </a:rPr>
+                <a:t>可提升其準確度</a:t>
+              </a:r>
+              <a:r>
+                <a:rPr lang="en-US" altLang="zh-TW" sz="1400" b="1" dirty="0" smtClean="0">
+                  <a:latin typeface="Adobe 楷体 Std R" pitchFamily="18" charset="-128"/>
+                  <a:ea typeface="Adobe 楷体 Std R" pitchFamily="18" charset="-128"/>
+                </a:rPr>
+                <a:t>.</a:t>
+              </a:r>
+              <a:r>
+                <a:rPr lang="en-US" altLang="zh-TW" sz="1400" b="1" dirty="0">
+                  <a:latin typeface="Adobe 楷体 Std R" pitchFamily="18" charset="-128"/>
+                  <a:ea typeface="Adobe 楷体 Std R" pitchFamily="18" charset="-128"/>
+                </a:rPr>
+                <a:t> </a:t>
+              </a:r>
+              <a:endParaRPr lang="en-US" altLang="zh-TW" sz="1400" b="1" dirty="0" smtClean="0">
+                <a:latin typeface="Adobe 楷体 Std R" pitchFamily="18" charset="-128"/>
+                <a:ea typeface="Adobe 楷体 Std R" pitchFamily="18" charset="-128"/>
+              </a:endParaRPr>
+            </a:p>
+          </p:txBody>
+        </p:sp>
+      </p:grpSp>
+      <p:grpSp>
+        <p:nvGrpSpPr>
+          <p:cNvPr id="21" name="群組 20"/>
+          <p:cNvGrpSpPr/>
+          <p:nvPr/>
+        </p:nvGrpSpPr>
+        <p:grpSpPr>
+          <a:xfrm>
+            <a:off x="539552" y="555526"/>
+            <a:ext cx="8226660" cy="705664"/>
+            <a:chOff x="539552" y="555526"/>
+            <a:chExt cx="8226660" cy="705664"/>
+          </a:xfrm>
+        </p:grpSpPr>
+        <p:pic>
+          <p:nvPicPr>
+            <p:cNvPr id="22" name="图片 3"/>
+            <p:cNvPicPr>
+              <a:picLocks noChangeAspect="1"/>
+            </p:cNvPicPr>
+            <p:nvPr/>
+          </p:nvPicPr>
+          <p:blipFill>
+            <a:blip r:embed="rId4" cstate="email">
+              <a:extLst>
+                <a:ext uri="{28A0092B-C50C-407E-A947-70E740481C1C}">
+                  <a14:useLocalDpi xmlns:a14="http://schemas.microsoft.com/office/drawing/2010/main" val="0"/>
+                </a:ext>
+              </a:extLst>
+            </a:blip>
+            <a:stretch>
+              <a:fillRect/>
+            </a:stretch>
+          </p:blipFill>
+          <p:spPr>
+            <a:xfrm>
+              <a:off x="539552" y="555526"/>
+              <a:ext cx="684076" cy="705664"/>
+            </a:xfrm>
+            <a:prstGeom prst="rect">
+              <a:avLst/>
+            </a:prstGeom>
+          </p:spPr>
+        </p:pic>
+        <p:sp>
+          <p:nvSpPr>
+            <p:cNvPr id="23" name="TextBox 5"/>
+            <p:cNvSpPr txBox="1"/>
+            <p:nvPr/>
+          </p:nvSpPr>
+          <p:spPr>
+            <a:xfrm>
+              <a:off x="603602" y="627533"/>
+              <a:ext cx="576064" cy="461665"/>
+            </a:xfrm>
+            <a:prstGeom prst="rect">
+              <a:avLst/>
+            </a:prstGeom>
+            <a:noFill/>
+          </p:spPr>
+          <p:txBody>
+            <a:bodyPr wrap="square" rtlCol="0">
+              <a:spAutoFit/>
+            </a:bodyPr>
+            <a:lstStyle/>
+            <a:p>
+              <a:pPr algn="ctr"/>
+              <a:r>
+                <a:rPr lang="zh-TW" altLang="en-US" sz="2400" dirty="0">
+                  <a:solidFill>
+                    <a:schemeClr val="bg1"/>
+                  </a:solidFill>
+                  <a:latin typeface="华文隶书" pitchFamily="2" charset="-122"/>
+                  <a:ea typeface="华文隶书" pitchFamily="2" charset="-122"/>
+                </a:rPr>
+                <a:t>一</a:t>
+              </a:r>
+              <a:endParaRPr lang="zh-CN" altLang="en-US" sz="2400" dirty="0">
+                <a:solidFill>
+                  <a:schemeClr val="bg1"/>
+                </a:solidFill>
+                <a:latin typeface="华文隶书" pitchFamily="2" charset="-122"/>
+                <a:ea typeface="华文隶书" pitchFamily="2" charset="-122"/>
+              </a:endParaRPr>
+            </a:p>
+          </p:txBody>
+        </p:sp>
+        <p:sp>
+          <p:nvSpPr>
+            <p:cNvPr id="24" name="TextBox 6"/>
+            <p:cNvSpPr txBox="1"/>
+            <p:nvPr/>
+          </p:nvSpPr>
+          <p:spPr>
+            <a:xfrm>
+              <a:off x="1187624" y="627533"/>
+              <a:ext cx="7578588" cy="523220"/>
+            </a:xfrm>
+            <a:prstGeom prst="rect">
+              <a:avLst/>
+            </a:prstGeom>
+            <a:noFill/>
+          </p:spPr>
+          <p:txBody>
+            <a:bodyPr wrap="square" rtlCol="0">
+              <a:spAutoFit/>
+            </a:bodyPr>
+            <a:lstStyle/>
+            <a:p>
+              <a:r>
+                <a:rPr lang="zh-TW" altLang="en-US" sz="2800" b="1" dirty="0">
+                  <a:latin typeface="Adobe 楷体 Std R" pitchFamily="18" charset="-128"/>
+                  <a:ea typeface="Adobe 楷体 Std R" pitchFamily="18" charset="-128"/>
+                </a:rPr>
+                <a:t>查</a:t>
+              </a:r>
+              <a:r>
+                <a:rPr lang="zh-TW" altLang="en-US" sz="2800" b="1" dirty="0" smtClean="0">
+                  <a:latin typeface="Adobe 楷体 Std R" pitchFamily="18" charset="-128"/>
+                  <a:ea typeface="Adobe 楷体 Std R" pitchFamily="18" charset="-128"/>
+                </a:rPr>
+                <a:t>八字資料方面</a:t>
+              </a:r>
+              <a:r>
+                <a:rPr lang="en-US" altLang="zh-TW" sz="2800" b="1" dirty="0" smtClean="0">
+                  <a:latin typeface="Adobe 楷体 Std R" pitchFamily="18" charset="-128"/>
+                  <a:ea typeface="Adobe 楷体 Std R" pitchFamily="18" charset="-128"/>
+                </a:rPr>
+                <a:t>:</a:t>
+              </a:r>
+              <a:endParaRPr lang="en-US" altLang="zh-TW" sz="2800" b="1" dirty="0" smtClean="0">
+                <a:latin typeface="Adobe 楷体 Std R" pitchFamily="18" charset="-128"/>
+                <a:ea typeface="Adobe 楷体 Std R" pitchFamily="18" charset="-128"/>
+              </a:endParaRPr>
+            </a:p>
+          </p:txBody>
+        </p:sp>
+      </p:grpSp>
+      <p:grpSp>
+        <p:nvGrpSpPr>
+          <p:cNvPr id="25" name="群組 24"/>
+          <p:cNvGrpSpPr/>
+          <p:nvPr/>
+        </p:nvGrpSpPr>
+        <p:grpSpPr>
+          <a:xfrm>
+            <a:off x="673339" y="2324188"/>
+            <a:ext cx="7427053" cy="523220"/>
+            <a:chOff x="603602" y="1278972"/>
+            <a:chExt cx="7427053" cy="523220"/>
+          </a:xfrm>
+        </p:grpSpPr>
+        <p:grpSp>
+          <p:nvGrpSpPr>
+            <p:cNvPr id="26" name="群組 25"/>
+            <p:cNvGrpSpPr/>
+            <p:nvPr/>
+          </p:nvGrpSpPr>
+          <p:grpSpPr>
+            <a:xfrm>
+              <a:off x="603602" y="1300222"/>
+              <a:ext cx="411480" cy="428568"/>
+              <a:chOff x="603602" y="1300222"/>
+              <a:chExt cx="411480" cy="428568"/>
+            </a:xfrm>
+          </p:grpSpPr>
+          <p:pic>
+            <p:nvPicPr>
+              <p:cNvPr id="28" name="图片 3"/>
+              <p:cNvPicPr>
+                <a:picLocks noChangeAspect="1"/>
+              </p:cNvPicPr>
+              <p:nvPr/>
+            </p:nvPicPr>
+            <p:blipFill>
+              <a:blip r:embed="rId4" cstate="email">
+                <a:extLst>
+                  <a:ext uri="{28A0092B-C50C-407E-A947-70E740481C1C}">
+                    <a14:useLocalDpi xmlns:a14="http://schemas.microsoft.com/office/drawing/2010/main" val="0"/>
+                  </a:ext>
+                </a:extLst>
+              </a:blip>
+              <a:stretch>
+                <a:fillRect/>
+              </a:stretch>
+            </p:blipFill>
+            <p:spPr>
+              <a:xfrm>
+                <a:off x="603602" y="1305880"/>
+                <a:ext cx="411480" cy="422910"/>
+              </a:xfrm>
+              <a:prstGeom prst="rect">
+                <a:avLst/>
+              </a:prstGeom>
+            </p:spPr>
+          </p:pic>
+          <p:sp>
+            <p:nvSpPr>
+              <p:cNvPr id="29" name="文字方塊 28"/>
+              <p:cNvSpPr txBox="1"/>
+              <p:nvPr/>
+            </p:nvSpPr>
+            <p:spPr>
+              <a:xfrm>
+                <a:off x="671514" y="1300222"/>
+                <a:ext cx="301686" cy="369332"/>
+              </a:xfrm>
+              <a:prstGeom prst="rect">
+                <a:avLst/>
+              </a:prstGeom>
+              <a:noFill/>
+            </p:spPr>
+            <p:txBody>
+              <a:bodyPr wrap="none" rtlCol="0">
+                <a:spAutoFit/>
+              </a:bodyPr>
+              <a:lstStyle/>
+              <a:p>
+                <a:r>
+                  <a:rPr lang="en-US" altLang="zh-TW" dirty="0" smtClean="0">
+                    <a:solidFill>
+                      <a:schemeClr val="bg1"/>
+                    </a:solidFill>
+                  </a:rPr>
+                  <a:t>3</a:t>
+                </a:r>
+                <a:endParaRPr lang="zh-TW" altLang="en-US" dirty="0">
+                  <a:solidFill>
+                    <a:schemeClr val="bg1"/>
+                  </a:solidFill>
+                </a:endParaRPr>
+              </a:p>
+            </p:txBody>
+          </p:sp>
+        </p:grpSp>
+        <p:sp>
+          <p:nvSpPr>
+            <p:cNvPr id="27" name="文字方塊 26"/>
+            <p:cNvSpPr txBox="1"/>
+            <p:nvPr/>
+          </p:nvSpPr>
+          <p:spPr>
+            <a:xfrm>
+              <a:off x="1002382" y="1278972"/>
+              <a:ext cx="7028273" cy="523220"/>
+            </a:xfrm>
+            <a:prstGeom prst="rect">
+              <a:avLst/>
+            </a:prstGeom>
+            <a:noFill/>
+          </p:spPr>
+          <p:txBody>
+            <a:bodyPr wrap="square" rtlCol="0">
+              <a:spAutoFit/>
+            </a:bodyPr>
+            <a:lstStyle/>
+            <a:p>
+              <a:r>
+                <a:rPr lang="zh-TW" altLang="en-US" sz="1400" b="1" dirty="0">
+                  <a:latin typeface="Adobe 楷体 Std R" pitchFamily="18" charset="-128"/>
+                  <a:ea typeface="Adobe 楷体 Std R" pitchFamily="18" charset="-128"/>
+                </a:rPr>
+                <a:t> </a:t>
+              </a:r>
+              <a:r>
+                <a:rPr lang="zh-TW" altLang="en-US" sz="1400" b="1" dirty="0" smtClean="0">
+                  <a:latin typeface="Adobe 楷体 Std R" pitchFamily="18" charset="-128"/>
+                  <a:ea typeface="Adobe 楷体 Std R" pitchFamily="18" charset="-128"/>
+                </a:rPr>
+                <a:t>     在</a:t>
+              </a:r>
+              <a:r>
+                <a:rPr lang="en-US" altLang="zh-TW" sz="1400" b="1" dirty="0">
+                  <a:latin typeface="Adobe 楷体 Std R" pitchFamily="18" charset="-128"/>
+                  <a:ea typeface="Adobe 楷体 Std R" pitchFamily="18" charset="-128"/>
+                </a:rPr>
+                <a:t>2</a:t>
+              </a:r>
+              <a:r>
+                <a:rPr lang="zh-TW" altLang="en-US" sz="1400" b="1" dirty="0" smtClean="0">
+                  <a:latin typeface="Adobe 楷体 Std R" pitchFamily="18" charset="-128"/>
+                  <a:ea typeface="Adobe 楷体 Std R" pitchFamily="18" charset="-128"/>
+                </a:rPr>
+                <a:t>完成後</a:t>
+              </a:r>
+              <a:r>
+                <a:rPr lang="en-US" altLang="zh-TW" sz="1400" b="1" dirty="0" smtClean="0">
+                  <a:latin typeface="Adobe 楷体 Std R" pitchFamily="18" charset="-128"/>
+                  <a:ea typeface="Adobe 楷体 Std R" pitchFamily="18" charset="-128"/>
+                </a:rPr>
+                <a:t>, </a:t>
+              </a:r>
+              <a:r>
+                <a:rPr lang="zh-TW" altLang="en-US" sz="1400" b="1" dirty="0" smtClean="0">
+                  <a:latin typeface="Adobe 楷体 Std R" pitchFamily="18" charset="-128"/>
+                  <a:ea typeface="Adobe 楷体 Std R" pitchFamily="18" charset="-128"/>
+                </a:rPr>
+                <a:t>還需增加與使用者互動功能</a:t>
+              </a:r>
+              <a:r>
+                <a:rPr lang="en-US" altLang="zh-TW" sz="1400" b="1" dirty="0" smtClean="0">
+                  <a:latin typeface="Adobe 楷体 Std R" pitchFamily="18" charset="-128"/>
+                  <a:ea typeface="Adobe 楷体 Std R" pitchFamily="18" charset="-128"/>
+                </a:rPr>
+                <a:t>,</a:t>
+              </a:r>
+              <a:r>
+                <a:rPr lang="zh-TW" altLang="en-US" sz="1400" b="1" dirty="0" smtClean="0">
+                  <a:latin typeface="Adobe 楷体 Std R" pitchFamily="18" charset="-128"/>
+                  <a:ea typeface="Adobe 楷体 Std R" pitchFamily="18" charset="-128"/>
+                </a:rPr>
+                <a:t> 將算命結果加以分塊</a:t>
+              </a:r>
+              <a:r>
+                <a:rPr lang="en-US" altLang="zh-TW" sz="1400" b="1" dirty="0" smtClean="0">
+                  <a:latin typeface="Adobe 楷体 Std R" pitchFamily="18" charset="-128"/>
+                  <a:ea typeface="Adobe 楷体 Std R" pitchFamily="18" charset="-128"/>
+                </a:rPr>
+                <a:t>,</a:t>
+              </a:r>
+              <a:r>
+                <a:rPr lang="zh-TW" altLang="en-US" sz="1400" b="1" dirty="0" smtClean="0">
+                  <a:latin typeface="Adobe 楷体 Std R" pitchFamily="18" charset="-128"/>
+                  <a:ea typeface="Adobe 楷体 Std R" pitchFamily="18" charset="-128"/>
+                </a:rPr>
+                <a:t> 讓使用者可反饋何種結果較符合自身</a:t>
+              </a:r>
+              <a:r>
+                <a:rPr lang="en-US" altLang="zh-TW" sz="1400" b="1" dirty="0" smtClean="0">
+                  <a:latin typeface="Adobe 楷体 Std R" pitchFamily="18" charset="-128"/>
+                  <a:ea typeface="Adobe 楷体 Std R" pitchFamily="18" charset="-128"/>
+                </a:rPr>
+                <a:t>,</a:t>
+              </a:r>
+              <a:r>
+                <a:rPr lang="zh-TW" altLang="en-US" sz="1400" b="1" dirty="0" smtClean="0">
+                  <a:latin typeface="Adobe 楷体 Std R" pitchFamily="18" charset="-128"/>
+                  <a:ea typeface="Adobe 楷体 Std R" pitchFamily="18" charset="-128"/>
+                </a:rPr>
+                <a:t> 也可以分享給親友點評</a:t>
+              </a:r>
+              <a:r>
+                <a:rPr lang="en-US" altLang="zh-TW" sz="1400" b="1" dirty="0" smtClean="0">
+                  <a:latin typeface="Adobe 楷体 Std R" pitchFamily="18" charset="-128"/>
+                  <a:ea typeface="Adobe 楷体 Std R" pitchFamily="18" charset="-128"/>
+                </a:rPr>
+                <a:t>,</a:t>
+              </a:r>
+              <a:r>
+                <a:rPr lang="zh-TW" altLang="en-US" sz="1400" b="1" dirty="0" smtClean="0">
+                  <a:latin typeface="Adobe 楷体 Std R" pitchFamily="18" charset="-128"/>
+                  <a:ea typeface="Adobe 楷体 Std R" pitchFamily="18" charset="-128"/>
+                </a:rPr>
+                <a:t> 透過反饋來了解參考網站</a:t>
+              </a:r>
+              <a:r>
+                <a:rPr lang="zh-TW" altLang="en-US" sz="1400" b="1" dirty="0">
+                  <a:latin typeface="Adobe 楷体 Std R" pitchFamily="18" charset="-128"/>
+                  <a:ea typeface="Adobe 楷体 Std R" pitchFamily="18" charset="-128"/>
+                </a:rPr>
+                <a:t>的</a:t>
+              </a:r>
+              <a:r>
+                <a:rPr lang="zh-TW" altLang="en-US" sz="1400" b="1" dirty="0" smtClean="0">
+                  <a:latin typeface="Adobe 楷体 Std R" pitchFamily="18" charset="-128"/>
+                  <a:ea typeface="Adobe 楷体 Std R" pitchFamily="18" charset="-128"/>
+                </a:rPr>
+                <a:t>可信度</a:t>
+              </a:r>
+              <a:r>
+                <a:rPr lang="en-US" altLang="zh-TW" sz="1400" b="1" dirty="0" smtClean="0">
+                  <a:latin typeface="Adobe 楷体 Std R" pitchFamily="18" charset="-128"/>
+                  <a:ea typeface="Adobe 楷体 Std R" pitchFamily="18" charset="-128"/>
+                </a:rPr>
+                <a:t>.</a:t>
+              </a:r>
+              <a:endParaRPr lang="en-US" altLang="zh-TW" sz="1400" b="1" dirty="0" smtClean="0">
+                <a:latin typeface="Adobe 楷体 Std R" pitchFamily="18" charset="-128"/>
+                <a:ea typeface="Adobe 楷体 Std R" pitchFamily="18" charset="-128"/>
+              </a:endParaRPr>
+            </a:p>
+          </p:txBody>
+        </p:sp>
+      </p:grpSp>
+      <p:grpSp>
+        <p:nvGrpSpPr>
+          <p:cNvPr id="30" name="群組 29"/>
+          <p:cNvGrpSpPr/>
+          <p:nvPr/>
+        </p:nvGrpSpPr>
+        <p:grpSpPr>
+          <a:xfrm>
+            <a:off x="683568" y="1203598"/>
+            <a:ext cx="7416824" cy="523220"/>
+            <a:chOff x="603602" y="1278972"/>
+            <a:chExt cx="7283037" cy="523220"/>
+          </a:xfrm>
+        </p:grpSpPr>
+        <p:grpSp>
+          <p:nvGrpSpPr>
+            <p:cNvPr id="31" name="群組 30"/>
+            <p:cNvGrpSpPr/>
+            <p:nvPr/>
+          </p:nvGrpSpPr>
+          <p:grpSpPr>
+            <a:xfrm>
+              <a:off x="603602" y="1300222"/>
+              <a:ext cx="411480" cy="428568"/>
+              <a:chOff x="603602" y="1300222"/>
+              <a:chExt cx="411480" cy="428568"/>
+            </a:xfrm>
+          </p:grpSpPr>
+          <p:pic>
+            <p:nvPicPr>
+              <p:cNvPr id="33" name="图片 3"/>
+              <p:cNvPicPr>
+                <a:picLocks noChangeAspect="1"/>
+              </p:cNvPicPr>
+              <p:nvPr/>
+            </p:nvPicPr>
+            <p:blipFill>
+              <a:blip r:embed="rId4" cstate="email">
+                <a:extLst>
+                  <a:ext uri="{28A0092B-C50C-407E-A947-70E740481C1C}">
+                    <a14:useLocalDpi xmlns:a14="http://schemas.microsoft.com/office/drawing/2010/main" val="0"/>
+                  </a:ext>
+                </a:extLst>
+              </a:blip>
+              <a:stretch>
+                <a:fillRect/>
+              </a:stretch>
+            </p:blipFill>
+            <p:spPr>
+              <a:xfrm>
+                <a:off x="603602" y="1305880"/>
+                <a:ext cx="411480" cy="422910"/>
+              </a:xfrm>
+              <a:prstGeom prst="rect">
+                <a:avLst/>
+              </a:prstGeom>
+            </p:spPr>
+          </p:pic>
+          <p:sp>
+            <p:nvSpPr>
+              <p:cNvPr id="34" name="文字方塊 33"/>
+              <p:cNvSpPr txBox="1"/>
+              <p:nvPr/>
+            </p:nvSpPr>
+            <p:spPr>
+              <a:xfrm>
+                <a:off x="671514" y="1300222"/>
+                <a:ext cx="301686" cy="369332"/>
+              </a:xfrm>
+              <a:prstGeom prst="rect">
+                <a:avLst/>
+              </a:prstGeom>
+              <a:noFill/>
+            </p:spPr>
+            <p:txBody>
+              <a:bodyPr wrap="none" rtlCol="0">
+                <a:spAutoFit/>
+              </a:bodyPr>
+              <a:lstStyle/>
+              <a:p>
+                <a:r>
+                  <a:rPr lang="en-US" altLang="zh-TW" dirty="0">
+                    <a:solidFill>
+                      <a:schemeClr val="bg1"/>
+                    </a:solidFill>
+                  </a:rPr>
+                  <a:t>1</a:t>
+                </a:r>
+                <a:endParaRPr lang="zh-TW" altLang="en-US" dirty="0">
+                  <a:solidFill>
+                    <a:schemeClr val="bg1"/>
+                  </a:solidFill>
+                </a:endParaRPr>
+              </a:p>
+            </p:txBody>
+          </p:sp>
+        </p:grpSp>
+        <p:sp>
+          <p:nvSpPr>
+            <p:cNvPr id="32" name="文字方塊 31"/>
+            <p:cNvSpPr txBox="1"/>
+            <p:nvPr/>
+          </p:nvSpPr>
+          <p:spPr>
+            <a:xfrm>
+              <a:off x="1002382" y="1278972"/>
+              <a:ext cx="6884257" cy="523220"/>
+            </a:xfrm>
+            <a:prstGeom prst="rect">
+              <a:avLst/>
+            </a:prstGeom>
+            <a:noFill/>
+          </p:spPr>
+          <p:txBody>
+            <a:bodyPr wrap="square" rtlCol="0">
+              <a:spAutoFit/>
+            </a:bodyPr>
+            <a:lstStyle/>
+            <a:p>
+              <a:r>
+                <a:rPr lang="zh-TW" altLang="en-US" sz="1400" b="1" dirty="0">
+                  <a:latin typeface="Adobe 楷体 Std R" pitchFamily="18" charset="-128"/>
+                  <a:ea typeface="Adobe 楷体 Std R" pitchFamily="18" charset="-128"/>
+                </a:rPr>
+                <a:t> </a:t>
+              </a:r>
+              <a:r>
+                <a:rPr lang="zh-TW" altLang="en-US" sz="1400" b="1" dirty="0" smtClean="0">
+                  <a:latin typeface="Adobe 楷体 Std R" pitchFamily="18" charset="-128"/>
+                  <a:ea typeface="Adobe 楷体 Std R" pitchFamily="18" charset="-128"/>
+                </a:rPr>
+                <a:t>     目前參考的網站資料僅能滿六個月及</a:t>
+              </a:r>
+              <a:r>
+                <a:rPr lang="en-US" altLang="zh-TW" sz="1400" b="1" dirty="0" smtClean="0">
+                  <a:latin typeface="Adobe 楷体 Std R" pitchFamily="18" charset="-128"/>
+                  <a:ea typeface="Adobe 楷体 Std R" pitchFamily="18" charset="-128"/>
+                </a:rPr>
+                <a:t>54</a:t>
+              </a:r>
+              <a:r>
+                <a:rPr lang="zh-TW" altLang="en-US" sz="1400" b="1" dirty="0" smtClean="0">
+                  <a:latin typeface="Adobe 楷体 Std R" pitchFamily="18" charset="-128"/>
+                  <a:ea typeface="Adobe 楷体 Std R" pitchFamily="18" charset="-128"/>
+                </a:rPr>
+                <a:t>歲的使用者使用</a:t>
+              </a:r>
+              <a:r>
+                <a:rPr lang="en-US" altLang="zh-TW" sz="1400" b="1" dirty="0" smtClean="0">
+                  <a:latin typeface="Adobe 楷体 Std R" pitchFamily="18" charset="-128"/>
+                  <a:ea typeface="Adobe 楷体 Std R" pitchFamily="18" charset="-128"/>
+                </a:rPr>
+                <a:t>,</a:t>
+              </a:r>
+              <a:r>
+                <a:rPr lang="zh-TW" altLang="en-US" sz="1400" b="1" dirty="0" smtClean="0">
+                  <a:latin typeface="Adobe 楷体 Std R" pitchFamily="18" charset="-128"/>
+                  <a:ea typeface="Adobe 楷体 Std R" pitchFamily="18" charset="-128"/>
+                </a:rPr>
+                <a:t> 雖然這符合工作人群</a:t>
+              </a:r>
+              <a:r>
+                <a:rPr lang="en-US" altLang="zh-TW" sz="1400" b="1" dirty="0" smtClean="0">
+                  <a:latin typeface="Adobe 楷体 Std R" pitchFamily="18" charset="-128"/>
+                  <a:ea typeface="Adobe 楷体 Std R" pitchFamily="18" charset="-128"/>
+                </a:rPr>
+                <a:t>, </a:t>
+              </a:r>
+              <a:r>
+                <a:rPr lang="zh-TW" altLang="en-US" sz="1400" b="1" dirty="0" smtClean="0">
+                  <a:latin typeface="Adobe 楷体 Std R" pitchFamily="18" charset="-128"/>
+                  <a:ea typeface="Adobe 楷体 Std R" pitchFamily="18" charset="-128"/>
+                </a:rPr>
+                <a:t>但希望</a:t>
+              </a:r>
+              <a:r>
+                <a:rPr lang="zh-TW" altLang="en-US" sz="1400" b="1" dirty="0">
+                  <a:latin typeface="Adobe 楷体 Std R" pitchFamily="18" charset="-128"/>
+                  <a:ea typeface="Adobe 楷体 Std R" pitchFamily="18" charset="-128"/>
+                </a:rPr>
+                <a:t>透過增加參考的</a:t>
+              </a:r>
+              <a:r>
+                <a:rPr lang="zh-TW" altLang="en-US" sz="1400" b="1" dirty="0" smtClean="0">
+                  <a:latin typeface="Adobe 楷体 Std R" pitchFamily="18" charset="-128"/>
+                  <a:ea typeface="Adobe 楷体 Std R" pitchFamily="18" charset="-128"/>
+                </a:rPr>
+                <a:t>網站</a:t>
+              </a:r>
+              <a:r>
+                <a:rPr lang="en-US" altLang="zh-TW" sz="1400" b="1" dirty="0" smtClean="0">
+                  <a:latin typeface="Adobe 楷体 Std R" pitchFamily="18" charset="-128"/>
+                  <a:ea typeface="Adobe 楷体 Std R" pitchFamily="18" charset="-128"/>
+                </a:rPr>
+                <a:t>, </a:t>
+              </a:r>
+              <a:r>
+                <a:rPr lang="zh-TW" altLang="en-US" sz="1400" b="1" dirty="0" smtClean="0">
+                  <a:latin typeface="Adobe 楷体 Std R" pitchFamily="18" charset="-128"/>
+                  <a:ea typeface="Adobe 楷体 Std R" pitchFamily="18" charset="-128"/>
+                </a:rPr>
+                <a:t>能將此限制消除</a:t>
+              </a:r>
+              <a:r>
+                <a:rPr lang="en-US" altLang="zh-TW" sz="1400" b="1" dirty="0" smtClean="0">
+                  <a:latin typeface="Adobe 楷体 Std R" pitchFamily="18" charset="-128"/>
+                  <a:ea typeface="Adobe 楷体 Std R" pitchFamily="18" charset="-128"/>
+                </a:rPr>
+                <a:t>. </a:t>
+              </a:r>
+              <a:endParaRPr lang="en-US" altLang="zh-TW" sz="1400" b="1" dirty="0" smtClean="0">
+                <a:latin typeface="Adobe 楷体 Std R" pitchFamily="18" charset="-128"/>
+                <a:ea typeface="Adobe 楷体 Std R" pitchFamily="18" charset="-128"/>
+              </a:endParaRPr>
+            </a:p>
+          </p:txBody>
+        </p:sp>
+      </p:grpSp>
+      <p:grpSp>
+        <p:nvGrpSpPr>
+          <p:cNvPr id="35" name="群組 34"/>
+          <p:cNvGrpSpPr/>
+          <p:nvPr/>
+        </p:nvGrpSpPr>
+        <p:grpSpPr>
+          <a:xfrm>
+            <a:off x="671194" y="2912626"/>
+            <a:ext cx="7427053" cy="523220"/>
+            <a:chOff x="603602" y="1278972"/>
+            <a:chExt cx="7427053" cy="523220"/>
+          </a:xfrm>
+        </p:grpSpPr>
+        <p:grpSp>
+          <p:nvGrpSpPr>
+            <p:cNvPr id="36" name="群組 35"/>
+            <p:cNvGrpSpPr/>
+            <p:nvPr/>
+          </p:nvGrpSpPr>
+          <p:grpSpPr>
+            <a:xfrm>
+              <a:off x="603602" y="1300222"/>
+              <a:ext cx="411480" cy="428568"/>
+              <a:chOff x="603602" y="1300222"/>
+              <a:chExt cx="411480" cy="428568"/>
+            </a:xfrm>
+          </p:grpSpPr>
+          <p:pic>
+            <p:nvPicPr>
+              <p:cNvPr id="38" name="图片 3"/>
+              <p:cNvPicPr>
+                <a:picLocks noChangeAspect="1"/>
+              </p:cNvPicPr>
+              <p:nvPr/>
+            </p:nvPicPr>
+            <p:blipFill>
+              <a:blip r:embed="rId4" cstate="email">
+                <a:extLst>
+                  <a:ext uri="{28A0092B-C50C-407E-A947-70E740481C1C}">
+                    <a14:useLocalDpi xmlns:a14="http://schemas.microsoft.com/office/drawing/2010/main" val="0"/>
+                  </a:ext>
+                </a:extLst>
+              </a:blip>
+              <a:stretch>
+                <a:fillRect/>
+              </a:stretch>
+            </p:blipFill>
+            <p:spPr>
+              <a:xfrm>
+                <a:off x="603602" y="1305880"/>
+                <a:ext cx="411480" cy="422910"/>
+              </a:xfrm>
+              <a:prstGeom prst="rect">
+                <a:avLst/>
+              </a:prstGeom>
+            </p:spPr>
+          </p:pic>
+          <p:sp>
+            <p:nvSpPr>
+              <p:cNvPr id="39" name="文字方塊 38"/>
+              <p:cNvSpPr txBox="1"/>
+              <p:nvPr/>
+            </p:nvSpPr>
+            <p:spPr>
+              <a:xfrm>
+                <a:off x="671514" y="1300222"/>
+                <a:ext cx="301686" cy="369332"/>
+              </a:xfrm>
+              <a:prstGeom prst="rect">
+                <a:avLst/>
+              </a:prstGeom>
+              <a:noFill/>
+            </p:spPr>
+            <p:txBody>
+              <a:bodyPr wrap="none" rtlCol="0">
+                <a:spAutoFit/>
+              </a:bodyPr>
+              <a:lstStyle/>
+              <a:p>
+                <a:r>
+                  <a:rPr lang="en-US" altLang="zh-TW" dirty="0" smtClean="0">
+                    <a:solidFill>
+                      <a:schemeClr val="bg1"/>
+                    </a:solidFill>
+                  </a:rPr>
+                  <a:t>4</a:t>
+                </a:r>
+                <a:endParaRPr lang="zh-TW" altLang="en-US" dirty="0">
+                  <a:solidFill>
+                    <a:schemeClr val="bg1"/>
+                  </a:solidFill>
+                </a:endParaRPr>
+              </a:p>
+            </p:txBody>
+          </p:sp>
+        </p:grpSp>
+        <p:sp>
+          <p:nvSpPr>
+            <p:cNvPr id="37" name="文字方塊 36"/>
+            <p:cNvSpPr txBox="1"/>
+            <p:nvPr/>
+          </p:nvSpPr>
+          <p:spPr>
+            <a:xfrm>
+              <a:off x="1002382" y="1278972"/>
+              <a:ext cx="7028273" cy="523220"/>
+            </a:xfrm>
+            <a:prstGeom prst="rect">
+              <a:avLst/>
+            </a:prstGeom>
+            <a:noFill/>
+          </p:spPr>
+          <p:txBody>
+            <a:bodyPr wrap="square" rtlCol="0">
+              <a:spAutoFit/>
+            </a:bodyPr>
+            <a:lstStyle/>
+            <a:p>
+              <a:r>
+                <a:rPr lang="zh-TW" altLang="en-US" sz="1400" b="1" dirty="0">
+                  <a:latin typeface="Adobe 楷体 Std R" pitchFamily="18" charset="-128"/>
+                  <a:ea typeface="Adobe 楷体 Std R" pitchFamily="18" charset="-128"/>
+                </a:rPr>
+                <a:t> </a:t>
+              </a:r>
+              <a:r>
+                <a:rPr lang="zh-TW" altLang="en-US" sz="1400" b="1" dirty="0" smtClean="0">
+                  <a:latin typeface="Adobe 楷体 Std R" pitchFamily="18" charset="-128"/>
+                  <a:ea typeface="Adobe 楷体 Std R" pitchFamily="18" charset="-128"/>
+                </a:rPr>
+                <a:t>     由於使用者自己解讀其算命資料可能會有誤解之處</a:t>
+              </a:r>
+              <a:r>
+                <a:rPr lang="en-US" altLang="zh-TW" sz="1400" b="1" dirty="0" smtClean="0">
+                  <a:latin typeface="Adobe 楷体 Std R" pitchFamily="18" charset="-128"/>
+                  <a:ea typeface="Adobe 楷体 Std R" pitchFamily="18" charset="-128"/>
+                </a:rPr>
+                <a:t>,</a:t>
+              </a:r>
+              <a:r>
+                <a:rPr lang="zh-TW" altLang="en-US" sz="1400" b="1" dirty="0" smtClean="0">
+                  <a:latin typeface="Adobe 楷体 Std R" pitchFamily="18" charset="-128"/>
+                  <a:ea typeface="Adobe 楷体 Std R" pitchFamily="18" charset="-128"/>
+                </a:rPr>
+                <a:t> 所以應該找些算命老師配合</a:t>
+              </a:r>
+              <a:r>
+                <a:rPr lang="en-US" altLang="zh-TW" sz="1400" b="1" dirty="0" smtClean="0">
+                  <a:latin typeface="Adobe 楷体 Std R" pitchFamily="18" charset="-128"/>
+                  <a:ea typeface="Adobe 楷体 Std R" pitchFamily="18" charset="-128"/>
+                </a:rPr>
+                <a:t>,</a:t>
+              </a:r>
+              <a:r>
+                <a:rPr lang="zh-TW" altLang="en-US" sz="1400" b="1" dirty="0" smtClean="0">
+                  <a:latin typeface="Adobe 楷体 Std R" pitchFamily="18" charset="-128"/>
+                  <a:ea typeface="Adobe 楷体 Std R" pitchFamily="18" charset="-128"/>
+                </a:rPr>
+                <a:t> 增加付費會員服務</a:t>
+              </a:r>
+              <a:r>
+                <a:rPr lang="en-US" altLang="zh-TW" sz="1400" b="1" dirty="0" smtClean="0">
+                  <a:latin typeface="Adobe 楷体 Std R" pitchFamily="18" charset="-128"/>
+                  <a:ea typeface="Adobe 楷体 Std R" pitchFamily="18" charset="-128"/>
+                </a:rPr>
+                <a:t>,</a:t>
+              </a:r>
+              <a:r>
+                <a:rPr lang="zh-TW" altLang="en-US" sz="1400" b="1" dirty="0" smtClean="0">
+                  <a:latin typeface="Adobe 楷体 Std R" pitchFamily="18" charset="-128"/>
+                  <a:ea typeface="Adobe 楷体 Std R" pitchFamily="18" charset="-128"/>
+                </a:rPr>
+                <a:t> 讓使用者透過算命老師講解來解惑</a:t>
+              </a:r>
+              <a:r>
+                <a:rPr lang="en-US" altLang="zh-TW" sz="1400" b="1" dirty="0" smtClean="0">
+                  <a:latin typeface="Adobe 楷体 Std R" pitchFamily="18" charset="-128"/>
+                  <a:ea typeface="Adobe 楷体 Std R" pitchFamily="18" charset="-128"/>
+                </a:rPr>
+                <a:t>.</a:t>
+              </a:r>
+              <a:endParaRPr lang="en-US" altLang="zh-TW" sz="1400" b="1" dirty="0" smtClean="0">
+                <a:latin typeface="Adobe 楷体 Std R" pitchFamily="18" charset="-128"/>
+                <a:ea typeface="Adobe 楷体 Std R" pitchFamily="18" charset="-128"/>
+              </a:endParaRPr>
+            </a:p>
+          </p:txBody>
+        </p:sp>
+      </p:grpSp>
+      <p:grpSp>
+        <p:nvGrpSpPr>
+          <p:cNvPr id="40" name="群組 39"/>
+          <p:cNvGrpSpPr/>
+          <p:nvPr/>
+        </p:nvGrpSpPr>
+        <p:grpSpPr>
+          <a:xfrm>
+            <a:off x="685713" y="3478170"/>
+            <a:ext cx="7427053" cy="523220"/>
+            <a:chOff x="603602" y="1291479"/>
+            <a:chExt cx="7427053" cy="523220"/>
+          </a:xfrm>
+        </p:grpSpPr>
+        <p:grpSp>
+          <p:nvGrpSpPr>
+            <p:cNvPr id="41" name="群組 40"/>
+            <p:cNvGrpSpPr/>
+            <p:nvPr/>
+          </p:nvGrpSpPr>
+          <p:grpSpPr>
+            <a:xfrm>
+              <a:off x="603602" y="1300222"/>
+              <a:ext cx="411480" cy="428568"/>
+              <a:chOff x="603602" y="1300222"/>
+              <a:chExt cx="411480" cy="428568"/>
+            </a:xfrm>
+          </p:grpSpPr>
+          <p:pic>
+            <p:nvPicPr>
+              <p:cNvPr id="43" name="图片 3"/>
+              <p:cNvPicPr>
+                <a:picLocks noChangeAspect="1"/>
+              </p:cNvPicPr>
+              <p:nvPr/>
+            </p:nvPicPr>
+            <p:blipFill>
+              <a:blip r:embed="rId4" cstate="email">
+                <a:extLst>
+                  <a:ext uri="{28A0092B-C50C-407E-A947-70E740481C1C}">
+                    <a14:useLocalDpi xmlns:a14="http://schemas.microsoft.com/office/drawing/2010/main" val="0"/>
+                  </a:ext>
+                </a:extLst>
+              </a:blip>
+              <a:stretch>
+                <a:fillRect/>
+              </a:stretch>
+            </p:blipFill>
+            <p:spPr>
+              <a:xfrm>
+                <a:off x="603602" y="1305880"/>
+                <a:ext cx="411480" cy="422910"/>
+              </a:xfrm>
+              <a:prstGeom prst="rect">
+                <a:avLst/>
+              </a:prstGeom>
+            </p:spPr>
+          </p:pic>
+          <p:sp>
+            <p:nvSpPr>
+              <p:cNvPr id="44" name="文字方塊 43"/>
+              <p:cNvSpPr txBox="1"/>
+              <p:nvPr/>
+            </p:nvSpPr>
+            <p:spPr>
+              <a:xfrm>
+                <a:off x="671514" y="1300222"/>
+                <a:ext cx="301686" cy="369332"/>
+              </a:xfrm>
+              <a:prstGeom prst="rect">
+                <a:avLst/>
+              </a:prstGeom>
+              <a:noFill/>
+            </p:spPr>
+            <p:txBody>
+              <a:bodyPr wrap="none" rtlCol="0">
+                <a:spAutoFit/>
+              </a:bodyPr>
+              <a:lstStyle/>
+              <a:p>
+                <a:r>
+                  <a:rPr lang="en-US" altLang="zh-TW" dirty="0" smtClean="0">
+                    <a:solidFill>
+                      <a:schemeClr val="bg1"/>
+                    </a:solidFill>
+                  </a:rPr>
+                  <a:t>5</a:t>
+                </a:r>
+                <a:endParaRPr lang="zh-TW" altLang="en-US" dirty="0">
+                  <a:solidFill>
+                    <a:schemeClr val="bg1"/>
+                  </a:solidFill>
+                </a:endParaRPr>
+              </a:p>
+            </p:txBody>
+          </p:sp>
+        </p:grpSp>
+        <p:sp>
+          <p:nvSpPr>
+            <p:cNvPr id="42" name="文字方塊 41"/>
+            <p:cNvSpPr txBox="1"/>
+            <p:nvPr/>
+          </p:nvSpPr>
+          <p:spPr>
+            <a:xfrm>
+              <a:off x="1002382" y="1291479"/>
+              <a:ext cx="7028273" cy="523220"/>
+            </a:xfrm>
+            <a:prstGeom prst="rect">
+              <a:avLst/>
+            </a:prstGeom>
+            <a:noFill/>
+          </p:spPr>
+          <p:txBody>
+            <a:bodyPr wrap="square" rtlCol="0">
+              <a:spAutoFit/>
+            </a:bodyPr>
+            <a:lstStyle/>
+            <a:p>
+              <a:r>
+                <a:rPr lang="zh-TW" altLang="en-US" sz="1400" b="1" dirty="0">
+                  <a:latin typeface="Adobe 楷体 Std R" pitchFamily="18" charset="-128"/>
+                  <a:ea typeface="Adobe 楷体 Std R" pitchFamily="18" charset="-128"/>
+                </a:rPr>
+                <a:t> </a:t>
+              </a:r>
+              <a:r>
+                <a:rPr lang="zh-TW" altLang="en-US" sz="1400" b="1" dirty="0" smtClean="0">
+                  <a:latin typeface="Adobe 楷体 Std R" pitchFamily="18" charset="-128"/>
+                  <a:ea typeface="Adobe 楷体 Std R" pitchFamily="18" charset="-128"/>
+                </a:rPr>
+                <a:t>     同樣透過</a:t>
+              </a:r>
+              <a:r>
+                <a:rPr lang="en-US" altLang="zh-TW" sz="1400" b="1" dirty="0" smtClean="0">
+                  <a:latin typeface="Adobe 楷体 Std R" pitchFamily="18" charset="-128"/>
+                  <a:ea typeface="Adobe 楷体 Std R" pitchFamily="18" charset="-128"/>
+                </a:rPr>
+                <a:t>4</a:t>
+              </a:r>
+              <a:r>
+                <a:rPr lang="zh-TW" altLang="en-US" sz="1400" b="1" dirty="0" smtClean="0">
+                  <a:latin typeface="Adobe 楷体 Std R" pitchFamily="18" charset="-128"/>
+                  <a:ea typeface="Adobe 楷体 Std R" pitchFamily="18" charset="-128"/>
+                </a:rPr>
+                <a:t>讓使用者也可以反饋算命老師的評分</a:t>
+              </a:r>
+              <a:r>
+                <a:rPr lang="en-US" altLang="zh-TW" sz="1400" b="1" dirty="0" smtClean="0">
+                  <a:latin typeface="Adobe 楷体 Std R" pitchFamily="18" charset="-128"/>
+                  <a:ea typeface="Adobe 楷体 Std R" pitchFamily="18" charset="-128"/>
+                </a:rPr>
+                <a:t>,</a:t>
+              </a:r>
+              <a:r>
+                <a:rPr lang="zh-TW" altLang="en-US" sz="1400" b="1" dirty="0" smtClean="0">
+                  <a:latin typeface="Adobe 楷体 Std R" pitchFamily="18" charset="-128"/>
+                  <a:ea typeface="Adobe 楷体 Std R" pitchFamily="18" charset="-128"/>
+                </a:rPr>
+                <a:t> 進而提升對算命老師的信任度</a:t>
+              </a:r>
+              <a:r>
+                <a:rPr lang="en-US" altLang="zh-TW" sz="1400" b="1" dirty="0" smtClean="0">
+                  <a:latin typeface="Adobe 楷体 Std R" pitchFamily="18" charset="-128"/>
+                  <a:ea typeface="Adobe 楷体 Std R" pitchFamily="18" charset="-128"/>
+                </a:rPr>
+                <a:t>. </a:t>
+              </a:r>
+              <a:r>
+                <a:rPr lang="zh-TW" altLang="en-US" sz="1400" b="1" dirty="0">
+                  <a:latin typeface="Adobe 楷体 Std R" pitchFamily="18" charset="-128"/>
+                  <a:ea typeface="Adobe 楷体 Std R" pitchFamily="18" charset="-128"/>
+                </a:rPr>
+                <a:t>也</a:t>
+              </a:r>
+              <a:r>
+                <a:rPr lang="zh-TW" altLang="en-US" sz="1400" b="1" dirty="0" smtClean="0">
+                  <a:latin typeface="Adobe 楷体 Std R" pitchFamily="18" charset="-128"/>
+                  <a:ea typeface="Adobe 楷体 Std R" pitchFamily="18" charset="-128"/>
+                </a:rPr>
+                <a:t>可讓使用者在挑選算命老師講解時有個依準</a:t>
+              </a:r>
+              <a:r>
+                <a:rPr lang="en-US" altLang="zh-TW" sz="1400" b="1" dirty="0" smtClean="0">
+                  <a:latin typeface="Adobe 楷体 Std R" pitchFamily="18" charset="-128"/>
+                  <a:ea typeface="Adobe 楷体 Std R" pitchFamily="18" charset="-128"/>
+                </a:rPr>
+                <a:t>.</a:t>
+              </a:r>
+              <a:endParaRPr lang="en-US" altLang="zh-TW" sz="1400" b="1" dirty="0" smtClean="0">
+                <a:latin typeface="Adobe 楷体 Std R" pitchFamily="18" charset="-128"/>
+                <a:ea typeface="Adobe 楷体 Std R" pitchFamily="18" charset="-128"/>
+              </a:endParaRPr>
+            </a:p>
+          </p:txBody>
+        </p:sp>
+      </p:grpSp>
     </p:spTree>
     <p:extLst>
       <p:ext uri="{BB962C8B-B14F-4D97-AF65-F5344CB8AC3E}">
@@ -20704,10 +22119,2571 @@
   <p:clrMapOvr>
     <a:masterClrMapping/>
   </p:clrMapOvr>
+  <p:timing>
+    <p:tnLst>
+      <p:par>
+        <p:cTn id="1" dur="indefinite" restart="never" nodeType="tmRoot"/>
+      </p:par>
+    </p:tnLst>
+  </p:timing>
 </p:sld>
 </file>
 
 <file path=ppt/slides/slide23.xml><?xml version="1.0" encoding="utf-8"?>
+<p:sld xmlns:a="http://schemas.openxmlformats.org/drawingml/2006/main" xmlns:r="http://schemas.openxmlformats.org/officeDocument/2006/relationships" xmlns:p="http://schemas.openxmlformats.org/presentationml/2006/main">
+  <p:cSld>
+    <p:spTree>
+      <p:nvGrpSpPr>
+        <p:cNvPr id="1" name=""/>
+        <p:cNvGrpSpPr/>
+        <p:nvPr/>
+      </p:nvGrpSpPr>
+      <p:grpSpPr>
+        <a:xfrm>
+          <a:off x="0" y="0"/>
+          <a:ext cx="0" cy="0"/>
+          <a:chOff x="0" y="0"/>
+          <a:chExt cx="0" cy="0"/>
+        </a:xfrm>
+      </p:grpSpPr>
+      <p:grpSp>
+        <p:nvGrpSpPr>
+          <p:cNvPr id="3" name="群組 2"/>
+          <p:cNvGrpSpPr/>
+          <p:nvPr/>
+        </p:nvGrpSpPr>
+        <p:grpSpPr>
+          <a:xfrm>
+            <a:off x="673339" y="1767288"/>
+            <a:ext cx="7427053" cy="523220"/>
+            <a:chOff x="603602" y="1278972"/>
+            <a:chExt cx="7427053" cy="523220"/>
+          </a:xfrm>
+        </p:grpSpPr>
+        <p:grpSp>
+          <p:nvGrpSpPr>
+            <p:cNvPr id="4" name="群組 3"/>
+            <p:cNvGrpSpPr/>
+            <p:nvPr/>
+          </p:nvGrpSpPr>
+          <p:grpSpPr>
+            <a:xfrm>
+              <a:off x="603602" y="1300222"/>
+              <a:ext cx="411480" cy="428568"/>
+              <a:chOff x="603602" y="1300222"/>
+              <a:chExt cx="411480" cy="428568"/>
+            </a:xfrm>
+          </p:grpSpPr>
+          <p:pic>
+            <p:nvPicPr>
+              <p:cNvPr id="6" name="图片 3"/>
+              <p:cNvPicPr>
+                <a:picLocks noChangeAspect="1"/>
+              </p:cNvPicPr>
+              <p:nvPr/>
+            </p:nvPicPr>
+            <p:blipFill>
+              <a:blip r:embed="rId2" cstate="email">
+                <a:extLst>
+                  <a:ext uri="{28A0092B-C50C-407E-A947-70E740481C1C}">
+                    <a14:useLocalDpi xmlns:a14="http://schemas.microsoft.com/office/drawing/2010/main" val="0"/>
+                  </a:ext>
+                </a:extLst>
+              </a:blip>
+              <a:stretch>
+                <a:fillRect/>
+              </a:stretch>
+            </p:blipFill>
+            <p:spPr>
+              <a:xfrm>
+                <a:off x="603602" y="1305880"/>
+                <a:ext cx="411480" cy="422910"/>
+              </a:xfrm>
+              <a:prstGeom prst="rect">
+                <a:avLst/>
+              </a:prstGeom>
+            </p:spPr>
+          </p:pic>
+          <p:sp>
+            <p:nvSpPr>
+              <p:cNvPr id="7" name="文字方塊 6"/>
+              <p:cNvSpPr txBox="1"/>
+              <p:nvPr/>
+            </p:nvSpPr>
+            <p:spPr>
+              <a:xfrm>
+                <a:off x="671514" y="1300222"/>
+                <a:ext cx="301686" cy="369332"/>
+              </a:xfrm>
+              <a:prstGeom prst="rect">
+                <a:avLst/>
+              </a:prstGeom>
+              <a:noFill/>
+            </p:spPr>
+            <p:txBody>
+              <a:bodyPr wrap="none" rtlCol="0">
+                <a:spAutoFit/>
+              </a:bodyPr>
+              <a:lstStyle/>
+              <a:p>
+                <a:r>
+                  <a:rPr lang="en-US" altLang="zh-TW" dirty="0" smtClean="0">
+                    <a:solidFill>
+                      <a:schemeClr val="bg1"/>
+                    </a:solidFill>
+                  </a:rPr>
+                  <a:t>2</a:t>
+                </a:r>
+                <a:endParaRPr lang="zh-TW" altLang="en-US" dirty="0">
+                  <a:solidFill>
+                    <a:schemeClr val="bg1"/>
+                  </a:solidFill>
+                </a:endParaRPr>
+              </a:p>
+            </p:txBody>
+          </p:sp>
+        </p:grpSp>
+        <p:sp>
+          <p:nvSpPr>
+            <p:cNvPr id="5" name="文字方塊 4"/>
+            <p:cNvSpPr txBox="1"/>
+            <p:nvPr/>
+          </p:nvSpPr>
+          <p:spPr>
+            <a:xfrm>
+              <a:off x="1002382" y="1278972"/>
+              <a:ext cx="7028273" cy="523220"/>
+            </a:xfrm>
+            <a:prstGeom prst="rect">
+              <a:avLst/>
+            </a:prstGeom>
+            <a:noFill/>
+          </p:spPr>
+          <p:txBody>
+            <a:bodyPr wrap="square" rtlCol="0">
+              <a:spAutoFit/>
+            </a:bodyPr>
+            <a:lstStyle/>
+            <a:p>
+              <a:r>
+                <a:rPr lang="zh-TW" altLang="en-US" sz="1400" b="1" dirty="0">
+                  <a:latin typeface="Adobe 楷体 Std R" pitchFamily="18" charset="-128"/>
+                  <a:ea typeface="Adobe 楷体 Std R" pitchFamily="18" charset="-128"/>
+                </a:rPr>
+                <a:t> </a:t>
+              </a:r>
+              <a:r>
+                <a:rPr lang="zh-TW" altLang="en-US" sz="1400" b="1" dirty="0" smtClean="0">
+                  <a:latin typeface="Adobe 楷体 Std R" pitchFamily="18" charset="-128"/>
+                  <a:ea typeface="Adobe 楷体 Std R" pitchFamily="18" charset="-128"/>
+                </a:rPr>
+                <a:t>     當</a:t>
+              </a:r>
+              <a:r>
+                <a:rPr lang="en-US" altLang="zh-TW" sz="1400" b="1" dirty="0" smtClean="0">
+                  <a:latin typeface="Adobe 楷体 Std R" pitchFamily="18" charset="-128"/>
+                  <a:ea typeface="Adobe 楷体 Std R" pitchFamily="18" charset="-128"/>
+                </a:rPr>
+                <a:t>1</a:t>
+              </a:r>
+              <a:r>
+                <a:rPr lang="zh-TW" altLang="en-US" sz="1400" b="1" dirty="0" smtClean="0">
+                  <a:latin typeface="Adobe 楷体 Std R" pitchFamily="18" charset="-128"/>
+                  <a:ea typeface="Adobe 楷体 Std R" pitchFamily="18" charset="-128"/>
+                </a:rPr>
+                <a:t>的部分完成還可以再搭配各職業</a:t>
+              </a:r>
+              <a:r>
+                <a:rPr lang="en-US" altLang="zh-TW" sz="1400" b="1" dirty="0" smtClean="0">
+                  <a:latin typeface="Adobe 楷体 Std R" pitchFamily="18" charset="-128"/>
+                  <a:ea typeface="Adobe 楷体 Std R" pitchFamily="18" charset="-128"/>
+                </a:rPr>
+                <a:t>,</a:t>
+              </a:r>
+              <a:r>
+                <a:rPr lang="zh-TW" altLang="en-US" sz="1400" b="1" dirty="0" smtClean="0">
+                  <a:latin typeface="Adobe 楷体 Std R" pitchFamily="18" charset="-128"/>
+                  <a:ea typeface="Adobe 楷体 Std R" pitchFamily="18" charset="-128"/>
+                </a:rPr>
+                <a:t> 所需專業技能</a:t>
+              </a:r>
+              <a:r>
+                <a:rPr lang="zh-TW" altLang="en-US" sz="1400" b="1" dirty="0">
+                  <a:latin typeface="Adobe 楷体 Std R" pitchFamily="18" charset="-128"/>
+                  <a:ea typeface="Adobe 楷体 Std R" pitchFamily="18" charset="-128"/>
+                </a:rPr>
+                <a:t>再加以推薦適合的學習</a:t>
+              </a:r>
+              <a:r>
+                <a:rPr lang="zh-TW" altLang="en-US" sz="1400" b="1" dirty="0" smtClean="0">
+                  <a:latin typeface="Adobe 楷体 Std R" pitchFamily="18" charset="-128"/>
+                  <a:ea typeface="Adobe 楷体 Std R" pitchFamily="18" charset="-128"/>
+                </a:rPr>
+                <a:t>課程</a:t>
+              </a:r>
+              <a:r>
+                <a:rPr lang="en-US" altLang="zh-TW" sz="1400" b="1" dirty="0" smtClean="0">
+                  <a:latin typeface="Adobe 楷体 Std R" pitchFamily="18" charset="-128"/>
+                  <a:ea typeface="Adobe 楷体 Std R" pitchFamily="18" charset="-128"/>
+                </a:rPr>
+                <a:t>,</a:t>
+              </a:r>
+              <a:r>
+                <a:rPr lang="zh-TW" altLang="en-US" sz="1400" b="1" dirty="0" smtClean="0">
+                  <a:latin typeface="Adobe 楷体 Std R" pitchFamily="18" charset="-128"/>
+                  <a:ea typeface="Adobe 楷体 Std R" pitchFamily="18" charset="-128"/>
+                </a:rPr>
+                <a:t> 例如</a:t>
+              </a:r>
+              <a:r>
+                <a:rPr lang="en-US" altLang="zh-TW" sz="1400" b="1" dirty="0" smtClean="0">
+                  <a:latin typeface="Adobe 楷体 Std R" pitchFamily="18" charset="-128"/>
+                  <a:ea typeface="Adobe 楷体 Std R" pitchFamily="18" charset="-128"/>
+                </a:rPr>
+                <a:t>:</a:t>
+              </a:r>
+              <a:r>
+                <a:rPr lang="zh-TW" altLang="en-US" sz="1400" b="1" dirty="0" smtClean="0">
+                  <a:latin typeface="Adobe 楷体 Std R" pitchFamily="18" charset="-128"/>
+                  <a:ea typeface="Adobe 楷体 Std R" pitchFamily="18" charset="-128"/>
+                </a:rPr>
+                <a:t> </a:t>
+              </a:r>
+              <a:r>
+                <a:rPr lang="en-US" altLang="zh-TW" sz="1400" b="1" dirty="0" smtClean="0">
+                  <a:latin typeface="Adobe 楷体 Std R" pitchFamily="18" charset="-128"/>
+                  <a:ea typeface="Adobe 楷体 Std R" pitchFamily="18" charset="-128"/>
+                </a:rPr>
+                <a:t>python</a:t>
+              </a:r>
+              <a:r>
+                <a:rPr lang="zh-TW" altLang="en-US" sz="1400" b="1" dirty="0" smtClean="0">
+                  <a:latin typeface="Adobe 楷体 Std R" pitchFamily="18" charset="-128"/>
+                  <a:ea typeface="Adobe 楷体 Std R" pitchFamily="18" charset="-128"/>
+                </a:rPr>
+                <a:t> 就可以再搭配聯成電腦課程表</a:t>
+              </a:r>
+              <a:r>
+                <a:rPr lang="en-US" altLang="zh-TW" sz="1400" b="1" dirty="0" smtClean="0">
+                  <a:latin typeface="Adobe 楷体 Std R" pitchFamily="18" charset="-128"/>
+                  <a:ea typeface="Adobe 楷体 Std R" pitchFamily="18" charset="-128"/>
+                </a:rPr>
+                <a:t>,</a:t>
+              </a:r>
+              <a:r>
+                <a:rPr lang="zh-TW" altLang="en-US" sz="1400" b="1" dirty="0" smtClean="0">
+                  <a:latin typeface="Adobe 楷体 Std R" pitchFamily="18" charset="-128"/>
+                  <a:ea typeface="Adobe 楷体 Std R" pitchFamily="18" charset="-128"/>
+                </a:rPr>
+                <a:t> 推薦給使用者</a:t>
+              </a:r>
+              <a:r>
+                <a:rPr lang="en-US" altLang="zh-TW" sz="1400" b="1" dirty="0" smtClean="0">
+                  <a:latin typeface="Adobe 楷体 Std R" pitchFamily="18" charset="-128"/>
+                  <a:ea typeface="Adobe 楷体 Std R" pitchFamily="18" charset="-128"/>
+                </a:rPr>
+                <a:t>.</a:t>
+              </a:r>
+              <a:endParaRPr lang="en-US" altLang="zh-TW" sz="1400" b="1" dirty="0" smtClean="0">
+                <a:latin typeface="Adobe 楷体 Std R" pitchFamily="18" charset="-128"/>
+                <a:ea typeface="Adobe 楷体 Std R" pitchFamily="18" charset="-128"/>
+              </a:endParaRPr>
+            </a:p>
+          </p:txBody>
+        </p:sp>
+      </p:grpSp>
+      <p:grpSp>
+        <p:nvGrpSpPr>
+          <p:cNvPr id="21" name="群組 20"/>
+          <p:cNvGrpSpPr/>
+          <p:nvPr/>
+        </p:nvGrpSpPr>
+        <p:grpSpPr>
+          <a:xfrm>
+            <a:off x="539552" y="555526"/>
+            <a:ext cx="8226660" cy="705664"/>
+            <a:chOff x="539552" y="555526"/>
+            <a:chExt cx="8226660" cy="705664"/>
+          </a:xfrm>
+        </p:grpSpPr>
+        <p:pic>
+          <p:nvPicPr>
+            <p:cNvPr id="22" name="图片 3"/>
+            <p:cNvPicPr>
+              <a:picLocks noChangeAspect="1"/>
+            </p:cNvPicPr>
+            <p:nvPr/>
+          </p:nvPicPr>
+          <p:blipFill>
+            <a:blip r:embed="rId2" cstate="email">
+              <a:extLst>
+                <a:ext uri="{28A0092B-C50C-407E-A947-70E740481C1C}">
+                  <a14:useLocalDpi xmlns:a14="http://schemas.microsoft.com/office/drawing/2010/main" val="0"/>
+                </a:ext>
+              </a:extLst>
+            </a:blip>
+            <a:stretch>
+              <a:fillRect/>
+            </a:stretch>
+          </p:blipFill>
+          <p:spPr>
+            <a:xfrm>
+              <a:off x="539552" y="555526"/>
+              <a:ext cx="684076" cy="705664"/>
+            </a:xfrm>
+            <a:prstGeom prst="rect">
+              <a:avLst/>
+            </a:prstGeom>
+          </p:spPr>
+        </p:pic>
+        <p:sp>
+          <p:nvSpPr>
+            <p:cNvPr id="23" name="TextBox 5"/>
+            <p:cNvSpPr txBox="1"/>
+            <p:nvPr/>
+          </p:nvSpPr>
+          <p:spPr>
+            <a:xfrm>
+              <a:off x="603602" y="627533"/>
+              <a:ext cx="576064" cy="461665"/>
+            </a:xfrm>
+            <a:prstGeom prst="rect">
+              <a:avLst/>
+            </a:prstGeom>
+            <a:noFill/>
+          </p:spPr>
+          <p:txBody>
+            <a:bodyPr wrap="square" rtlCol="0">
+              <a:spAutoFit/>
+            </a:bodyPr>
+            <a:lstStyle/>
+            <a:p>
+              <a:pPr algn="ctr"/>
+              <a:r>
+                <a:rPr lang="zh-TW" altLang="en-US" sz="2400" dirty="0">
+                  <a:solidFill>
+                    <a:schemeClr val="bg1"/>
+                  </a:solidFill>
+                  <a:latin typeface="华文隶书" pitchFamily="2" charset="-122"/>
+                  <a:ea typeface="华文隶书" pitchFamily="2" charset="-122"/>
+                </a:rPr>
+                <a:t>二</a:t>
+              </a:r>
+              <a:endParaRPr lang="zh-CN" altLang="en-US" sz="2400" dirty="0">
+                <a:solidFill>
+                  <a:schemeClr val="bg1"/>
+                </a:solidFill>
+                <a:latin typeface="华文隶书" pitchFamily="2" charset="-122"/>
+                <a:ea typeface="华文隶书" pitchFamily="2" charset="-122"/>
+              </a:endParaRPr>
+            </a:p>
+          </p:txBody>
+        </p:sp>
+        <p:sp>
+          <p:nvSpPr>
+            <p:cNvPr id="24" name="TextBox 6"/>
+            <p:cNvSpPr txBox="1"/>
+            <p:nvPr/>
+          </p:nvSpPr>
+          <p:spPr>
+            <a:xfrm>
+              <a:off x="1187624" y="627533"/>
+              <a:ext cx="7578588" cy="523220"/>
+            </a:xfrm>
+            <a:prstGeom prst="rect">
+              <a:avLst/>
+            </a:prstGeom>
+            <a:noFill/>
+          </p:spPr>
+          <p:txBody>
+            <a:bodyPr wrap="square" rtlCol="0">
+              <a:spAutoFit/>
+            </a:bodyPr>
+            <a:lstStyle/>
+            <a:p>
+              <a:r>
+                <a:rPr lang="zh-TW" altLang="en-US" sz="2800" b="1" dirty="0">
+                  <a:latin typeface="Adobe 楷体 Std R" pitchFamily="18" charset="-128"/>
+                  <a:ea typeface="Adobe 楷体 Std R" pitchFamily="18" charset="-128"/>
+                </a:rPr>
+                <a:t>公司</a:t>
+              </a:r>
+              <a:r>
+                <a:rPr lang="zh-TW" altLang="en-US" sz="2800" b="1" dirty="0" smtClean="0">
+                  <a:latin typeface="Adobe 楷体 Std R" pitchFamily="18" charset="-128"/>
+                  <a:ea typeface="Adobe 楷体 Std R" pitchFamily="18" charset="-128"/>
+                </a:rPr>
+                <a:t>資料方面</a:t>
+              </a:r>
+              <a:r>
+                <a:rPr lang="en-US" altLang="zh-TW" sz="2800" b="1" dirty="0" smtClean="0">
+                  <a:latin typeface="Adobe 楷体 Std R" pitchFamily="18" charset="-128"/>
+                  <a:ea typeface="Adobe 楷体 Std R" pitchFamily="18" charset="-128"/>
+                </a:rPr>
+                <a:t>:</a:t>
+              </a:r>
+              <a:endParaRPr lang="en-US" altLang="zh-TW" sz="2800" b="1" dirty="0" smtClean="0">
+                <a:latin typeface="Adobe 楷体 Std R" pitchFamily="18" charset="-128"/>
+                <a:ea typeface="Adobe 楷体 Std R" pitchFamily="18" charset="-128"/>
+              </a:endParaRPr>
+            </a:p>
+          </p:txBody>
+        </p:sp>
+      </p:grpSp>
+      <p:grpSp>
+        <p:nvGrpSpPr>
+          <p:cNvPr id="25" name="群組 24"/>
+          <p:cNvGrpSpPr/>
+          <p:nvPr/>
+        </p:nvGrpSpPr>
+        <p:grpSpPr>
+          <a:xfrm>
+            <a:off x="673339" y="2324188"/>
+            <a:ext cx="7427053" cy="523220"/>
+            <a:chOff x="603602" y="1278972"/>
+            <a:chExt cx="7427053" cy="523220"/>
+          </a:xfrm>
+        </p:grpSpPr>
+        <p:grpSp>
+          <p:nvGrpSpPr>
+            <p:cNvPr id="26" name="群組 25"/>
+            <p:cNvGrpSpPr/>
+            <p:nvPr/>
+          </p:nvGrpSpPr>
+          <p:grpSpPr>
+            <a:xfrm>
+              <a:off x="603602" y="1300222"/>
+              <a:ext cx="411480" cy="428568"/>
+              <a:chOff x="603602" y="1300222"/>
+              <a:chExt cx="411480" cy="428568"/>
+            </a:xfrm>
+          </p:grpSpPr>
+          <p:pic>
+            <p:nvPicPr>
+              <p:cNvPr id="28" name="图片 3"/>
+              <p:cNvPicPr>
+                <a:picLocks noChangeAspect="1"/>
+              </p:cNvPicPr>
+              <p:nvPr/>
+            </p:nvPicPr>
+            <p:blipFill>
+              <a:blip r:embed="rId2" cstate="email">
+                <a:extLst>
+                  <a:ext uri="{28A0092B-C50C-407E-A947-70E740481C1C}">
+                    <a14:useLocalDpi xmlns:a14="http://schemas.microsoft.com/office/drawing/2010/main" val="0"/>
+                  </a:ext>
+                </a:extLst>
+              </a:blip>
+              <a:stretch>
+                <a:fillRect/>
+              </a:stretch>
+            </p:blipFill>
+            <p:spPr>
+              <a:xfrm>
+                <a:off x="603602" y="1305880"/>
+                <a:ext cx="411480" cy="422910"/>
+              </a:xfrm>
+              <a:prstGeom prst="rect">
+                <a:avLst/>
+              </a:prstGeom>
+            </p:spPr>
+          </p:pic>
+          <p:sp>
+            <p:nvSpPr>
+              <p:cNvPr id="29" name="文字方塊 28"/>
+              <p:cNvSpPr txBox="1"/>
+              <p:nvPr/>
+            </p:nvSpPr>
+            <p:spPr>
+              <a:xfrm>
+                <a:off x="671514" y="1300222"/>
+                <a:ext cx="301686" cy="369332"/>
+              </a:xfrm>
+              <a:prstGeom prst="rect">
+                <a:avLst/>
+              </a:prstGeom>
+              <a:noFill/>
+            </p:spPr>
+            <p:txBody>
+              <a:bodyPr wrap="none" rtlCol="0">
+                <a:spAutoFit/>
+              </a:bodyPr>
+              <a:lstStyle/>
+              <a:p>
+                <a:r>
+                  <a:rPr lang="en-US" altLang="zh-TW" dirty="0" smtClean="0">
+                    <a:solidFill>
+                      <a:schemeClr val="bg1"/>
+                    </a:solidFill>
+                  </a:rPr>
+                  <a:t>3</a:t>
+                </a:r>
+                <a:endParaRPr lang="zh-TW" altLang="en-US" dirty="0">
+                  <a:solidFill>
+                    <a:schemeClr val="bg1"/>
+                  </a:solidFill>
+                </a:endParaRPr>
+              </a:p>
+            </p:txBody>
+          </p:sp>
+        </p:grpSp>
+        <p:sp>
+          <p:nvSpPr>
+            <p:cNvPr id="27" name="文字方塊 26"/>
+            <p:cNvSpPr txBox="1"/>
+            <p:nvPr/>
+          </p:nvSpPr>
+          <p:spPr>
+            <a:xfrm>
+              <a:off x="1002382" y="1278972"/>
+              <a:ext cx="7028273" cy="523220"/>
+            </a:xfrm>
+            <a:prstGeom prst="rect">
+              <a:avLst/>
+            </a:prstGeom>
+            <a:noFill/>
+          </p:spPr>
+          <p:txBody>
+            <a:bodyPr wrap="square" rtlCol="0">
+              <a:spAutoFit/>
+            </a:bodyPr>
+            <a:lstStyle/>
+            <a:p>
+              <a:r>
+                <a:rPr lang="zh-TW" altLang="en-US" sz="1400" b="1" dirty="0" smtClean="0">
+                  <a:latin typeface="Adobe 楷体 Std R" pitchFamily="18" charset="-128"/>
+                  <a:ea typeface="Adobe 楷体 Std R" pitchFamily="18" charset="-128"/>
+                </a:rPr>
+                <a:t>      在公司優劣評比上</a:t>
+              </a:r>
+              <a:r>
+                <a:rPr lang="en-US" altLang="zh-TW" sz="1400" b="1" dirty="0" smtClean="0">
+                  <a:latin typeface="Adobe 楷体 Std R" pitchFamily="18" charset="-128"/>
+                  <a:ea typeface="Adobe 楷体 Std R" pitchFamily="18" charset="-128"/>
+                </a:rPr>
+                <a:t>, </a:t>
+              </a:r>
+              <a:r>
+                <a:rPr lang="zh-TW" altLang="en-US" sz="1400" b="1" dirty="0" smtClean="0">
+                  <a:latin typeface="Adobe 楷体 Std R" pitchFamily="18" charset="-128"/>
+                  <a:ea typeface="Adobe 楷体 Std R" pitchFamily="18" charset="-128"/>
+                </a:rPr>
+                <a:t>目前僅靠</a:t>
+              </a:r>
+              <a:r>
+                <a:rPr lang="en-US" altLang="zh-TW" sz="1400" b="1" dirty="0" smtClean="0">
+                  <a:latin typeface="Adobe 楷体 Std R" pitchFamily="18" charset="-128"/>
+                  <a:ea typeface="Adobe 楷体 Std R" pitchFamily="18" charset="-128"/>
+                </a:rPr>
+                <a:t>ROE</a:t>
+              </a:r>
+              <a:r>
+                <a:rPr lang="zh-TW" altLang="en-US" sz="1400" b="1" dirty="0" smtClean="0">
+                  <a:latin typeface="Adobe 楷体 Std R" pitchFamily="18" charset="-128"/>
+                  <a:ea typeface="Adobe 楷体 Std R" pitchFamily="18" charset="-128"/>
+                </a:rPr>
+                <a:t>值評斷相當不準確</a:t>
+              </a:r>
+              <a:r>
+                <a:rPr lang="en-US" altLang="zh-TW" sz="1400" b="1" dirty="0" smtClean="0">
+                  <a:latin typeface="Adobe 楷体 Std R" pitchFamily="18" charset="-128"/>
+                  <a:ea typeface="Adobe 楷体 Std R" pitchFamily="18" charset="-128"/>
+                </a:rPr>
+                <a:t>,</a:t>
+              </a:r>
+              <a:r>
+                <a:rPr lang="zh-TW" altLang="en-US" sz="1400" b="1" dirty="0" smtClean="0">
+                  <a:latin typeface="Adobe 楷体 Std R" pitchFamily="18" charset="-128"/>
+                  <a:ea typeface="Adobe 楷体 Std R" pitchFamily="18" charset="-128"/>
+                </a:rPr>
+                <a:t> 應該要再搭配更多財務報告上的各項數據給予相對的評分</a:t>
+              </a:r>
+              <a:r>
+                <a:rPr lang="en-US" altLang="zh-TW" sz="1400" b="1" dirty="0" smtClean="0">
+                  <a:latin typeface="Adobe 楷体 Std R" pitchFamily="18" charset="-128"/>
+                  <a:ea typeface="Adobe 楷体 Std R" pitchFamily="18" charset="-128"/>
+                </a:rPr>
+                <a:t>,</a:t>
+              </a:r>
+              <a:r>
+                <a:rPr lang="zh-TW" altLang="en-US" sz="1400" b="1" dirty="0" smtClean="0">
+                  <a:latin typeface="Adobe 楷体 Std R" pitchFamily="18" charset="-128"/>
+                  <a:ea typeface="Adobe 楷体 Std R" pitchFamily="18" charset="-128"/>
+                </a:rPr>
+                <a:t> 這樣對公司體質優劣評估也會較準確</a:t>
+              </a:r>
+              <a:r>
+                <a:rPr lang="en-US" altLang="zh-TW" sz="1400" b="1" dirty="0" smtClean="0">
+                  <a:latin typeface="Adobe 楷体 Std R" pitchFamily="18" charset="-128"/>
+                  <a:ea typeface="Adobe 楷体 Std R" pitchFamily="18" charset="-128"/>
+                </a:rPr>
+                <a:t>.</a:t>
+              </a:r>
+              <a:endParaRPr lang="en-US" altLang="zh-TW" sz="1400" b="1" dirty="0" smtClean="0">
+                <a:latin typeface="Adobe 楷体 Std R" pitchFamily="18" charset="-128"/>
+                <a:ea typeface="Adobe 楷体 Std R" pitchFamily="18" charset="-128"/>
+              </a:endParaRPr>
+            </a:p>
+          </p:txBody>
+        </p:sp>
+      </p:grpSp>
+      <p:grpSp>
+        <p:nvGrpSpPr>
+          <p:cNvPr id="30" name="群組 29"/>
+          <p:cNvGrpSpPr/>
+          <p:nvPr/>
+        </p:nvGrpSpPr>
+        <p:grpSpPr>
+          <a:xfrm>
+            <a:off x="683568" y="1203598"/>
+            <a:ext cx="7416824" cy="523220"/>
+            <a:chOff x="603602" y="1278972"/>
+            <a:chExt cx="7283037" cy="523220"/>
+          </a:xfrm>
+        </p:grpSpPr>
+        <p:grpSp>
+          <p:nvGrpSpPr>
+            <p:cNvPr id="31" name="群組 30"/>
+            <p:cNvGrpSpPr/>
+            <p:nvPr/>
+          </p:nvGrpSpPr>
+          <p:grpSpPr>
+            <a:xfrm>
+              <a:off x="603602" y="1300222"/>
+              <a:ext cx="411480" cy="428568"/>
+              <a:chOff x="603602" y="1300222"/>
+              <a:chExt cx="411480" cy="428568"/>
+            </a:xfrm>
+          </p:grpSpPr>
+          <p:pic>
+            <p:nvPicPr>
+              <p:cNvPr id="33" name="图片 3"/>
+              <p:cNvPicPr>
+                <a:picLocks noChangeAspect="1"/>
+              </p:cNvPicPr>
+              <p:nvPr/>
+            </p:nvPicPr>
+            <p:blipFill>
+              <a:blip r:embed="rId2" cstate="email">
+                <a:extLst>
+                  <a:ext uri="{28A0092B-C50C-407E-A947-70E740481C1C}">
+                    <a14:useLocalDpi xmlns:a14="http://schemas.microsoft.com/office/drawing/2010/main" val="0"/>
+                  </a:ext>
+                </a:extLst>
+              </a:blip>
+              <a:stretch>
+                <a:fillRect/>
+              </a:stretch>
+            </p:blipFill>
+            <p:spPr>
+              <a:xfrm>
+                <a:off x="603602" y="1305880"/>
+                <a:ext cx="411480" cy="422910"/>
+              </a:xfrm>
+              <a:prstGeom prst="rect">
+                <a:avLst/>
+              </a:prstGeom>
+            </p:spPr>
+          </p:pic>
+          <p:sp>
+            <p:nvSpPr>
+              <p:cNvPr id="34" name="文字方塊 33"/>
+              <p:cNvSpPr txBox="1"/>
+              <p:nvPr/>
+            </p:nvSpPr>
+            <p:spPr>
+              <a:xfrm>
+                <a:off x="671514" y="1300222"/>
+                <a:ext cx="301686" cy="369332"/>
+              </a:xfrm>
+              <a:prstGeom prst="rect">
+                <a:avLst/>
+              </a:prstGeom>
+              <a:noFill/>
+            </p:spPr>
+            <p:txBody>
+              <a:bodyPr wrap="none" rtlCol="0">
+                <a:spAutoFit/>
+              </a:bodyPr>
+              <a:lstStyle/>
+              <a:p>
+                <a:r>
+                  <a:rPr lang="en-US" altLang="zh-TW" dirty="0">
+                    <a:solidFill>
+                      <a:schemeClr val="bg1"/>
+                    </a:solidFill>
+                  </a:rPr>
+                  <a:t>1</a:t>
+                </a:r>
+                <a:endParaRPr lang="zh-TW" altLang="en-US" dirty="0">
+                  <a:solidFill>
+                    <a:schemeClr val="bg1"/>
+                  </a:solidFill>
+                </a:endParaRPr>
+              </a:p>
+            </p:txBody>
+          </p:sp>
+        </p:grpSp>
+        <p:sp>
+          <p:nvSpPr>
+            <p:cNvPr id="32" name="文字方塊 31"/>
+            <p:cNvSpPr txBox="1"/>
+            <p:nvPr/>
+          </p:nvSpPr>
+          <p:spPr>
+            <a:xfrm>
+              <a:off x="1002382" y="1278972"/>
+              <a:ext cx="6884257" cy="523220"/>
+            </a:xfrm>
+            <a:prstGeom prst="rect">
+              <a:avLst/>
+            </a:prstGeom>
+            <a:noFill/>
+          </p:spPr>
+          <p:txBody>
+            <a:bodyPr wrap="square" rtlCol="0">
+              <a:spAutoFit/>
+            </a:bodyPr>
+            <a:lstStyle/>
+            <a:p>
+              <a:r>
+                <a:rPr lang="zh-TW" altLang="en-US" sz="1400" b="1" dirty="0">
+                  <a:latin typeface="Adobe 楷体 Std R" pitchFamily="18" charset="-128"/>
+                  <a:ea typeface="Adobe 楷体 Std R" pitchFamily="18" charset="-128"/>
+                </a:rPr>
+                <a:t> </a:t>
+              </a:r>
+              <a:r>
+                <a:rPr lang="zh-TW" altLang="en-US" sz="1400" b="1" dirty="0" smtClean="0">
+                  <a:latin typeface="Adobe 楷体 Std R" pitchFamily="18" charset="-128"/>
+                  <a:ea typeface="Adobe 楷体 Std R" pitchFamily="18" charset="-128"/>
+                </a:rPr>
+                <a:t>     目前僅有公司產業屬性</a:t>
+              </a:r>
+              <a:r>
+                <a:rPr lang="en-US" altLang="zh-TW" sz="1400" b="1" dirty="0" smtClean="0">
+                  <a:latin typeface="Adobe 楷体 Std R" pitchFamily="18" charset="-128"/>
+                  <a:ea typeface="Adobe 楷体 Std R" pitchFamily="18" charset="-128"/>
+                </a:rPr>
+                <a:t>,</a:t>
+              </a:r>
+              <a:r>
+                <a:rPr lang="zh-TW" altLang="en-US" sz="1400" b="1" dirty="0" smtClean="0">
+                  <a:latin typeface="Adobe 楷体 Std R" pitchFamily="18" charset="-128"/>
+                  <a:ea typeface="Adobe 楷体 Std R" pitchFamily="18" charset="-128"/>
+                </a:rPr>
+                <a:t> 但真的要再細分</a:t>
+              </a:r>
+              <a:r>
+                <a:rPr lang="zh-TW" altLang="en-US" sz="1400" b="1" dirty="0">
+                  <a:latin typeface="Adobe 楷体 Std R" pitchFamily="18" charset="-128"/>
+                  <a:ea typeface="Adobe 楷体 Std R" pitchFamily="18" charset="-128"/>
+                </a:rPr>
+                <a:t>應該要再到職業類別的</a:t>
+              </a:r>
+              <a:r>
+                <a:rPr lang="zh-TW" altLang="en-US" sz="1400" b="1" dirty="0" smtClean="0">
+                  <a:latin typeface="Adobe 楷体 Std R" pitchFamily="18" charset="-128"/>
+                  <a:ea typeface="Adobe 楷体 Std R" pitchFamily="18" charset="-128"/>
+                </a:rPr>
+                <a:t>屬性</a:t>
+              </a:r>
+              <a:r>
+                <a:rPr lang="en-US" altLang="zh-TW" sz="1400" b="1" dirty="0" smtClean="0">
+                  <a:latin typeface="Adobe 楷体 Std R" pitchFamily="18" charset="-128"/>
+                  <a:ea typeface="Adobe 楷体 Std R" pitchFamily="18" charset="-128"/>
+                </a:rPr>
+                <a:t>,</a:t>
+              </a:r>
+              <a:r>
+                <a:rPr lang="zh-TW" altLang="en-US" sz="1400" b="1" dirty="0" smtClean="0">
+                  <a:latin typeface="Adobe 楷体 Std R" pitchFamily="18" charset="-128"/>
+                  <a:ea typeface="Adobe 楷体 Std R" pitchFamily="18" charset="-128"/>
+                </a:rPr>
+                <a:t> 才是比較符合使用者屬性的工作</a:t>
+              </a:r>
+              <a:r>
+                <a:rPr lang="en-US" altLang="zh-TW" sz="1400" b="1" dirty="0" smtClean="0">
+                  <a:latin typeface="Adobe 楷体 Std R" pitchFamily="18" charset="-128"/>
+                  <a:ea typeface="Adobe 楷体 Std R" pitchFamily="18" charset="-128"/>
+                </a:rPr>
+                <a:t>,</a:t>
+              </a:r>
+              <a:r>
+                <a:rPr lang="zh-TW" altLang="en-US" sz="1400" b="1" dirty="0" smtClean="0">
+                  <a:latin typeface="Adobe 楷体 Std R" pitchFamily="18" charset="-128"/>
+                  <a:ea typeface="Adobe 楷体 Std R" pitchFamily="18" charset="-128"/>
+                </a:rPr>
+                <a:t> 這可再搭配求職網站的資料再做細分</a:t>
+              </a:r>
+              <a:r>
+                <a:rPr lang="en-US" altLang="zh-TW" sz="1400" b="1" dirty="0" smtClean="0">
+                  <a:latin typeface="Adobe 楷体 Std R" pitchFamily="18" charset="-128"/>
+                  <a:ea typeface="Adobe 楷体 Std R" pitchFamily="18" charset="-128"/>
+                </a:rPr>
+                <a:t>.</a:t>
+              </a:r>
+              <a:endParaRPr lang="en-US" altLang="zh-TW" sz="1400" b="1" dirty="0" smtClean="0">
+                <a:latin typeface="Adobe 楷体 Std R" pitchFamily="18" charset="-128"/>
+                <a:ea typeface="Adobe 楷体 Std R" pitchFamily="18" charset="-128"/>
+              </a:endParaRPr>
+            </a:p>
+          </p:txBody>
+        </p:sp>
+      </p:grpSp>
+      <p:grpSp>
+        <p:nvGrpSpPr>
+          <p:cNvPr id="35" name="群組 34"/>
+          <p:cNvGrpSpPr/>
+          <p:nvPr/>
+        </p:nvGrpSpPr>
+        <p:grpSpPr>
+          <a:xfrm>
+            <a:off x="671194" y="2912626"/>
+            <a:ext cx="7427053" cy="523220"/>
+            <a:chOff x="603602" y="1278972"/>
+            <a:chExt cx="7427053" cy="523220"/>
+          </a:xfrm>
+        </p:grpSpPr>
+        <p:grpSp>
+          <p:nvGrpSpPr>
+            <p:cNvPr id="36" name="群組 35"/>
+            <p:cNvGrpSpPr/>
+            <p:nvPr/>
+          </p:nvGrpSpPr>
+          <p:grpSpPr>
+            <a:xfrm>
+              <a:off x="603602" y="1300222"/>
+              <a:ext cx="411480" cy="428568"/>
+              <a:chOff x="603602" y="1300222"/>
+              <a:chExt cx="411480" cy="428568"/>
+            </a:xfrm>
+          </p:grpSpPr>
+          <p:pic>
+            <p:nvPicPr>
+              <p:cNvPr id="38" name="图片 3"/>
+              <p:cNvPicPr>
+                <a:picLocks noChangeAspect="1"/>
+              </p:cNvPicPr>
+              <p:nvPr/>
+            </p:nvPicPr>
+            <p:blipFill>
+              <a:blip r:embed="rId2" cstate="email">
+                <a:extLst>
+                  <a:ext uri="{28A0092B-C50C-407E-A947-70E740481C1C}">
+                    <a14:useLocalDpi xmlns:a14="http://schemas.microsoft.com/office/drawing/2010/main" val="0"/>
+                  </a:ext>
+                </a:extLst>
+              </a:blip>
+              <a:stretch>
+                <a:fillRect/>
+              </a:stretch>
+            </p:blipFill>
+            <p:spPr>
+              <a:xfrm>
+                <a:off x="603602" y="1305880"/>
+                <a:ext cx="411480" cy="422910"/>
+              </a:xfrm>
+              <a:prstGeom prst="rect">
+                <a:avLst/>
+              </a:prstGeom>
+            </p:spPr>
+          </p:pic>
+          <p:sp>
+            <p:nvSpPr>
+              <p:cNvPr id="39" name="文字方塊 38"/>
+              <p:cNvSpPr txBox="1"/>
+              <p:nvPr/>
+            </p:nvSpPr>
+            <p:spPr>
+              <a:xfrm>
+                <a:off x="671514" y="1300222"/>
+                <a:ext cx="301686" cy="369332"/>
+              </a:xfrm>
+              <a:prstGeom prst="rect">
+                <a:avLst/>
+              </a:prstGeom>
+              <a:noFill/>
+            </p:spPr>
+            <p:txBody>
+              <a:bodyPr wrap="none" rtlCol="0">
+                <a:spAutoFit/>
+              </a:bodyPr>
+              <a:lstStyle/>
+              <a:p>
+                <a:r>
+                  <a:rPr lang="en-US" altLang="zh-TW" dirty="0" smtClean="0">
+                    <a:solidFill>
+                      <a:schemeClr val="bg1"/>
+                    </a:solidFill>
+                  </a:rPr>
+                  <a:t>4</a:t>
+                </a:r>
+                <a:endParaRPr lang="zh-TW" altLang="en-US" dirty="0">
+                  <a:solidFill>
+                    <a:schemeClr val="bg1"/>
+                  </a:solidFill>
+                </a:endParaRPr>
+              </a:p>
+            </p:txBody>
+          </p:sp>
+        </p:grpSp>
+        <p:sp>
+          <p:nvSpPr>
+            <p:cNvPr id="37" name="文字方塊 36"/>
+            <p:cNvSpPr txBox="1"/>
+            <p:nvPr/>
+          </p:nvSpPr>
+          <p:spPr>
+            <a:xfrm>
+              <a:off x="1002382" y="1278972"/>
+              <a:ext cx="7028273" cy="523220"/>
+            </a:xfrm>
+            <a:prstGeom prst="rect">
+              <a:avLst/>
+            </a:prstGeom>
+            <a:noFill/>
+          </p:spPr>
+          <p:txBody>
+            <a:bodyPr wrap="square" rtlCol="0">
+              <a:spAutoFit/>
+            </a:bodyPr>
+            <a:lstStyle/>
+            <a:p>
+              <a:r>
+                <a:rPr lang="zh-TW" altLang="en-US" sz="1400" b="1" dirty="0" smtClean="0">
+                  <a:latin typeface="Adobe 楷体 Std R" pitchFamily="18" charset="-128"/>
+                  <a:ea typeface="Adobe 楷体 Std R" pitchFamily="18" charset="-128"/>
+                </a:rPr>
+                <a:t>      在</a:t>
+              </a:r>
+              <a:r>
+                <a:rPr lang="en-US" altLang="zh-TW" sz="1400" b="1" dirty="0" smtClean="0">
+                  <a:latin typeface="Adobe 楷体 Std R" pitchFamily="18" charset="-128"/>
+                  <a:ea typeface="Adobe 楷体 Std R" pitchFamily="18" charset="-128"/>
+                </a:rPr>
+                <a:t>1</a:t>
+              </a:r>
+              <a:r>
+                <a:rPr lang="zh-TW" altLang="en-US" sz="1400" b="1" dirty="0" smtClean="0">
+                  <a:latin typeface="Adobe 楷体 Std R" pitchFamily="18" charset="-128"/>
+                  <a:ea typeface="Adobe 楷体 Std R" pitchFamily="18" charset="-128"/>
+                </a:rPr>
+                <a:t>跟</a:t>
+              </a:r>
+              <a:r>
+                <a:rPr lang="en-US" altLang="zh-TW" sz="1400" b="1" dirty="0" smtClean="0">
+                  <a:latin typeface="Adobe 楷体 Std R" pitchFamily="18" charset="-128"/>
+                  <a:ea typeface="Adobe 楷体 Std R" pitchFamily="18" charset="-128"/>
+                </a:rPr>
+                <a:t>3</a:t>
+              </a:r>
+              <a:r>
+                <a:rPr lang="zh-TW" altLang="en-US" sz="1400" b="1" dirty="0" smtClean="0">
+                  <a:latin typeface="Adobe 楷体 Std R" pitchFamily="18" charset="-128"/>
+                  <a:ea typeface="Adobe 楷体 Std R" pitchFamily="18" charset="-128"/>
+                </a:rPr>
+                <a:t>的基礎上</a:t>
+              </a:r>
+              <a:r>
+                <a:rPr lang="en-US" altLang="zh-TW" sz="1400" b="1" dirty="0" smtClean="0">
+                  <a:latin typeface="Adobe 楷体 Std R" pitchFamily="18" charset="-128"/>
+                  <a:ea typeface="Adobe 楷体 Std R" pitchFamily="18" charset="-128"/>
+                </a:rPr>
+                <a:t>,</a:t>
+              </a:r>
+              <a:r>
+                <a:rPr lang="zh-TW" altLang="en-US" sz="1400" b="1" dirty="0" smtClean="0">
+                  <a:latin typeface="Adobe 楷体 Std R" pitchFamily="18" charset="-128"/>
+                  <a:ea typeface="Adobe 楷体 Std R" pitchFamily="18" charset="-128"/>
+                </a:rPr>
+                <a:t> 再將公司福利項目也納入</a:t>
+              </a:r>
+              <a:r>
+                <a:rPr lang="en-US" altLang="zh-TW" sz="1400" b="1" dirty="0" smtClean="0">
+                  <a:latin typeface="Adobe 楷体 Std R" pitchFamily="18" charset="-128"/>
+                  <a:ea typeface="Adobe 楷体 Std R" pitchFamily="18" charset="-128"/>
+                </a:rPr>
+                <a:t>,</a:t>
+              </a:r>
+              <a:r>
+                <a:rPr lang="zh-TW" altLang="en-US" sz="1400" b="1" dirty="0" smtClean="0">
+                  <a:latin typeface="Adobe 楷体 Std R" pitchFamily="18" charset="-128"/>
+                  <a:ea typeface="Adobe 楷体 Std R" pitchFamily="18" charset="-128"/>
+                </a:rPr>
+                <a:t> 更有利於使用者自己除了可瞭解公司體質</a:t>
+              </a:r>
+              <a:r>
+                <a:rPr lang="en-US" altLang="zh-TW" sz="1400" b="1" dirty="0" smtClean="0">
+                  <a:latin typeface="Adobe 楷体 Std R" pitchFamily="18" charset="-128"/>
+                  <a:ea typeface="Adobe 楷体 Std R" pitchFamily="18" charset="-128"/>
+                </a:rPr>
+                <a:t>,</a:t>
+              </a:r>
+              <a:r>
+                <a:rPr lang="zh-TW" altLang="en-US" sz="1400" b="1" dirty="0" smtClean="0">
+                  <a:latin typeface="Adobe 楷体 Std R" pitchFamily="18" charset="-128"/>
+                  <a:ea typeface="Adobe 楷体 Std R" pitchFamily="18" charset="-128"/>
+                </a:rPr>
+                <a:t> 也可以尋找優質福利的公司職務</a:t>
+              </a:r>
+              <a:r>
+                <a:rPr lang="en-US" altLang="zh-TW" sz="1400" b="1" dirty="0" smtClean="0">
+                  <a:latin typeface="Adobe 楷体 Std R" pitchFamily="18" charset="-128"/>
+                  <a:ea typeface="Adobe 楷体 Std R" pitchFamily="18" charset="-128"/>
+                </a:rPr>
+                <a:t>.</a:t>
+              </a:r>
+              <a:endParaRPr lang="en-US" altLang="zh-TW" sz="1400" b="1" dirty="0" smtClean="0">
+                <a:latin typeface="Adobe 楷体 Std R" pitchFamily="18" charset="-128"/>
+                <a:ea typeface="Adobe 楷体 Std R" pitchFamily="18" charset="-128"/>
+              </a:endParaRPr>
+            </a:p>
+          </p:txBody>
+        </p:sp>
+      </p:grpSp>
+      <p:grpSp>
+        <p:nvGrpSpPr>
+          <p:cNvPr id="40" name="群組 39"/>
+          <p:cNvGrpSpPr/>
+          <p:nvPr/>
+        </p:nvGrpSpPr>
+        <p:grpSpPr>
+          <a:xfrm>
+            <a:off x="685713" y="3478170"/>
+            <a:ext cx="7427053" cy="523220"/>
+            <a:chOff x="603602" y="1291479"/>
+            <a:chExt cx="7427053" cy="523220"/>
+          </a:xfrm>
+        </p:grpSpPr>
+        <p:grpSp>
+          <p:nvGrpSpPr>
+            <p:cNvPr id="41" name="群組 40"/>
+            <p:cNvGrpSpPr/>
+            <p:nvPr/>
+          </p:nvGrpSpPr>
+          <p:grpSpPr>
+            <a:xfrm>
+              <a:off x="603602" y="1300222"/>
+              <a:ext cx="411480" cy="428568"/>
+              <a:chOff x="603602" y="1300222"/>
+              <a:chExt cx="411480" cy="428568"/>
+            </a:xfrm>
+          </p:grpSpPr>
+          <p:pic>
+            <p:nvPicPr>
+              <p:cNvPr id="43" name="图片 3"/>
+              <p:cNvPicPr>
+                <a:picLocks noChangeAspect="1"/>
+              </p:cNvPicPr>
+              <p:nvPr/>
+            </p:nvPicPr>
+            <p:blipFill>
+              <a:blip r:embed="rId2" cstate="email">
+                <a:extLst>
+                  <a:ext uri="{28A0092B-C50C-407E-A947-70E740481C1C}">
+                    <a14:useLocalDpi xmlns:a14="http://schemas.microsoft.com/office/drawing/2010/main" val="0"/>
+                  </a:ext>
+                </a:extLst>
+              </a:blip>
+              <a:stretch>
+                <a:fillRect/>
+              </a:stretch>
+            </p:blipFill>
+            <p:spPr>
+              <a:xfrm>
+                <a:off x="603602" y="1305880"/>
+                <a:ext cx="411480" cy="422910"/>
+              </a:xfrm>
+              <a:prstGeom prst="rect">
+                <a:avLst/>
+              </a:prstGeom>
+            </p:spPr>
+          </p:pic>
+          <p:sp>
+            <p:nvSpPr>
+              <p:cNvPr id="44" name="文字方塊 43"/>
+              <p:cNvSpPr txBox="1"/>
+              <p:nvPr/>
+            </p:nvSpPr>
+            <p:spPr>
+              <a:xfrm>
+                <a:off x="671514" y="1300222"/>
+                <a:ext cx="301686" cy="369332"/>
+              </a:xfrm>
+              <a:prstGeom prst="rect">
+                <a:avLst/>
+              </a:prstGeom>
+              <a:noFill/>
+            </p:spPr>
+            <p:txBody>
+              <a:bodyPr wrap="none" rtlCol="0">
+                <a:spAutoFit/>
+              </a:bodyPr>
+              <a:lstStyle/>
+              <a:p>
+                <a:r>
+                  <a:rPr lang="en-US" altLang="zh-TW" dirty="0" smtClean="0">
+                    <a:solidFill>
+                      <a:schemeClr val="bg1"/>
+                    </a:solidFill>
+                  </a:rPr>
+                  <a:t>5</a:t>
+                </a:r>
+                <a:endParaRPr lang="zh-TW" altLang="en-US" dirty="0">
+                  <a:solidFill>
+                    <a:schemeClr val="bg1"/>
+                  </a:solidFill>
+                </a:endParaRPr>
+              </a:p>
+            </p:txBody>
+          </p:sp>
+        </p:grpSp>
+        <p:sp>
+          <p:nvSpPr>
+            <p:cNvPr id="42" name="文字方塊 41"/>
+            <p:cNvSpPr txBox="1"/>
+            <p:nvPr/>
+          </p:nvSpPr>
+          <p:spPr>
+            <a:xfrm>
+              <a:off x="1002382" y="1291479"/>
+              <a:ext cx="7028273" cy="523220"/>
+            </a:xfrm>
+            <a:prstGeom prst="rect">
+              <a:avLst/>
+            </a:prstGeom>
+            <a:noFill/>
+          </p:spPr>
+          <p:txBody>
+            <a:bodyPr wrap="square" rtlCol="0">
+              <a:spAutoFit/>
+            </a:bodyPr>
+            <a:lstStyle/>
+            <a:p>
+              <a:r>
+                <a:rPr lang="zh-TW" altLang="en-US" sz="1400" b="1" dirty="0">
+                  <a:latin typeface="Adobe 楷体 Std R" pitchFamily="18" charset="-128"/>
+                  <a:ea typeface="Adobe 楷体 Std R" pitchFamily="18" charset="-128"/>
+                </a:rPr>
+                <a:t> </a:t>
+              </a:r>
+              <a:r>
+                <a:rPr lang="zh-TW" altLang="en-US" sz="1400" b="1" dirty="0" smtClean="0">
+                  <a:latin typeface="Adobe 楷体 Std R" pitchFamily="18" charset="-128"/>
+                  <a:ea typeface="Adobe 楷体 Std R" pitchFamily="18" charset="-128"/>
+                </a:rPr>
+                <a:t>     </a:t>
+              </a:r>
+              <a:r>
+                <a:rPr lang="en-US" altLang="zh-TW" sz="1400" b="1" dirty="0" smtClean="0">
+                  <a:latin typeface="Adobe 楷体 Std R" pitchFamily="18" charset="-128"/>
+                  <a:ea typeface="Adobe 楷体 Std R" pitchFamily="18" charset="-128"/>
+                </a:rPr>
+                <a:t>AI</a:t>
+              </a:r>
+              <a:r>
+                <a:rPr lang="zh-TW" altLang="en-US" sz="1400" b="1" dirty="0" smtClean="0">
+                  <a:latin typeface="Adobe 楷体 Std R" pitchFamily="18" charset="-128"/>
+                  <a:ea typeface="Adobe 楷体 Std R" pitchFamily="18" charset="-128"/>
+                </a:rPr>
+                <a:t>學習模型的挑選也將因為</a:t>
+              </a:r>
+              <a:r>
+                <a:rPr lang="en-US" altLang="zh-TW" sz="1400" b="1" dirty="0" smtClean="0">
+                  <a:latin typeface="Adobe 楷体 Std R" pitchFamily="18" charset="-128"/>
+                  <a:ea typeface="Adobe 楷体 Std R" pitchFamily="18" charset="-128"/>
+                </a:rPr>
+                <a:t>3</a:t>
+              </a:r>
+              <a:r>
+                <a:rPr lang="zh-TW" altLang="en-US" sz="1400" b="1" dirty="0" smtClean="0">
+                  <a:latin typeface="Adobe 楷体 Std R" pitchFamily="18" charset="-128"/>
+                  <a:ea typeface="Adobe 楷体 Std R" pitchFamily="18" charset="-128"/>
+                </a:rPr>
+                <a:t>的項目而需要有所調整</a:t>
+              </a:r>
+              <a:r>
+                <a:rPr lang="en-US" altLang="zh-TW" sz="1400" b="1" dirty="0" smtClean="0">
+                  <a:latin typeface="Adobe 楷体 Std R" pitchFamily="18" charset="-128"/>
+                  <a:ea typeface="Adobe 楷体 Std R" pitchFamily="18" charset="-128"/>
+                </a:rPr>
+                <a:t>, </a:t>
+              </a:r>
+              <a:r>
+                <a:rPr lang="zh-TW" altLang="en-US" sz="1400" b="1" dirty="0" smtClean="0">
+                  <a:latin typeface="Adobe 楷体 Std R" pitchFamily="18" charset="-128"/>
+                  <a:ea typeface="Adobe 楷体 Std R" pitchFamily="18" charset="-128"/>
+                </a:rPr>
+                <a:t>預測各數據下季或下年度的數值</a:t>
+              </a:r>
+              <a:r>
+                <a:rPr lang="en-US" altLang="zh-TW" sz="1400" b="1" dirty="0" smtClean="0">
+                  <a:latin typeface="Adobe 楷体 Std R" pitchFamily="18" charset="-128"/>
+                  <a:ea typeface="Adobe 楷体 Std R" pitchFamily="18" charset="-128"/>
+                </a:rPr>
+                <a:t>,</a:t>
+              </a:r>
+              <a:r>
+                <a:rPr lang="zh-TW" altLang="en-US" sz="1400" b="1" dirty="0" smtClean="0">
+                  <a:latin typeface="Adobe 楷体 Std R" pitchFamily="18" charset="-128"/>
+                  <a:ea typeface="Adobe 楷体 Std R" pitchFamily="18" charset="-128"/>
+                </a:rPr>
+                <a:t> 再每季或每年更新資料庫</a:t>
+              </a:r>
+              <a:r>
+                <a:rPr lang="en-US" altLang="zh-TW" sz="1400" b="1" dirty="0" smtClean="0">
+                  <a:latin typeface="Adobe 楷体 Std R" pitchFamily="18" charset="-128"/>
+                  <a:ea typeface="Adobe 楷体 Std R" pitchFamily="18" charset="-128"/>
+                </a:rPr>
+                <a:t>,</a:t>
+              </a:r>
+              <a:r>
+                <a:rPr lang="zh-TW" altLang="en-US" sz="1400" b="1" dirty="0" smtClean="0">
+                  <a:latin typeface="Adobe 楷体 Std R" pitchFamily="18" charset="-128"/>
+                  <a:ea typeface="Adobe 楷体 Std R" pitchFamily="18" charset="-128"/>
+                </a:rPr>
+                <a:t> 讓模型能更貼近各企業的預測情況</a:t>
+              </a:r>
+              <a:r>
+                <a:rPr lang="en-US" altLang="zh-TW" sz="1400" b="1" dirty="0" smtClean="0">
+                  <a:latin typeface="Adobe 楷体 Std R" pitchFamily="18" charset="-128"/>
+                  <a:ea typeface="Adobe 楷体 Std R" pitchFamily="18" charset="-128"/>
+                </a:rPr>
+                <a:t>.</a:t>
+              </a:r>
+            </a:p>
+          </p:txBody>
+        </p:sp>
+      </p:grpSp>
+    </p:spTree>
+    <p:extLst>
+      <p:ext uri="{BB962C8B-B14F-4D97-AF65-F5344CB8AC3E}">
+        <p14:creationId xmlns:p14="http://schemas.microsoft.com/office/powerpoint/2010/main" val="1243957168"/>
+      </p:ext>
+    </p:extLst>
+  </p:cSld>
+  <p:clrMapOvr>
+    <a:masterClrMapping/>
+  </p:clrMapOvr>
+  <p:timing>
+    <p:tnLst>
+      <p:par>
+        <p:cTn id="1" dur="indefinite" restart="never" nodeType="tmRoot"/>
+      </p:par>
+    </p:tnLst>
+  </p:timing>
+</p:sld>
+</file>
+
+<file path=ppt/slides/slide24.xml><?xml version="1.0" encoding="utf-8"?>
+<p:sld xmlns:a="http://schemas.openxmlformats.org/drawingml/2006/main" xmlns:r="http://schemas.openxmlformats.org/officeDocument/2006/relationships" xmlns:p="http://schemas.openxmlformats.org/presentationml/2006/main">
+  <p:cSld>
+    <p:spTree>
+      <p:nvGrpSpPr>
+        <p:cNvPr id="1" name=""/>
+        <p:cNvGrpSpPr/>
+        <p:nvPr/>
+      </p:nvGrpSpPr>
+      <p:grpSpPr>
+        <a:xfrm>
+          <a:off x="0" y="0"/>
+          <a:ext cx="0" cy="0"/>
+          <a:chOff x="0" y="0"/>
+          <a:chExt cx="0" cy="0"/>
+        </a:xfrm>
+      </p:grpSpPr>
+      <p:grpSp>
+        <p:nvGrpSpPr>
+          <p:cNvPr id="3" name="群組 2"/>
+          <p:cNvGrpSpPr/>
+          <p:nvPr/>
+        </p:nvGrpSpPr>
+        <p:grpSpPr>
+          <a:xfrm>
+            <a:off x="673339" y="1767288"/>
+            <a:ext cx="7427053" cy="523220"/>
+            <a:chOff x="603602" y="1278972"/>
+            <a:chExt cx="7427053" cy="523220"/>
+          </a:xfrm>
+        </p:grpSpPr>
+        <p:grpSp>
+          <p:nvGrpSpPr>
+            <p:cNvPr id="4" name="群組 3"/>
+            <p:cNvGrpSpPr/>
+            <p:nvPr/>
+          </p:nvGrpSpPr>
+          <p:grpSpPr>
+            <a:xfrm>
+              <a:off x="603602" y="1300222"/>
+              <a:ext cx="411480" cy="428568"/>
+              <a:chOff x="603602" y="1300222"/>
+              <a:chExt cx="411480" cy="428568"/>
+            </a:xfrm>
+          </p:grpSpPr>
+          <p:pic>
+            <p:nvPicPr>
+              <p:cNvPr id="6" name="图片 3"/>
+              <p:cNvPicPr>
+                <a:picLocks noChangeAspect="1"/>
+              </p:cNvPicPr>
+              <p:nvPr/>
+            </p:nvPicPr>
+            <p:blipFill>
+              <a:blip r:embed="rId2" cstate="email">
+                <a:extLst>
+                  <a:ext uri="{28A0092B-C50C-407E-A947-70E740481C1C}">
+                    <a14:useLocalDpi xmlns:a14="http://schemas.microsoft.com/office/drawing/2010/main" val="0"/>
+                  </a:ext>
+                </a:extLst>
+              </a:blip>
+              <a:stretch>
+                <a:fillRect/>
+              </a:stretch>
+            </p:blipFill>
+            <p:spPr>
+              <a:xfrm>
+                <a:off x="603602" y="1305880"/>
+                <a:ext cx="411480" cy="422910"/>
+              </a:xfrm>
+              <a:prstGeom prst="rect">
+                <a:avLst/>
+              </a:prstGeom>
+            </p:spPr>
+          </p:pic>
+          <p:sp>
+            <p:nvSpPr>
+              <p:cNvPr id="7" name="文字方塊 6"/>
+              <p:cNvSpPr txBox="1"/>
+              <p:nvPr/>
+            </p:nvSpPr>
+            <p:spPr>
+              <a:xfrm>
+                <a:off x="671514" y="1300222"/>
+                <a:ext cx="301686" cy="369332"/>
+              </a:xfrm>
+              <a:prstGeom prst="rect">
+                <a:avLst/>
+              </a:prstGeom>
+              <a:noFill/>
+            </p:spPr>
+            <p:txBody>
+              <a:bodyPr wrap="none" rtlCol="0">
+                <a:spAutoFit/>
+              </a:bodyPr>
+              <a:lstStyle/>
+              <a:p>
+                <a:r>
+                  <a:rPr lang="en-US" altLang="zh-TW" dirty="0" smtClean="0">
+                    <a:solidFill>
+                      <a:schemeClr val="bg1"/>
+                    </a:solidFill>
+                  </a:rPr>
+                  <a:t>2</a:t>
+                </a:r>
+                <a:endParaRPr lang="zh-TW" altLang="en-US" dirty="0">
+                  <a:solidFill>
+                    <a:schemeClr val="bg1"/>
+                  </a:solidFill>
+                </a:endParaRPr>
+              </a:p>
+            </p:txBody>
+          </p:sp>
+        </p:grpSp>
+        <p:sp>
+          <p:nvSpPr>
+            <p:cNvPr id="5" name="文字方塊 4"/>
+            <p:cNvSpPr txBox="1"/>
+            <p:nvPr/>
+          </p:nvSpPr>
+          <p:spPr>
+            <a:xfrm>
+              <a:off x="1002382" y="1278972"/>
+              <a:ext cx="7028273" cy="523220"/>
+            </a:xfrm>
+            <a:prstGeom prst="rect">
+              <a:avLst/>
+            </a:prstGeom>
+            <a:noFill/>
+          </p:spPr>
+          <p:txBody>
+            <a:bodyPr wrap="square" rtlCol="0">
+              <a:spAutoFit/>
+            </a:bodyPr>
+            <a:lstStyle/>
+            <a:p>
+              <a:r>
+                <a:rPr lang="zh-TW" altLang="en-US" sz="1400" b="1" dirty="0">
+                  <a:latin typeface="Adobe 楷体 Std R" pitchFamily="18" charset="-128"/>
+                  <a:ea typeface="Adobe 楷体 Std R" pitchFamily="18" charset="-128"/>
+                </a:rPr>
+                <a:t> </a:t>
+              </a:r>
+              <a:r>
+                <a:rPr lang="zh-TW" altLang="en-US" sz="1400" b="1" dirty="0" smtClean="0">
+                  <a:latin typeface="Adobe 楷体 Std R" pitchFamily="18" charset="-128"/>
+                  <a:ea typeface="Adobe 楷体 Std R" pitchFamily="18" charset="-128"/>
+                </a:rPr>
+                <a:t>     提醒機制跟</a:t>
+              </a:r>
+              <a:r>
+                <a:rPr lang="zh-TW" altLang="en-US" sz="1400" b="1" dirty="0">
+                  <a:latin typeface="Adobe 楷体 Std R" pitchFamily="18" charset="-128"/>
+                  <a:ea typeface="Adobe 楷体 Std R" pitchFamily="18" charset="-128"/>
+                </a:rPr>
+                <a:t>防</a:t>
+              </a:r>
+              <a:r>
+                <a:rPr lang="zh-TW" altLang="en-US" sz="1400" b="1" dirty="0" smtClean="0">
+                  <a:latin typeface="Adobe 楷体 Std R" pitchFamily="18" charset="-128"/>
+                  <a:ea typeface="Adobe 楷体 Std R" pitchFamily="18" charset="-128"/>
+                </a:rPr>
+                <a:t>呆機制</a:t>
+              </a:r>
+              <a:r>
+                <a:rPr lang="zh-TW" altLang="en-US" sz="1400" b="1" dirty="0">
+                  <a:latin typeface="Adobe 楷体 Std R" pitchFamily="18" charset="-128"/>
+                  <a:ea typeface="Adobe 楷体 Std R" pitchFamily="18" charset="-128"/>
+                </a:rPr>
+                <a:t>還需再有更多</a:t>
+              </a:r>
+              <a:r>
+                <a:rPr lang="zh-TW" altLang="en-US" sz="1400" b="1" dirty="0" smtClean="0">
+                  <a:latin typeface="Adobe 楷体 Std R" pitchFamily="18" charset="-128"/>
+                  <a:ea typeface="Adobe 楷体 Std R" pitchFamily="18" charset="-128"/>
+                </a:rPr>
+                <a:t>的函式及判斷式</a:t>
+              </a:r>
+              <a:r>
+                <a:rPr lang="en-US" altLang="zh-TW" sz="1400" b="1" dirty="0" smtClean="0">
+                  <a:latin typeface="Adobe 楷体 Std R" pitchFamily="18" charset="-128"/>
+                  <a:ea typeface="Adobe 楷体 Std R" pitchFamily="18" charset="-128"/>
+                </a:rPr>
+                <a:t>,</a:t>
+              </a:r>
+              <a:r>
+                <a:rPr lang="zh-TW" altLang="en-US" sz="1400" b="1" dirty="0" smtClean="0">
+                  <a:latin typeface="Adobe 楷体 Std R" pitchFamily="18" charset="-128"/>
+                  <a:ea typeface="Adobe 楷体 Std R" pitchFamily="18" charset="-128"/>
+                </a:rPr>
+                <a:t> 才能讓使用者在使用上能更便利也更加順利</a:t>
+              </a:r>
+              <a:r>
+                <a:rPr lang="en-US" altLang="zh-TW" sz="1400" b="1" dirty="0" smtClean="0">
+                  <a:latin typeface="Adobe 楷体 Std R" pitchFamily="18" charset="-128"/>
+                  <a:ea typeface="Adobe 楷体 Std R" pitchFamily="18" charset="-128"/>
+                </a:rPr>
+                <a:t>.</a:t>
+              </a:r>
+              <a:endParaRPr lang="en-US" altLang="zh-TW" sz="1400" b="1" dirty="0" smtClean="0">
+                <a:latin typeface="Adobe 楷体 Std R" pitchFamily="18" charset="-128"/>
+                <a:ea typeface="Adobe 楷体 Std R" pitchFamily="18" charset="-128"/>
+              </a:endParaRPr>
+            </a:p>
+          </p:txBody>
+        </p:sp>
+      </p:grpSp>
+      <p:grpSp>
+        <p:nvGrpSpPr>
+          <p:cNvPr id="21" name="群組 20"/>
+          <p:cNvGrpSpPr/>
+          <p:nvPr/>
+        </p:nvGrpSpPr>
+        <p:grpSpPr>
+          <a:xfrm>
+            <a:off x="539552" y="555526"/>
+            <a:ext cx="8226660" cy="705664"/>
+            <a:chOff x="539552" y="555526"/>
+            <a:chExt cx="8226660" cy="705664"/>
+          </a:xfrm>
+        </p:grpSpPr>
+        <p:pic>
+          <p:nvPicPr>
+            <p:cNvPr id="22" name="图片 3"/>
+            <p:cNvPicPr>
+              <a:picLocks noChangeAspect="1"/>
+            </p:cNvPicPr>
+            <p:nvPr/>
+          </p:nvPicPr>
+          <p:blipFill>
+            <a:blip r:embed="rId2" cstate="email">
+              <a:extLst>
+                <a:ext uri="{28A0092B-C50C-407E-A947-70E740481C1C}">
+                  <a14:useLocalDpi xmlns:a14="http://schemas.microsoft.com/office/drawing/2010/main" val="0"/>
+                </a:ext>
+              </a:extLst>
+            </a:blip>
+            <a:stretch>
+              <a:fillRect/>
+            </a:stretch>
+          </p:blipFill>
+          <p:spPr>
+            <a:xfrm>
+              <a:off x="539552" y="555526"/>
+              <a:ext cx="684076" cy="705664"/>
+            </a:xfrm>
+            <a:prstGeom prst="rect">
+              <a:avLst/>
+            </a:prstGeom>
+          </p:spPr>
+        </p:pic>
+        <p:sp>
+          <p:nvSpPr>
+            <p:cNvPr id="23" name="TextBox 5"/>
+            <p:cNvSpPr txBox="1"/>
+            <p:nvPr/>
+          </p:nvSpPr>
+          <p:spPr>
+            <a:xfrm>
+              <a:off x="603602" y="627533"/>
+              <a:ext cx="576064" cy="461665"/>
+            </a:xfrm>
+            <a:prstGeom prst="rect">
+              <a:avLst/>
+            </a:prstGeom>
+            <a:noFill/>
+          </p:spPr>
+          <p:txBody>
+            <a:bodyPr wrap="square" rtlCol="0">
+              <a:spAutoFit/>
+            </a:bodyPr>
+            <a:lstStyle/>
+            <a:p>
+              <a:pPr algn="ctr"/>
+              <a:r>
+                <a:rPr lang="zh-TW" altLang="en-US" sz="2400" dirty="0" smtClean="0">
+                  <a:solidFill>
+                    <a:schemeClr val="bg1"/>
+                  </a:solidFill>
+                  <a:latin typeface="华文隶书" pitchFamily="2" charset="-122"/>
+                  <a:ea typeface="华文隶书" pitchFamily="2" charset="-122"/>
+                </a:rPr>
+                <a:t>三</a:t>
+              </a:r>
+              <a:endParaRPr lang="zh-CN" altLang="en-US" sz="2400" dirty="0">
+                <a:solidFill>
+                  <a:schemeClr val="bg1"/>
+                </a:solidFill>
+                <a:latin typeface="华文隶书" pitchFamily="2" charset="-122"/>
+                <a:ea typeface="华文隶书" pitchFamily="2" charset="-122"/>
+              </a:endParaRPr>
+            </a:p>
+          </p:txBody>
+        </p:sp>
+        <p:sp>
+          <p:nvSpPr>
+            <p:cNvPr id="24" name="TextBox 6"/>
+            <p:cNvSpPr txBox="1"/>
+            <p:nvPr/>
+          </p:nvSpPr>
+          <p:spPr>
+            <a:xfrm>
+              <a:off x="1187624" y="627533"/>
+              <a:ext cx="7578588" cy="523220"/>
+            </a:xfrm>
+            <a:prstGeom prst="rect">
+              <a:avLst/>
+            </a:prstGeom>
+            <a:noFill/>
+          </p:spPr>
+          <p:txBody>
+            <a:bodyPr wrap="square" rtlCol="0">
+              <a:spAutoFit/>
+            </a:bodyPr>
+            <a:lstStyle/>
+            <a:p>
+              <a:r>
+                <a:rPr lang="zh-TW" altLang="en-US" sz="2800" b="1" dirty="0">
+                  <a:latin typeface="Adobe 楷体 Std R" pitchFamily="18" charset="-128"/>
+                  <a:ea typeface="Adobe 楷体 Std R" pitchFamily="18" charset="-128"/>
+                </a:rPr>
+                <a:t>程式</a:t>
+              </a:r>
+              <a:r>
+                <a:rPr lang="zh-TW" altLang="en-US" sz="2800" b="1" dirty="0" smtClean="0">
+                  <a:latin typeface="Adobe 楷体 Std R" pitchFamily="18" charset="-128"/>
+                  <a:ea typeface="Adobe 楷体 Std R" pitchFamily="18" charset="-128"/>
+                </a:rPr>
+                <a:t>方面</a:t>
+              </a:r>
+              <a:r>
+                <a:rPr lang="en-US" altLang="zh-TW" sz="2800" b="1" dirty="0" smtClean="0">
+                  <a:latin typeface="Adobe 楷体 Std R" pitchFamily="18" charset="-128"/>
+                  <a:ea typeface="Adobe 楷体 Std R" pitchFamily="18" charset="-128"/>
+                </a:rPr>
+                <a:t>:</a:t>
+              </a:r>
+              <a:endParaRPr lang="en-US" altLang="zh-TW" sz="2800" b="1" dirty="0" smtClean="0">
+                <a:latin typeface="Adobe 楷体 Std R" pitchFamily="18" charset="-128"/>
+                <a:ea typeface="Adobe 楷体 Std R" pitchFamily="18" charset="-128"/>
+              </a:endParaRPr>
+            </a:p>
+          </p:txBody>
+        </p:sp>
+      </p:grpSp>
+      <p:grpSp>
+        <p:nvGrpSpPr>
+          <p:cNvPr id="25" name="群組 24"/>
+          <p:cNvGrpSpPr/>
+          <p:nvPr/>
+        </p:nvGrpSpPr>
+        <p:grpSpPr>
+          <a:xfrm>
+            <a:off x="673339" y="2324188"/>
+            <a:ext cx="7427053" cy="523220"/>
+            <a:chOff x="603602" y="1278972"/>
+            <a:chExt cx="7427053" cy="523220"/>
+          </a:xfrm>
+        </p:grpSpPr>
+        <p:grpSp>
+          <p:nvGrpSpPr>
+            <p:cNvPr id="26" name="群組 25"/>
+            <p:cNvGrpSpPr/>
+            <p:nvPr/>
+          </p:nvGrpSpPr>
+          <p:grpSpPr>
+            <a:xfrm>
+              <a:off x="603602" y="1300222"/>
+              <a:ext cx="411480" cy="428568"/>
+              <a:chOff x="603602" y="1300222"/>
+              <a:chExt cx="411480" cy="428568"/>
+            </a:xfrm>
+          </p:grpSpPr>
+          <p:pic>
+            <p:nvPicPr>
+              <p:cNvPr id="28" name="图片 3"/>
+              <p:cNvPicPr>
+                <a:picLocks noChangeAspect="1"/>
+              </p:cNvPicPr>
+              <p:nvPr/>
+            </p:nvPicPr>
+            <p:blipFill>
+              <a:blip r:embed="rId2" cstate="email">
+                <a:extLst>
+                  <a:ext uri="{28A0092B-C50C-407E-A947-70E740481C1C}">
+                    <a14:useLocalDpi xmlns:a14="http://schemas.microsoft.com/office/drawing/2010/main" val="0"/>
+                  </a:ext>
+                </a:extLst>
+              </a:blip>
+              <a:stretch>
+                <a:fillRect/>
+              </a:stretch>
+            </p:blipFill>
+            <p:spPr>
+              <a:xfrm>
+                <a:off x="603602" y="1305880"/>
+                <a:ext cx="411480" cy="422910"/>
+              </a:xfrm>
+              <a:prstGeom prst="rect">
+                <a:avLst/>
+              </a:prstGeom>
+            </p:spPr>
+          </p:pic>
+          <p:sp>
+            <p:nvSpPr>
+              <p:cNvPr id="29" name="文字方塊 28"/>
+              <p:cNvSpPr txBox="1"/>
+              <p:nvPr/>
+            </p:nvSpPr>
+            <p:spPr>
+              <a:xfrm>
+                <a:off x="671514" y="1300222"/>
+                <a:ext cx="301686" cy="369332"/>
+              </a:xfrm>
+              <a:prstGeom prst="rect">
+                <a:avLst/>
+              </a:prstGeom>
+              <a:noFill/>
+            </p:spPr>
+            <p:txBody>
+              <a:bodyPr wrap="none" rtlCol="0">
+                <a:spAutoFit/>
+              </a:bodyPr>
+              <a:lstStyle/>
+              <a:p>
+                <a:r>
+                  <a:rPr lang="en-US" altLang="zh-TW" dirty="0" smtClean="0">
+                    <a:solidFill>
+                      <a:schemeClr val="bg1"/>
+                    </a:solidFill>
+                  </a:rPr>
+                  <a:t>3</a:t>
+                </a:r>
+                <a:endParaRPr lang="zh-TW" altLang="en-US" dirty="0">
+                  <a:solidFill>
+                    <a:schemeClr val="bg1"/>
+                  </a:solidFill>
+                </a:endParaRPr>
+              </a:p>
+            </p:txBody>
+          </p:sp>
+        </p:grpSp>
+        <p:sp>
+          <p:nvSpPr>
+            <p:cNvPr id="27" name="文字方塊 26"/>
+            <p:cNvSpPr txBox="1"/>
+            <p:nvPr/>
+          </p:nvSpPr>
+          <p:spPr>
+            <a:xfrm>
+              <a:off x="1002382" y="1278972"/>
+              <a:ext cx="7028273" cy="523220"/>
+            </a:xfrm>
+            <a:prstGeom prst="rect">
+              <a:avLst/>
+            </a:prstGeom>
+            <a:noFill/>
+          </p:spPr>
+          <p:txBody>
+            <a:bodyPr wrap="square" rtlCol="0">
+              <a:spAutoFit/>
+            </a:bodyPr>
+            <a:lstStyle/>
+            <a:p>
+              <a:r>
+                <a:rPr lang="zh-TW" altLang="en-US" sz="1400" b="1" dirty="0" smtClean="0">
+                  <a:latin typeface="Adobe 楷体 Std R" pitchFamily="18" charset="-128"/>
+                  <a:ea typeface="Adobe 楷体 Std R" pitchFamily="18" charset="-128"/>
+                </a:rPr>
+                <a:t>      網頁設計的精美程度還需要再更多的修正</a:t>
+              </a:r>
+              <a:r>
+                <a:rPr lang="en-US" altLang="zh-TW" sz="1400" b="1" dirty="0" smtClean="0">
+                  <a:latin typeface="Adobe 楷体 Std R" pitchFamily="18" charset="-128"/>
+                  <a:ea typeface="Adobe 楷体 Std R" pitchFamily="18" charset="-128"/>
+                </a:rPr>
+                <a:t>,</a:t>
+              </a:r>
+              <a:r>
+                <a:rPr lang="zh-TW" altLang="en-US" sz="1400" b="1" dirty="0" smtClean="0">
+                  <a:latin typeface="Adobe 楷体 Std R" pitchFamily="18" charset="-128"/>
+                  <a:ea typeface="Adobe 楷体 Std R" pitchFamily="18" charset="-128"/>
+                </a:rPr>
+                <a:t> 目前多為原</a:t>
+              </a:r>
+              <a:r>
+                <a:rPr lang="en-US" altLang="zh-TW" sz="1400" b="1" dirty="0" smtClean="0">
+                  <a:latin typeface="Adobe 楷体 Std R" pitchFamily="18" charset="-128"/>
+                  <a:ea typeface="Adobe 楷体 Std R" pitchFamily="18" charset="-128"/>
+                </a:rPr>
+                <a:t>firebase</a:t>
+              </a:r>
+              <a:r>
+                <a:rPr lang="zh-TW" altLang="en-US" sz="1400" b="1" dirty="0" smtClean="0">
+                  <a:latin typeface="Adobe 楷体 Std R" pitchFamily="18" charset="-128"/>
+                  <a:ea typeface="Adobe 楷体 Std R" pitchFamily="18" charset="-128"/>
+                </a:rPr>
+                <a:t>所提供的版式為主</a:t>
+              </a:r>
+              <a:r>
+                <a:rPr lang="en-US" altLang="zh-TW" sz="1400" b="1" dirty="0" smtClean="0">
+                  <a:latin typeface="Adobe 楷体 Std R" pitchFamily="18" charset="-128"/>
+                  <a:ea typeface="Adobe 楷体 Std R" pitchFamily="18" charset="-128"/>
+                </a:rPr>
+                <a:t>,</a:t>
+              </a:r>
+              <a:r>
+                <a:rPr lang="zh-TW" altLang="en-US" sz="1400" b="1" dirty="0" smtClean="0">
+                  <a:latin typeface="Adobe 楷体 Std R" pitchFamily="18" charset="-128"/>
+                  <a:ea typeface="Adobe 楷体 Std R" pitchFamily="18" charset="-128"/>
+                </a:rPr>
+                <a:t> 在按鍵上也都還需更加優化</a:t>
+              </a:r>
+              <a:r>
+                <a:rPr lang="en-US" altLang="zh-TW" sz="1400" b="1" dirty="0" smtClean="0">
+                  <a:latin typeface="Adobe 楷体 Std R" pitchFamily="18" charset="-128"/>
+                  <a:ea typeface="Adobe 楷体 Std R" pitchFamily="18" charset="-128"/>
+                </a:rPr>
+                <a:t>.</a:t>
+              </a:r>
+              <a:endParaRPr lang="en-US" altLang="zh-TW" sz="1400" b="1" dirty="0" smtClean="0">
+                <a:latin typeface="Adobe 楷体 Std R" pitchFamily="18" charset="-128"/>
+                <a:ea typeface="Adobe 楷体 Std R" pitchFamily="18" charset="-128"/>
+              </a:endParaRPr>
+            </a:p>
+          </p:txBody>
+        </p:sp>
+      </p:grpSp>
+      <p:grpSp>
+        <p:nvGrpSpPr>
+          <p:cNvPr id="30" name="群組 29"/>
+          <p:cNvGrpSpPr/>
+          <p:nvPr/>
+        </p:nvGrpSpPr>
+        <p:grpSpPr>
+          <a:xfrm>
+            <a:off x="683568" y="1203598"/>
+            <a:ext cx="7416824" cy="523220"/>
+            <a:chOff x="603602" y="1278972"/>
+            <a:chExt cx="7283037" cy="523220"/>
+          </a:xfrm>
+        </p:grpSpPr>
+        <p:grpSp>
+          <p:nvGrpSpPr>
+            <p:cNvPr id="31" name="群組 30"/>
+            <p:cNvGrpSpPr/>
+            <p:nvPr/>
+          </p:nvGrpSpPr>
+          <p:grpSpPr>
+            <a:xfrm>
+              <a:off x="603602" y="1300222"/>
+              <a:ext cx="411480" cy="428568"/>
+              <a:chOff x="603602" y="1300222"/>
+              <a:chExt cx="411480" cy="428568"/>
+            </a:xfrm>
+          </p:grpSpPr>
+          <p:pic>
+            <p:nvPicPr>
+              <p:cNvPr id="33" name="图片 3"/>
+              <p:cNvPicPr>
+                <a:picLocks noChangeAspect="1"/>
+              </p:cNvPicPr>
+              <p:nvPr/>
+            </p:nvPicPr>
+            <p:blipFill>
+              <a:blip r:embed="rId2" cstate="email">
+                <a:extLst>
+                  <a:ext uri="{28A0092B-C50C-407E-A947-70E740481C1C}">
+                    <a14:useLocalDpi xmlns:a14="http://schemas.microsoft.com/office/drawing/2010/main" val="0"/>
+                  </a:ext>
+                </a:extLst>
+              </a:blip>
+              <a:stretch>
+                <a:fillRect/>
+              </a:stretch>
+            </p:blipFill>
+            <p:spPr>
+              <a:xfrm>
+                <a:off x="603602" y="1305880"/>
+                <a:ext cx="411480" cy="422910"/>
+              </a:xfrm>
+              <a:prstGeom prst="rect">
+                <a:avLst/>
+              </a:prstGeom>
+            </p:spPr>
+          </p:pic>
+          <p:sp>
+            <p:nvSpPr>
+              <p:cNvPr id="34" name="文字方塊 33"/>
+              <p:cNvSpPr txBox="1"/>
+              <p:nvPr/>
+            </p:nvSpPr>
+            <p:spPr>
+              <a:xfrm>
+                <a:off x="671514" y="1300222"/>
+                <a:ext cx="301686" cy="369332"/>
+              </a:xfrm>
+              <a:prstGeom prst="rect">
+                <a:avLst/>
+              </a:prstGeom>
+              <a:noFill/>
+            </p:spPr>
+            <p:txBody>
+              <a:bodyPr wrap="none" rtlCol="0">
+                <a:spAutoFit/>
+              </a:bodyPr>
+              <a:lstStyle/>
+              <a:p>
+                <a:r>
+                  <a:rPr lang="en-US" altLang="zh-TW" dirty="0">
+                    <a:solidFill>
+                      <a:schemeClr val="bg1"/>
+                    </a:solidFill>
+                  </a:rPr>
+                  <a:t>1</a:t>
+                </a:r>
+                <a:endParaRPr lang="zh-TW" altLang="en-US" dirty="0">
+                  <a:solidFill>
+                    <a:schemeClr val="bg1"/>
+                  </a:solidFill>
+                </a:endParaRPr>
+              </a:p>
+            </p:txBody>
+          </p:sp>
+        </p:grpSp>
+        <p:sp>
+          <p:nvSpPr>
+            <p:cNvPr id="32" name="文字方塊 31"/>
+            <p:cNvSpPr txBox="1"/>
+            <p:nvPr/>
+          </p:nvSpPr>
+          <p:spPr>
+            <a:xfrm>
+              <a:off x="1002382" y="1278972"/>
+              <a:ext cx="6884257" cy="523220"/>
+            </a:xfrm>
+            <a:prstGeom prst="rect">
+              <a:avLst/>
+            </a:prstGeom>
+            <a:noFill/>
+          </p:spPr>
+          <p:txBody>
+            <a:bodyPr wrap="square" rtlCol="0">
+              <a:spAutoFit/>
+            </a:bodyPr>
+            <a:lstStyle/>
+            <a:p>
+              <a:r>
+                <a:rPr lang="zh-TW" altLang="en-US" sz="1400" b="1" dirty="0">
+                  <a:latin typeface="Adobe 楷体 Std R" pitchFamily="18" charset="-128"/>
+                  <a:ea typeface="Adobe 楷体 Std R" pitchFamily="18" charset="-128"/>
+                </a:rPr>
+                <a:t> </a:t>
+              </a:r>
+              <a:r>
+                <a:rPr lang="zh-TW" altLang="en-US" sz="1400" b="1" dirty="0" smtClean="0">
+                  <a:latin typeface="Adobe 楷体 Std R" pitchFamily="18" charset="-128"/>
+                  <a:ea typeface="Adobe 楷体 Std R" pitchFamily="18" charset="-128"/>
+                </a:rPr>
+                <a:t>     目前抓取</a:t>
+              </a:r>
+              <a:r>
+                <a:rPr lang="en-US" altLang="zh-TW" sz="1400" b="1" dirty="0" smtClean="0">
+                  <a:latin typeface="Adobe 楷体 Std R" pitchFamily="18" charset="-128"/>
+                  <a:ea typeface="Adobe 楷体 Std R" pitchFamily="18" charset="-128"/>
+                </a:rPr>
+                <a:t>ROE</a:t>
+              </a:r>
+              <a:r>
+                <a:rPr lang="zh-TW" altLang="en-US" sz="1400" b="1" dirty="0" smtClean="0">
+                  <a:latin typeface="Adobe 楷体 Std R" pitchFamily="18" charset="-128"/>
+                  <a:ea typeface="Adobe 楷体 Std R" pitchFamily="18" charset="-128"/>
+                </a:rPr>
+                <a:t>資料的網站</a:t>
+              </a:r>
+              <a:r>
+                <a:rPr lang="en-US" altLang="zh-TW" sz="1400" b="1" dirty="0" smtClean="0">
+                  <a:latin typeface="Adobe 楷体 Std R" pitchFamily="18" charset="-128"/>
+                  <a:ea typeface="Adobe 楷体 Std R" pitchFamily="18" charset="-128"/>
+                </a:rPr>
+                <a:t>, </a:t>
+              </a:r>
+              <a:r>
+                <a:rPr lang="zh-TW" altLang="en-US" sz="1400" b="1" dirty="0" smtClean="0">
+                  <a:latin typeface="Adobe 楷体 Std R" pitchFamily="18" charset="-128"/>
+                  <a:ea typeface="Adobe 楷体 Std R" pitchFamily="18" charset="-128"/>
+                </a:rPr>
+                <a:t>限制條件太多</a:t>
+              </a:r>
+              <a:r>
+                <a:rPr lang="en-US" altLang="zh-TW" sz="1400" b="1" dirty="0" smtClean="0">
+                  <a:latin typeface="Adobe 楷体 Std R" pitchFamily="18" charset="-128"/>
+                  <a:ea typeface="Adobe 楷体 Std R" pitchFamily="18" charset="-128"/>
+                </a:rPr>
+                <a:t>, </a:t>
+              </a:r>
+              <a:r>
+                <a:rPr lang="zh-TW" altLang="en-US" sz="1400" b="1" dirty="0" smtClean="0">
+                  <a:latin typeface="Adobe 楷体 Std R" pitchFamily="18" charset="-128"/>
+                  <a:ea typeface="Adobe 楷体 Std R" pitchFamily="18" charset="-128"/>
+                </a:rPr>
+                <a:t>需再尋找更適合的資料來源來修改</a:t>
+              </a:r>
+              <a:r>
+                <a:rPr lang="en-US" altLang="zh-TW" sz="1400" b="1" dirty="0" smtClean="0">
+                  <a:latin typeface="Adobe 楷体 Std R" pitchFamily="18" charset="-128"/>
+                  <a:ea typeface="Adobe 楷体 Std R" pitchFamily="18" charset="-128"/>
+                </a:rPr>
+                <a:t>,</a:t>
+              </a:r>
+              <a:r>
+                <a:rPr lang="zh-TW" altLang="en-US" sz="1400" b="1" dirty="0" smtClean="0">
+                  <a:latin typeface="Adobe 楷体 Std R" pitchFamily="18" charset="-128"/>
+                  <a:ea typeface="Adobe 楷体 Std R" pitchFamily="18" charset="-128"/>
+                </a:rPr>
+                <a:t> 這樣才會有利於未來更新資料庫的速度</a:t>
+              </a:r>
+              <a:r>
+                <a:rPr lang="en-US" altLang="zh-TW" sz="1400" b="1" dirty="0" smtClean="0">
+                  <a:latin typeface="Adobe 楷体 Std R" pitchFamily="18" charset="-128"/>
+                  <a:ea typeface="Adobe 楷体 Std R" pitchFamily="18" charset="-128"/>
+                </a:rPr>
+                <a:t>.</a:t>
+              </a:r>
+              <a:endParaRPr lang="en-US" altLang="zh-TW" sz="1400" b="1" dirty="0" smtClean="0">
+                <a:latin typeface="Adobe 楷体 Std R" pitchFamily="18" charset="-128"/>
+                <a:ea typeface="Adobe 楷体 Std R" pitchFamily="18" charset="-128"/>
+              </a:endParaRPr>
+            </a:p>
+          </p:txBody>
+        </p:sp>
+      </p:grpSp>
+      <p:grpSp>
+        <p:nvGrpSpPr>
+          <p:cNvPr id="35" name="群組 34"/>
+          <p:cNvGrpSpPr/>
+          <p:nvPr/>
+        </p:nvGrpSpPr>
+        <p:grpSpPr>
+          <a:xfrm>
+            <a:off x="671194" y="2912626"/>
+            <a:ext cx="7427053" cy="523220"/>
+            <a:chOff x="603602" y="1278972"/>
+            <a:chExt cx="7427053" cy="523220"/>
+          </a:xfrm>
+        </p:grpSpPr>
+        <p:grpSp>
+          <p:nvGrpSpPr>
+            <p:cNvPr id="36" name="群組 35"/>
+            <p:cNvGrpSpPr/>
+            <p:nvPr/>
+          </p:nvGrpSpPr>
+          <p:grpSpPr>
+            <a:xfrm>
+              <a:off x="603602" y="1300222"/>
+              <a:ext cx="411480" cy="428568"/>
+              <a:chOff x="603602" y="1300222"/>
+              <a:chExt cx="411480" cy="428568"/>
+            </a:xfrm>
+          </p:grpSpPr>
+          <p:pic>
+            <p:nvPicPr>
+              <p:cNvPr id="38" name="图片 3"/>
+              <p:cNvPicPr>
+                <a:picLocks noChangeAspect="1"/>
+              </p:cNvPicPr>
+              <p:nvPr/>
+            </p:nvPicPr>
+            <p:blipFill>
+              <a:blip r:embed="rId2" cstate="email">
+                <a:extLst>
+                  <a:ext uri="{28A0092B-C50C-407E-A947-70E740481C1C}">
+                    <a14:useLocalDpi xmlns:a14="http://schemas.microsoft.com/office/drawing/2010/main" val="0"/>
+                  </a:ext>
+                </a:extLst>
+              </a:blip>
+              <a:stretch>
+                <a:fillRect/>
+              </a:stretch>
+            </p:blipFill>
+            <p:spPr>
+              <a:xfrm>
+                <a:off x="603602" y="1305880"/>
+                <a:ext cx="411480" cy="422910"/>
+              </a:xfrm>
+              <a:prstGeom prst="rect">
+                <a:avLst/>
+              </a:prstGeom>
+            </p:spPr>
+          </p:pic>
+          <p:sp>
+            <p:nvSpPr>
+              <p:cNvPr id="39" name="文字方塊 38"/>
+              <p:cNvSpPr txBox="1"/>
+              <p:nvPr/>
+            </p:nvSpPr>
+            <p:spPr>
+              <a:xfrm>
+                <a:off x="671514" y="1300222"/>
+                <a:ext cx="301686" cy="369332"/>
+              </a:xfrm>
+              <a:prstGeom prst="rect">
+                <a:avLst/>
+              </a:prstGeom>
+              <a:noFill/>
+            </p:spPr>
+            <p:txBody>
+              <a:bodyPr wrap="none" rtlCol="0">
+                <a:spAutoFit/>
+              </a:bodyPr>
+              <a:lstStyle/>
+              <a:p>
+                <a:r>
+                  <a:rPr lang="en-US" altLang="zh-TW" dirty="0" smtClean="0">
+                    <a:solidFill>
+                      <a:schemeClr val="bg1"/>
+                    </a:solidFill>
+                  </a:rPr>
+                  <a:t>4</a:t>
+                </a:r>
+                <a:endParaRPr lang="zh-TW" altLang="en-US" dirty="0">
+                  <a:solidFill>
+                    <a:schemeClr val="bg1"/>
+                  </a:solidFill>
+                </a:endParaRPr>
+              </a:p>
+            </p:txBody>
+          </p:sp>
+        </p:grpSp>
+        <p:sp>
+          <p:nvSpPr>
+            <p:cNvPr id="37" name="文字方塊 36"/>
+            <p:cNvSpPr txBox="1"/>
+            <p:nvPr/>
+          </p:nvSpPr>
+          <p:spPr>
+            <a:xfrm>
+              <a:off x="1002382" y="1278972"/>
+              <a:ext cx="7028273" cy="523220"/>
+            </a:xfrm>
+            <a:prstGeom prst="rect">
+              <a:avLst/>
+            </a:prstGeom>
+            <a:noFill/>
+          </p:spPr>
+          <p:txBody>
+            <a:bodyPr wrap="square" rtlCol="0">
+              <a:spAutoFit/>
+            </a:bodyPr>
+            <a:lstStyle/>
+            <a:p>
+              <a:r>
+                <a:rPr lang="zh-TW" altLang="en-US" sz="1400" b="1" dirty="0" smtClean="0">
+                  <a:latin typeface="Adobe 楷体 Std R" pitchFamily="18" charset="-128"/>
+                  <a:ea typeface="Adobe 楷体 Std R" pitchFamily="18" charset="-128"/>
+                </a:rPr>
+                <a:t>      查八字渲染的網頁需再全新排版及設計</a:t>
+              </a:r>
+              <a:r>
+                <a:rPr lang="en-US" altLang="zh-TW" sz="1400" b="1" dirty="0" smtClean="0">
+                  <a:latin typeface="Adobe 楷体 Std R" pitchFamily="18" charset="-128"/>
+                  <a:ea typeface="Adobe 楷体 Std R" pitchFamily="18" charset="-128"/>
+                </a:rPr>
+                <a:t>, </a:t>
+              </a:r>
+              <a:r>
+                <a:rPr lang="zh-TW" altLang="en-US" sz="1400" b="1" dirty="0" smtClean="0">
+                  <a:latin typeface="Adobe 楷体 Std R" pitchFamily="18" charset="-128"/>
+                  <a:ea typeface="Adobe 楷体 Std R" pitchFamily="18" charset="-128"/>
+                </a:rPr>
+                <a:t>且爬蟲資料也需將個別資料個別存放以利新版面套用</a:t>
+              </a:r>
+              <a:r>
+                <a:rPr lang="en-US" altLang="zh-TW" sz="1400" b="1" dirty="0">
+                  <a:latin typeface="Adobe 楷体 Std R" pitchFamily="18" charset="-128"/>
+                  <a:ea typeface="Adobe 楷体 Std R" pitchFamily="18" charset="-128"/>
+                </a:rPr>
+                <a:t>.</a:t>
+              </a:r>
+              <a:endParaRPr lang="en-US" altLang="zh-TW" sz="1400" b="1" dirty="0" smtClean="0">
+                <a:latin typeface="Adobe 楷体 Std R" pitchFamily="18" charset="-128"/>
+                <a:ea typeface="Adobe 楷体 Std R" pitchFamily="18" charset="-128"/>
+              </a:endParaRPr>
+            </a:p>
+          </p:txBody>
+        </p:sp>
+      </p:grpSp>
+      <p:grpSp>
+        <p:nvGrpSpPr>
+          <p:cNvPr id="40" name="群組 39"/>
+          <p:cNvGrpSpPr/>
+          <p:nvPr/>
+        </p:nvGrpSpPr>
+        <p:grpSpPr>
+          <a:xfrm>
+            <a:off x="685713" y="3478170"/>
+            <a:ext cx="7427053" cy="523220"/>
+            <a:chOff x="603602" y="1291479"/>
+            <a:chExt cx="7427053" cy="523220"/>
+          </a:xfrm>
+        </p:grpSpPr>
+        <p:grpSp>
+          <p:nvGrpSpPr>
+            <p:cNvPr id="41" name="群組 40"/>
+            <p:cNvGrpSpPr/>
+            <p:nvPr/>
+          </p:nvGrpSpPr>
+          <p:grpSpPr>
+            <a:xfrm>
+              <a:off x="603602" y="1300222"/>
+              <a:ext cx="411480" cy="428568"/>
+              <a:chOff x="603602" y="1300222"/>
+              <a:chExt cx="411480" cy="428568"/>
+            </a:xfrm>
+          </p:grpSpPr>
+          <p:pic>
+            <p:nvPicPr>
+              <p:cNvPr id="43" name="图片 3"/>
+              <p:cNvPicPr>
+                <a:picLocks noChangeAspect="1"/>
+              </p:cNvPicPr>
+              <p:nvPr/>
+            </p:nvPicPr>
+            <p:blipFill>
+              <a:blip r:embed="rId2" cstate="email">
+                <a:extLst>
+                  <a:ext uri="{28A0092B-C50C-407E-A947-70E740481C1C}">
+                    <a14:useLocalDpi xmlns:a14="http://schemas.microsoft.com/office/drawing/2010/main" val="0"/>
+                  </a:ext>
+                </a:extLst>
+              </a:blip>
+              <a:stretch>
+                <a:fillRect/>
+              </a:stretch>
+            </p:blipFill>
+            <p:spPr>
+              <a:xfrm>
+                <a:off x="603602" y="1305880"/>
+                <a:ext cx="411480" cy="422910"/>
+              </a:xfrm>
+              <a:prstGeom prst="rect">
+                <a:avLst/>
+              </a:prstGeom>
+            </p:spPr>
+          </p:pic>
+          <p:sp>
+            <p:nvSpPr>
+              <p:cNvPr id="44" name="文字方塊 43"/>
+              <p:cNvSpPr txBox="1"/>
+              <p:nvPr/>
+            </p:nvSpPr>
+            <p:spPr>
+              <a:xfrm>
+                <a:off x="671514" y="1300222"/>
+                <a:ext cx="301686" cy="369332"/>
+              </a:xfrm>
+              <a:prstGeom prst="rect">
+                <a:avLst/>
+              </a:prstGeom>
+              <a:noFill/>
+            </p:spPr>
+            <p:txBody>
+              <a:bodyPr wrap="none" rtlCol="0">
+                <a:spAutoFit/>
+              </a:bodyPr>
+              <a:lstStyle/>
+              <a:p>
+                <a:r>
+                  <a:rPr lang="en-US" altLang="zh-TW" dirty="0" smtClean="0">
+                    <a:solidFill>
+                      <a:schemeClr val="bg1"/>
+                    </a:solidFill>
+                  </a:rPr>
+                  <a:t>5</a:t>
+                </a:r>
+                <a:endParaRPr lang="zh-TW" altLang="en-US" dirty="0">
+                  <a:solidFill>
+                    <a:schemeClr val="bg1"/>
+                  </a:solidFill>
+                </a:endParaRPr>
+              </a:p>
+            </p:txBody>
+          </p:sp>
+        </p:grpSp>
+        <p:sp>
+          <p:nvSpPr>
+            <p:cNvPr id="42" name="文字方塊 41"/>
+            <p:cNvSpPr txBox="1"/>
+            <p:nvPr/>
+          </p:nvSpPr>
+          <p:spPr>
+            <a:xfrm>
+              <a:off x="1002382" y="1291479"/>
+              <a:ext cx="7028273" cy="523220"/>
+            </a:xfrm>
+            <a:prstGeom prst="rect">
+              <a:avLst/>
+            </a:prstGeom>
+            <a:noFill/>
+          </p:spPr>
+          <p:txBody>
+            <a:bodyPr wrap="square" rtlCol="0">
+              <a:spAutoFit/>
+            </a:bodyPr>
+            <a:lstStyle/>
+            <a:p>
+              <a:r>
+                <a:rPr lang="zh-TW" altLang="en-US" sz="1400" b="1" dirty="0">
+                  <a:latin typeface="Adobe 楷体 Std R" pitchFamily="18" charset="-128"/>
+                  <a:ea typeface="Adobe 楷体 Std R" pitchFamily="18" charset="-128"/>
+                </a:rPr>
+                <a:t> </a:t>
+              </a:r>
+              <a:r>
+                <a:rPr lang="zh-TW" altLang="en-US" sz="1400" b="1" dirty="0" smtClean="0">
+                  <a:latin typeface="Adobe 楷体 Std R" pitchFamily="18" charset="-128"/>
+                  <a:ea typeface="Adobe 楷体 Std R" pitchFamily="18" charset="-128"/>
+                </a:rPr>
+                <a:t>     查公司的表單上</a:t>
+              </a:r>
+              <a:r>
+                <a:rPr lang="en-US" altLang="zh-TW" sz="1400" b="1" dirty="0" smtClean="0">
+                  <a:latin typeface="Adobe 楷体 Std R" pitchFamily="18" charset="-128"/>
+                  <a:ea typeface="Adobe 楷体 Std R" pitchFamily="18" charset="-128"/>
+                </a:rPr>
+                <a:t>, </a:t>
+              </a:r>
+              <a:r>
+                <a:rPr lang="zh-TW" altLang="en-US" sz="1400" b="1" dirty="0" smtClean="0">
+                  <a:latin typeface="Adobe 楷体 Std R" pitchFamily="18" charset="-128"/>
+                  <a:ea typeface="Adobe 楷体 Std R" pitchFamily="18" charset="-128"/>
+                </a:rPr>
+                <a:t>應該再增加篩選</a:t>
+              </a:r>
+              <a:r>
+                <a:rPr lang="en-US" altLang="zh-TW" sz="1400" b="1" dirty="0" smtClean="0">
+                  <a:latin typeface="Adobe 楷体 Std R" pitchFamily="18" charset="-128"/>
+                  <a:ea typeface="Adobe 楷体 Std R" pitchFamily="18" charset="-128"/>
+                </a:rPr>
+                <a:t>,</a:t>
+              </a:r>
+              <a:r>
+                <a:rPr lang="zh-TW" altLang="en-US" sz="1400" b="1" dirty="0" smtClean="0">
+                  <a:latin typeface="Adobe 楷体 Std R" pitchFamily="18" charset="-128"/>
+                  <a:ea typeface="Adobe 楷体 Std R" pitchFamily="18" charset="-128"/>
+                </a:rPr>
+                <a:t> 排序及搜尋等功能</a:t>
+              </a:r>
+              <a:r>
+                <a:rPr lang="en-US" altLang="zh-TW" sz="1400" b="1" dirty="0" smtClean="0">
+                  <a:latin typeface="Adobe 楷体 Std R" pitchFamily="18" charset="-128"/>
+                  <a:ea typeface="Adobe 楷体 Std R" pitchFamily="18" charset="-128"/>
+                </a:rPr>
+                <a:t>, </a:t>
+              </a:r>
+              <a:r>
+                <a:rPr lang="zh-TW" altLang="en-US" sz="1400" b="1" dirty="0" smtClean="0">
+                  <a:latin typeface="Adobe 楷体 Std R" pitchFamily="18" charset="-128"/>
+                  <a:ea typeface="Adobe 楷体 Std R" pitchFamily="18" charset="-128"/>
+                </a:rPr>
+                <a:t>讓使用者能更輕易找尋自己想要的公司資料</a:t>
+              </a:r>
+              <a:r>
+                <a:rPr lang="zh-TW" altLang="en-US" sz="1400" b="1" dirty="0">
+                  <a:latin typeface="Adobe 楷体 Std R" pitchFamily="18" charset="-128"/>
+                  <a:ea typeface="Adobe 楷体 Std R" pitchFamily="18" charset="-128"/>
+                </a:rPr>
+                <a:t>可</a:t>
+              </a:r>
+              <a:r>
+                <a:rPr lang="zh-TW" altLang="en-US" sz="1400" b="1" dirty="0" smtClean="0">
+                  <a:latin typeface="Adobe 楷体 Std R" pitchFamily="18" charset="-128"/>
+                  <a:ea typeface="Adobe 楷体 Std R" pitchFamily="18" charset="-128"/>
+                </a:rPr>
+                <a:t>直接搜索到公司</a:t>
+              </a:r>
+              <a:r>
+                <a:rPr lang="en-US" altLang="zh-TW" sz="1400" b="1" dirty="0" smtClean="0">
+                  <a:latin typeface="Adobe 楷体 Std R" pitchFamily="18" charset="-128"/>
+                  <a:ea typeface="Adobe 楷体 Std R" pitchFamily="18" charset="-128"/>
+                </a:rPr>
+                <a:t>.</a:t>
+              </a:r>
+            </a:p>
+          </p:txBody>
+        </p:sp>
+      </p:grpSp>
+      <p:grpSp>
+        <p:nvGrpSpPr>
+          <p:cNvPr id="46" name="群組 45"/>
+          <p:cNvGrpSpPr/>
+          <p:nvPr/>
+        </p:nvGrpSpPr>
+        <p:grpSpPr>
+          <a:xfrm>
+            <a:off x="683568" y="4064754"/>
+            <a:ext cx="7427053" cy="523220"/>
+            <a:chOff x="603602" y="1291479"/>
+            <a:chExt cx="7427053" cy="523220"/>
+          </a:xfrm>
+        </p:grpSpPr>
+        <p:grpSp>
+          <p:nvGrpSpPr>
+            <p:cNvPr id="47" name="群組 46"/>
+            <p:cNvGrpSpPr/>
+            <p:nvPr/>
+          </p:nvGrpSpPr>
+          <p:grpSpPr>
+            <a:xfrm>
+              <a:off x="603602" y="1300222"/>
+              <a:ext cx="411480" cy="428568"/>
+              <a:chOff x="603602" y="1300222"/>
+              <a:chExt cx="411480" cy="428568"/>
+            </a:xfrm>
+          </p:grpSpPr>
+          <p:pic>
+            <p:nvPicPr>
+              <p:cNvPr id="49" name="图片 3"/>
+              <p:cNvPicPr>
+                <a:picLocks noChangeAspect="1"/>
+              </p:cNvPicPr>
+              <p:nvPr/>
+            </p:nvPicPr>
+            <p:blipFill>
+              <a:blip r:embed="rId2" cstate="email">
+                <a:extLst>
+                  <a:ext uri="{28A0092B-C50C-407E-A947-70E740481C1C}">
+                    <a14:useLocalDpi xmlns:a14="http://schemas.microsoft.com/office/drawing/2010/main" val="0"/>
+                  </a:ext>
+                </a:extLst>
+              </a:blip>
+              <a:stretch>
+                <a:fillRect/>
+              </a:stretch>
+            </p:blipFill>
+            <p:spPr>
+              <a:xfrm>
+                <a:off x="603602" y="1305880"/>
+                <a:ext cx="411480" cy="422910"/>
+              </a:xfrm>
+              <a:prstGeom prst="rect">
+                <a:avLst/>
+              </a:prstGeom>
+            </p:spPr>
+          </p:pic>
+          <p:sp>
+            <p:nvSpPr>
+              <p:cNvPr id="50" name="文字方塊 49"/>
+              <p:cNvSpPr txBox="1"/>
+              <p:nvPr/>
+            </p:nvSpPr>
+            <p:spPr>
+              <a:xfrm>
+                <a:off x="671514" y="1300222"/>
+                <a:ext cx="301686" cy="369332"/>
+              </a:xfrm>
+              <a:prstGeom prst="rect">
+                <a:avLst/>
+              </a:prstGeom>
+              <a:noFill/>
+            </p:spPr>
+            <p:txBody>
+              <a:bodyPr wrap="none" rtlCol="0">
+                <a:spAutoFit/>
+              </a:bodyPr>
+              <a:lstStyle/>
+              <a:p>
+                <a:r>
+                  <a:rPr lang="en-US" altLang="zh-TW" dirty="0">
+                    <a:solidFill>
+                      <a:schemeClr val="bg1"/>
+                    </a:solidFill>
+                  </a:rPr>
+                  <a:t>6</a:t>
+                </a:r>
+                <a:endParaRPr lang="zh-TW" altLang="en-US" dirty="0">
+                  <a:solidFill>
+                    <a:schemeClr val="bg1"/>
+                  </a:solidFill>
+                </a:endParaRPr>
+              </a:p>
+            </p:txBody>
+          </p:sp>
+        </p:grpSp>
+        <p:sp>
+          <p:nvSpPr>
+            <p:cNvPr id="48" name="文字方塊 47"/>
+            <p:cNvSpPr txBox="1"/>
+            <p:nvPr/>
+          </p:nvSpPr>
+          <p:spPr>
+            <a:xfrm>
+              <a:off x="1002382" y="1291479"/>
+              <a:ext cx="7028273" cy="523220"/>
+            </a:xfrm>
+            <a:prstGeom prst="rect">
+              <a:avLst/>
+            </a:prstGeom>
+            <a:noFill/>
+          </p:spPr>
+          <p:txBody>
+            <a:bodyPr wrap="square" rtlCol="0">
+              <a:spAutoFit/>
+            </a:bodyPr>
+            <a:lstStyle/>
+            <a:p>
+              <a:r>
+                <a:rPr lang="zh-TW" altLang="en-US" sz="1400" b="1" dirty="0">
+                  <a:latin typeface="Adobe 楷体 Std R" pitchFamily="18" charset="-128"/>
+                  <a:ea typeface="Adobe 楷体 Std R" pitchFamily="18" charset="-128"/>
+                </a:rPr>
+                <a:t> </a:t>
+              </a:r>
+              <a:r>
+                <a:rPr lang="zh-TW" altLang="en-US" sz="1400" b="1" dirty="0" smtClean="0">
+                  <a:latin typeface="Adobe 楷体 Std R" pitchFamily="18" charset="-128"/>
+                  <a:ea typeface="Adobe 楷体 Std R" pitchFamily="18" charset="-128"/>
+                </a:rPr>
+                <a:t>     目前有部分股票代號的線性回歸預測結果是</a:t>
+              </a:r>
+              <a:r>
+                <a:rPr lang="en-US" altLang="zh-TW" sz="1400" b="1" dirty="0" smtClean="0">
+                  <a:latin typeface="Adobe 楷体 Std R" pitchFamily="18" charset="-128"/>
+                  <a:ea typeface="Adobe 楷体 Std R" pitchFamily="18" charset="-128"/>
+                </a:rPr>
+                <a:t>100%</a:t>
+              </a:r>
+              <a:r>
+                <a:rPr lang="zh-TW" altLang="en-US" sz="1400" b="1" dirty="0" smtClean="0">
+                  <a:latin typeface="Adobe 楷体 Std R" pitchFamily="18" charset="-128"/>
+                  <a:ea typeface="Adobe 楷体 Std R" pitchFamily="18" charset="-128"/>
+                </a:rPr>
+                <a:t>需在測試是否有過擬合問題</a:t>
+              </a:r>
+              <a:r>
+                <a:rPr lang="en-US" altLang="zh-TW" sz="1400" b="1" dirty="0" smtClean="0">
+                  <a:latin typeface="Adobe 楷体 Std R" pitchFamily="18" charset="-128"/>
+                  <a:ea typeface="Adobe 楷体 Std R" pitchFamily="18" charset="-128"/>
+                </a:rPr>
+                <a:t>,</a:t>
+              </a:r>
+              <a:r>
+                <a:rPr lang="zh-TW" altLang="en-US" sz="1400" b="1" dirty="0" smtClean="0">
+                  <a:latin typeface="Adobe 楷体 Std R" pitchFamily="18" charset="-128"/>
+                  <a:ea typeface="Adobe 楷体 Std R" pitchFamily="18" charset="-128"/>
+                </a:rPr>
+                <a:t> 如果有的話</a:t>
+              </a:r>
+              <a:r>
+                <a:rPr lang="en-US" altLang="zh-TW" sz="1400" b="1" dirty="0" smtClean="0">
+                  <a:latin typeface="Adobe 楷体 Std R" pitchFamily="18" charset="-128"/>
+                  <a:ea typeface="Adobe 楷体 Std R" pitchFamily="18" charset="-128"/>
+                </a:rPr>
+                <a:t>,</a:t>
+              </a:r>
+              <a:r>
+                <a:rPr lang="zh-TW" altLang="en-US" sz="1400" b="1" dirty="0" smtClean="0">
+                  <a:latin typeface="Adobe 楷体 Std R" pitchFamily="18" charset="-128"/>
+                  <a:ea typeface="Adobe 楷体 Std R" pitchFamily="18" charset="-128"/>
+                </a:rPr>
+                <a:t> 需要</a:t>
+              </a:r>
+              <a:r>
+                <a:rPr lang="zh-TW" altLang="en-US" sz="1400" b="1" dirty="0">
+                  <a:latin typeface="Adobe 楷体 Std R" pitchFamily="18" charset="-128"/>
+                  <a:ea typeface="Adobe 楷体 Std R" pitchFamily="18" charset="-128"/>
+                </a:rPr>
+                <a:t>再</a:t>
+              </a:r>
+              <a:r>
+                <a:rPr lang="zh-TW" altLang="en-US" sz="1400" b="1" dirty="0" smtClean="0">
+                  <a:latin typeface="Adobe 楷体 Std R" pitchFamily="18" charset="-128"/>
+                  <a:ea typeface="Adobe 楷体 Std R" pitchFamily="18" charset="-128"/>
+                </a:rPr>
+                <a:t>修正模型測試</a:t>
+              </a:r>
+              <a:r>
+                <a:rPr lang="en-US" altLang="zh-TW" sz="1400" b="1" dirty="0" smtClean="0">
+                  <a:latin typeface="Adobe 楷体 Std R" pitchFamily="18" charset="-128"/>
+                  <a:ea typeface="Adobe 楷体 Std R" pitchFamily="18" charset="-128"/>
+                </a:rPr>
+                <a:t>.</a:t>
+              </a:r>
+            </a:p>
+          </p:txBody>
+        </p:sp>
+      </p:grpSp>
+    </p:spTree>
+    <p:extLst>
+      <p:ext uri="{BB962C8B-B14F-4D97-AF65-F5344CB8AC3E}">
+        <p14:creationId xmlns:p14="http://schemas.microsoft.com/office/powerpoint/2010/main" val="2525985403"/>
+      </p:ext>
+    </p:extLst>
+  </p:cSld>
+  <p:clrMapOvr>
+    <a:masterClrMapping/>
+  </p:clrMapOvr>
+  <p:timing>
+    <p:tnLst>
+      <p:par>
+        <p:cTn id="1" dur="indefinite" restart="never" nodeType="tmRoot"/>
+      </p:par>
+    </p:tnLst>
+  </p:timing>
+</p:sld>
+</file>
+
+<file path=ppt/slides/slide25.xml><?xml version="1.0" encoding="utf-8"?>
 <p:sld xmlns:a="http://schemas.openxmlformats.org/drawingml/2006/main" xmlns:r="http://schemas.openxmlformats.org/officeDocument/2006/relationships" xmlns:p="http://schemas.openxmlformats.org/presentationml/2006/main">
   <p:cSld>
     <p:spTree>
@@ -20875,6 +24851,79 @@
           <a:chExt cx="0" cy="0"/>
         </a:xfrm>
       </p:grpSpPr>
+      <p:pic>
+        <p:nvPicPr>
+          <p:cNvPr id="15" name="Picture 2"/>
+          <p:cNvPicPr>
+            <a:picLocks noChangeAspect="1" noChangeArrowheads="1"/>
+          </p:cNvPicPr>
+          <p:nvPr/>
+        </p:nvPicPr>
+        <p:blipFill>
+          <a:blip r:embed="rId2" cstate="print">
+            <a:extLst>
+              <a:ext uri="{BEBA8EAE-BF5A-486C-A8C5-ECC9F3942E4B}">
+                <a14:imgProps xmlns:a14="http://schemas.microsoft.com/office/drawing/2010/main">
+                  <a14:imgLayer r:embed="rId3">
+                    <a14:imgEffect>
+                      <a14:brightnessContrast contrast="-100000"/>
+                    </a14:imgEffect>
+                  </a14:imgLayer>
+                </a14:imgProps>
+              </a:ext>
+              <a:ext uri="{28A0092B-C50C-407E-A947-70E740481C1C}">
+                <a14:useLocalDpi xmlns:a14="http://schemas.microsoft.com/office/drawing/2010/main" val="0"/>
+              </a:ext>
+            </a:extLst>
+          </a:blip>
+          <a:srcRect/>
+          <a:stretch>
+            <a:fillRect/>
+          </a:stretch>
+        </p:blipFill>
+        <p:spPr bwMode="auto">
+          <a:xfrm>
+            <a:off x="1979712" y="51470"/>
+            <a:ext cx="4896544" cy="864096"/>
+          </a:xfrm>
+          <a:prstGeom prst="rect">
+            <a:avLst/>
+          </a:prstGeom>
+          <a:noFill/>
+          <a:ln>
+            <a:noFill/>
+          </a:ln>
+          <a:effectLst/>
+          <a:extLst>
+            <a:ext uri="{909E8E84-426E-40DD-AFC4-6F175D3DCCD1}">
+              <a14:hiddenFill xmlns:a14="http://schemas.microsoft.com/office/drawing/2010/main">
+                <a:solidFill>
+                  <a:schemeClr val="accent1"/>
+                </a:solidFill>
+              </a14:hiddenFill>
+            </a:ext>
+            <a:ext uri="{91240B29-F687-4F45-9708-019B960494DF}">
+              <a14:hiddenLine xmlns:a14="http://schemas.microsoft.com/office/drawing/2010/main" w="9525">
+                <a:solidFill>
+                  <a:schemeClr val="tx1"/>
+                </a:solidFill>
+                <a:miter lim="800000"/>
+                <a:headEnd/>
+                <a:tailEnd/>
+              </a14:hiddenLine>
+            </a:ext>
+            <a:ext uri="{AF507438-7753-43E0-B8FC-AC1667EBCBE1}">
+              <a14:hiddenEffects xmlns:a14="http://schemas.microsoft.com/office/drawing/2010/main">
+                <a:effectLst>
+                  <a:outerShdw dist="35921" dir="2700000" algn="ctr" rotWithShape="0">
+                    <a:schemeClr val="bg2"/>
+                  </a:outerShdw>
+                </a:effectLst>
+              </a14:hiddenEffects>
+            </a:ext>
+          </a:extLst>
+        </p:spPr>
+      </p:pic>
       <p:sp>
         <p:nvSpPr>
           <p:cNvPr id="2" name="标题 1"/>
@@ -20921,18 +24970,12 @@
             </a:pPr>
             <a:r>
               <a:rPr lang="zh-TW" altLang="en-US" sz="4000" b="1" kern="0" spc="-1" dirty="0" smtClean="0">
-                <a:solidFill>
-                  <a:sysClr val="windowText" lastClr="000000"/>
-                </a:solidFill>
                 <a:latin typeface="Adobe 楷体 Std R" pitchFamily="18" charset="-128"/>
                 <a:ea typeface="Adobe 楷体 Std R" pitchFamily="18" charset="-128"/>
               </a:rPr>
               <a:t>前言</a:t>
             </a:r>
             <a:endParaRPr lang="en-US" altLang="zh-TW" sz="4000" b="1" kern="0" spc="-1" dirty="0">
-              <a:solidFill>
-                <a:sysClr val="windowText" lastClr="000000"/>
-              </a:solidFill>
               <a:latin typeface="Adobe 楷体 Std R" pitchFamily="18" charset="-128"/>
               <a:ea typeface="Adobe 楷体 Std R" pitchFamily="18" charset="-128"/>
             </a:endParaRPr>
@@ -20976,7 +25019,7 @@
               <p:nvPr/>
             </p:nvPicPr>
             <p:blipFill>
-              <a:blip r:embed="rId2" cstate="email">
+              <a:blip r:embed="rId4" cstate="email">
                 <a:extLst>
                   <a:ext uri="{28A0092B-C50C-407E-A947-70E740481C1C}">
                     <a14:useLocalDpi xmlns:a14="http://schemas.microsoft.com/office/drawing/2010/main" val="0"/>
@@ -21122,7 +25165,7 @@
               <p:nvPr/>
             </p:nvPicPr>
             <p:blipFill>
-              <a:blip r:embed="rId2" cstate="email">
+              <a:blip r:embed="rId4" cstate="email">
                 <a:extLst>
                   <a:ext uri="{28A0092B-C50C-407E-A947-70E740481C1C}">
                     <a14:useLocalDpi xmlns:a14="http://schemas.microsoft.com/office/drawing/2010/main" val="0"/>
@@ -21513,6 +25556,79 @@
           <a:chExt cx="0" cy="0"/>
         </a:xfrm>
       </p:grpSpPr>
+      <p:pic>
+        <p:nvPicPr>
+          <p:cNvPr id="51" name="Picture 2"/>
+          <p:cNvPicPr>
+            <a:picLocks noChangeAspect="1" noChangeArrowheads="1"/>
+          </p:cNvPicPr>
+          <p:nvPr/>
+        </p:nvPicPr>
+        <p:blipFill>
+          <a:blip r:embed="rId2" cstate="print">
+            <a:extLst>
+              <a:ext uri="{BEBA8EAE-BF5A-486C-A8C5-ECC9F3942E4B}">
+                <a14:imgProps xmlns:a14="http://schemas.microsoft.com/office/drawing/2010/main">
+                  <a14:imgLayer r:embed="rId3">
+                    <a14:imgEffect>
+                      <a14:brightnessContrast contrast="-100000"/>
+                    </a14:imgEffect>
+                  </a14:imgLayer>
+                </a14:imgProps>
+              </a:ext>
+              <a:ext uri="{28A0092B-C50C-407E-A947-70E740481C1C}">
+                <a14:useLocalDpi xmlns:a14="http://schemas.microsoft.com/office/drawing/2010/main" val="0"/>
+              </a:ext>
+            </a:extLst>
+          </a:blip>
+          <a:srcRect/>
+          <a:stretch>
+            <a:fillRect/>
+          </a:stretch>
+        </p:blipFill>
+        <p:spPr bwMode="auto">
+          <a:xfrm>
+            <a:off x="1979712" y="51470"/>
+            <a:ext cx="4896544" cy="864096"/>
+          </a:xfrm>
+          <a:prstGeom prst="rect">
+            <a:avLst/>
+          </a:prstGeom>
+          <a:noFill/>
+          <a:ln>
+            <a:noFill/>
+          </a:ln>
+          <a:effectLst/>
+          <a:extLst>
+            <a:ext uri="{909E8E84-426E-40DD-AFC4-6F175D3DCCD1}">
+              <a14:hiddenFill xmlns:a14="http://schemas.microsoft.com/office/drawing/2010/main">
+                <a:solidFill>
+                  <a:schemeClr val="accent1"/>
+                </a:solidFill>
+              </a14:hiddenFill>
+            </a:ext>
+            <a:ext uri="{91240B29-F687-4F45-9708-019B960494DF}">
+              <a14:hiddenLine xmlns:a14="http://schemas.microsoft.com/office/drawing/2010/main" w="9525">
+                <a:solidFill>
+                  <a:schemeClr val="tx1"/>
+                </a:solidFill>
+                <a:miter lim="800000"/>
+                <a:headEnd/>
+                <a:tailEnd/>
+              </a14:hiddenLine>
+            </a:ext>
+            <a:ext uri="{AF507438-7753-43E0-B8FC-AC1667EBCBE1}">
+              <a14:hiddenEffects xmlns:a14="http://schemas.microsoft.com/office/drawing/2010/main">
+                <a:effectLst>
+                  <a:outerShdw dist="35921" dir="2700000" algn="ctr" rotWithShape="0">
+                    <a:schemeClr val="bg2"/>
+                  </a:outerShdw>
+                </a:effectLst>
+              </a14:hiddenEffects>
+            </a:ext>
+          </a:extLst>
+        </p:spPr>
+      </p:pic>
       <p:sp>
         <p:nvSpPr>
           <p:cNvPr id="89" name="矩形 88"/>
@@ -24731,7 +28847,7 @@
         </p:nvSpPr>
         <p:spPr>
           <a:xfrm>
-            <a:off x="2638796" y="2649729"/>
+            <a:off x="3342502" y="2649729"/>
             <a:ext cx="1078798" cy="521766"/>
           </a:xfrm>
           <a:prstGeom prst="rect">
@@ -24785,22 +28901,13 @@
               <a:t>串聯</a:t>
             </a:r>
             <a:r>
-              <a:rPr lang="zh-TW" altLang="en-US" sz="1400" b="1" kern="0" spc="-1" dirty="0">
+              <a:rPr lang="zh-TW" altLang="en-US" sz="1400" b="1" kern="0" spc="-1" dirty="0" smtClean="0">
                 <a:solidFill>
                   <a:srgbClr val="CC3300"/>
                 </a:solidFill>
                 <a:latin typeface="Arial"/>
               </a:rPr>
-              <a:t>程式</a:t>
-            </a:r>
-            <a:r>
-              <a:rPr lang="zh-TW" altLang="en-US" sz="1400" b="1" kern="0" spc="-1" dirty="0" smtClean="0">
-                <a:solidFill>
-                  <a:srgbClr val="CC3300"/>
-                </a:solidFill>
-                <a:latin typeface="Arial"/>
-              </a:rPr>
-              <a:t>及</a:t>
+              <a:t>程式及</a:t>
             </a:r>
             <a:endParaRPr lang="en-US" altLang="zh-TW" sz="1400" b="1" kern="0" spc="-1" dirty="0" smtClean="0">
               <a:solidFill>
@@ -25243,9 +29350,6 @@
             </a:pPr>
             <a:r>
               <a:rPr lang="zh-TW" altLang="en-US" sz="4000" b="1" kern="0" spc="-1" dirty="0">
-                <a:solidFill>
-                  <a:sysClr val="windowText" lastClr="000000"/>
-                </a:solidFill>
                 <a:latin typeface="Adobe 楷体 Std R" pitchFamily="18" charset="-128"/>
                 <a:ea typeface="Adobe 楷体 Std R" pitchFamily="18" charset="-128"/>
               </a:rPr>
@@ -25253,18 +29357,12 @@
             </a:r>
             <a:r>
               <a:rPr lang="zh-TW" altLang="en-US" sz="4000" b="1" kern="0" spc="-1" dirty="0" smtClean="0">
-                <a:solidFill>
-                  <a:sysClr val="windowText" lastClr="000000"/>
-                </a:solidFill>
                 <a:latin typeface="Adobe 楷体 Std R" pitchFamily="18" charset="-128"/>
                 <a:ea typeface="Adobe 楷体 Std R" pitchFamily="18" charset="-128"/>
               </a:rPr>
               <a:t>架構</a:t>
             </a:r>
             <a:endParaRPr lang="en-US" altLang="zh-TW" sz="4000" b="1" kern="0" spc="-1" dirty="0">
-              <a:solidFill>
-                <a:sysClr val="windowText" lastClr="000000"/>
-              </a:solidFill>
               <a:latin typeface="Adobe 楷体 Std R" pitchFamily="18" charset="-128"/>
               <a:ea typeface="Adobe 楷体 Std R" pitchFamily="18" charset="-128"/>
             </a:endParaRPr>
@@ -25485,7 +29583,7 @@
         </p:nvSpPr>
         <p:spPr>
           <a:xfrm>
-            <a:off x="4103434" y="2649729"/>
+            <a:off x="5831626" y="2649729"/>
             <a:ext cx="540574" cy="521766"/>
           </a:xfrm>
           <a:prstGeom prst="rect">
@@ -25609,7 +29707,7 @@
         </p:nvSpPr>
         <p:spPr>
           <a:xfrm>
-            <a:off x="4987674" y="2649729"/>
+            <a:off x="4483618" y="2649729"/>
             <a:ext cx="1258207" cy="521766"/>
           </a:xfrm>
           <a:prstGeom prst="rect">
@@ -25710,6 +29808,133 @@
                 <a:latin typeface="Arial"/>
               </a:rPr>
               <a:t>網頁資訊</a:t>
+            </a:r>
+            <a:endParaRPr kumimoji="0" lang="en-US" altLang="zh-TW" sz="1400" b="1" i="0" u="none" strike="noStrike" kern="0" cap="none" spc="-1" normalizeH="0" baseline="0" noProof="0" dirty="0" smtClean="0">
+              <a:ln>
+                <a:noFill/>
+              </a:ln>
+              <a:solidFill>
+                <a:srgbClr val="CC3300"/>
+              </a:solidFill>
+              <a:effectLst/>
+              <a:uLnTx/>
+              <a:uFillTx/>
+              <a:latin typeface="Arial"/>
+            </a:endParaRPr>
+          </a:p>
+        </p:txBody>
+      </p:sp>
+      <p:sp>
+        <p:nvSpPr>
+          <p:cNvPr id="50" name="CustomShape 15"/>
+          <p:cNvSpPr>
+            <a:spLocks/>
+          </p:cNvSpPr>
+          <p:nvPr/>
+        </p:nvSpPr>
+        <p:spPr>
+          <a:xfrm>
+            <a:off x="2162939" y="2649729"/>
+            <a:ext cx="1078798" cy="521766"/>
+          </a:xfrm>
+          <a:prstGeom prst="rect">
+            <a:avLst/>
+          </a:prstGeom>
+          <a:noFill/>
+          <a:ln w="0">
+            <a:solidFill>
+              <a:sysClr val="windowText" lastClr="000000"/>
+            </a:solidFill>
+            <a:tailEnd type="triangle"/>
+          </a:ln>
+          <a:effectLst/>
+        </p:spPr>
+        <p:txBody>
+          <a:bodyPr wrap="none" lIns="90000" tIns="45000" rIns="90000" bIns="45000">
+            <a:spAutoFit/>
+          </a:bodyPr>
+          <a:lstStyle/>
+          <a:p>
+            <a:pPr marL="0" marR="0" lvl="0" indent="0" algn="ctr" defTabSz="914400" eaLnBrk="1" fontAlgn="auto" latinLnBrk="0" hangingPunct="1">
+              <a:lnSpc>
+                <a:spcPct val="100000"/>
+              </a:lnSpc>
+              <a:spcBef>
+                <a:spcPts val="0"/>
+              </a:spcBef>
+              <a:spcAft>
+                <a:spcPts val="0"/>
+              </a:spcAft>
+              <a:buClrTx/>
+              <a:buSzTx/>
+              <a:buFontTx/>
+              <a:buNone/>
+              <a:tabLst/>
+              <a:defRPr/>
+            </a:pPr>
+            <a:r>
+              <a:rPr kumimoji="0" lang="zh-TW" altLang="en-US" sz="1400" b="1" i="0" u="none" strike="noStrike" kern="0" cap="none" spc="-1" normalizeH="0" baseline="0" noProof="0" dirty="0" smtClean="0">
+                <a:ln>
+                  <a:noFill/>
+                </a:ln>
+                <a:solidFill>
+                  <a:srgbClr val="CC3300"/>
+                </a:solidFill>
+                <a:effectLst/>
+                <a:uLnTx/>
+                <a:uFillTx/>
+                <a:latin typeface="Arial"/>
+              </a:rPr>
+              <a:t>串聯</a:t>
+            </a:r>
+            <a:r>
+              <a:rPr lang="zh-TW" altLang="en-US" sz="1400" b="1" kern="0" spc="-1" dirty="0" smtClean="0">
+                <a:solidFill>
+                  <a:srgbClr val="CC3300"/>
+                </a:solidFill>
+                <a:latin typeface="Arial"/>
+              </a:rPr>
+              <a:t>程式及</a:t>
+            </a:r>
+            <a:endParaRPr lang="en-US" altLang="zh-TW" sz="1400" b="1" kern="0" spc="-1" dirty="0" smtClean="0">
+              <a:solidFill>
+                <a:srgbClr val="CC3300"/>
+              </a:solidFill>
+              <a:latin typeface="Arial"/>
+            </a:endParaRPr>
+          </a:p>
+          <a:p>
+            <a:pPr marL="0" marR="0" lvl="0" indent="0" algn="ctr" defTabSz="914400" eaLnBrk="1" fontAlgn="auto" latinLnBrk="0" hangingPunct="1">
+              <a:lnSpc>
+                <a:spcPct val="100000"/>
+              </a:lnSpc>
+              <a:spcBef>
+                <a:spcPts val="0"/>
+              </a:spcBef>
+              <a:spcAft>
+                <a:spcPts val="0"/>
+              </a:spcAft>
+              <a:buClrTx/>
+              <a:buSzTx/>
+              <a:buFontTx/>
+              <a:buNone/>
+              <a:tabLst/>
+              <a:defRPr/>
+            </a:pPr>
+            <a:r>
+              <a:rPr kumimoji="0" lang="zh-TW" altLang="en-US" sz="1400" b="1" i="0" u="none" strike="noStrike" kern="0" cap="none" spc="-1" normalizeH="0" baseline="0" noProof="0" dirty="0" smtClean="0">
+                <a:ln>
+                  <a:noFill/>
+                </a:ln>
+                <a:solidFill>
+                  <a:srgbClr val="CC3300"/>
+                </a:solidFill>
+                <a:effectLst/>
+                <a:uLnTx/>
+                <a:uFillTx/>
+                <a:latin typeface="Arial"/>
+              </a:rPr>
+              <a:t>模組</a:t>
             </a:r>
             <a:endParaRPr kumimoji="0" lang="en-US" altLang="zh-TW" sz="1400" b="1" i="0" u="none" strike="noStrike" kern="0" cap="none" spc="-1" normalizeH="0" baseline="0" noProof="0" dirty="0" smtClean="0">
               <a:ln>
@@ -25763,6 +29988,79 @@
           <a:chExt cx="0" cy="0"/>
         </a:xfrm>
       </p:grpSpPr>
+      <p:pic>
+        <p:nvPicPr>
+          <p:cNvPr id="101" name="Picture 2"/>
+          <p:cNvPicPr>
+            <a:picLocks noChangeAspect="1" noChangeArrowheads="1"/>
+          </p:cNvPicPr>
+          <p:nvPr/>
+        </p:nvPicPr>
+        <p:blipFill>
+          <a:blip r:embed="rId2" cstate="print">
+            <a:extLst>
+              <a:ext uri="{BEBA8EAE-BF5A-486C-A8C5-ECC9F3942E4B}">
+                <a14:imgProps xmlns:a14="http://schemas.microsoft.com/office/drawing/2010/main">
+                  <a14:imgLayer r:embed="rId3">
+                    <a14:imgEffect>
+                      <a14:brightnessContrast contrast="-100000"/>
+                    </a14:imgEffect>
+                  </a14:imgLayer>
+                </a14:imgProps>
+              </a:ext>
+              <a:ext uri="{28A0092B-C50C-407E-A947-70E740481C1C}">
+                <a14:useLocalDpi xmlns:a14="http://schemas.microsoft.com/office/drawing/2010/main" val="0"/>
+              </a:ext>
+            </a:extLst>
+          </a:blip>
+          <a:srcRect/>
+          <a:stretch>
+            <a:fillRect/>
+          </a:stretch>
+        </p:blipFill>
+        <p:spPr bwMode="auto">
+          <a:xfrm>
+            <a:off x="1979712" y="51470"/>
+            <a:ext cx="4896544" cy="864096"/>
+          </a:xfrm>
+          <a:prstGeom prst="rect">
+            <a:avLst/>
+          </a:prstGeom>
+          <a:noFill/>
+          <a:ln>
+            <a:noFill/>
+          </a:ln>
+          <a:effectLst/>
+          <a:extLst>
+            <a:ext uri="{909E8E84-426E-40DD-AFC4-6F175D3DCCD1}">
+              <a14:hiddenFill xmlns:a14="http://schemas.microsoft.com/office/drawing/2010/main">
+                <a:solidFill>
+                  <a:schemeClr val="accent1"/>
+                </a:solidFill>
+              </a14:hiddenFill>
+            </a:ext>
+            <a:ext uri="{91240B29-F687-4F45-9708-019B960494DF}">
+              <a14:hiddenLine xmlns:a14="http://schemas.microsoft.com/office/drawing/2010/main" w="9525">
+                <a:solidFill>
+                  <a:schemeClr val="tx1"/>
+                </a:solidFill>
+                <a:miter lim="800000"/>
+                <a:headEnd/>
+                <a:tailEnd/>
+              </a14:hiddenLine>
+            </a:ext>
+            <a:ext uri="{AF507438-7753-43E0-B8FC-AC1667EBCBE1}">
+              <a14:hiddenEffects xmlns:a14="http://schemas.microsoft.com/office/drawing/2010/main">
+                <a:effectLst>
+                  <a:outerShdw dist="35921" dir="2700000" algn="ctr" rotWithShape="0">
+                    <a:schemeClr val="bg2"/>
+                  </a:outerShdw>
+                </a:effectLst>
+              </a14:hiddenEffects>
+            </a:ext>
+          </a:extLst>
+        </p:spPr>
+      </p:pic>
       <p:sp>
         <p:nvSpPr>
           <p:cNvPr id="4" name="CustomShape 6"/>
@@ -25771,7 +30069,7 @@
         </p:nvSpPr>
         <p:spPr>
           <a:xfrm>
-            <a:off x="2886242" y="1829213"/>
+            <a:off x="2805471" y="1829213"/>
             <a:ext cx="314679" cy="337100"/>
           </a:xfrm>
           <a:prstGeom prst="rect">
@@ -25845,7 +30143,7 @@
         </p:nvGrpSpPr>
         <p:grpSpPr>
           <a:xfrm>
-            <a:off x="1225376" y="1780039"/>
+            <a:off x="1144605" y="1780039"/>
             <a:ext cx="1714648" cy="605965"/>
             <a:chOff x="4002233" y="2421020"/>
             <a:chExt cx="1699616" cy="830160"/>
@@ -25960,7 +30258,7 @@
         </p:nvGrpSpPr>
         <p:grpSpPr>
           <a:xfrm>
-            <a:off x="3612691" y="1914623"/>
+            <a:off x="3531920" y="1914623"/>
             <a:ext cx="1076477" cy="337101"/>
             <a:chOff x="697680" y="3080171"/>
             <a:chExt cx="1067040" cy="461820"/>
@@ -26075,7 +30373,7 @@
         </p:nvSpPr>
         <p:spPr>
           <a:xfrm>
-            <a:off x="2115531" y="2283718"/>
+            <a:off x="2034760" y="2283718"/>
             <a:ext cx="281016" cy="337100"/>
           </a:xfrm>
           <a:prstGeom prst="rect">
@@ -26152,7 +30450,7 @@
         </p:nvCxnSpPr>
         <p:spPr>
           <a:xfrm flipV="1">
-            <a:off x="2940025" y="2079246"/>
+            <a:off x="2859254" y="2079246"/>
             <a:ext cx="672666" cy="3775"/>
           </a:xfrm>
           <a:prstGeom prst="straightConnector1">
@@ -26179,7 +30477,7 @@
         </p:nvGrpSpPr>
         <p:grpSpPr>
           <a:xfrm>
-            <a:off x="1536518" y="2539176"/>
+            <a:off x="1455747" y="2539176"/>
             <a:ext cx="1076477" cy="337101"/>
             <a:chOff x="697680" y="3062772"/>
             <a:chExt cx="1067040" cy="461820"/>
@@ -26297,7 +30595,7 @@
         </p:nvCxnSpPr>
         <p:spPr>
           <a:xfrm flipH="1">
-            <a:off x="2074757" y="2386004"/>
+            <a:off x="1993986" y="2386004"/>
             <a:ext cx="7944" cy="187939"/>
           </a:xfrm>
           <a:prstGeom prst="straightConnector1">
@@ -26324,7 +30622,7 @@
         </p:nvGrpSpPr>
         <p:grpSpPr>
           <a:xfrm>
-            <a:off x="5253876" y="1780039"/>
+            <a:off x="5173105" y="1780039"/>
             <a:ext cx="1714648" cy="605965"/>
             <a:chOff x="4002233" y="2421020"/>
             <a:chExt cx="1699616" cy="830160"/>
@@ -26442,7 +30740,7 @@
         </p:nvCxnSpPr>
         <p:spPr>
           <a:xfrm rot="5400000">
-            <a:off x="5071762" y="-121686"/>
+            <a:off x="4990991" y="-121686"/>
             <a:ext cx="379419" cy="5296952"/>
           </a:xfrm>
           <a:prstGeom prst="bentConnector2">
@@ -26472,7 +30770,7 @@
         </p:nvCxnSpPr>
         <p:spPr>
           <a:xfrm rot="16200000" flipH="1" flipV="1">
-            <a:off x="5052740" y="878228"/>
+            <a:off x="4971969" y="878228"/>
             <a:ext cx="156650" cy="1960270"/>
           </a:xfrm>
           <a:prstGeom prst="bentConnector3">
@@ -26501,7 +30799,7 @@
         </p:nvSpPr>
         <p:spPr>
           <a:xfrm>
-            <a:off x="6136399" y="1548751"/>
+            <a:off x="6055628" y="1548751"/>
             <a:ext cx="314679" cy="337100"/>
           </a:xfrm>
           <a:prstGeom prst="rect">
@@ -26575,7 +30873,7 @@
         </p:nvSpPr>
         <p:spPr>
           <a:xfrm>
-            <a:off x="6893906" y="1857003"/>
+            <a:off x="6813135" y="1857003"/>
             <a:ext cx="281016" cy="337100"/>
           </a:xfrm>
           <a:prstGeom prst="rect">
@@ -26652,7 +30950,7 @@
         </p:nvCxnSpPr>
         <p:spPr>
           <a:xfrm>
-            <a:off x="4689168" y="2079246"/>
+            <a:off x="4608397" y="2079246"/>
             <a:ext cx="564708" cy="3775"/>
           </a:xfrm>
           <a:prstGeom prst="straightConnector1">
@@ -26682,7 +30980,7 @@
         </p:nvCxnSpPr>
         <p:spPr>
           <a:xfrm>
-            <a:off x="6968524" y="2083021"/>
+            <a:off x="6887753" y="2083021"/>
             <a:ext cx="564120" cy="1612"/>
           </a:xfrm>
           <a:prstGeom prst="straightConnector1">
@@ -26709,7 +31007,7 @@
         </p:nvGrpSpPr>
         <p:grpSpPr>
           <a:xfrm>
-            <a:off x="1529152" y="3010534"/>
+            <a:off x="1448381" y="3010534"/>
             <a:ext cx="1076477" cy="337101"/>
             <a:chOff x="697680" y="3062772"/>
             <a:chExt cx="1067040" cy="461820"/>
@@ -26827,7 +31125,7 @@
         </p:nvCxnSpPr>
         <p:spPr>
           <a:xfrm flipH="1">
-            <a:off x="2067391" y="2859062"/>
+            <a:off x="1986620" y="2859062"/>
             <a:ext cx="7366" cy="186243"/>
           </a:xfrm>
           <a:prstGeom prst="straightConnector1">
@@ -26854,7 +31152,7 @@
         </p:nvGrpSpPr>
         <p:grpSpPr>
           <a:xfrm>
-            <a:off x="1487127" y="483519"/>
+            <a:off x="1406356" y="483519"/>
             <a:ext cx="1166943" cy="378935"/>
             <a:chOff x="4202081" y="2621835"/>
             <a:chExt cx="1156713" cy="519133"/>
@@ -27004,7 +31302,7 @@
         </p:nvGrpSpPr>
         <p:grpSpPr>
           <a:xfrm>
-            <a:off x="7406876" y="1785474"/>
+            <a:off x="7326105" y="1785474"/>
             <a:ext cx="1257679" cy="583322"/>
             <a:chOff x="5767897" y="896289"/>
             <a:chExt cx="1246653" cy="799138"/>
@@ -27199,7 +31497,7 @@
         </p:nvSpPr>
         <p:spPr>
           <a:xfrm>
-            <a:off x="7485031" y="3753443"/>
+            <a:off x="7404260" y="3753443"/>
             <a:ext cx="866492" cy="882924"/>
           </a:xfrm>
           <a:prstGeom prst="flowChartMagneticDisk">
@@ -27259,7 +31557,7 @@
         </p:nvGrpSpPr>
         <p:grpSpPr>
           <a:xfrm>
-            <a:off x="7345953" y="2892558"/>
+            <a:off x="7265182" y="2892558"/>
             <a:ext cx="1115082" cy="583321"/>
             <a:chOff x="7283118" y="3740039"/>
             <a:chExt cx="1105306" cy="799138"/>
@@ -27457,7 +31755,7 @@
         </p:nvCxnSpPr>
         <p:spPr>
           <a:xfrm flipH="1">
-            <a:off x="7903494" y="2337080"/>
+            <a:off x="7822723" y="2337080"/>
             <a:ext cx="6454" cy="584966"/>
           </a:xfrm>
           <a:prstGeom prst="straightConnector1">
@@ -27487,7 +31785,7 @@
         </p:nvCxnSpPr>
         <p:spPr>
           <a:xfrm>
-            <a:off x="7903494" y="3453938"/>
+            <a:off x="7822723" y="3453938"/>
             <a:ext cx="14784" cy="299505"/>
           </a:xfrm>
           <a:prstGeom prst="straightConnector1">
@@ -27514,7 +31812,7 @@
         </p:nvSpPr>
         <p:spPr>
           <a:xfrm>
-            <a:off x="7737093" y="3755015"/>
+            <a:off x="7656322" y="3755015"/>
             <a:ext cx="386814" cy="829543"/>
           </a:xfrm>
           <a:prstGeom prst="rect">
@@ -27680,7 +31978,7 @@
         </p:nvGrpSpPr>
         <p:grpSpPr>
           <a:xfrm>
-            <a:off x="687138" y="3420014"/>
+            <a:off x="606367" y="3420014"/>
             <a:ext cx="1076477" cy="337101"/>
             <a:chOff x="2402833" y="3547302"/>
             <a:chExt cx="1067040" cy="461820"/>
@@ -27795,7 +32093,7 @@
         </p:nvGrpSpPr>
         <p:grpSpPr>
           <a:xfrm>
-            <a:off x="2437096" y="3451189"/>
+            <a:off x="2356325" y="3451189"/>
             <a:ext cx="1076477" cy="337100"/>
             <a:chOff x="697680" y="3101471"/>
             <a:chExt cx="1067040" cy="461820"/>
@@ -27913,7 +32211,7 @@
         </p:nvCxnSpPr>
         <p:spPr>
           <a:xfrm rot="5400000">
-            <a:off x="1782321" y="3311708"/>
+            <a:off x="1701550" y="3311708"/>
             <a:ext cx="266364" cy="303775"/>
           </a:xfrm>
           <a:prstGeom prst="bentConnector2">
@@ -27943,7 +32241,7 @@
         </p:nvCxnSpPr>
         <p:spPr>
           <a:xfrm rot="16200000" flipH="1">
-            <a:off x="2117317" y="3280487"/>
+            <a:off x="2036546" y="3280487"/>
             <a:ext cx="269853" cy="369706"/>
           </a:xfrm>
           <a:prstGeom prst="bentConnector2">
@@ -27970,7 +32268,7 @@
         </p:nvGrpSpPr>
         <p:grpSpPr>
           <a:xfrm>
-            <a:off x="5170868" y="4443958"/>
+            <a:off x="5090097" y="4443958"/>
             <a:ext cx="1257679" cy="583321"/>
             <a:chOff x="5767897" y="882174"/>
             <a:chExt cx="1246653" cy="799138"/>
@@ -28195,7 +32493,7 @@
         </p:nvGrpSpPr>
         <p:grpSpPr>
           <a:xfrm>
-            <a:off x="5119371" y="3952574"/>
+            <a:off x="5038600" y="3952574"/>
             <a:ext cx="1330439" cy="341765"/>
             <a:chOff x="697679" y="3081602"/>
             <a:chExt cx="1318775" cy="236908"/>
@@ -28313,7 +32611,7 @@
         </p:nvCxnSpPr>
         <p:spPr>
           <a:xfrm flipH="1" flipV="1">
-            <a:off x="5784590" y="4294341"/>
+            <a:off x="5703819" y="4294341"/>
             <a:ext cx="15118" cy="206632"/>
           </a:xfrm>
           <a:prstGeom prst="straightConnector1">
@@ -28340,7 +32638,7 @@
         </p:nvGrpSpPr>
         <p:grpSpPr>
           <a:xfrm>
-            <a:off x="2286221" y="3842721"/>
+            <a:off x="2205450" y="3842721"/>
             <a:ext cx="1367342" cy="583321"/>
             <a:chOff x="3036793" y="4348377"/>
             <a:chExt cx="1355355" cy="799138"/>
@@ -28516,7 +32814,7 @@
         </p:nvGrpSpPr>
         <p:grpSpPr>
           <a:xfrm>
-            <a:off x="541705" y="3825510"/>
+            <a:off x="460934" y="3825510"/>
             <a:ext cx="1367342" cy="583321"/>
             <a:chOff x="3036793" y="4330977"/>
             <a:chExt cx="1355355" cy="799137"/>
@@ -28695,7 +32993,7 @@
         </p:nvCxnSpPr>
         <p:spPr>
           <a:xfrm flipV="1">
-            <a:off x="2605629" y="3185751"/>
+            <a:off x="2524858" y="3185751"/>
             <a:ext cx="1688512" cy="2107"/>
           </a:xfrm>
           <a:prstGeom prst="straightConnector1">
@@ -28725,7 +33023,7 @@
         </p:nvCxnSpPr>
         <p:spPr>
           <a:xfrm>
-            <a:off x="6035839" y="3185751"/>
+            <a:off x="5955068" y="3185751"/>
             <a:ext cx="1310114" cy="2242"/>
           </a:xfrm>
           <a:prstGeom prst="straightConnector1">
@@ -28755,7 +33053,7 @@
         </p:nvCxnSpPr>
         <p:spPr>
           <a:xfrm flipH="1">
-            <a:off x="1225376" y="3739343"/>
+            <a:off x="1144605" y="3739343"/>
             <a:ext cx="1" cy="162973"/>
           </a:xfrm>
           <a:prstGeom prst="straightConnector1">
@@ -28785,7 +33083,7 @@
         </p:nvCxnSpPr>
         <p:spPr>
           <a:xfrm flipH="1">
-            <a:off x="2969892" y="3742824"/>
+            <a:off x="2889121" y="3742824"/>
             <a:ext cx="5443" cy="164002"/>
           </a:xfrm>
           <a:prstGeom prst="straightConnector1">
@@ -28812,7 +33110,7 @@
         </p:nvGrpSpPr>
         <p:grpSpPr>
           <a:xfrm>
-            <a:off x="1487127" y="4635141"/>
+            <a:off x="1406356" y="4635141"/>
             <a:ext cx="1166943" cy="378936"/>
             <a:chOff x="4202081" y="2621835"/>
             <a:chExt cx="1156713" cy="519133"/>
@@ -28965,7 +33263,7 @@
         </p:nvCxnSpPr>
         <p:spPr>
           <a:xfrm>
-            <a:off x="1909047" y="4135682"/>
+            <a:off x="1828276" y="4135682"/>
             <a:ext cx="161552" cy="499456"/>
           </a:xfrm>
           <a:prstGeom prst="bentConnector2">
@@ -28995,7 +33293,7 @@
         </p:nvCxnSpPr>
         <p:spPr>
           <a:xfrm rot="10800000" flipV="1">
-            <a:off x="2070600" y="4140193"/>
+            <a:off x="1989829" y="4140193"/>
             <a:ext cx="215621" cy="494944"/>
           </a:xfrm>
           <a:prstGeom prst="bentConnector2">
@@ -29025,7 +33323,7 @@
         </p:nvCxnSpPr>
         <p:spPr>
           <a:xfrm rot="5400000" flipH="1">
-            <a:off x="4467062" y="1185152"/>
+            <a:off x="4386291" y="1185152"/>
             <a:ext cx="227536" cy="6674894"/>
           </a:xfrm>
           <a:prstGeom prst="bentConnector3">
@@ -29054,7 +33352,7 @@
         </p:nvGrpSpPr>
         <p:grpSpPr>
           <a:xfrm>
-            <a:off x="1225376" y="1030252"/>
+            <a:off x="1144605" y="1030252"/>
             <a:ext cx="1714648" cy="605965"/>
             <a:chOff x="4002233" y="2421020"/>
             <a:chExt cx="1699616" cy="830160"/>
@@ -29187,7 +33485,7 @@
         </p:nvCxnSpPr>
         <p:spPr>
           <a:xfrm>
-            <a:off x="2082700" y="1636218"/>
+            <a:off x="2001929" y="1636218"/>
             <a:ext cx="0" cy="143821"/>
           </a:xfrm>
           <a:prstGeom prst="straightConnector1">
@@ -29217,7 +33515,7 @@
         </p:nvCxnSpPr>
         <p:spPr>
           <a:xfrm flipV="1">
-            <a:off x="2940025" y="1332530"/>
+            <a:off x="2859254" y="1332530"/>
             <a:ext cx="741061" cy="705"/>
           </a:xfrm>
           <a:prstGeom prst="straightConnector1">
@@ -29244,7 +33542,7 @@
         </p:nvGrpSpPr>
         <p:grpSpPr>
           <a:xfrm>
-            <a:off x="3681085" y="1143062"/>
+            <a:off x="3600314" y="1143062"/>
             <a:ext cx="1166943" cy="378935"/>
             <a:chOff x="4202081" y="2621835"/>
             <a:chExt cx="1156713" cy="519133"/>
@@ -29394,7 +33692,7 @@
         </p:nvSpPr>
         <p:spPr>
           <a:xfrm>
-            <a:off x="2111428" y="1523351"/>
+            <a:off x="2030657" y="1523351"/>
             <a:ext cx="281016" cy="337100"/>
           </a:xfrm>
           <a:prstGeom prst="rect">
@@ -29468,7 +33766,7 @@
         </p:nvSpPr>
         <p:spPr>
           <a:xfrm>
-            <a:off x="2894419" y="1054740"/>
+            <a:off x="2813648" y="1054740"/>
             <a:ext cx="314679" cy="337100"/>
           </a:xfrm>
           <a:prstGeom prst="rect">
@@ -29545,7 +33843,7 @@
         </p:nvCxnSpPr>
         <p:spPr>
           <a:xfrm>
-            <a:off x="2070599" y="862453"/>
+            <a:off x="1989828" y="862453"/>
             <a:ext cx="12101" cy="167799"/>
           </a:xfrm>
           <a:prstGeom prst="straightConnector1">
@@ -29572,7 +33870,7 @@
         </p:nvGrpSpPr>
         <p:grpSpPr>
           <a:xfrm>
-            <a:off x="4076428" y="2890205"/>
+            <a:off x="3995657" y="2890205"/>
             <a:ext cx="2177124" cy="829542"/>
             <a:chOff x="5841559" y="1123405"/>
             <a:chExt cx="1246653" cy="949842"/>
@@ -29801,7 +34099,7 @@
         </p:nvCxnSpPr>
         <p:spPr>
           <a:xfrm flipH="1" flipV="1">
-            <a:off x="3653563" y="4140193"/>
+            <a:off x="3572792" y="4140193"/>
             <a:ext cx="1465808" cy="4044"/>
           </a:xfrm>
           <a:prstGeom prst="straightConnector1">
@@ -29831,7 +34129,7 @@
         </p:nvCxnSpPr>
         <p:spPr>
           <a:xfrm rot="16200000" flipV="1">
-            <a:off x="3777807" y="1551693"/>
+            <a:off x="3697036" y="1551693"/>
             <a:ext cx="222372" cy="2551995"/>
           </a:xfrm>
           <a:prstGeom prst="bentConnector2">
@@ -29858,7 +34156,7 @@
         </p:nvCxnSpPr>
         <p:spPr>
           <a:xfrm>
-            <a:off x="6735857" y="1109412"/>
+            <a:off x="6655086" y="1109412"/>
             <a:ext cx="922487" cy="0"/>
           </a:xfrm>
           <a:prstGeom prst="line">
@@ -29885,7 +34183,7 @@
         </p:nvCxnSpPr>
         <p:spPr>
           <a:xfrm>
-            <a:off x="6732240" y="1451840"/>
+            <a:off x="6651469" y="1451840"/>
             <a:ext cx="922487" cy="0"/>
           </a:xfrm>
           <a:prstGeom prst="line">
@@ -29912,7 +34210,7 @@
         </p:nvSpPr>
         <p:spPr>
           <a:xfrm>
-            <a:off x="7694812" y="969468"/>
+            <a:off x="7614041" y="969468"/>
             <a:ext cx="796926" cy="337100"/>
           </a:xfrm>
           <a:prstGeom prst="rect">
@@ -29986,7 +34284,7 @@
         </p:nvSpPr>
         <p:spPr>
           <a:xfrm>
-            <a:off x="7703917" y="1301941"/>
+            <a:off x="7623146" y="1301941"/>
             <a:ext cx="1269334" cy="223597"/>
           </a:xfrm>
           <a:prstGeom prst="rect">
@@ -30078,7 +34376,7 @@
         </p:nvCxnSpPr>
         <p:spPr>
           <a:xfrm rot="10800000" flipV="1">
-            <a:off x="6302780" y="4194905"/>
+            <a:off x="6222009" y="4194905"/>
             <a:ext cx="1182252" cy="558516"/>
           </a:xfrm>
           <a:prstGeom prst="bentConnector3">
@@ -30107,7 +34405,7 @@
         </p:nvSpPr>
         <p:spPr>
           <a:xfrm>
-            <a:off x="413816" y="1030171"/>
+            <a:off x="333045" y="1030171"/>
             <a:ext cx="563825" cy="2126422"/>
           </a:xfrm>
           <a:prstGeom prst="rect">
@@ -30167,7 +34465,7 @@
         </p:nvSpPr>
         <p:spPr>
           <a:xfrm>
-            <a:off x="633681" y="1040599"/>
+            <a:off x="552910" y="1040599"/>
             <a:ext cx="338554" cy="2123658"/>
           </a:xfrm>
           <a:prstGeom prst="rect">
@@ -30677,7 +34975,7 @@
         </p:nvSpPr>
         <p:spPr>
           <a:xfrm>
-            <a:off x="413816" y="1032934"/>
+            <a:off x="333045" y="1032934"/>
             <a:ext cx="341760" cy="2123658"/>
           </a:xfrm>
           <a:prstGeom prst="rect">
@@ -31024,7 +35322,7 @@
         </p:nvCxnSpPr>
         <p:spPr>
           <a:xfrm rot="10800000">
-            <a:off x="695730" y="1030171"/>
+            <a:off x="614959" y="1030171"/>
             <a:ext cx="529647" cy="303064"/>
           </a:xfrm>
           <a:prstGeom prst="bentConnector4">
@@ -31086,9 +35384,6 @@
           <a:p>
             <a:r>
               <a:rPr lang="zh-TW" altLang="en-US" sz="4000" b="1" kern="0" spc="-1" dirty="0">
-                <a:solidFill>
-                  <a:sysClr val="windowText" lastClr="000000"/>
-                </a:solidFill>
                 <a:latin typeface="Adobe 楷体 Std R" pitchFamily="18" charset="-128"/>
                 <a:ea typeface="Adobe 楷体 Std R" pitchFamily="18" charset="-128"/>
               </a:rPr>
@@ -31096,18 +35391,12 @@
             </a:r>
             <a:r>
               <a:rPr lang="zh-TW" altLang="en-US" sz="4000" b="1" kern="0" spc="-1" dirty="0" smtClean="0">
-                <a:solidFill>
-                  <a:sysClr val="windowText" lastClr="000000"/>
-                </a:solidFill>
                 <a:latin typeface="Adobe 楷体 Std R" pitchFamily="18" charset="-128"/>
                 <a:ea typeface="Adobe 楷体 Std R" pitchFamily="18" charset="-128"/>
               </a:rPr>
               <a:t>流程</a:t>
             </a:r>
             <a:endParaRPr lang="en-US" altLang="zh-TW" sz="4000" b="1" kern="0" spc="-1" dirty="0">
-              <a:solidFill>
-                <a:sysClr val="windowText" lastClr="000000"/>
-              </a:solidFill>
               <a:latin typeface="Adobe 楷体 Std R" pitchFamily="18" charset="-128"/>
               <a:ea typeface="Adobe 楷体 Std R" pitchFamily="18" charset="-128"/>
             </a:endParaRPr>
@@ -31151,6 +35440,79 @@
           <a:chExt cx="0" cy="0"/>
         </a:xfrm>
       </p:grpSpPr>
+      <p:pic>
+        <p:nvPicPr>
+          <p:cNvPr id="33" name="Picture 2"/>
+          <p:cNvPicPr>
+            <a:picLocks noChangeAspect="1" noChangeArrowheads="1"/>
+          </p:cNvPicPr>
+          <p:nvPr/>
+        </p:nvPicPr>
+        <p:blipFill>
+          <a:blip r:embed="rId2" cstate="print">
+            <a:extLst>
+              <a:ext uri="{BEBA8EAE-BF5A-486C-A8C5-ECC9F3942E4B}">
+                <a14:imgProps xmlns:a14="http://schemas.microsoft.com/office/drawing/2010/main">
+                  <a14:imgLayer r:embed="rId3">
+                    <a14:imgEffect>
+                      <a14:brightnessContrast contrast="-100000"/>
+                    </a14:imgEffect>
+                  </a14:imgLayer>
+                </a14:imgProps>
+              </a:ext>
+              <a:ext uri="{28A0092B-C50C-407E-A947-70E740481C1C}">
+                <a14:useLocalDpi xmlns:a14="http://schemas.microsoft.com/office/drawing/2010/main" val="0"/>
+              </a:ext>
+            </a:extLst>
+          </a:blip>
+          <a:srcRect/>
+          <a:stretch>
+            <a:fillRect/>
+          </a:stretch>
+        </p:blipFill>
+        <p:spPr bwMode="auto">
+          <a:xfrm>
+            <a:off x="1979712" y="51470"/>
+            <a:ext cx="4896544" cy="864096"/>
+          </a:xfrm>
+          <a:prstGeom prst="rect">
+            <a:avLst/>
+          </a:prstGeom>
+          <a:noFill/>
+          <a:ln>
+            <a:noFill/>
+          </a:ln>
+          <a:effectLst/>
+          <a:extLst>
+            <a:ext uri="{909E8E84-426E-40DD-AFC4-6F175D3DCCD1}">
+              <a14:hiddenFill xmlns:a14="http://schemas.microsoft.com/office/drawing/2010/main">
+                <a:solidFill>
+                  <a:schemeClr val="accent1"/>
+                </a:solidFill>
+              </a14:hiddenFill>
+            </a:ext>
+            <a:ext uri="{91240B29-F687-4F45-9708-019B960494DF}">
+              <a14:hiddenLine xmlns:a14="http://schemas.microsoft.com/office/drawing/2010/main" w="9525">
+                <a:solidFill>
+                  <a:schemeClr val="tx1"/>
+                </a:solidFill>
+                <a:miter lim="800000"/>
+                <a:headEnd/>
+                <a:tailEnd/>
+              </a14:hiddenLine>
+            </a:ext>
+            <a:ext uri="{AF507438-7753-43E0-B8FC-AC1667EBCBE1}">
+              <a14:hiddenEffects xmlns:a14="http://schemas.microsoft.com/office/drawing/2010/main">
+                <a:effectLst>
+                  <a:outerShdw dist="35921" dir="2700000" algn="ctr" rotWithShape="0">
+                    <a:schemeClr val="bg2"/>
+                  </a:outerShdw>
+                </a:effectLst>
+              </a14:hiddenEffects>
+            </a:ext>
+          </a:extLst>
+        </p:spPr>
+      </p:pic>
       <p:sp>
         <p:nvSpPr>
           <p:cNvPr id="2" name="标题 1"/>
@@ -31254,7 +35616,7 @@
               <p:nvPr/>
             </p:nvPicPr>
             <p:blipFill>
-              <a:blip r:embed="rId2" cstate="email">
+              <a:blip r:embed="rId4" cstate="email">
                 <a:extLst>
                   <a:ext uri="{28A0092B-C50C-407E-A947-70E740481C1C}">
                     <a14:useLocalDpi xmlns:a14="http://schemas.microsoft.com/office/drawing/2010/main" val="0"/>
@@ -31426,7 +35788,7 @@
               <p:nvPr/>
             </p:nvPicPr>
             <p:blipFill>
-              <a:blip r:embed="rId2" cstate="email">
+              <a:blip r:embed="rId4" cstate="email">
                 <a:extLst>
                   <a:ext uri="{28A0092B-C50C-407E-A947-70E740481C1C}">
                     <a14:useLocalDpi xmlns:a14="http://schemas.microsoft.com/office/drawing/2010/main" val="0"/>
@@ -31597,7 +35959,7 @@
               <p:nvPr/>
             </p:nvPicPr>
             <p:blipFill>
-              <a:blip r:embed="rId2" cstate="email">
+              <a:blip r:embed="rId4" cstate="email">
                 <a:extLst>
                   <a:ext uri="{28A0092B-C50C-407E-A947-70E740481C1C}">
                     <a14:useLocalDpi xmlns:a14="http://schemas.microsoft.com/office/drawing/2010/main" val="0"/>
@@ -31764,7 +36126,7 @@
               <p:nvPr/>
             </p:nvPicPr>
             <p:blipFill>
-              <a:blip r:embed="rId2" cstate="email">
+              <a:blip r:embed="rId4" cstate="email">
                 <a:extLst>
                   <a:ext uri="{28A0092B-C50C-407E-A947-70E740481C1C}">
                     <a14:useLocalDpi xmlns:a14="http://schemas.microsoft.com/office/drawing/2010/main" val="0"/>
@@ -31935,7 +36297,7 @@
               <p:nvPr/>
             </p:nvPicPr>
             <p:blipFill>
-              <a:blip r:embed="rId2" cstate="email">
+              <a:blip r:embed="rId4" cstate="email">
                 <a:extLst>
                   <a:ext uri="{28A0092B-C50C-407E-A947-70E740481C1C}">
                     <a14:useLocalDpi xmlns:a14="http://schemas.microsoft.com/office/drawing/2010/main" val="0"/>
@@ -32102,7 +36464,7 @@
               <p:nvPr/>
             </p:nvPicPr>
             <p:blipFill>
-              <a:blip r:embed="rId2" cstate="email">
+              <a:blip r:embed="rId4" cstate="email">
                 <a:extLst>
                   <a:ext uri="{28A0092B-C50C-407E-A947-70E740481C1C}">
                     <a14:useLocalDpi xmlns:a14="http://schemas.microsoft.com/office/drawing/2010/main" val="0"/>
@@ -32297,6 +36659,79 @@
       </p:grpSpPr>
       <p:pic>
         <p:nvPicPr>
+          <p:cNvPr id="35" name="Picture 2"/>
+          <p:cNvPicPr>
+            <a:picLocks noChangeAspect="1" noChangeArrowheads="1"/>
+          </p:cNvPicPr>
+          <p:nvPr/>
+        </p:nvPicPr>
+        <p:blipFill>
+          <a:blip r:embed="rId2" cstate="print">
+            <a:extLst>
+              <a:ext uri="{BEBA8EAE-BF5A-486C-A8C5-ECC9F3942E4B}">
+                <a14:imgProps xmlns:a14="http://schemas.microsoft.com/office/drawing/2010/main">
+                  <a14:imgLayer r:embed="rId3">
+                    <a14:imgEffect>
+                      <a14:brightnessContrast contrast="-100000"/>
+                    </a14:imgEffect>
+                  </a14:imgLayer>
+                </a14:imgProps>
+              </a:ext>
+              <a:ext uri="{28A0092B-C50C-407E-A947-70E740481C1C}">
+                <a14:useLocalDpi xmlns:a14="http://schemas.microsoft.com/office/drawing/2010/main" val="0"/>
+              </a:ext>
+            </a:extLst>
+          </a:blip>
+          <a:srcRect/>
+          <a:stretch>
+            <a:fillRect/>
+          </a:stretch>
+        </p:blipFill>
+        <p:spPr bwMode="auto">
+          <a:xfrm>
+            <a:off x="1979712" y="51470"/>
+            <a:ext cx="4896544" cy="864096"/>
+          </a:xfrm>
+          <a:prstGeom prst="rect">
+            <a:avLst/>
+          </a:prstGeom>
+          <a:noFill/>
+          <a:ln>
+            <a:noFill/>
+          </a:ln>
+          <a:effectLst/>
+          <a:extLst>
+            <a:ext uri="{909E8E84-426E-40DD-AFC4-6F175D3DCCD1}">
+              <a14:hiddenFill xmlns:a14="http://schemas.microsoft.com/office/drawing/2010/main">
+                <a:solidFill>
+                  <a:schemeClr val="accent1"/>
+                </a:solidFill>
+              </a14:hiddenFill>
+            </a:ext>
+            <a:ext uri="{91240B29-F687-4F45-9708-019B960494DF}">
+              <a14:hiddenLine xmlns:a14="http://schemas.microsoft.com/office/drawing/2010/main" w="9525">
+                <a:solidFill>
+                  <a:schemeClr val="tx1"/>
+                </a:solidFill>
+                <a:miter lim="800000"/>
+                <a:headEnd/>
+                <a:tailEnd/>
+              </a14:hiddenLine>
+            </a:ext>
+            <a:ext uri="{AF507438-7753-43E0-B8FC-AC1667EBCBE1}">
+              <a14:hiddenEffects xmlns:a14="http://schemas.microsoft.com/office/drawing/2010/main">
+                <a:effectLst>
+                  <a:outerShdw dist="35921" dir="2700000" algn="ctr" rotWithShape="0">
+                    <a:schemeClr val="bg2"/>
+                  </a:outerShdw>
+                </a:effectLst>
+              </a14:hiddenEffects>
+            </a:ext>
+          </a:extLst>
+        </p:spPr>
+      </p:pic>
+      <p:pic>
+        <p:nvPicPr>
           <p:cNvPr id="1028" name="Picture 4"/>
           <p:cNvPicPr>
             <a:picLocks noChangeAspect="1" noChangeArrowheads="1"/>
@@ -32304,7 +36739,7 @@
           <p:nvPr/>
         </p:nvPicPr>
         <p:blipFill>
-          <a:blip r:embed="rId2">
+          <a:blip r:embed="rId4">
             <a:extLst>
               <a:ext uri="{28A0092B-C50C-407E-A947-70E740481C1C}">
                 <a14:useLocalDpi xmlns:a14="http://schemas.microsoft.com/office/drawing/2010/main" val="0"/>
@@ -32434,7 +36869,7 @@
             <p:nvPr/>
           </p:nvPicPr>
           <p:blipFill>
-            <a:blip r:embed="rId3" cstate="email">
+            <a:blip r:embed="rId5" cstate="email">
               <a:extLst>
                 <a:ext uri="{28A0092B-C50C-407E-A947-70E740481C1C}">
                   <a14:useLocalDpi xmlns:a14="http://schemas.microsoft.com/office/drawing/2010/main" val="0"/>
@@ -32592,7 +37027,7 @@
               <p:nvPr/>
             </p:nvPicPr>
             <p:blipFill>
-              <a:blip r:embed="rId3" cstate="email">
+              <a:blip r:embed="rId5" cstate="email">
                 <a:extLst>
                   <a:ext uri="{28A0092B-C50C-407E-A947-70E740481C1C}">
                     <a14:useLocalDpi xmlns:a14="http://schemas.microsoft.com/office/drawing/2010/main" val="0"/>
@@ -32733,7 +37168,7 @@
               <p:nvPr/>
             </p:nvPicPr>
             <p:blipFill>
-              <a:blip r:embed="rId3" cstate="email">
+              <a:blip r:embed="rId5" cstate="email">
                 <a:extLst>
                   <a:ext uri="{28A0092B-C50C-407E-A947-70E740481C1C}">
                     <a14:useLocalDpi xmlns:a14="http://schemas.microsoft.com/office/drawing/2010/main" val="0"/>
@@ -33187,7 +37622,7 @@
           <p:nvPr/>
         </p:nvPicPr>
         <p:blipFill>
-          <a:blip r:embed="rId4">
+          <a:blip r:embed="rId6">
             <a:extLst>
               <a:ext uri="{28A0092B-C50C-407E-A947-70E740481C1C}">
                 <a14:useLocalDpi xmlns:a14="http://schemas.microsoft.com/office/drawing/2010/main" val="0"/>
@@ -33563,7 +37998,7 @@
           <p:nvPr/>
         </p:nvPicPr>
         <p:blipFill>
-          <a:blip r:embed="rId5" cstate="print">
+          <a:blip r:embed="rId7" cstate="print">
             <a:extLst>
               <a:ext uri="{28A0092B-C50C-407E-A947-70E740481C1C}">
                 <a14:useLocalDpi xmlns:a14="http://schemas.microsoft.com/office/drawing/2010/main" val="0"/>
@@ -33723,7 +38158,7 @@
             <p:nvPr/>
           </p:nvPicPr>
           <p:blipFill>
-            <a:blip r:embed="rId6" cstate="print">
+            <a:blip r:embed="rId8" cstate="print">
               <a:extLst>
                 <a:ext uri="{28A0092B-C50C-407E-A947-70E740481C1C}">
                   <a14:useLocalDpi xmlns:a14="http://schemas.microsoft.com/office/drawing/2010/main" val="0"/>
@@ -33787,7 +38222,7 @@
             <p:nvPr/>
           </p:nvPicPr>
           <p:blipFill>
-            <a:blip r:embed="rId7" cstate="print">
+            <a:blip r:embed="rId9" cstate="print">
               <a:extLst>
                 <a:ext uri="{28A0092B-C50C-407E-A947-70E740481C1C}">
                   <a14:useLocalDpi xmlns:a14="http://schemas.microsoft.com/office/drawing/2010/main" val="0"/>
